--- a/Note/CleanCode.pptx
+++ b/Note/CleanCode.pptx
@@ -125,6 +125,11 @@
       </a:defRPr>
     </a:lvl9pPr>
   </p:defaultTextStyle>
+  <p:extLst>
+    <p:ext uri="{EFAFB233-063F-42B5-8137-9DF3F51BA10A}">
+      <p15:sldGuideLst xmlns:p15="http://schemas.microsoft.com/office/powerpoint/2012/main"/>
+    </p:ext>
+  </p:extLst>
 </p:presentation>
 </file>
 
@@ -185,7 +190,7 @@
           <a:noFill/>
           <a:extLst>
             <a:ext uri="{909E8E84-426E-40dd-AFC4-6F175D3DCCD1}">
-              <a14:hiddenFill xmlns:a14="http://schemas.microsoft.com/office/drawing/2010/main" xmlns="">
+              <a14:hiddenFill xmlns="" xmlns:a14="http://schemas.microsoft.com/office/drawing/2010/main">
                 <a:solidFill>
                   <a:srgbClr val="FFFFFF"/>
                 </a:solidFill>
@@ -244,7 +249,7 @@
             </a:ln>
             <a:extLst>
               <a:ext uri="{91240B29-F687-4f45-9708-019B960494DF}">
-                <a14:hiddenLine xmlns:a14="http://schemas.microsoft.com/office/drawing/2010/main" xmlns="" w="9525">
+                <a14:hiddenLine xmlns="" xmlns:a14="http://schemas.microsoft.com/office/drawing/2010/main" w="9525">
                   <a:solidFill>
                     <a:srgbClr val="000000"/>
                   </a:solidFill>
@@ -334,7 +339,7 @@
             </a:ln>
             <a:extLst>
               <a:ext uri="{91240B29-F687-4f45-9708-019B960494DF}">
-                <a14:hiddenLine xmlns:a14="http://schemas.microsoft.com/office/drawing/2010/main" xmlns="" w="9525">
+                <a14:hiddenLine xmlns="" xmlns:a14="http://schemas.microsoft.com/office/drawing/2010/main" w="9525">
                   <a:solidFill>
                     <a:srgbClr val="000000"/>
                   </a:solidFill>
@@ -424,7 +429,7 @@
             </a:ln>
             <a:extLst>
               <a:ext uri="{91240B29-F687-4f45-9708-019B960494DF}">
-                <a14:hiddenLine xmlns:a14="http://schemas.microsoft.com/office/drawing/2010/main" xmlns="" w="9525">
+                <a14:hiddenLine xmlns="" xmlns:a14="http://schemas.microsoft.com/office/drawing/2010/main" w="9525">
                   <a:solidFill>
                     <a:srgbClr val="000000"/>
                   </a:solidFill>
@@ -458,7 +463,7 @@
             </a:ln>
             <a:extLst>
               <a:ext uri="{91240B29-F687-4f45-9708-019B960494DF}">
-                <a14:hiddenLine xmlns:a14="http://schemas.microsoft.com/office/drawing/2010/main" xmlns="" w="9525">
+                <a14:hiddenLine xmlns="" xmlns:a14="http://schemas.microsoft.com/office/drawing/2010/main" w="9525">
                   <a:solidFill>
                     <a:srgbClr val="000000"/>
                   </a:solidFill>
@@ -548,7 +553,7 @@
             </a:ln>
             <a:extLst>
               <a:ext uri="{91240B29-F687-4f45-9708-019B960494DF}">
-                <a14:hiddenLine xmlns:a14="http://schemas.microsoft.com/office/drawing/2010/main" xmlns="" w="9525">
+                <a14:hiddenLine xmlns="" xmlns:a14="http://schemas.microsoft.com/office/drawing/2010/main" w="9525">
                   <a:solidFill>
                     <a:srgbClr val="000000"/>
                   </a:solidFill>
@@ -610,7 +615,7 @@
             </a:ln>
             <a:extLst>
               <a:ext uri="{91240B29-F687-4f45-9708-019B960494DF}">
-                <a14:hiddenLine xmlns:a14="http://schemas.microsoft.com/office/drawing/2010/main" xmlns="" w="9525">
+                <a14:hiddenLine xmlns="" xmlns:a14="http://schemas.microsoft.com/office/drawing/2010/main" w="9525">
                   <a:solidFill>
                     <a:srgbClr val="000000"/>
                   </a:solidFill>
@@ -672,7 +677,7 @@
             </a:ln>
             <a:extLst>
               <a:ext uri="{91240B29-F687-4f45-9708-019B960494DF}">
-                <a14:hiddenLine xmlns:a14="http://schemas.microsoft.com/office/drawing/2010/main" xmlns="" w="9525">
+                <a14:hiddenLine xmlns="" xmlns:a14="http://schemas.microsoft.com/office/drawing/2010/main" w="9525">
                   <a:solidFill>
                     <a:srgbClr val="000000"/>
                   </a:solidFill>
@@ -762,7 +767,7 @@
             </a:ln>
             <a:extLst>
               <a:ext uri="{91240B29-F687-4f45-9708-019B960494DF}">
-                <a14:hiddenLine xmlns:a14="http://schemas.microsoft.com/office/drawing/2010/main" xmlns="" w="9525">
+                <a14:hiddenLine xmlns="" xmlns:a14="http://schemas.microsoft.com/office/drawing/2010/main" w="9525">
                   <a:solidFill>
                     <a:srgbClr val="000000"/>
                   </a:solidFill>
@@ -824,7 +829,7 @@
             </a:ln>
             <a:extLst>
               <a:ext uri="{91240B29-F687-4f45-9708-019B960494DF}">
-                <a14:hiddenLine xmlns:a14="http://schemas.microsoft.com/office/drawing/2010/main" xmlns="" w="9525">
+                <a14:hiddenLine xmlns="" xmlns:a14="http://schemas.microsoft.com/office/drawing/2010/main" w="9525">
                   <a:solidFill>
                     <a:srgbClr val="000000"/>
                   </a:solidFill>
@@ -886,7 +891,7 @@
             </a:ln>
             <a:extLst>
               <a:ext uri="{91240B29-F687-4f45-9708-019B960494DF}">
-                <a14:hiddenLine xmlns:a14="http://schemas.microsoft.com/office/drawing/2010/main" xmlns="" w="9525">
+                <a14:hiddenLine xmlns="" xmlns:a14="http://schemas.microsoft.com/office/drawing/2010/main" w="9525">
                   <a:solidFill>
                     <a:srgbClr val="000000"/>
                   </a:solidFill>
@@ -976,7 +981,7 @@
             </a:ln>
             <a:extLst>
               <a:ext uri="{91240B29-F687-4f45-9708-019B960494DF}">
-                <a14:hiddenLine xmlns:a14="http://schemas.microsoft.com/office/drawing/2010/main" xmlns="" w="9525">
+                <a14:hiddenLine xmlns="" xmlns:a14="http://schemas.microsoft.com/office/drawing/2010/main" w="9525">
                   <a:solidFill>
                     <a:srgbClr val="000000"/>
                   </a:solidFill>
@@ -1066,7 +1071,7 @@
             </a:ln>
             <a:extLst>
               <a:ext uri="{91240B29-F687-4f45-9708-019B960494DF}">
-                <a14:hiddenLine xmlns:a14="http://schemas.microsoft.com/office/drawing/2010/main" xmlns="" w="9525">
+                <a14:hiddenLine xmlns="" xmlns:a14="http://schemas.microsoft.com/office/drawing/2010/main" w="9525">
                   <a:solidFill>
                     <a:srgbClr val="000000"/>
                   </a:solidFill>
@@ -1128,7 +1133,7 @@
             </a:ln>
             <a:extLst>
               <a:ext uri="{91240B29-F687-4f45-9708-019B960494DF}">
-                <a14:hiddenLine xmlns:a14="http://schemas.microsoft.com/office/drawing/2010/main" xmlns="" w="9525">
+                <a14:hiddenLine xmlns="" xmlns:a14="http://schemas.microsoft.com/office/drawing/2010/main" w="9525">
                   <a:solidFill>
                     <a:srgbClr val="000000"/>
                   </a:solidFill>
@@ -1238,7 +1243,7 @@
             </a:ln>
             <a:extLst>
               <a:ext uri="{91240B29-F687-4f45-9708-019B960494DF}">
-                <a14:hiddenLine xmlns:a14="http://schemas.microsoft.com/office/drawing/2010/main" xmlns="" w="9525">
+                <a14:hiddenLine xmlns="" xmlns:a14="http://schemas.microsoft.com/office/drawing/2010/main" w="9525">
                   <a:solidFill>
                     <a:srgbClr val="000000"/>
                   </a:solidFill>
@@ -1300,7 +1305,7 @@
             </a:ln>
             <a:extLst>
               <a:ext uri="{91240B29-F687-4f45-9708-019B960494DF}">
-                <a14:hiddenLine xmlns:a14="http://schemas.microsoft.com/office/drawing/2010/main" xmlns="" w="9525">
+                <a14:hiddenLine xmlns="" xmlns:a14="http://schemas.microsoft.com/office/drawing/2010/main" w="9525">
                   <a:solidFill>
                     <a:srgbClr val="000000"/>
                   </a:solidFill>
@@ -1390,7 +1395,7 @@
             </a:ln>
             <a:extLst>
               <a:ext uri="{91240B29-F687-4f45-9708-019B960494DF}">
-                <a14:hiddenLine xmlns:a14="http://schemas.microsoft.com/office/drawing/2010/main" xmlns="" w="9525">
+                <a14:hiddenLine xmlns="" xmlns:a14="http://schemas.microsoft.com/office/drawing/2010/main" w="9525">
                   <a:solidFill>
                     <a:srgbClr val="000000"/>
                   </a:solidFill>
@@ -1480,7 +1485,7 @@
             </a:ln>
             <a:extLst>
               <a:ext uri="{91240B29-F687-4f45-9708-019B960494DF}">
-                <a14:hiddenLine xmlns:a14="http://schemas.microsoft.com/office/drawing/2010/main" xmlns="" w="9525">
+                <a14:hiddenLine xmlns="" xmlns:a14="http://schemas.microsoft.com/office/drawing/2010/main" w="9525">
                   <a:solidFill>
                     <a:srgbClr val="000000"/>
                   </a:solidFill>
@@ -1542,7 +1547,7 @@
             </a:ln>
             <a:extLst>
               <a:ext uri="{91240B29-F687-4f45-9708-019B960494DF}">
-                <a14:hiddenLine xmlns:a14="http://schemas.microsoft.com/office/drawing/2010/main" xmlns="" w="9525">
+                <a14:hiddenLine xmlns="" xmlns:a14="http://schemas.microsoft.com/office/drawing/2010/main" w="9525">
                   <a:solidFill>
                     <a:srgbClr val="000000"/>
                   </a:solidFill>
@@ -1632,7 +1637,7 @@
             </a:ln>
             <a:extLst>
               <a:ext uri="{91240B29-F687-4f45-9708-019B960494DF}">
-                <a14:hiddenLine xmlns:a14="http://schemas.microsoft.com/office/drawing/2010/main" xmlns="" w="9525">
+                <a14:hiddenLine xmlns="" xmlns:a14="http://schemas.microsoft.com/office/drawing/2010/main" w="9525">
                   <a:solidFill>
                     <a:srgbClr val="000000"/>
                   </a:solidFill>
@@ -1722,7 +1727,7 @@
             </a:ln>
             <a:extLst>
               <a:ext uri="{91240B29-F687-4f45-9708-019B960494DF}">
-                <a14:hiddenLine xmlns:a14="http://schemas.microsoft.com/office/drawing/2010/main" xmlns="" w="9525">
+                <a14:hiddenLine xmlns="" xmlns:a14="http://schemas.microsoft.com/office/drawing/2010/main" w="9525">
                   <a:solidFill>
                     <a:srgbClr val="000000"/>
                   </a:solidFill>
@@ -1778,7 +1783,7 @@
             </a:ln>
             <a:extLst>
               <a:ext uri="{91240B29-F687-4f45-9708-019B960494DF}">
-                <a14:hiddenLine xmlns:a14="http://schemas.microsoft.com/office/drawing/2010/main" xmlns="" w="9525">
+                <a14:hiddenLine xmlns="" xmlns:a14="http://schemas.microsoft.com/office/drawing/2010/main" w="9525">
                   <a:solidFill>
                     <a:srgbClr val="000000"/>
                   </a:solidFill>
@@ -1868,7 +1873,7 @@
             </a:ln>
             <a:extLst>
               <a:ext uri="{91240B29-F687-4f45-9708-019B960494DF}">
-                <a14:hiddenLine xmlns:a14="http://schemas.microsoft.com/office/drawing/2010/main" xmlns="" w="9525">
+                <a14:hiddenLine xmlns="" xmlns:a14="http://schemas.microsoft.com/office/drawing/2010/main" w="9525">
                   <a:solidFill>
                     <a:srgbClr val="000000"/>
                   </a:solidFill>
@@ -1924,7 +1929,7 @@
             </a:ln>
             <a:extLst>
               <a:ext uri="{91240B29-F687-4f45-9708-019B960494DF}">
-                <a14:hiddenLine xmlns:a14="http://schemas.microsoft.com/office/drawing/2010/main" xmlns="" w="9525">
+                <a14:hiddenLine xmlns="" xmlns:a14="http://schemas.microsoft.com/office/drawing/2010/main" w="9525">
                   <a:solidFill>
                     <a:srgbClr val="000000"/>
                   </a:solidFill>
@@ -2014,7 +2019,7 @@
             </a:ln>
             <a:extLst>
               <a:ext uri="{91240B29-F687-4f45-9708-019B960494DF}">
-                <a14:hiddenLine xmlns:a14="http://schemas.microsoft.com/office/drawing/2010/main" xmlns="" w="9525">
+                <a14:hiddenLine xmlns="" xmlns:a14="http://schemas.microsoft.com/office/drawing/2010/main" w="9525">
                   <a:solidFill>
                     <a:srgbClr val="000000"/>
                   </a:solidFill>
@@ -2082,7 +2087,7 @@
             </a:ln>
             <a:extLst>
               <a:ext uri="{91240B29-F687-4f45-9708-019B960494DF}">
-                <a14:hiddenLine xmlns:a14="http://schemas.microsoft.com/office/drawing/2010/main" xmlns="" w="9525">
+                <a14:hiddenLine xmlns="" xmlns:a14="http://schemas.microsoft.com/office/drawing/2010/main" w="9525">
                   <a:solidFill>
                     <a:srgbClr val="000000"/>
                   </a:solidFill>
@@ -2172,7 +2177,7 @@
             </a:ln>
             <a:extLst>
               <a:ext uri="{91240B29-F687-4f45-9708-019B960494DF}">
-                <a14:hiddenLine xmlns:a14="http://schemas.microsoft.com/office/drawing/2010/main" xmlns="" w="9525">
+                <a14:hiddenLine xmlns="" xmlns:a14="http://schemas.microsoft.com/office/drawing/2010/main" w="9525">
                   <a:solidFill>
                     <a:srgbClr val="000000"/>
                   </a:solidFill>
@@ -2240,7 +2245,7 @@
             </a:ln>
             <a:extLst>
               <a:ext uri="{91240B29-F687-4f45-9708-019B960494DF}">
-                <a14:hiddenLine xmlns:a14="http://schemas.microsoft.com/office/drawing/2010/main" xmlns="" w="9525">
+                <a14:hiddenLine xmlns="" xmlns:a14="http://schemas.microsoft.com/office/drawing/2010/main" w="9525">
                   <a:solidFill>
                     <a:srgbClr val="000000"/>
                   </a:solidFill>
@@ -2330,7 +2335,7 @@
             </a:ln>
             <a:extLst>
               <a:ext uri="{91240B29-F687-4f45-9708-019B960494DF}">
-                <a14:hiddenLine xmlns:a14="http://schemas.microsoft.com/office/drawing/2010/main" xmlns="" w="9525">
+                <a14:hiddenLine xmlns="" xmlns:a14="http://schemas.microsoft.com/office/drawing/2010/main" w="9525">
                   <a:solidFill>
                     <a:srgbClr val="000000"/>
                   </a:solidFill>
@@ -2364,7 +2369,7 @@
             </a:ln>
             <a:extLst>
               <a:ext uri="{91240B29-F687-4f45-9708-019B960494DF}">
-                <a14:hiddenLine xmlns:a14="http://schemas.microsoft.com/office/drawing/2010/main" xmlns="" w="9525">
+                <a14:hiddenLine xmlns="" xmlns:a14="http://schemas.microsoft.com/office/drawing/2010/main" w="9525">
                   <a:solidFill>
                     <a:srgbClr val="000000"/>
                   </a:solidFill>
@@ -2454,7 +2459,7 @@
             </a:ln>
             <a:extLst>
               <a:ext uri="{91240B29-F687-4f45-9708-019B960494DF}">
-                <a14:hiddenLine xmlns:a14="http://schemas.microsoft.com/office/drawing/2010/main" xmlns="" w="9525">
+                <a14:hiddenLine xmlns="" xmlns:a14="http://schemas.microsoft.com/office/drawing/2010/main" w="9525">
                   <a:solidFill>
                     <a:srgbClr val="000000"/>
                   </a:solidFill>
@@ -2516,7 +2521,7 @@
             </a:ln>
             <a:extLst>
               <a:ext uri="{91240B29-F687-4f45-9708-019B960494DF}">
-                <a14:hiddenLine xmlns:a14="http://schemas.microsoft.com/office/drawing/2010/main" xmlns="" w="9525">
+                <a14:hiddenLine xmlns="" xmlns:a14="http://schemas.microsoft.com/office/drawing/2010/main" w="9525">
                   <a:solidFill>
                     <a:srgbClr val="000000"/>
                   </a:solidFill>
@@ -2578,7 +2583,7 @@
             </a:ln>
             <a:extLst>
               <a:ext uri="{91240B29-F687-4f45-9708-019B960494DF}">
-                <a14:hiddenLine xmlns:a14="http://schemas.microsoft.com/office/drawing/2010/main" xmlns="" w="9525">
+                <a14:hiddenLine xmlns="" xmlns:a14="http://schemas.microsoft.com/office/drawing/2010/main" w="9525">
                   <a:solidFill>
                     <a:srgbClr val="000000"/>
                   </a:solidFill>
@@ -2668,7 +2673,7 @@
             </a:ln>
             <a:extLst>
               <a:ext uri="{91240B29-F687-4f45-9708-019B960494DF}">
-                <a14:hiddenLine xmlns:a14="http://schemas.microsoft.com/office/drawing/2010/main" xmlns="" w="9525">
+                <a14:hiddenLine xmlns="" xmlns:a14="http://schemas.microsoft.com/office/drawing/2010/main" w="9525">
                   <a:solidFill>
                     <a:srgbClr val="000000"/>
                   </a:solidFill>
@@ -2736,7 +2741,7 @@
             </a:ln>
             <a:extLst>
               <a:ext uri="{91240B29-F687-4f45-9708-019B960494DF}">
-                <a14:hiddenLine xmlns:a14="http://schemas.microsoft.com/office/drawing/2010/main" xmlns="" w="9525">
+                <a14:hiddenLine xmlns="" xmlns:a14="http://schemas.microsoft.com/office/drawing/2010/main" w="9525">
                   <a:solidFill>
                     <a:srgbClr val="000000"/>
                   </a:solidFill>
@@ -2798,7 +2803,7 @@
             </a:ln>
             <a:extLst>
               <a:ext uri="{91240B29-F687-4f45-9708-019B960494DF}">
-                <a14:hiddenLine xmlns:a14="http://schemas.microsoft.com/office/drawing/2010/main" xmlns="" w="9525">
+                <a14:hiddenLine xmlns="" xmlns:a14="http://schemas.microsoft.com/office/drawing/2010/main" w="9525">
                   <a:solidFill>
                     <a:srgbClr val="000000"/>
                   </a:solidFill>
@@ -2888,7 +2893,7 @@
             </a:ln>
             <a:extLst>
               <a:ext uri="{91240B29-F687-4f45-9708-019B960494DF}">
-                <a14:hiddenLine xmlns:a14="http://schemas.microsoft.com/office/drawing/2010/main" xmlns="" w="9525">
+                <a14:hiddenLine xmlns="" xmlns:a14="http://schemas.microsoft.com/office/drawing/2010/main" w="9525">
                   <a:solidFill>
                     <a:srgbClr val="000000"/>
                   </a:solidFill>
@@ -2950,7 +2955,7 @@
             </a:ln>
             <a:extLst>
               <a:ext uri="{91240B29-F687-4f45-9708-019B960494DF}">
-                <a14:hiddenLine xmlns:a14="http://schemas.microsoft.com/office/drawing/2010/main" xmlns="" w="9525">
+                <a14:hiddenLine xmlns="" xmlns:a14="http://schemas.microsoft.com/office/drawing/2010/main" w="9525">
                   <a:solidFill>
                     <a:srgbClr val="000000"/>
                   </a:solidFill>
@@ -3040,7 +3045,7 @@
             </a:ln>
             <a:extLst>
               <a:ext uri="{91240B29-F687-4f45-9708-019B960494DF}">
-                <a14:hiddenLine xmlns:a14="http://schemas.microsoft.com/office/drawing/2010/main" xmlns="" w="9525">
+                <a14:hiddenLine xmlns="" xmlns:a14="http://schemas.microsoft.com/office/drawing/2010/main" w="9525">
                   <a:solidFill>
                     <a:srgbClr val="000000"/>
                   </a:solidFill>
@@ -3102,7 +3107,7 @@
             </a:ln>
             <a:extLst>
               <a:ext uri="{91240B29-F687-4f45-9708-019B960494DF}">
-                <a14:hiddenLine xmlns:a14="http://schemas.microsoft.com/office/drawing/2010/main" xmlns="" w="9525">
+                <a14:hiddenLine xmlns="" xmlns:a14="http://schemas.microsoft.com/office/drawing/2010/main" w="9525">
                   <a:solidFill>
                     <a:srgbClr val="000000"/>
                   </a:solidFill>
@@ -3192,7 +3197,7 @@
             </a:ln>
             <a:extLst>
               <a:ext uri="{91240B29-F687-4f45-9708-019B960494DF}">
-                <a14:hiddenLine xmlns:a14="http://schemas.microsoft.com/office/drawing/2010/main" xmlns="" w="9525">
+                <a14:hiddenLine xmlns="" xmlns:a14="http://schemas.microsoft.com/office/drawing/2010/main" w="9525">
                   <a:solidFill>
                     <a:srgbClr val="000000"/>
                   </a:solidFill>
@@ -3226,7 +3231,7 @@
             </a:ln>
             <a:extLst>
               <a:ext uri="{91240B29-F687-4f45-9708-019B960494DF}">
-                <a14:hiddenLine xmlns:a14="http://schemas.microsoft.com/office/drawing/2010/main" xmlns="" w="9525">
+                <a14:hiddenLine xmlns="" xmlns:a14="http://schemas.microsoft.com/office/drawing/2010/main" w="9525">
                   <a:solidFill>
                     <a:srgbClr val="000000"/>
                   </a:solidFill>
@@ -3291,7 +3296,7 @@
             </a:ln>
             <a:extLst>
               <a:ext uri="{91240B29-F687-4f45-9708-019B960494DF}">
-                <a14:hiddenLine xmlns:a14="http://schemas.microsoft.com/office/drawing/2010/main" xmlns="" w="9525">
+                <a14:hiddenLine xmlns="" xmlns:a14="http://schemas.microsoft.com/office/drawing/2010/main" w="9525">
                   <a:solidFill>
                     <a:srgbClr val="000000"/>
                   </a:solidFill>
@@ -3381,7 +3386,7 @@
             </a:ln>
             <a:extLst>
               <a:ext uri="{91240B29-F687-4f45-9708-019B960494DF}">
-                <a14:hiddenLine xmlns:a14="http://schemas.microsoft.com/office/drawing/2010/main" xmlns="" w="9525">
+                <a14:hiddenLine xmlns="" xmlns:a14="http://schemas.microsoft.com/office/drawing/2010/main" w="9525">
                   <a:solidFill>
                     <a:srgbClr val="000000"/>
                   </a:solidFill>
@@ -3443,7 +3448,7 @@
             </a:ln>
             <a:extLst>
               <a:ext uri="{91240B29-F687-4f45-9708-019B960494DF}">
-                <a14:hiddenLine xmlns:a14="http://schemas.microsoft.com/office/drawing/2010/main" xmlns="" w="9525">
+                <a14:hiddenLine xmlns="" xmlns:a14="http://schemas.microsoft.com/office/drawing/2010/main" w="9525">
                   <a:solidFill>
                     <a:srgbClr val="000000"/>
                   </a:solidFill>
@@ -3533,7 +3538,7 @@
             </a:ln>
             <a:extLst>
               <a:ext uri="{91240B29-F687-4f45-9708-019B960494DF}">
-                <a14:hiddenLine xmlns:a14="http://schemas.microsoft.com/office/drawing/2010/main" xmlns="" w="9525">
+                <a14:hiddenLine xmlns="" xmlns:a14="http://schemas.microsoft.com/office/drawing/2010/main" w="9525">
                   <a:solidFill>
                     <a:srgbClr val="000000"/>
                   </a:solidFill>
@@ -3623,7 +3628,7 @@
             </a:ln>
             <a:extLst>
               <a:ext uri="{91240B29-F687-4f45-9708-019B960494DF}">
-                <a14:hiddenLine xmlns:a14="http://schemas.microsoft.com/office/drawing/2010/main" xmlns="" w="9525">
+                <a14:hiddenLine xmlns="" xmlns:a14="http://schemas.microsoft.com/office/drawing/2010/main" w="9525">
                   <a:solidFill>
                     <a:srgbClr val="000000"/>
                   </a:solidFill>
@@ -3688,7 +3693,7 @@
             </a:ln>
             <a:extLst>
               <a:ext uri="{91240B29-F687-4f45-9708-019B960494DF}">
-                <a14:hiddenLine xmlns:a14="http://schemas.microsoft.com/office/drawing/2010/main" xmlns="" w="9525">
+                <a14:hiddenLine xmlns="" xmlns:a14="http://schemas.microsoft.com/office/drawing/2010/main" w="9525">
                   <a:solidFill>
                     <a:srgbClr val="000000"/>
                   </a:solidFill>
@@ -3750,7 +3755,7 @@
             </a:ln>
             <a:extLst>
               <a:ext uri="{91240B29-F687-4f45-9708-019B960494DF}">
-                <a14:hiddenLine xmlns:a14="http://schemas.microsoft.com/office/drawing/2010/main" xmlns="" w="9525">
+                <a14:hiddenLine xmlns="" xmlns:a14="http://schemas.microsoft.com/office/drawing/2010/main" w="9525">
                   <a:solidFill>
                     <a:srgbClr val="000000"/>
                   </a:solidFill>
@@ -3840,7 +3845,7 @@
             </a:ln>
             <a:extLst>
               <a:ext uri="{91240B29-F687-4f45-9708-019B960494DF}">
-                <a14:hiddenLine xmlns:a14="http://schemas.microsoft.com/office/drawing/2010/main" xmlns="" w="9525">
+                <a14:hiddenLine xmlns="" xmlns:a14="http://schemas.microsoft.com/office/drawing/2010/main" w="9525">
                   <a:solidFill>
                     <a:srgbClr val="000000"/>
                   </a:solidFill>
@@ -3930,7 +3935,7 @@
             </a:ln>
             <a:extLst>
               <a:ext uri="{91240B29-F687-4f45-9708-019B960494DF}">
-                <a14:hiddenLine xmlns:a14="http://schemas.microsoft.com/office/drawing/2010/main" xmlns="" w="9525">
+                <a14:hiddenLine xmlns="" xmlns:a14="http://schemas.microsoft.com/office/drawing/2010/main" w="9525">
                   <a:solidFill>
                     <a:srgbClr val="000000"/>
                   </a:solidFill>
@@ -3992,7 +3997,7 @@
             </a:ln>
             <a:extLst>
               <a:ext uri="{91240B29-F687-4f45-9708-019B960494DF}">
-                <a14:hiddenLine xmlns:a14="http://schemas.microsoft.com/office/drawing/2010/main" xmlns="" w="9525">
+                <a14:hiddenLine xmlns="" xmlns:a14="http://schemas.microsoft.com/office/drawing/2010/main" w="9525">
                   <a:solidFill>
                     <a:srgbClr val="000000"/>
                   </a:solidFill>
@@ -4112,7 +4117,7 @@
             </a:ln>
             <a:extLst>
               <a:ext uri="{91240B29-F687-4f45-9708-019B960494DF}">
-                <a14:hiddenLine xmlns:a14="http://schemas.microsoft.com/office/drawing/2010/main" xmlns="" w="9525">
+                <a14:hiddenLine xmlns="" xmlns:a14="http://schemas.microsoft.com/office/drawing/2010/main" w="9525">
                   <a:solidFill>
                     <a:srgbClr val="000000"/>
                   </a:solidFill>
@@ -4180,7 +4185,7 @@
             </a:ln>
             <a:extLst>
               <a:ext uri="{91240B29-F687-4f45-9708-019B960494DF}">
-                <a14:hiddenLine xmlns:a14="http://schemas.microsoft.com/office/drawing/2010/main" xmlns="" w="9525">
+                <a14:hiddenLine xmlns="" xmlns:a14="http://schemas.microsoft.com/office/drawing/2010/main" w="9525">
                   <a:solidFill>
                     <a:srgbClr val="000000"/>
                   </a:solidFill>
@@ -4270,7 +4275,7 @@
             </a:ln>
             <a:extLst>
               <a:ext uri="{91240B29-F687-4f45-9708-019B960494DF}">
-                <a14:hiddenLine xmlns:a14="http://schemas.microsoft.com/office/drawing/2010/main" xmlns="" w="9525">
+                <a14:hiddenLine xmlns="" xmlns:a14="http://schemas.microsoft.com/office/drawing/2010/main" w="9525">
                   <a:solidFill>
                     <a:srgbClr val="000000"/>
                   </a:solidFill>
@@ -4410,7 +4415,7 @@
           <a:p>
             <a:fld id="{48A87A34-81AB-432B-8DAE-1953F412C126}" type="datetimeFigureOut">
               <a:rPr lang="en-US" dirty="0"/>
-              <a:t>6/12/2019</a:t>
+              <a:t>6/13/2019</a:t>
             </a:fld>
             <a:endParaRPr lang="en-US" dirty="0"/>
           </a:p>
@@ -4672,7 +4677,7 @@
           <a:p>
             <a:fld id="{48A87A34-81AB-432B-8DAE-1953F412C126}" type="datetimeFigureOut">
               <a:rPr lang="en-US" dirty="0"/>
-              <a:t>6/12/2019</a:t>
+              <a:t>6/13/2019</a:t>
             </a:fld>
             <a:endParaRPr lang="en-US" dirty="0"/>
           </a:p>
@@ -4863,7 +4868,7 @@
           <a:p>
             <a:fld id="{48A87A34-81AB-432B-8DAE-1953F412C126}" type="datetimeFigureOut">
               <a:rPr lang="en-US" dirty="0"/>
-              <a:t>6/12/2019</a:t>
+              <a:t>6/13/2019</a:t>
             </a:fld>
             <a:endParaRPr lang="en-US" dirty="0"/>
           </a:p>
@@ -5121,7 +5126,7 @@
           <a:p>
             <a:fld id="{48A87A34-81AB-432B-8DAE-1953F412C126}" type="datetimeFigureOut">
               <a:rPr lang="en-US" dirty="0"/>
-              <a:t>6/12/2019</a:t>
+              <a:t>6/13/2019</a:t>
             </a:fld>
             <a:endParaRPr lang="en-US" dirty="0"/>
           </a:p>
@@ -5550,7 +5555,7 @@
           <a:p>
             <a:fld id="{48A87A34-81AB-432B-8DAE-1953F412C126}" type="datetimeFigureOut">
               <a:rPr lang="en-US" dirty="0"/>
-              <a:t>6/12/2019</a:t>
+              <a:t>6/13/2019</a:t>
             </a:fld>
             <a:endParaRPr lang="en-US" dirty="0"/>
           </a:p>
@@ -6091,7 +6096,7 @@
           <a:p>
             <a:fld id="{48A87A34-81AB-432B-8DAE-1953F412C126}" type="datetimeFigureOut">
               <a:rPr lang="en-US" dirty="0"/>
-              <a:t>6/12/2019</a:t>
+              <a:t>6/13/2019</a:t>
             </a:fld>
             <a:endParaRPr lang="en-US" dirty="0"/>
           </a:p>
@@ -6806,7 +6811,7 @@
           <a:p>
             <a:fld id="{48A87A34-81AB-432B-8DAE-1953F412C126}" type="datetimeFigureOut">
               <a:rPr lang="en-US" dirty="0"/>
-              <a:t>6/12/2019</a:t>
+              <a:t>6/13/2019</a:t>
             </a:fld>
             <a:endParaRPr lang="en-US" dirty="0"/>
           </a:p>
@@ -6971,7 +6976,7 @@
           <a:p>
             <a:fld id="{48A87A34-81AB-432B-8DAE-1953F412C126}" type="datetimeFigureOut">
               <a:rPr lang="en-US" dirty="0"/>
-              <a:t>6/12/2019</a:t>
+              <a:t>6/13/2019</a:t>
             </a:fld>
             <a:endParaRPr lang="en-US" dirty="0"/>
           </a:p>
@@ -7146,7 +7151,7 @@
           <a:p>
             <a:fld id="{48A87A34-81AB-432B-8DAE-1953F412C126}" type="datetimeFigureOut">
               <a:rPr lang="en-US" dirty="0"/>
-              <a:t>6/12/2019</a:t>
+              <a:t>6/13/2019</a:t>
             </a:fld>
             <a:endParaRPr lang="en-US" dirty="0"/>
           </a:p>
@@ -7311,7 +7316,7 @@
           <a:p>
             <a:fld id="{48A87A34-81AB-432B-8DAE-1953F412C126}" type="datetimeFigureOut">
               <a:rPr lang="en-US" dirty="0"/>
-              <a:t>6/12/2019</a:t>
+              <a:t>6/13/2019</a:t>
             </a:fld>
             <a:endParaRPr lang="en-US" dirty="0"/>
           </a:p>
@@ -7556,7 +7561,7 @@
           <a:p>
             <a:fld id="{48A87A34-81AB-432B-8DAE-1953F412C126}" type="datetimeFigureOut">
               <a:rPr lang="en-US" dirty="0"/>
-              <a:t>6/12/2019</a:t>
+              <a:t>6/13/2019</a:t>
             </a:fld>
             <a:endParaRPr lang="en-US" dirty="0"/>
           </a:p>
@@ -7783,7 +7788,7 @@
           <a:p>
             <a:fld id="{48A87A34-81AB-432B-8DAE-1953F412C126}" type="datetimeFigureOut">
               <a:rPr lang="en-US" dirty="0"/>
-              <a:t>6/12/2019</a:t>
+              <a:t>6/13/2019</a:t>
             </a:fld>
             <a:endParaRPr lang="en-US" dirty="0"/>
           </a:p>
@@ -8159,7 +8164,7 @@
           <a:p>
             <a:fld id="{48A87A34-81AB-432B-8DAE-1953F412C126}" type="datetimeFigureOut">
               <a:rPr lang="en-US" dirty="0"/>
-              <a:t>6/12/2019</a:t>
+              <a:t>6/13/2019</a:t>
             </a:fld>
             <a:endParaRPr lang="en-US" dirty="0"/>
           </a:p>
@@ -8272,7 +8277,7 @@
           <a:p>
             <a:fld id="{48A87A34-81AB-432B-8DAE-1953F412C126}" type="datetimeFigureOut">
               <a:rPr lang="en-US" dirty="0"/>
-              <a:t>6/12/2019</a:t>
+              <a:t>6/13/2019</a:t>
             </a:fld>
             <a:endParaRPr lang="en-US" dirty="0"/>
           </a:p>
@@ -8362,7 +8367,7 @@
           <a:p>
             <a:fld id="{48A87A34-81AB-432B-8DAE-1953F412C126}" type="datetimeFigureOut">
               <a:rPr lang="en-US" dirty="0"/>
-              <a:t>6/12/2019</a:t>
+              <a:t>6/13/2019</a:t>
             </a:fld>
             <a:endParaRPr lang="en-US" dirty="0"/>
           </a:p>
@@ -8606,7 +8611,7 @@
           <a:p>
             <a:fld id="{48A87A34-81AB-432B-8DAE-1953F412C126}" type="datetimeFigureOut">
               <a:rPr lang="en-US" dirty="0"/>
-              <a:t>6/12/2019</a:t>
+              <a:t>6/13/2019</a:t>
             </a:fld>
             <a:endParaRPr lang="en-US" dirty="0"/>
           </a:p>
@@ -8881,7 +8886,7 @@
           <a:p>
             <a:fld id="{48A87A34-81AB-432B-8DAE-1953F412C126}" type="datetimeFigureOut">
               <a:rPr lang="en-US" dirty="0"/>
-              <a:t>6/12/2019</a:t>
+              <a:t>6/13/2019</a:t>
             </a:fld>
             <a:endParaRPr lang="en-US" dirty="0"/>
           </a:p>
@@ -8999,7 +9004,7 @@
           <a:noFill/>
           <a:extLst>
             <a:ext uri="{909E8E84-426E-40dd-AFC4-6F175D3DCCD1}">
-              <a14:hiddenFill xmlns:a14="http://schemas.microsoft.com/office/drawing/2010/main" xmlns="">
+              <a14:hiddenFill xmlns="" xmlns:a14="http://schemas.microsoft.com/office/drawing/2010/main">
                 <a:solidFill>
                   <a:srgbClr val="FFFFFF"/>
                 </a:solidFill>
@@ -9073,7 +9078,7 @@
               </a:ln>
               <a:extLst>
                 <a:ext uri="{91240B29-F687-4f45-9708-019B960494DF}">
-                  <a14:hiddenLine xmlns:a14="http://schemas.microsoft.com/office/drawing/2010/main" xmlns="" w="9525">
+                  <a14:hiddenLine xmlns="" xmlns:a14="http://schemas.microsoft.com/office/drawing/2010/main" w="9525">
                     <a:solidFill>
                       <a:srgbClr val="000000"/>
                     </a:solidFill>
@@ -9163,7 +9168,7 @@
               </a:ln>
               <a:extLst>
                 <a:ext uri="{91240B29-F687-4f45-9708-019B960494DF}">
-                  <a14:hiddenLine xmlns:a14="http://schemas.microsoft.com/office/drawing/2010/main" xmlns="" w="9525">
+                  <a14:hiddenLine xmlns="" xmlns:a14="http://schemas.microsoft.com/office/drawing/2010/main" w="9525">
                     <a:solidFill>
                       <a:srgbClr val="000000"/>
                     </a:solidFill>
@@ -9253,7 +9258,7 @@
               </a:ln>
               <a:extLst>
                 <a:ext uri="{91240B29-F687-4f45-9708-019B960494DF}">
-                  <a14:hiddenLine xmlns:a14="http://schemas.microsoft.com/office/drawing/2010/main" xmlns="" w="9525">
+                  <a14:hiddenLine xmlns="" xmlns:a14="http://schemas.microsoft.com/office/drawing/2010/main" w="9525">
                     <a:solidFill>
                       <a:srgbClr val="000000"/>
                     </a:solidFill>
@@ -9315,7 +9320,7 @@
               </a:ln>
               <a:extLst>
                 <a:ext uri="{91240B29-F687-4f45-9708-019B960494DF}">
-                  <a14:hiddenLine xmlns:a14="http://schemas.microsoft.com/office/drawing/2010/main" xmlns="" w="9525">
+                  <a14:hiddenLine xmlns="" xmlns:a14="http://schemas.microsoft.com/office/drawing/2010/main" w="9525">
                     <a:solidFill>
                       <a:srgbClr val="000000"/>
                     </a:solidFill>
@@ -9405,7 +9410,7 @@
               </a:ln>
               <a:extLst>
                 <a:ext uri="{91240B29-F687-4f45-9708-019B960494DF}">
-                  <a14:hiddenLine xmlns:a14="http://schemas.microsoft.com/office/drawing/2010/main" xmlns="" w="9525">
+                  <a14:hiddenLine xmlns="" xmlns:a14="http://schemas.microsoft.com/office/drawing/2010/main" w="9525">
                     <a:solidFill>
                       <a:srgbClr val="000000"/>
                     </a:solidFill>
@@ -9467,7 +9472,7 @@
               </a:ln>
               <a:extLst>
                 <a:ext uri="{91240B29-F687-4f45-9708-019B960494DF}">
-                  <a14:hiddenLine xmlns:a14="http://schemas.microsoft.com/office/drawing/2010/main" xmlns="" w="9525">
+                  <a14:hiddenLine xmlns="" xmlns:a14="http://schemas.microsoft.com/office/drawing/2010/main" w="9525">
                     <a:solidFill>
                       <a:srgbClr val="000000"/>
                     </a:solidFill>
@@ -9529,7 +9534,7 @@
               </a:ln>
               <a:extLst>
                 <a:ext uri="{91240B29-F687-4f45-9708-019B960494DF}">
-                  <a14:hiddenLine xmlns:a14="http://schemas.microsoft.com/office/drawing/2010/main" xmlns="" w="9525">
+                  <a14:hiddenLine xmlns="" xmlns:a14="http://schemas.microsoft.com/office/drawing/2010/main" w="9525">
                     <a:solidFill>
                       <a:srgbClr val="000000"/>
                     </a:solidFill>
@@ -9619,7 +9624,7 @@
               </a:ln>
               <a:extLst>
                 <a:ext uri="{91240B29-F687-4f45-9708-019B960494DF}">
-                  <a14:hiddenLine xmlns:a14="http://schemas.microsoft.com/office/drawing/2010/main" xmlns="" w="9525">
+                  <a14:hiddenLine xmlns="" xmlns:a14="http://schemas.microsoft.com/office/drawing/2010/main" w="9525">
                     <a:solidFill>
                       <a:srgbClr val="000000"/>
                     </a:solidFill>
@@ -9709,7 +9714,7 @@
               </a:ln>
               <a:extLst>
                 <a:ext uri="{91240B29-F687-4f45-9708-019B960494DF}">
-                  <a14:hiddenLine xmlns:a14="http://schemas.microsoft.com/office/drawing/2010/main" xmlns="" w="9525">
+                  <a14:hiddenLine xmlns="" xmlns:a14="http://schemas.microsoft.com/office/drawing/2010/main" w="9525">
                     <a:solidFill>
                       <a:srgbClr val="000000"/>
                     </a:solidFill>
@@ -9771,7 +9776,7 @@
               </a:ln>
               <a:extLst>
                 <a:ext uri="{91240B29-F687-4f45-9708-019B960494DF}">
-                  <a14:hiddenLine xmlns:a14="http://schemas.microsoft.com/office/drawing/2010/main" xmlns="" w="9525">
+                  <a14:hiddenLine xmlns="" xmlns:a14="http://schemas.microsoft.com/office/drawing/2010/main" w="9525">
                     <a:solidFill>
                       <a:srgbClr val="000000"/>
                     </a:solidFill>
@@ -9881,7 +9886,7 @@
               </a:ln>
               <a:extLst>
                 <a:ext uri="{91240B29-F687-4f45-9708-019B960494DF}">
-                  <a14:hiddenLine xmlns:a14="http://schemas.microsoft.com/office/drawing/2010/main" xmlns="" w="9525">
+                  <a14:hiddenLine xmlns="" xmlns:a14="http://schemas.microsoft.com/office/drawing/2010/main" w="9525">
                     <a:solidFill>
                       <a:srgbClr val="000000"/>
                     </a:solidFill>
@@ -9965,7 +9970,7 @@
               </a:ln>
               <a:extLst>
                 <a:ext uri="{91240B29-F687-4f45-9708-019B960494DF}">
-                  <a14:hiddenLine xmlns:a14="http://schemas.microsoft.com/office/drawing/2010/main" xmlns="" w="9525">
+                  <a14:hiddenLine xmlns="" xmlns:a14="http://schemas.microsoft.com/office/drawing/2010/main" w="9525">
                     <a:solidFill>
                       <a:srgbClr val="000000"/>
                     </a:solidFill>
@@ -10027,7 +10032,7 @@
               </a:ln>
               <a:extLst>
                 <a:ext uri="{91240B29-F687-4f45-9708-019B960494DF}">
-                  <a14:hiddenLine xmlns:a14="http://schemas.microsoft.com/office/drawing/2010/main" xmlns="" w="9525">
+                  <a14:hiddenLine xmlns="" xmlns:a14="http://schemas.microsoft.com/office/drawing/2010/main" w="9525">
                     <a:solidFill>
                       <a:srgbClr val="000000"/>
                     </a:solidFill>
@@ -10089,7 +10094,7 @@
               </a:ln>
               <a:extLst>
                 <a:ext uri="{91240B29-F687-4f45-9708-019B960494DF}">
-                  <a14:hiddenLine xmlns:a14="http://schemas.microsoft.com/office/drawing/2010/main" xmlns="" w="9525">
+                  <a14:hiddenLine xmlns="" xmlns:a14="http://schemas.microsoft.com/office/drawing/2010/main" w="9525">
                     <a:solidFill>
                       <a:srgbClr val="000000"/>
                     </a:solidFill>
@@ -10179,7 +10184,7 @@
               </a:ln>
               <a:extLst>
                 <a:ext uri="{91240B29-F687-4f45-9708-019B960494DF}">
-                  <a14:hiddenLine xmlns:a14="http://schemas.microsoft.com/office/drawing/2010/main" xmlns="" w="9525">
+                  <a14:hiddenLine xmlns="" xmlns:a14="http://schemas.microsoft.com/office/drawing/2010/main" w="9525">
                     <a:solidFill>
                       <a:srgbClr val="000000"/>
                     </a:solidFill>
@@ -10213,7 +10218,7 @@
               </a:ln>
               <a:extLst>
                 <a:ext uri="{91240B29-F687-4f45-9708-019B960494DF}">
-                  <a14:hiddenLine xmlns:a14="http://schemas.microsoft.com/office/drawing/2010/main" xmlns="" w="9525">
+                  <a14:hiddenLine xmlns="" xmlns:a14="http://schemas.microsoft.com/office/drawing/2010/main" w="9525">
                     <a:solidFill>
                       <a:srgbClr val="000000"/>
                     </a:solidFill>
@@ -10278,7 +10283,7 @@
               </a:ln>
               <a:extLst>
                 <a:ext uri="{91240B29-F687-4f45-9708-019B960494DF}">
-                  <a14:hiddenLine xmlns:a14="http://schemas.microsoft.com/office/drawing/2010/main" xmlns="" w="9525">
+                  <a14:hiddenLine xmlns="" xmlns:a14="http://schemas.microsoft.com/office/drawing/2010/main" w="9525">
                     <a:solidFill>
                       <a:srgbClr val="000000"/>
                     </a:solidFill>
@@ -10368,7 +10373,7 @@
               </a:ln>
               <a:extLst>
                 <a:ext uri="{91240B29-F687-4f45-9708-019B960494DF}">
-                  <a14:hiddenLine xmlns:a14="http://schemas.microsoft.com/office/drawing/2010/main" xmlns="" w="9525">
+                  <a14:hiddenLine xmlns="" xmlns:a14="http://schemas.microsoft.com/office/drawing/2010/main" w="9525">
                     <a:solidFill>
                       <a:srgbClr val="000000"/>
                     </a:solidFill>
@@ -10430,7 +10435,7 @@
               </a:ln>
               <a:extLst>
                 <a:ext uri="{91240B29-F687-4f45-9708-019B960494DF}">
-                  <a14:hiddenLine xmlns:a14="http://schemas.microsoft.com/office/drawing/2010/main" xmlns="" w="9525">
+                  <a14:hiddenLine xmlns="" xmlns:a14="http://schemas.microsoft.com/office/drawing/2010/main" w="9525">
                     <a:solidFill>
                       <a:srgbClr val="000000"/>
                     </a:solidFill>
@@ -10520,7 +10525,7 @@
               </a:ln>
               <a:extLst>
                 <a:ext uri="{91240B29-F687-4f45-9708-019B960494DF}">
-                  <a14:hiddenLine xmlns:a14="http://schemas.microsoft.com/office/drawing/2010/main" xmlns="" w="9525">
+                  <a14:hiddenLine xmlns="" xmlns:a14="http://schemas.microsoft.com/office/drawing/2010/main" w="9525">
                     <a:solidFill>
                       <a:srgbClr val="000000"/>
                     </a:solidFill>
@@ -10585,7 +10590,7 @@
               </a:ln>
               <a:extLst>
                 <a:ext uri="{91240B29-F687-4f45-9708-019B960494DF}">
-                  <a14:hiddenLine xmlns:a14="http://schemas.microsoft.com/office/drawing/2010/main" xmlns="" w="9525">
+                  <a14:hiddenLine xmlns="" xmlns:a14="http://schemas.microsoft.com/office/drawing/2010/main" w="9525">
                     <a:solidFill>
                       <a:srgbClr val="000000"/>
                     </a:solidFill>
@@ -10647,7 +10652,7 @@
               </a:ln>
               <a:extLst>
                 <a:ext uri="{91240B29-F687-4f45-9708-019B960494DF}">
-                  <a14:hiddenLine xmlns:a14="http://schemas.microsoft.com/office/drawing/2010/main" xmlns="" w="9525">
+                  <a14:hiddenLine xmlns="" xmlns:a14="http://schemas.microsoft.com/office/drawing/2010/main" w="9525">
                     <a:solidFill>
                       <a:srgbClr val="000000"/>
                     </a:solidFill>
@@ -10737,7 +10742,7 @@
               </a:ln>
               <a:extLst>
                 <a:ext uri="{91240B29-F687-4f45-9708-019B960494DF}">
-                  <a14:hiddenLine xmlns:a14="http://schemas.microsoft.com/office/drawing/2010/main" xmlns="" w="9525">
+                  <a14:hiddenLine xmlns="" xmlns:a14="http://schemas.microsoft.com/office/drawing/2010/main" w="9525">
                     <a:solidFill>
                       <a:srgbClr val="000000"/>
                     </a:solidFill>
@@ -10827,7 +10832,7 @@
               </a:ln>
               <a:extLst>
                 <a:ext uri="{91240B29-F687-4f45-9708-019B960494DF}">
-                  <a14:hiddenLine xmlns:a14="http://schemas.microsoft.com/office/drawing/2010/main" xmlns="" w="9525">
+                  <a14:hiddenLine xmlns="" xmlns:a14="http://schemas.microsoft.com/office/drawing/2010/main" w="9525">
                     <a:solidFill>
                       <a:srgbClr val="000000"/>
                     </a:solidFill>
@@ -10892,7 +10897,7 @@
               </a:ln>
               <a:extLst>
                 <a:ext uri="{91240B29-F687-4f45-9708-019B960494DF}">
-                  <a14:hiddenLine xmlns:a14="http://schemas.microsoft.com/office/drawing/2010/main" xmlns="" w="9525">
+                  <a14:hiddenLine xmlns="" xmlns:a14="http://schemas.microsoft.com/office/drawing/2010/main" w="9525">
                     <a:solidFill>
                       <a:srgbClr val="000000"/>
                     </a:solidFill>
@@ -11012,7 +11017,7 @@
               </a:ln>
               <a:extLst>
                 <a:ext uri="{91240B29-F687-4f45-9708-019B960494DF}">
-                  <a14:hiddenLine xmlns:a14="http://schemas.microsoft.com/office/drawing/2010/main" xmlns="" w="9525">
+                  <a14:hiddenLine xmlns="" xmlns:a14="http://schemas.microsoft.com/office/drawing/2010/main" w="9525">
                     <a:solidFill>
                       <a:srgbClr val="000000"/>
                     </a:solidFill>
@@ -11093,7 +11098,7 @@
               </a:ln>
               <a:extLst>
                 <a:ext uri="{91240B29-F687-4f45-9708-019B960494DF}">
-                  <a14:hiddenLine xmlns:a14="http://schemas.microsoft.com/office/drawing/2010/main" xmlns="" w="9525">
+                  <a14:hiddenLine xmlns="" xmlns:a14="http://schemas.microsoft.com/office/drawing/2010/main" w="9525">
                     <a:solidFill>
                       <a:srgbClr val="000000"/>
                     </a:solidFill>
@@ -11208,7 +11213,7 @@
               </a:ln>
               <a:extLst>
                 <a:ext uri="{91240B29-F687-4f45-9708-019B960494DF}">
-                  <a14:hiddenLine xmlns:a14="http://schemas.microsoft.com/office/drawing/2010/main" xmlns="" w="9525">
+                  <a14:hiddenLine xmlns="" xmlns:a14="http://schemas.microsoft.com/office/drawing/2010/main" w="9525">
                     <a:solidFill>
                       <a:srgbClr val="000000"/>
                     </a:solidFill>
@@ -11298,7 +11303,7 @@
               </a:ln>
               <a:extLst>
                 <a:ext uri="{91240B29-F687-4f45-9708-019B960494DF}">
-                  <a14:hiddenLine xmlns:a14="http://schemas.microsoft.com/office/drawing/2010/main" xmlns="" w="9525">
+                  <a14:hiddenLine xmlns="" xmlns:a14="http://schemas.microsoft.com/office/drawing/2010/main" w="9525">
                     <a:solidFill>
                       <a:srgbClr val="000000"/>
                     </a:solidFill>
@@ -11363,7 +11368,7 @@
               </a:ln>
               <a:extLst>
                 <a:ext uri="{91240B29-F687-4f45-9708-019B960494DF}">
-                  <a14:hiddenLine xmlns:a14="http://schemas.microsoft.com/office/drawing/2010/main" xmlns="" w="9525">
+                  <a14:hiddenLine xmlns="" xmlns:a14="http://schemas.microsoft.com/office/drawing/2010/main" w="9525">
                     <a:solidFill>
                       <a:srgbClr val="000000"/>
                     </a:solidFill>
@@ -11453,7 +11458,7 @@
               </a:ln>
               <a:extLst>
                 <a:ext uri="{91240B29-F687-4f45-9708-019B960494DF}">
-                  <a14:hiddenLine xmlns:a14="http://schemas.microsoft.com/office/drawing/2010/main" xmlns="" w="9525">
+                  <a14:hiddenLine xmlns="" xmlns:a14="http://schemas.microsoft.com/office/drawing/2010/main" w="9525">
                     <a:solidFill>
                       <a:srgbClr val="000000"/>
                     </a:solidFill>
@@ -11521,7 +11526,7 @@
               </a:ln>
               <a:extLst>
                 <a:ext uri="{91240B29-F687-4f45-9708-019B960494DF}">
-                  <a14:hiddenLine xmlns:a14="http://schemas.microsoft.com/office/drawing/2010/main" xmlns="" w="9525">
+                  <a14:hiddenLine xmlns="" xmlns:a14="http://schemas.microsoft.com/office/drawing/2010/main" w="9525">
                     <a:solidFill>
                       <a:srgbClr val="000000"/>
                     </a:solidFill>
@@ -11611,7 +11616,7 @@
               </a:ln>
               <a:extLst>
                 <a:ext uri="{91240B29-F687-4f45-9708-019B960494DF}">
-                  <a14:hiddenLine xmlns:a14="http://schemas.microsoft.com/office/drawing/2010/main" xmlns="" w="9525">
+                  <a14:hiddenLine xmlns="" xmlns:a14="http://schemas.microsoft.com/office/drawing/2010/main" w="9525">
                     <a:solidFill>
                       <a:srgbClr val="000000"/>
                     </a:solidFill>
@@ -11679,7 +11684,7 @@
               </a:ln>
               <a:extLst>
                 <a:ext uri="{91240B29-F687-4f45-9708-019B960494DF}">
-                  <a14:hiddenLine xmlns:a14="http://schemas.microsoft.com/office/drawing/2010/main" xmlns="" w="9525">
+                  <a14:hiddenLine xmlns="" xmlns:a14="http://schemas.microsoft.com/office/drawing/2010/main" w="9525">
                     <a:solidFill>
                       <a:srgbClr val="000000"/>
                     </a:solidFill>
@@ -11769,7 +11774,7 @@
               </a:ln>
               <a:extLst>
                 <a:ext uri="{91240B29-F687-4f45-9708-019B960494DF}">
-                  <a14:hiddenLine xmlns:a14="http://schemas.microsoft.com/office/drawing/2010/main" xmlns="" w="9525">
+                  <a14:hiddenLine xmlns="" xmlns:a14="http://schemas.microsoft.com/office/drawing/2010/main" w="9525">
                     <a:solidFill>
                       <a:srgbClr val="000000"/>
                     </a:solidFill>
@@ -11803,7 +11808,7 @@
               </a:ln>
               <a:extLst>
                 <a:ext uri="{91240B29-F687-4f45-9708-019B960494DF}">
-                  <a14:hiddenLine xmlns:a14="http://schemas.microsoft.com/office/drawing/2010/main" xmlns="" w="9525">
+                  <a14:hiddenLine xmlns="" xmlns:a14="http://schemas.microsoft.com/office/drawing/2010/main" w="9525">
                     <a:solidFill>
                       <a:srgbClr val="000000"/>
                     </a:solidFill>
@@ -11944,7 +11949,7 @@
             <a:fld id="{48A87A34-81AB-432B-8DAE-1953F412C126}" type="datetimeFigureOut">
               <a:rPr lang="en-US" dirty="0"/>
               <a:pPr/>
-              <a:t>6/12/2019</a:t>
+              <a:t>6/13/2019</a:t>
             </a:fld>
             <a:endParaRPr lang="en-US" dirty="0"/>
           </a:p>
@@ -12403,8 +12408,8 @@
         </p:nvSpPr>
         <p:spPr>
           <a:xfrm>
-            <a:off x="5860869" y="5782491"/>
-            <a:ext cx="6226628" cy="1200329"/>
+            <a:off x="5085805" y="5886994"/>
+            <a:ext cx="7480664" cy="954107"/>
           </a:xfrm>
           <a:prstGeom prst="rect">
             <a:avLst/>
@@ -12452,23 +12457,50 @@
           </a:p>
           <a:p>
             <a:r>
-              <a:rPr lang="vi-VN" dirty="0"/>
+              <a:rPr lang="vi-VN" dirty="0" smtClean="0"/>
               <a:t>GitHub: </a:t>
             </a:r>
             <a:r>
-              <a:rPr lang="en-US" dirty="0">
+              <a:rPr lang="en-US" sz="2000" dirty="0" smtClean="0">
                 <a:solidFill>
                   <a:schemeClr val="bg2">
-                    <a:lumMod val="40000"/>
-                    <a:lumOff val="60000"/>
+                    <a:lumMod val="50000"/>
+                    <a:lumOff val="50000"/>
                   </a:schemeClr>
                 </a:solidFill>
               </a:rPr>
-              <a:t>https://github.com/quocTuan02/demo/tree/master/C</a:t>
-            </a:r>
-          </a:p>
-          <a:p>
-            <a:endParaRPr lang="en-US" dirty="0"/>
+              <a:t>https</a:t>
+            </a:r>
+            <a:r>
+              <a:rPr lang="en-US" sz="2000" dirty="0">
+                <a:solidFill>
+                  <a:schemeClr val="bg2">
+                    <a:lumMod val="50000"/>
+                    <a:lumOff val="50000"/>
+                  </a:schemeClr>
+                </a:solidFill>
+              </a:rPr>
+              <a:t>://</a:t>
+            </a:r>
+            <a:r>
+              <a:rPr lang="en-US" sz="2000" dirty="0" smtClean="0">
+                <a:solidFill>
+                  <a:schemeClr val="bg2">
+                    <a:lumMod val="50000"/>
+                    <a:lumOff val="50000"/>
+                  </a:schemeClr>
+                </a:solidFill>
+              </a:rPr>
+              <a:t>github.com/quocTuan02/demo/blob/master/Note</a:t>
+            </a:r>
+            <a:endParaRPr lang="en-US" sz="2000" dirty="0">
+              <a:solidFill>
+                <a:schemeClr val="bg2">
+                  <a:lumMod val="50000"/>
+                  <a:lumOff val="50000"/>
+                </a:schemeClr>
+              </a:solidFill>
+            </a:endParaRPr>
           </a:p>
         </p:txBody>
       </p:sp>
@@ -16349,8 +16381,8 @@
         </p:nvSpPr>
         <p:spPr>
           <a:xfrm>
-            <a:off x="5747658" y="5808618"/>
-            <a:ext cx="7001692" cy="923330"/>
+            <a:off x="5190308" y="5903893"/>
+            <a:ext cx="7001692" cy="954107"/>
           </a:xfrm>
           <a:prstGeom prst="rect">
             <a:avLst/>
@@ -16402,32 +16434,32 @@
               <a:t>GitHub: </a:t>
             </a:r>
             <a:r>
-              <a:rPr lang="en-US" dirty="0">
+              <a:rPr lang="en-US" sz="2000" dirty="0">
                 <a:solidFill>
                   <a:schemeClr val="bg2">
-                    <a:lumMod val="40000"/>
-                    <a:lumOff val="60000"/>
+                    <a:lumMod val="50000"/>
+                    <a:lumOff val="50000"/>
                   </a:schemeClr>
                 </a:solidFill>
               </a:rPr>
               <a:t>https://</a:t>
             </a:r>
             <a:r>
-              <a:rPr lang="en-US" dirty="0" smtClean="0">
+              <a:rPr lang="en-US" sz="2000" dirty="0" smtClean="0">
                 <a:solidFill>
                   <a:schemeClr val="bg2">
-                    <a:lumMod val="40000"/>
-                    <a:lumOff val="60000"/>
+                    <a:lumMod val="50000"/>
+                    <a:lumOff val="50000"/>
                   </a:schemeClr>
                 </a:solidFill>
               </a:rPr>
-              <a:t>github.com/quocTuan02/demo/tree/master/C</a:t>
-            </a:r>
-            <a:endParaRPr lang="en-US" dirty="0">
+              <a:t>github.com/quocTuan02/demo/blob/master/Note</a:t>
+            </a:r>
+            <a:endParaRPr lang="en-US" sz="2000" dirty="0">
               <a:solidFill>
                 <a:schemeClr val="bg2">
-                  <a:lumMod val="40000"/>
-                  <a:lumOff val="60000"/>
+                  <a:lumMod val="50000"/>
+                  <a:lumOff val="50000"/>
                 </a:schemeClr>
               </a:solidFill>
             </a:endParaRPr>
@@ -17923,11 +17955,11 @@
   <p:clrMapOvr>
     <a:masterClrMapping/>
   </p:clrMapOvr>
-  <mc:AlternateContent xmlns:mc="http://schemas.openxmlformats.org/markup-compatibility/2006">
-    <mc:Choice xmlns:p14="http://schemas.microsoft.com/office/powerpoint/2010/main" Requires="p14">
+  <mc:AlternateContent xmlns:mc="http://schemas.openxmlformats.org/markup-compatibility/2006" xmlns:p14="http://schemas.microsoft.com/office/powerpoint/2010/main">
+    <mc:Choice Requires="p14">
       <p:transition p14:dur="0"/>
     </mc:Choice>
-    <mc:Fallback>
+    <mc:Fallback xmlns="">
       <p:transition/>
     </mc:Fallback>
   </mc:AlternateContent>

--- a/Note/CleanCode.pptx
+++ b/Note/CleanCode.pptx
@@ -8,25 +8,24 @@
     <p:sldId id="256" r:id="rId2"/>
     <p:sldId id="257" r:id="rId3"/>
     <p:sldId id="258" r:id="rId4"/>
-    <p:sldId id="276" r:id="rId5"/>
-    <p:sldId id="277" r:id="rId6"/>
+    <p:sldId id="280" r:id="rId5"/>
+    <p:sldId id="281" r:id="rId6"/>
     <p:sldId id="261" r:id="rId7"/>
-    <p:sldId id="278" r:id="rId8"/>
-    <p:sldId id="262" r:id="rId9"/>
-    <p:sldId id="264" r:id="rId10"/>
-    <p:sldId id="272" r:id="rId11"/>
-    <p:sldId id="265" r:id="rId12"/>
-    <p:sldId id="274" r:id="rId13"/>
-    <p:sldId id="266" r:id="rId14"/>
-    <p:sldId id="270" r:id="rId15"/>
-    <p:sldId id="269" r:id="rId16"/>
-    <p:sldId id="267" r:id="rId17"/>
-    <p:sldId id="271" r:id="rId18"/>
-    <p:sldId id="273" r:id="rId19"/>
-    <p:sldId id="259" r:id="rId20"/>
-    <p:sldId id="260" r:id="rId21"/>
-    <p:sldId id="279" r:id="rId22"/>
-    <p:sldId id="275" r:id="rId23"/>
+    <p:sldId id="262" r:id="rId8"/>
+    <p:sldId id="264" r:id="rId9"/>
+    <p:sldId id="272" r:id="rId10"/>
+    <p:sldId id="265" r:id="rId11"/>
+    <p:sldId id="274" r:id="rId12"/>
+    <p:sldId id="266" r:id="rId13"/>
+    <p:sldId id="270" r:id="rId14"/>
+    <p:sldId id="269" r:id="rId15"/>
+    <p:sldId id="267" r:id="rId16"/>
+    <p:sldId id="271" r:id="rId17"/>
+    <p:sldId id="273" r:id="rId18"/>
+    <p:sldId id="259" r:id="rId19"/>
+    <p:sldId id="260" r:id="rId20"/>
+    <p:sldId id="279" r:id="rId21"/>
+    <p:sldId id="275" r:id="rId22"/>
   </p:sldIdLst>
   <p:sldSz cx="12192000" cy="6858000"/>
   <p:notesSz cx="6858000" cy="9144000"/>
@@ -2994,49 +2993,14 @@
       </p:grpSpPr>
       <p:sp>
         <p:nvSpPr>
-          <p:cNvPr id="2" name="Title 1"/>
-          <p:cNvSpPr>
-            <a:spLocks noGrp="1"/>
-          </p:cNvSpPr>
-          <p:nvPr>
-            <p:ph type="ctrTitle"/>
-          </p:nvPr>
-        </p:nvSpPr>
-        <p:spPr>
-          <a:xfrm>
-            <a:off x="1902550" y="2403565"/>
-            <a:ext cx="8791575" cy="1097689"/>
-          </a:xfrm>
-        </p:spPr>
-        <p:txBody>
-          <a:bodyPr>
-            <a:normAutofit/>
-          </a:bodyPr>
-          <a:lstStyle/>
-          <a:p>
-            <a:pPr algn="ctr"/>
-            <a:r>
-              <a:rPr lang="vi-VN" sz="7000" dirty="0" smtClean="0">
-                <a:latin typeface="+mn-lt"/>
-              </a:rPr>
-              <a:t>CLEAN CODE</a:t>
-            </a:r>
-            <a:endParaRPr lang="en-US" sz="7000" dirty="0">
-              <a:latin typeface="+mn-lt"/>
-            </a:endParaRPr>
-          </a:p>
-        </p:txBody>
-      </p:sp>
-      <p:sp>
-        <p:nvSpPr>
           <p:cNvPr id="4" name="TextBox 3"/>
           <p:cNvSpPr txBox="1"/>
           <p:nvPr/>
         </p:nvSpPr>
         <p:spPr>
           <a:xfrm>
-            <a:off x="5085805" y="5886994"/>
-            <a:ext cx="7480664" cy="954107"/>
+            <a:off x="4859383" y="5738948"/>
+            <a:ext cx="7480664" cy="400110"/>
           </a:xfrm>
           <a:prstGeom prst="rect">
             <a:avLst/>
@@ -3049,35 +3013,84 @@
           </a:bodyPr>
           <a:lstStyle/>
           <a:p>
-            <a:r>
-              <a:rPr lang="vi-VN" dirty="0"/>
-              <a:t>Mọi chi tiết góp ý liên hệ: Nguyễn Quốc Tuấn</a:t>
-            </a:r>
-          </a:p>
-          <a:p>
-            <a:r>
-              <a:rPr lang="vi-VN" dirty="0"/>
-              <a:t>Email: linhty1802@gmail.com</a:t>
-            </a:r>
-          </a:p>
-          <a:p>
-            <a:r>
-              <a:rPr lang="vi-VN" dirty="0" smtClean="0"/>
-              <a:t>GitHub: </a:t>
-            </a:r>
-            <a:r>
-              <a:rPr lang="en-US" sz="2000" dirty="0" smtClean="0"/>
-              <a:t>https</a:t>
-            </a:r>
-            <a:r>
-              <a:rPr lang="en-US" sz="2000" dirty="0"/>
-              <a:t>://</a:t>
-            </a:r>
-            <a:r>
-              <a:rPr lang="en-US" sz="2000" dirty="0" smtClean="0"/>
-              <a:t>github.com/quocTuan02/demo/blob/master/Note</a:t>
-            </a:r>
             <a:endParaRPr lang="en-US" sz="2000" dirty="0"/>
+          </a:p>
+        </p:txBody>
+      </p:sp>
+      <p:pic>
+        <p:nvPicPr>
+          <p:cNvPr id="2052" name="Picture 4" descr="https://hinhchuctet.com/wp-content/uploads/2018/04/hinh-nen-powerpoint-don-gian-7-600x450.jpg"/>
+          <p:cNvPicPr>
+            <a:picLocks noChangeAspect="1" noChangeArrowheads="1"/>
+          </p:cNvPicPr>
+          <p:nvPr/>
+        </p:nvPicPr>
+        <p:blipFill>
+          <a:blip r:embed="rId2">
+            <a:extLst>
+              <a:ext uri="{28A0092B-C50C-407E-A947-70E740481C1C}">
+                <a14:useLocalDpi xmlns:a14="http://schemas.microsoft.com/office/drawing/2010/main" val="0"/>
+              </a:ext>
+            </a:extLst>
+          </a:blip>
+          <a:srcRect/>
+          <a:stretch>
+            <a:fillRect/>
+          </a:stretch>
+        </p:blipFill>
+        <p:spPr bwMode="auto">
+          <a:xfrm rot="21600000">
+            <a:off x="-1898248" y="8965"/>
+            <a:ext cx="14238295" cy="6858000"/>
+          </a:xfrm>
+          <a:prstGeom prst="rect">
+            <a:avLst/>
+          </a:prstGeom>
+          <a:noFill/>
+          <a:extLst>
+            <a:ext uri="{909E8E84-426E-40DD-AFC4-6F175D3DCCD1}">
+              <a14:hiddenFill xmlns:a14="http://schemas.microsoft.com/office/drawing/2010/main">
+                <a:solidFill>
+                  <a:srgbClr val="FFFFFF"/>
+                </a:solidFill>
+              </a14:hiddenFill>
+            </a:ext>
+          </a:extLst>
+        </p:spPr>
+      </p:pic>
+      <p:sp>
+        <p:nvSpPr>
+          <p:cNvPr id="3" name="TextBox 2"/>
+          <p:cNvSpPr txBox="1"/>
+          <p:nvPr/>
+        </p:nvSpPr>
+        <p:spPr>
+          <a:xfrm>
+            <a:off x="5602941" y="2805752"/>
+            <a:ext cx="6589059" cy="1246495"/>
+          </a:xfrm>
+          <a:prstGeom prst="rect">
+            <a:avLst/>
+          </a:prstGeom>
+          <a:noFill/>
+        </p:spPr>
+        <p:txBody>
+          <a:bodyPr wrap="square" rtlCol="0">
+            <a:spAutoFit/>
+          </a:bodyPr>
+          <a:lstStyle/>
+          <a:p>
+            <a:r>
+              <a:rPr lang="vi-VN" sz="7500" b="1" dirty="0" smtClean="0">
+                <a:latin typeface="Arial" panose="020B0604020202020204" pitchFamily="34" charset="0"/>
+                <a:cs typeface="Arial" panose="020B0604020202020204" pitchFamily="34" charset="0"/>
+              </a:rPr>
+              <a:t>CLEAN CODE</a:t>
+            </a:r>
+            <a:endParaRPr lang="en-US" sz="7500" b="1" dirty="0">
+              <a:latin typeface="Arial" panose="020B0604020202020204" pitchFamily="34" charset="0"/>
+              <a:cs typeface="Arial" panose="020B0604020202020204" pitchFamily="34" charset="0"/>
+            </a:endParaRPr>
           </a:p>
         </p:txBody>
       </p:sp>
@@ -3129,8 +3142,8 @@
         </p:nvSpPr>
         <p:spPr>
           <a:xfrm>
-            <a:off x="1332411" y="217714"/>
-            <a:ext cx="8577943" cy="707886"/>
+            <a:off x="513806" y="278674"/>
+            <a:ext cx="11120845" cy="738664"/>
           </a:xfrm>
           <a:prstGeom prst="rect">
             <a:avLst/>
@@ -3143,114 +3156,22 @@
           </a:bodyPr>
           <a:lstStyle/>
           <a:p>
-            <a:r>
-              <a:rPr lang="vi-VN" sz="4000" dirty="0" smtClean="0">
+            <a:pPr algn="ctr"/>
+            <a:r>
+              <a:rPr lang="vi-VN" sz="4200" b="1" dirty="0" smtClean="0">
                 <a:latin typeface="Arial" panose="020B0604020202020204" pitchFamily="34" charset="0"/>
                 <a:cs typeface="Arial" panose="020B0604020202020204" pitchFamily="34" charset="0"/>
               </a:rPr>
-              <a:t>3. Làm thế nào để viết code sạch</a:t>
-            </a:r>
-            <a:endParaRPr lang="en-US" sz="4000" dirty="0">
-              <a:latin typeface="Arial" panose="020B0604020202020204" pitchFamily="34" charset="0"/>
-              <a:cs typeface="Arial" panose="020B0604020202020204" pitchFamily="34" charset="0"/>
-            </a:endParaRPr>
-          </a:p>
-        </p:txBody>
-      </p:sp>
-      <p:pic>
-        <p:nvPicPr>
-          <p:cNvPr id="2" name="Picture 1"/>
-          <p:cNvPicPr>
-            <a:picLocks noChangeAspect="1"/>
-          </p:cNvPicPr>
-          <p:nvPr/>
-        </p:nvPicPr>
-        <p:blipFill>
-          <a:blip r:embed="rId2"/>
-          <a:stretch>
-            <a:fillRect/>
-          </a:stretch>
-        </p:blipFill>
-        <p:spPr>
-          <a:xfrm>
-            <a:off x="1332411" y="1727154"/>
-            <a:ext cx="9534525" cy="4048125"/>
-          </a:xfrm>
-          <a:prstGeom prst="rect">
-            <a:avLst/>
-          </a:prstGeom>
-        </p:spPr>
-      </p:pic>
-    </p:spTree>
-    <p:extLst>
-      <p:ext uri="{BB962C8B-B14F-4D97-AF65-F5344CB8AC3E}">
-        <p14:creationId xmlns:p14="http://schemas.microsoft.com/office/powerpoint/2010/main" val="300041147"/>
-      </p:ext>
-    </p:extLst>
-  </p:cSld>
-  <p:clrMapOvr>
-    <a:masterClrMapping/>
-  </p:clrMapOvr>
-  <p:transition spd="slow">
-    <p:push dir="u"/>
-  </p:transition>
-  <p:timing>
-    <p:tnLst>
-      <p:par>
-        <p:cTn id="1" dur="indefinite" restart="never" nodeType="tmRoot"/>
-      </p:par>
-    </p:tnLst>
-  </p:timing>
-</p:sld>
-</file>
-
-<file path=ppt/slides/slide11.xml><?xml version="1.0" encoding="utf-8"?>
-<p:sld xmlns:a="http://schemas.openxmlformats.org/drawingml/2006/main" xmlns:r="http://schemas.openxmlformats.org/officeDocument/2006/relationships" xmlns:p="http://schemas.openxmlformats.org/presentationml/2006/main">
-  <p:cSld>
-    <p:spTree>
-      <p:nvGrpSpPr>
-        <p:cNvPr id="1" name=""/>
-        <p:cNvGrpSpPr/>
-        <p:nvPr/>
-      </p:nvGrpSpPr>
-      <p:grpSpPr>
-        <a:xfrm>
-          <a:off x="0" y="0"/>
-          <a:ext cx="0" cy="0"/>
-          <a:chOff x="0" y="0"/>
-          <a:chExt cx="0" cy="0"/>
-        </a:xfrm>
-      </p:grpSpPr>
-      <p:sp>
-        <p:nvSpPr>
-          <p:cNvPr id="3" name="TextBox 2"/>
-          <p:cNvSpPr txBox="1"/>
-          <p:nvPr/>
-        </p:nvSpPr>
-        <p:spPr>
-          <a:xfrm>
-            <a:off x="1332411" y="200297"/>
-            <a:ext cx="8577943" cy="707886"/>
-          </a:xfrm>
-          <a:prstGeom prst="rect">
-            <a:avLst/>
-          </a:prstGeom>
-          <a:noFill/>
-        </p:spPr>
-        <p:txBody>
-          <a:bodyPr wrap="square" rtlCol="0">
-            <a:spAutoFit/>
-          </a:bodyPr>
-          <a:lstStyle/>
-          <a:p>
-            <a:r>
-              <a:rPr lang="vi-VN" sz="4000" dirty="0" smtClean="0">
+              <a:t>Làm </a:t>
+            </a:r>
+            <a:r>
+              <a:rPr lang="vi-VN" sz="4200" b="1" dirty="0" smtClean="0">
                 <a:latin typeface="Arial" panose="020B0604020202020204" pitchFamily="34" charset="0"/>
                 <a:cs typeface="Arial" panose="020B0604020202020204" pitchFamily="34" charset="0"/>
               </a:rPr>
-              <a:t>3. Làm thế nào để viết code sạch</a:t>
-            </a:r>
-            <a:endParaRPr lang="en-US" sz="4000" dirty="0">
+              <a:t>thế nào để viết code sạch</a:t>
+            </a:r>
+            <a:endParaRPr lang="en-US" sz="4200" b="1" dirty="0">
               <a:latin typeface="Arial" panose="020B0604020202020204" pitchFamily="34" charset="0"/>
               <a:cs typeface="Arial" panose="020B0604020202020204" pitchFamily="34" charset="0"/>
             </a:endParaRPr>
@@ -3328,8 +3249,8 @@
         </p:blipFill>
         <p:spPr>
           <a:xfrm>
-            <a:off x="1332411" y="2607916"/>
-            <a:ext cx="4858702" cy="3654409"/>
+            <a:off x="1332411" y="2299552"/>
+            <a:ext cx="5268686" cy="3962773"/>
           </a:xfrm>
           <a:prstGeom prst="rect">
             <a:avLst/>
@@ -3352,8 +3273,8 @@
         </p:blipFill>
         <p:spPr>
           <a:xfrm>
-            <a:off x="6601097" y="2603156"/>
-            <a:ext cx="4487364" cy="3407929"/>
+            <a:off x="6601097" y="2299552"/>
+            <a:ext cx="4887132" cy="3711533"/>
           </a:xfrm>
           <a:prstGeom prst="rect">
             <a:avLst/>
@@ -3639,6 +3560,433 @@
                                         <p:cTn id="23" dur="500"/>
                                         <p:tgtEl>
                                           <p:spTgt spid="6"/>
+                                        </p:tgtEl>
+                                      </p:cBhvr>
+                                    </p:animEffect>
+                                  </p:childTnLst>
+                                </p:cTn>
+                              </p:par>
+                            </p:childTnLst>
+                          </p:cTn>
+                        </p:par>
+                      </p:childTnLst>
+                    </p:cTn>
+                  </p:par>
+                </p:childTnLst>
+              </p:cTn>
+              <p:prevCondLst>
+                <p:cond evt="onPrev" delay="0">
+                  <p:tgtEl>
+                    <p:sldTgt/>
+                  </p:tgtEl>
+                </p:cond>
+              </p:prevCondLst>
+              <p:nextCondLst>
+                <p:cond evt="onNext" delay="0">
+                  <p:tgtEl>
+                    <p:sldTgt/>
+                  </p:tgtEl>
+                </p:cond>
+              </p:nextCondLst>
+            </p:seq>
+          </p:childTnLst>
+        </p:cTn>
+      </p:par>
+    </p:tnLst>
+  </p:timing>
+</p:sld>
+</file>
+
+<file path=ppt/slides/slide11.xml><?xml version="1.0" encoding="utf-8"?>
+<p:sld xmlns:a="http://schemas.openxmlformats.org/drawingml/2006/main" xmlns:r="http://schemas.openxmlformats.org/officeDocument/2006/relationships" xmlns:p="http://schemas.openxmlformats.org/presentationml/2006/main">
+  <p:cSld>
+    <p:spTree>
+      <p:nvGrpSpPr>
+        <p:cNvPr id="1" name=""/>
+        <p:cNvGrpSpPr/>
+        <p:nvPr/>
+      </p:nvGrpSpPr>
+      <p:grpSpPr>
+        <a:xfrm>
+          <a:off x="0" y="0"/>
+          <a:ext cx="0" cy="0"/>
+          <a:chOff x="0" y="0"/>
+          <a:chExt cx="0" cy="0"/>
+        </a:xfrm>
+      </p:grpSpPr>
+      <p:sp>
+        <p:nvSpPr>
+          <p:cNvPr id="2" name="TextBox 1"/>
+          <p:cNvSpPr txBox="1"/>
+          <p:nvPr/>
+        </p:nvSpPr>
+        <p:spPr>
+          <a:xfrm>
+            <a:off x="304800" y="243840"/>
+            <a:ext cx="11570825" cy="738664"/>
+          </a:xfrm>
+          <a:prstGeom prst="rect">
+            <a:avLst/>
+          </a:prstGeom>
+          <a:noFill/>
+        </p:spPr>
+        <p:txBody>
+          <a:bodyPr wrap="square" rtlCol="0">
+            <a:spAutoFit/>
+          </a:bodyPr>
+          <a:lstStyle/>
+          <a:p>
+            <a:pPr algn="ctr"/>
+            <a:r>
+              <a:rPr lang="vi-VN" sz="4200" b="1" dirty="0" smtClean="0">
+                <a:latin typeface="Arial" panose="020B0604020202020204" pitchFamily="34" charset="0"/>
+                <a:cs typeface="Arial" panose="020B0604020202020204" pitchFamily="34" charset="0"/>
+              </a:rPr>
+              <a:t> </a:t>
+            </a:r>
+            <a:r>
+              <a:rPr lang="vi-VN" sz="4200" b="1" dirty="0" smtClean="0">
+                <a:latin typeface="Arial" panose="020B0604020202020204" pitchFamily="34" charset="0"/>
+                <a:cs typeface="Arial" panose="020B0604020202020204" pitchFamily="34" charset="0"/>
+              </a:rPr>
+              <a:t>Làm thế nào để viết code sạch</a:t>
+            </a:r>
+            <a:endParaRPr lang="en-US" sz="4200" b="1" dirty="0">
+              <a:latin typeface="Arial" panose="020B0604020202020204" pitchFamily="34" charset="0"/>
+              <a:cs typeface="Arial" panose="020B0604020202020204" pitchFamily="34" charset="0"/>
+            </a:endParaRPr>
+          </a:p>
+        </p:txBody>
+      </p:sp>
+      <p:sp>
+        <p:nvSpPr>
+          <p:cNvPr id="3" name="TextBox 2"/>
+          <p:cNvSpPr txBox="1"/>
+          <p:nvPr/>
+        </p:nvSpPr>
+        <p:spPr>
+          <a:xfrm>
+            <a:off x="792479" y="2029098"/>
+            <a:ext cx="11634651" cy="2400657"/>
+          </a:xfrm>
+          <a:prstGeom prst="rect">
+            <a:avLst/>
+          </a:prstGeom>
+          <a:noFill/>
+        </p:spPr>
+        <p:txBody>
+          <a:bodyPr wrap="square" rtlCol="0">
+            <a:spAutoFit/>
+          </a:bodyPr>
+          <a:lstStyle/>
+          <a:p>
+            <a:pPr marL="457200" indent="-457200">
+              <a:buFontTx/>
+              <a:buChar char="-"/>
+            </a:pPr>
+            <a:r>
+              <a:rPr lang="vi-VN" sz="3000" dirty="0">
+                <a:cs typeface="Arial" panose="020B0604020202020204" pitchFamily="34" charset="0"/>
+              </a:rPr>
+              <a:t>Hạn chế Comment </a:t>
+            </a:r>
+            <a:r>
+              <a:rPr lang="vi-VN" sz="3000" dirty="0" smtClean="0">
+                <a:cs typeface="Arial" panose="020B0604020202020204" pitchFamily="34" charset="0"/>
+              </a:rPr>
+              <a:t>:</a:t>
+            </a:r>
+          </a:p>
+          <a:p>
+            <a:pPr marL="457200" indent="-457200">
+              <a:buFontTx/>
+              <a:buChar char="-"/>
+            </a:pPr>
+            <a:endParaRPr lang="vi-VN" sz="3000" dirty="0">
+              <a:cs typeface="Arial" panose="020B0604020202020204" pitchFamily="34" charset="0"/>
+            </a:endParaRPr>
+          </a:p>
+          <a:p>
+            <a:r>
+              <a:rPr lang="vi-VN" sz="3000" dirty="0">
+                <a:cs typeface="Arial" panose="020B0604020202020204" pitchFamily="34" charset="0"/>
+              </a:rPr>
+              <a:t>    + </a:t>
+            </a:r>
+            <a:r>
+              <a:rPr lang="vi-VN" sz="3000" dirty="0" smtClean="0">
+                <a:cs typeface="Arial" panose="020B0604020202020204" pitchFamily="34" charset="0"/>
+              </a:rPr>
+              <a:t>Nên </a:t>
+            </a:r>
+            <a:r>
+              <a:rPr lang="vi-VN" sz="3000" dirty="0">
+                <a:cs typeface="Arial" panose="020B0604020202020204" pitchFamily="34" charset="0"/>
+              </a:rPr>
+              <a:t>để tên hàm ( tên phương thức , tên biến , ...) thể </a:t>
+            </a:r>
+            <a:r>
+              <a:rPr lang="vi-VN" sz="3000" dirty="0" smtClean="0">
+                <a:cs typeface="Arial" panose="020B0604020202020204" pitchFamily="34" charset="0"/>
+              </a:rPr>
+              <a:t>hiện.</a:t>
+            </a:r>
+          </a:p>
+          <a:p>
+            <a:endParaRPr lang="vi-VN" sz="3000" dirty="0" smtClean="0">
+              <a:cs typeface="Arial" panose="020B0604020202020204" pitchFamily="34" charset="0"/>
+            </a:endParaRPr>
+          </a:p>
+          <a:p>
+            <a:r>
+              <a:rPr lang="vi-VN" sz="3000" dirty="0">
+                <a:cs typeface="Arial" panose="020B0604020202020204" pitchFamily="34" charset="0"/>
+              </a:rPr>
+              <a:t>	</a:t>
+            </a:r>
+            <a:r>
+              <a:rPr lang="vi-VN" sz="3000" dirty="0" smtClean="0">
+                <a:cs typeface="Arial" panose="020B0604020202020204" pitchFamily="34" charset="0"/>
+              </a:rPr>
+              <a:t>+ Phần nào code không giải thích được mới comment.</a:t>
+            </a:r>
+          </a:p>
+        </p:txBody>
+      </p:sp>
+    </p:spTree>
+    <p:extLst>
+      <p:ext uri="{BB962C8B-B14F-4D97-AF65-F5344CB8AC3E}">
+        <p14:creationId xmlns:p14="http://schemas.microsoft.com/office/powerpoint/2010/main" val="1247996097"/>
+      </p:ext>
+    </p:extLst>
+  </p:cSld>
+  <p:clrMapOvr>
+    <a:masterClrMapping/>
+  </p:clrMapOvr>
+  <p:transition spd="slow">
+    <p:push dir="u"/>
+  </p:transition>
+  <p:timing>
+    <p:tnLst>
+      <p:par>
+        <p:cTn id="1" dur="indefinite" restart="never" nodeType="tmRoot">
+          <p:childTnLst>
+            <p:seq concurrent="1" nextAc="seek">
+              <p:cTn id="2" dur="indefinite" nodeType="mainSeq">
+                <p:childTnLst>
+                  <p:par>
+                    <p:cTn id="3" fill="hold">
+                      <p:stCondLst>
+                        <p:cond delay="indefinite"/>
+                      </p:stCondLst>
+                      <p:childTnLst>
+                        <p:par>
+                          <p:cTn id="4" fill="hold">
+                            <p:stCondLst>
+                              <p:cond delay="0"/>
+                            </p:stCondLst>
+                            <p:childTnLst>
+                              <p:par>
+                                <p:cTn id="5" presetID="2" presetClass="entr" presetSubtype="4" fill="hold" nodeType="clickEffect">
+                                  <p:stCondLst>
+                                    <p:cond delay="0"/>
+                                  </p:stCondLst>
+                                  <p:childTnLst>
+                                    <p:set>
+                                      <p:cBhvr>
+                                        <p:cTn id="6" dur="1" fill="hold">
+                                          <p:stCondLst>
+                                            <p:cond delay="0"/>
+                                          </p:stCondLst>
+                                        </p:cTn>
+                                        <p:tgtEl>
+                                          <p:spTgt spid="3">
+                                            <p:txEl>
+                                              <p:pRg st="0" end="0"/>
+                                            </p:txEl>
+                                          </p:spTgt>
+                                        </p:tgtEl>
+                                        <p:attrNameLst>
+                                          <p:attrName>style.visibility</p:attrName>
+                                        </p:attrNameLst>
+                                      </p:cBhvr>
+                                      <p:to>
+                                        <p:strVal val="visible"/>
+                                      </p:to>
+                                    </p:set>
+                                    <p:anim calcmode="lin" valueType="num">
+                                      <p:cBhvr additive="base">
+                                        <p:cTn id="7" dur="500" fill="hold"/>
+                                        <p:tgtEl>
+                                          <p:spTgt spid="3">
+                                            <p:txEl>
+                                              <p:pRg st="0" end="0"/>
+                                            </p:txEl>
+                                          </p:spTgt>
+                                        </p:tgtEl>
+                                        <p:attrNameLst>
+                                          <p:attrName>ppt_x</p:attrName>
+                                        </p:attrNameLst>
+                                      </p:cBhvr>
+                                      <p:tavLst>
+                                        <p:tav tm="0">
+                                          <p:val>
+                                            <p:strVal val="#ppt_x"/>
+                                          </p:val>
+                                        </p:tav>
+                                        <p:tav tm="100000">
+                                          <p:val>
+                                            <p:strVal val="#ppt_x"/>
+                                          </p:val>
+                                        </p:tav>
+                                      </p:tavLst>
+                                    </p:anim>
+                                    <p:anim calcmode="lin" valueType="num">
+                                      <p:cBhvr additive="base">
+                                        <p:cTn id="8" dur="500" fill="hold"/>
+                                        <p:tgtEl>
+                                          <p:spTgt spid="3">
+                                            <p:txEl>
+                                              <p:pRg st="0" end="0"/>
+                                            </p:txEl>
+                                          </p:spTgt>
+                                        </p:tgtEl>
+                                        <p:attrNameLst>
+                                          <p:attrName>ppt_y</p:attrName>
+                                        </p:attrNameLst>
+                                      </p:cBhvr>
+                                      <p:tavLst>
+                                        <p:tav tm="0">
+                                          <p:val>
+                                            <p:strVal val="1+#ppt_h/2"/>
+                                          </p:val>
+                                        </p:tav>
+                                        <p:tav tm="100000">
+                                          <p:val>
+                                            <p:strVal val="#ppt_y"/>
+                                          </p:val>
+                                        </p:tav>
+                                      </p:tavLst>
+                                    </p:anim>
+                                  </p:childTnLst>
+                                </p:cTn>
+                              </p:par>
+                            </p:childTnLst>
+                          </p:cTn>
+                        </p:par>
+                      </p:childTnLst>
+                    </p:cTn>
+                  </p:par>
+                  <p:par>
+                    <p:cTn id="9" fill="hold">
+                      <p:stCondLst>
+                        <p:cond delay="indefinite"/>
+                      </p:stCondLst>
+                      <p:childTnLst>
+                        <p:par>
+                          <p:cTn id="10" fill="hold">
+                            <p:stCondLst>
+                              <p:cond delay="0"/>
+                            </p:stCondLst>
+                            <p:childTnLst>
+                              <p:par>
+                                <p:cTn id="11" presetID="10" presetClass="entr" presetSubtype="0" fill="hold" nodeType="clickEffect">
+                                  <p:stCondLst>
+                                    <p:cond delay="0"/>
+                                  </p:stCondLst>
+                                  <p:childTnLst>
+                                    <p:set>
+                                      <p:cBhvr>
+                                        <p:cTn id="12" dur="1" fill="hold">
+                                          <p:stCondLst>
+                                            <p:cond delay="0"/>
+                                          </p:stCondLst>
+                                        </p:cTn>
+                                        <p:tgtEl>
+                                          <p:spTgt spid="3">
+                                            <p:txEl>
+                                              <p:pRg st="2" end="2"/>
+                                            </p:txEl>
+                                          </p:spTgt>
+                                        </p:tgtEl>
+                                        <p:attrNameLst>
+                                          <p:attrName>style.visibility</p:attrName>
+                                        </p:attrNameLst>
+                                      </p:cBhvr>
+                                      <p:to>
+                                        <p:strVal val="visible"/>
+                                      </p:to>
+                                    </p:set>
+                                    <p:animEffect transition="in" filter="fade">
+                                      <p:cBhvr>
+                                        <p:cTn id="13" dur="500"/>
+                                        <p:tgtEl>
+                                          <p:spTgt spid="3">
+                                            <p:txEl>
+                                              <p:pRg st="2" end="2"/>
+                                            </p:txEl>
+                                          </p:spTgt>
+                                        </p:tgtEl>
+                                      </p:cBhvr>
+                                    </p:animEffect>
+                                  </p:childTnLst>
+                                </p:cTn>
+                              </p:par>
+                            </p:childTnLst>
+                          </p:cTn>
+                        </p:par>
+                      </p:childTnLst>
+                    </p:cTn>
+                  </p:par>
+                  <p:par>
+                    <p:cTn id="14" fill="hold">
+                      <p:stCondLst>
+                        <p:cond delay="indefinite"/>
+                      </p:stCondLst>
+                      <p:childTnLst>
+                        <p:par>
+                          <p:cTn id="15" fill="hold">
+                            <p:stCondLst>
+                              <p:cond delay="0"/>
+                            </p:stCondLst>
+                            <p:childTnLst>
+                              <p:par>
+                                <p:cTn id="16" presetID="10" presetClass="entr" presetSubtype="0" fill="hold" nodeType="clickEffect">
+                                  <p:stCondLst>
+                                    <p:cond delay="0"/>
+                                  </p:stCondLst>
+                                  <p:childTnLst>
+                                    <p:set>
+                                      <p:cBhvr>
+                                        <p:cTn id="17" dur="1" fill="hold">
+                                          <p:stCondLst>
+                                            <p:cond delay="0"/>
+                                          </p:stCondLst>
+                                        </p:cTn>
+                                        <p:tgtEl>
+                                          <p:spTgt spid="3">
+                                            <p:txEl>
+                                              <p:pRg st="4" end="4"/>
+                                            </p:txEl>
+                                          </p:spTgt>
+                                        </p:tgtEl>
+                                        <p:attrNameLst>
+                                          <p:attrName>style.visibility</p:attrName>
+                                        </p:attrNameLst>
+                                      </p:cBhvr>
+                                      <p:to>
+                                        <p:strVal val="visible"/>
+                                      </p:to>
+                                    </p:set>
+                                    <p:animEffect transition="in" filter="fade">
+                                      <p:cBhvr>
+                                        <p:cTn id="18" dur="500"/>
+                                        <p:tgtEl>
+                                          <p:spTgt spid="3">
+                                            <p:txEl>
+                                              <p:pRg st="4" end="4"/>
+                                            </p:txEl>
+                                          </p:spTgt>
                                         </p:tgtEl>
                                       </p:cBhvr>
                                     </p:animEffect>
@@ -3695,14 +4043,14 @@
       </p:grpSpPr>
       <p:sp>
         <p:nvSpPr>
-          <p:cNvPr id="2" name="TextBox 1"/>
+          <p:cNvPr id="3" name="TextBox 2"/>
           <p:cNvSpPr txBox="1"/>
           <p:nvPr/>
         </p:nvSpPr>
         <p:spPr>
           <a:xfrm>
-            <a:off x="1332411" y="217714"/>
-            <a:ext cx="8577943" cy="707886"/>
+            <a:off x="426719" y="322217"/>
+            <a:ext cx="11333159" cy="738664"/>
           </a:xfrm>
           <a:prstGeom prst="rect">
             <a:avLst/>
@@ -3715,14 +4063,22 @@
           </a:bodyPr>
           <a:lstStyle/>
           <a:p>
-            <a:r>
-              <a:rPr lang="vi-VN" sz="4000" dirty="0" smtClean="0">
+            <a:pPr algn="ctr"/>
+            <a:r>
+              <a:rPr lang="vi-VN" sz="4200" b="1" dirty="0" smtClean="0">
                 <a:latin typeface="Arial" panose="020B0604020202020204" pitchFamily="34" charset="0"/>
                 <a:cs typeface="Arial" panose="020B0604020202020204" pitchFamily="34" charset="0"/>
               </a:rPr>
-              <a:t>3. Làm thế nào để viết code sạch</a:t>
-            </a:r>
-            <a:endParaRPr lang="en-US" sz="4000" dirty="0">
+              <a:t>Làm </a:t>
+            </a:r>
+            <a:r>
+              <a:rPr lang="vi-VN" sz="4200" b="1" dirty="0" smtClean="0">
+                <a:latin typeface="Arial" panose="020B0604020202020204" pitchFamily="34" charset="0"/>
+                <a:cs typeface="Arial" panose="020B0604020202020204" pitchFamily="34" charset="0"/>
+              </a:rPr>
+              <a:t>thế nào để viết code sạch</a:t>
+            </a:r>
+            <a:endParaRPr lang="en-US" sz="4200" b="1" dirty="0">
               <a:latin typeface="Arial" panose="020B0604020202020204" pitchFamily="34" charset="0"/>
               <a:cs typeface="Arial" panose="020B0604020202020204" pitchFamily="34" charset="0"/>
             </a:endParaRPr>
@@ -3731,14 +4087,14 @@
       </p:sp>
       <p:sp>
         <p:nvSpPr>
-          <p:cNvPr id="3" name="TextBox 2"/>
+          <p:cNvPr id="4" name="TextBox 3"/>
           <p:cNvSpPr txBox="1"/>
           <p:nvPr/>
         </p:nvSpPr>
         <p:spPr>
           <a:xfrm>
-            <a:off x="409302" y="2116183"/>
-            <a:ext cx="11634651" cy="2400657"/>
+            <a:off x="809897" y="1637211"/>
+            <a:ext cx="10659291" cy="2400657"/>
           </a:xfrm>
           <a:prstGeom prst="rect">
             <a:avLst/>
@@ -3759,13 +4115,37 @@
               <a:rPr lang="vi-VN" sz="3000" dirty="0">
                 <a:cs typeface="Arial" panose="020B0604020202020204" pitchFamily="34" charset="0"/>
               </a:rPr>
-              <a:t>Hạn chế Comment </a:t>
+              <a:t>Class </a:t>
             </a:r>
             <a:r>
               <a:rPr lang="vi-VN" sz="3000" dirty="0" smtClean="0">
                 <a:cs typeface="Arial" panose="020B0604020202020204" pitchFamily="34" charset="0"/>
               </a:rPr>
-              <a:t>:</a:t>
+              <a:t>Names ( </a:t>
+            </a:r>
+            <a:r>
+              <a:rPr lang="vi-VN" sz="3000" dirty="0">
+                <a:cs typeface="Arial" panose="020B0604020202020204" pitchFamily="34" charset="0"/>
+              </a:rPr>
+              <a:t>tên lớp ): </a:t>
+            </a:r>
+            <a:r>
+              <a:rPr lang="vi-VN" sz="3000" dirty="0" smtClean="0">
+                <a:cs typeface="Arial" panose="020B0604020202020204" pitchFamily="34" charset="0"/>
+              </a:rPr>
+              <a:t>tên </a:t>
+            </a:r>
+            <a:r>
+              <a:rPr lang="vi-VN" sz="3000" dirty="0">
+                <a:cs typeface="Arial" panose="020B0604020202020204" pitchFamily="34" charset="0"/>
+              </a:rPr>
+              <a:t>class không nên là động từ, nó là danh </a:t>
+            </a:r>
+            <a:r>
+              <a:rPr lang="vi-VN" sz="3000" dirty="0" smtClean="0">
+                <a:cs typeface="Arial" panose="020B0604020202020204" pitchFamily="34" charset="0"/>
+              </a:rPr>
+              <a:t>từ.</a:t>
             </a:r>
           </a:p>
           <a:p>
@@ -3773,53 +4153,50 @@
               <a:buFontTx/>
               <a:buChar char="-"/>
             </a:pPr>
-            <a:endParaRPr lang="vi-VN" sz="3000" dirty="0">
+            <a:endParaRPr lang="vi-VN" sz="3000" dirty="0" smtClean="0">
               <a:cs typeface="Arial" panose="020B0604020202020204" pitchFamily="34" charset="0"/>
             </a:endParaRPr>
           </a:p>
           <a:p>
+            <a:pPr marL="457200" indent="-457200">
+              <a:buFontTx/>
+              <a:buChar char="-"/>
+            </a:pPr>
             <a:r>
               <a:rPr lang="vi-VN" sz="3000" dirty="0">
                 <a:cs typeface="Arial" panose="020B0604020202020204" pitchFamily="34" charset="0"/>
               </a:rPr>
-              <a:t>    + </a:t>
+              <a:t>Method </a:t>
             </a:r>
             <a:r>
               <a:rPr lang="vi-VN" sz="3000" dirty="0" smtClean="0">
                 <a:cs typeface="Arial" panose="020B0604020202020204" pitchFamily="34" charset="0"/>
               </a:rPr>
-              <a:t>Nên </a:t>
+              <a:t>Names ( </a:t>
             </a:r>
             <a:r>
               <a:rPr lang="vi-VN" sz="3000" dirty="0">
                 <a:cs typeface="Arial" panose="020B0604020202020204" pitchFamily="34" charset="0"/>
               </a:rPr>
-              <a:t>để tên hàm ( tên phương thức , tên biến , ...) thể </a:t>
+              <a:t>tên phương thức ) : </a:t>
             </a:r>
             <a:r>
               <a:rPr lang="vi-VN" sz="3000" dirty="0" smtClean="0">
                 <a:cs typeface="Arial" panose="020B0604020202020204" pitchFamily="34" charset="0"/>
               </a:rPr>
-              <a:t>hiện.</a:t>
-            </a:r>
-          </a:p>
-          <a:p>
-            <a:endParaRPr lang="vi-VN" sz="3000" dirty="0" smtClean="0">
-              <a:cs typeface="Arial" panose="020B0604020202020204" pitchFamily="34" charset="0"/>
-            </a:endParaRPr>
-          </a:p>
-          <a:p>
+              <a:t>tên </a:t>
+            </a:r>
             <a:r>
               <a:rPr lang="vi-VN" sz="3000" dirty="0">
                 <a:cs typeface="Arial" panose="020B0604020202020204" pitchFamily="34" charset="0"/>
               </a:rPr>
-              <a:t>	</a:t>
+              <a:t>của method nên bắt đầu bằng một động từ</a:t>
             </a:r>
             <a:r>
               <a:rPr lang="vi-VN" sz="3000" dirty="0" smtClean="0">
                 <a:cs typeface="Arial" panose="020B0604020202020204" pitchFamily="34" charset="0"/>
               </a:rPr>
-              <a:t>+ Phần nào code không giải thích được mới comment.</a:t>
+              <a:t>.</a:t>
             </a:r>
           </a:p>
         </p:txBody>
@@ -3827,7 +4204,7 @@
     </p:spTree>
     <p:extLst>
       <p:ext uri="{BB962C8B-B14F-4D97-AF65-F5344CB8AC3E}">
-        <p14:creationId xmlns:p14="http://schemas.microsoft.com/office/powerpoint/2010/main" val="1247996097"/>
+        <p14:creationId xmlns:p14="http://schemas.microsoft.com/office/powerpoint/2010/main" val="2332142521"/>
       </p:ext>
     </p:extLst>
   </p:cSld>
@@ -3871,7 +4248,7 @@
                                           </p:stCondLst>
                                         </p:cTn>
                                         <p:tgtEl>
-                                          <p:spTgt spid="3">
+                                          <p:spTgt spid="4">
                                             <p:txEl>
                                               <p:pRg st="0" end="0"/>
                                             </p:txEl>
@@ -3889,7 +4266,7 @@
                                       <p:cBhvr additive="base">
                                         <p:cTn id="7" dur="500" fill="hold"/>
                                         <p:tgtEl>
-                                          <p:spTgt spid="3">
+                                          <p:spTgt spid="4">
                                             <p:txEl>
                                               <p:pRg st="0" end="0"/>
                                             </p:txEl>
@@ -3916,7 +4293,7 @@
                                       <p:cBhvr additive="base">
                                         <p:cTn id="8" dur="500" fill="hold"/>
                                         <p:tgtEl>
-                                          <p:spTgt spid="3">
+                                          <p:spTgt spid="4">
                                             <p:txEl>
                                               <p:pRg st="0" end="0"/>
                                             </p:txEl>
@@ -3961,7 +4338,7 @@
                             </p:stCondLst>
                             <p:childTnLst>
                               <p:par>
-                                <p:cTn id="11" presetID="10" presetClass="entr" presetSubtype="0" fill="hold" nodeType="clickEffect">
+                                <p:cTn id="11" presetID="2" presetClass="entr" presetSubtype="4" fill="hold" nodeType="clickEffect">
                                   <p:stCondLst>
                                     <p:cond delay="0"/>
                                   </p:stCondLst>
@@ -3974,7 +4351,7 @@
                                           </p:stCondLst>
                                         </p:cTn>
                                         <p:tgtEl>
-                                          <p:spTgt spid="3">
+                                          <p:spTgt spid="4">
                                             <p:txEl>
                                               <p:pRg st="2" end="2"/>
                                             </p:txEl>
@@ -3988,79 +4365,60 @@
                                         <p:strVal val="visible"/>
                                       </p:to>
                                     </p:set>
-                                    <p:animEffect transition="in" filter="fade">
-                                      <p:cBhvr>
-                                        <p:cTn id="13" dur="500"/>
-                                        <p:tgtEl>
-                                          <p:spTgt spid="3">
+                                    <p:anim calcmode="lin" valueType="num">
+                                      <p:cBhvr additive="base">
+                                        <p:cTn id="13" dur="500" fill="hold"/>
+                                        <p:tgtEl>
+                                          <p:spTgt spid="4">
                                             <p:txEl>
                                               <p:pRg st="2" end="2"/>
                                             </p:txEl>
                                           </p:spTgt>
                                         </p:tgtEl>
-                                      </p:cBhvr>
-                                    </p:animEffect>
-                                  </p:childTnLst>
-                                </p:cTn>
-                              </p:par>
-                            </p:childTnLst>
-                          </p:cTn>
-                        </p:par>
-                      </p:childTnLst>
-                    </p:cTn>
-                  </p:par>
-                  <p:par>
-                    <p:cTn id="14" fill="hold">
-                      <p:stCondLst>
-                        <p:cond delay="indefinite"/>
-                      </p:stCondLst>
-                      <p:childTnLst>
-                        <p:par>
-                          <p:cTn id="15" fill="hold">
-                            <p:stCondLst>
-                              <p:cond delay="0"/>
-                            </p:stCondLst>
-                            <p:childTnLst>
-                              <p:par>
-                                <p:cTn id="16" presetID="10" presetClass="entr" presetSubtype="0" fill="hold" nodeType="clickEffect">
-                                  <p:stCondLst>
-                                    <p:cond delay="0"/>
-                                  </p:stCondLst>
-                                  <p:childTnLst>
-                                    <p:set>
-                                      <p:cBhvr>
-                                        <p:cTn id="17" dur="1" fill="hold">
-                                          <p:stCondLst>
-                                            <p:cond delay="0"/>
-                                          </p:stCondLst>
-                                        </p:cTn>
-                                        <p:tgtEl>
-                                          <p:spTgt spid="3">
+                                        <p:attrNameLst>
+                                          <p:attrName>ppt_x</p:attrName>
+                                        </p:attrNameLst>
+                                      </p:cBhvr>
+                                      <p:tavLst>
+                                        <p:tav tm="0">
+                                          <p:val>
+                                            <p:strVal val="#ppt_x"/>
+                                          </p:val>
+                                        </p:tav>
+                                        <p:tav tm="100000">
+                                          <p:val>
+                                            <p:strVal val="#ppt_x"/>
+                                          </p:val>
+                                        </p:tav>
+                                      </p:tavLst>
+                                    </p:anim>
+                                    <p:anim calcmode="lin" valueType="num">
+                                      <p:cBhvr additive="base">
+                                        <p:cTn id="14" dur="500" fill="hold"/>
+                                        <p:tgtEl>
+                                          <p:spTgt spid="4">
                                             <p:txEl>
-                                              <p:pRg st="4" end="4"/>
+                                              <p:pRg st="2" end="2"/>
                                             </p:txEl>
                                           </p:spTgt>
                                         </p:tgtEl>
                                         <p:attrNameLst>
-                                          <p:attrName>style.visibility</p:attrName>
+                                          <p:attrName>ppt_y</p:attrName>
                                         </p:attrNameLst>
                                       </p:cBhvr>
-                                      <p:to>
-                                        <p:strVal val="visible"/>
-                                      </p:to>
-                                    </p:set>
-                                    <p:animEffect transition="in" filter="fade">
-                                      <p:cBhvr>
-                                        <p:cTn id="18" dur="500"/>
-                                        <p:tgtEl>
-                                          <p:spTgt spid="3">
-                                            <p:txEl>
-                                              <p:pRg st="4" end="4"/>
-                                            </p:txEl>
-                                          </p:spTgt>
-                                        </p:tgtEl>
-                                      </p:cBhvr>
-                                    </p:animEffect>
+                                      <p:tavLst>
+                                        <p:tav tm="0">
+                                          <p:val>
+                                            <p:strVal val="1+#ppt_h/2"/>
+                                          </p:val>
+                                        </p:tav>
+                                        <p:tav tm="100000">
+                                          <p:val>
+                                            <p:strVal val="#ppt_y"/>
+                                          </p:val>
+                                        </p:tav>
+                                      </p:tavLst>
+                                    </p:anim>
                                   </p:childTnLst>
                                 </p:cTn>
                               </p:par>
@@ -4120,8 +4478,8 @@
         </p:nvSpPr>
         <p:spPr>
           <a:xfrm>
-            <a:off x="1332411" y="217714"/>
-            <a:ext cx="8577943" cy="707886"/>
+            <a:off x="322217" y="191588"/>
+            <a:ext cx="11472386" cy="738664"/>
           </a:xfrm>
           <a:prstGeom prst="rect">
             <a:avLst/>
@@ -4134,14 +4492,22 @@
           </a:bodyPr>
           <a:lstStyle/>
           <a:p>
-            <a:r>
-              <a:rPr lang="vi-VN" sz="4000" dirty="0" smtClean="0">
+            <a:pPr algn="ctr"/>
+            <a:r>
+              <a:rPr lang="vi-VN" sz="4200" b="1" dirty="0" smtClean="0">
                 <a:latin typeface="Arial" panose="020B0604020202020204" pitchFamily="34" charset="0"/>
                 <a:cs typeface="Arial" panose="020B0604020202020204" pitchFamily="34" charset="0"/>
               </a:rPr>
-              <a:t>3. Làm thế nào để viết code sạch</a:t>
-            </a:r>
-            <a:endParaRPr lang="en-US" sz="4000" dirty="0">
+              <a:t> </a:t>
+            </a:r>
+            <a:r>
+              <a:rPr lang="vi-VN" sz="4200" b="1" dirty="0" smtClean="0">
+                <a:latin typeface="Arial" panose="020B0604020202020204" pitchFamily="34" charset="0"/>
+                <a:cs typeface="Arial" panose="020B0604020202020204" pitchFamily="34" charset="0"/>
+              </a:rPr>
+              <a:t>Làm thế nào để viết code sạch</a:t>
+            </a:r>
+            <a:endParaRPr lang="en-US" sz="4200" b="1" dirty="0">
               <a:latin typeface="Arial" panose="020B0604020202020204" pitchFamily="34" charset="0"/>
               <a:cs typeface="Arial" panose="020B0604020202020204" pitchFamily="34" charset="0"/>
             </a:endParaRPr>
@@ -4156,8 +4522,8 @@
         </p:nvSpPr>
         <p:spPr>
           <a:xfrm>
-            <a:off x="975360" y="1323703"/>
-            <a:ext cx="10659291" cy="1938992"/>
+            <a:off x="914399" y="1332411"/>
+            <a:ext cx="10659291" cy="4401205"/>
           </a:xfrm>
           <a:prstGeom prst="rect">
             <a:avLst/>
@@ -4170,95 +4536,54 @@
           </a:bodyPr>
           <a:lstStyle/>
           <a:p>
-            <a:pPr marL="457200" indent="-457200">
-              <a:buFontTx/>
-              <a:buChar char="-"/>
-            </a:pPr>
-            <a:r>
-              <a:rPr lang="vi-VN" sz="3000" dirty="0">
-                <a:cs typeface="Arial" panose="020B0604020202020204" pitchFamily="34" charset="0"/>
-              </a:rPr>
-              <a:t>Class </a:t>
-            </a:r>
-            <a:r>
-              <a:rPr lang="vi-VN" sz="3000" dirty="0" smtClean="0">
-                <a:cs typeface="Arial" panose="020B0604020202020204" pitchFamily="34" charset="0"/>
-              </a:rPr>
-              <a:t>Names ( </a:t>
-            </a:r>
-            <a:r>
-              <a:rPr lang="vi-VN" sz="3000" dirty="0">
-                <a:cs typeface="Arial" panose="020B0604020202020204" pitchFamily="34" charset="0"/>
-              </a:rPr>
-              <a:t>tên lớp ): </a:t>
-            </a:r>
-            <a:r>
-              <a:rPr lang="vi-VN" sz="3000" dirty="0" smtClean="0">
-                <a:cs typeface="Arial" panose="020B0604020202020204" pitchFamily="34" charset="0"/>
-              </a:rPr>
-              <a:t>tên </a:t>
-            </a:r>
-            <a:r>
-              <a:rPr lang="vi-VN" sz="3000" dirty="0">
-                <a:cs typeface="Arial" panose="020B0604020202020204" pitchFamily="34" charset="0"/>
-              </a:rPr>
-              <a:t>class không nên là động từ, nó là danh </a:t>
-            </a:r>
-            <a:r>
-              <a:rPr lang="vi-VN" sz="3000" dirty="0" smtClean="0">
-                <a:cs typeface="Arial" panose="020B0604020202020204" pitchFamily="34" charset="0"/>
-              </a:rPr>
-              <a:t>từ.</a:t>
-            </a:r>
-          </a:p>
-          <a:p>
-            <a:pPr marL="457200" indent="-457200">
-              <a:buFontTx/>
-              <a:buChar char="-"/>
-            </a:pPr>
-            <a:r>
-              <a:rPr lang="vi-VN" sz="3000" dirty="0">
-                <a:cs typeface="Arial" panose="020B0604020202020204" pitchFamily="34" charset="0"/>
-              </a:rPr>
-              <a:t>Method </a:t>
-            </a:r>
-            <a:r>
-              <a:rPr lang="vi-VN" sz="3000" dirty="0" smtClean="0">
-                <a:cs typeface="Arial" panose="020B0604020202020204" pitchFamily="34" charset="0"/>
-              </a:rPr>
-              <a:t>Names ( </a:t>
-            </a:r>
-            <a:r>
-              <a:rPr lang="vi-VN" sz="3000" dirty="0">
-                <a:cs typeface="Arial" panose="020B0604020202020204" pitchFamily="34" charset="0"/>
-              </a:rPr>
-              <a:t>tên phương thức ) : </a:t>
-            </a:r>
-            <a:r>
-              <a:rPr lang="vi-VN" sz="3000" dirty="0" smtClean="0">
-                <a:cs typeface="Arial" panose="020B0604020202020204" pitchFamily="34" charset="0"/>
-              </a:rPr>
-              <a:t>tên </a:t>
-            </a:r>
-            <a:r>
-              <a:rPr lang="vi-VN" sz="3000" dirty="0">
-                <a:cs typeface="Arial" panose="020B0604020202020204" pitchFamily="34" charset="0"/>
-              </a:rPr>
-              <a:t>của method nên bắt đầu bằng một động từ</a:t>
-            </a:r>
-            <a:r>
-              <a:rPr lang="vi-VN" sz="3000" dirty="0" smtClean="0">
-                <a:cs typeface="Arial" panose="020B0604020202020204" pitchFamily="34" charset="0"/>
-              </a:rPr>
+            <a:r>
+              <a:rPr lang="vi-VN" sz="2800" dirty="0"/>
+              <a:t>Lưu ý: </a:t>
+            </a:r>
+          </a:p>
+          <a:p>
+            <a:r>
+              <a:rPr lang="vi-VN" sz="2800" dirty="0"/>
+              <a:t>	+ Method nên tuân theo nguyên lý Single Responsibility, tức là nó chỉ đảm nhiệm một chức năng cụ thể. Việc này sẽ khiến cho việc đọc code của bạn trở nên dễ hiểu hơn rất nhiều và thuận lợi cho việc viết Unit Test sau </a:t>
+            </a:r>
+            <a:r>
+              <a:rPr lang="vi-VN" sz="2800" dirty="0" smtClean="0"/>
+              <a:t>này</a:t>
+            </a:r>
+          </a:p>
+          <a:p>
+            <a:endParaRPr lang="vi-VN" sz="2800" dirty="0"/>
+          </a:p>
+          <a:p>
+            <a:r>
+              <a:rPr lang="vi-VN" sz="2800" dirty="0"/>
+              <a:t>	+ Không nên dùng một params kiểu boolean để xác định hành động cho method đó</a:t>
+            </a:r>
+            <a:r>
+              <a:rPr lang="vi-VN" sz="2800" dirty="0" smtClean="0"/>
               <a:t>.</a:t>
             </a:r>
+          </a:p>
+          <a:p>
+            <a:endParaRPr lang="vi-VN" sz="2800" dirty="0" smtClean="0"/>
+          </a:p>
+          <a:p>
+            <a:r>
+              <a:rPr lang="vi-VN" sz="2800" dirty="0" smtClean="0"/>
+              <a:t>	</a:t>
+            </a:r>
+            <a:r>
+              <a:rPr lang="vi-VN" sz="2800" dirty="0"/>
+              <a:t>+ Method nên được tách nhỏ đến mức có thể</a:t>
+            </a:r>
+            <a:endParaRPr lang="en-US" sz="2800" dirty="0"/>
           </a:p>
         </p:txBody>
       </p:sp>
     </p:spTree>
     <p:extLst>
       <p:ext uri="{BB962C8B-B14F-4D97-AF65-F5344CB8AC3E}">
-        <p14:creationId xmlns:p14="http://schemas.microsoft.com/office/powerpoint/2010/main" val="2332142521"/>
+        <p14:creationId xmlns:p14="http://schemas.microsoft.com/office/powerpoint/2010/main" val="3010664739"/>
       </p:ext>
     </p:extLst>
   </p:cSld>
@@ -4289,7 +4614,7 @@
                             </p:stCondLst>
                             <p:childTnLst>
                               <p:par>
-                                <p:cTn id="5" presetID="2" presetClass="entr" presetSubtype="4" fill="hold" nodeType="clickEffect">
+                                <p:cTn id="5" presetID="10" presetClass="entr" presetSubtype="0" fill="hold" nodeType="clickEffect">
                                   <p:stCondLst>
                                     <p:cond delay="0"/>
                                   </p:stCondLst>
@@ -4316,9 +4641,9 @@
                                         <p:strVal val="visible"/>
                                       </p:to>
                                     </p:set>
-                                    <p:anim calcmode="lin" valueType="num">
-                                      <p:cBhvr additive="base">
-                                        <p:cTn id="7" dur="500" fill="hold"/>
+                                    <p:animEffect transition="in" filter="fade">
+                                      <p:cBhvr>
+                                        <p:cTn id="7" dur="500"/>
                                         <p:tgtEl>
                                           <p:spTgt spid="4">
                                             <p:txEl>
@@ -4326,50 +4651,8 @@
                                             </p:txEl>
                                           </p:spTgt>
                                         </p:tgtEl>
-                                        <p:attrNameLst>
-                                          <p:attrName>ppt_x</p:attrName>
-                                        </p:attrNameLst>
-                                      </p:cBhvr>
-                                      <p:tavLst>
-                                        <p:tav tm="0">
-                                          <p:val>
-                                            <p:strVal val="#ppt_x"/>
-                                          </p:val>
-                                        </p:tav>
-                                        <p:tav tm="100000">
-                                          <p:val>
-                                            <p:strVal val="#ppt_x"/>
-                                          </p:val>
-                                        </p:tav>
-                                      </p:tavLst>
-                                    </p:anim>
-                                    <p:anim calcmode="lin" valueType="num">
-                                      <p:cBhvr additive="base">
-                                        <p:cTn id="8" dur="500" fill="hold"/>
-                                        <p:tgtEl>
-                                          <p:spTgt spid="4">
-                                            <p:txEl>
-                                              <p:pRg st="0" end="0"/>
-                                            </p:txEl>
-                                          </p:spTgt>
-                                        </p:tgtEl>
-                                        <p:attrNameLst>
-                                          <p:attrName>ppt_y</p:attrName>
-                                        </p:attrNameLst>
-                                      </p:cBhvr>
-                                      <p:tavLst>
-                                        <p:tav tm="0">
-                                          <p:val>
-                                            <p:strVal val="1+#ppt_h/2"/>
-                                          </p:val>
-                                        </p:tav>
-                                        <p:tav tm="100000">
-                                          <p:val>
-                                            <p:strVal val="#ppt_y"/>
-                                          </p:val>
-                                        </p:tav>
-                                      </p:tavLst>
-                                    </p:anim>
+                                      </p:cBhvr>
+                                    </p:animEffect>
                                   </p:childTnLst>
                                 </p:cTn>
                               </p:par>
@@ -4380,26 +4663,26 @@
                     </p:cTn>
                   </p:par>
                   <p:par>
-                    <p:cTn id="9" fill="hold">
+                    <p:cTn id="8" fill="hold">
                       <p:stCondLst>
                         <p:cond delay="indefinite"/>
                       </p:stCondLst>
                       <p:childTnLst>
                         <p:par>
-                          <p:cTn id="10" fill="hold">
+                          <p:cTn id="9" fill="hold">
                             <p:stCondLst>
                               <p:cond delay="0"/>
                             </p:stCondLst>
                             <p:childTnLst>
                               <p:par>
-                                <p:cTn id="11" presetID="2" presetClass="entr" presetSubtype="4" fill="hold" nodeType="clickEffect">
+                                <p:cTn id="10" presetID="10" presetClass="entr" presetSubtype="0" fill="hold" nodeType="clickEffect">
                                   <p:stCondLst>
                                     <p:cond delay="0"/>
                                   </p:stCondLst>
                                   <p:childTnLst>
                                     <p:set>
                                       <p:cBhvr>
-                                        <p:cTn id="12" dur="1" fill="hold">
+                                        <p:cTn id="11" dur="1" fill="hold">
                                           <p:stCondLst>
                                             <p:cond delay="0"/>
                                           </p:stCondLst>
@@ -4419,9 +4702,9 @@
                                         <p:strVal val="visible"/>
                                       </p:to>
                                     </p:set>
-                                    <p:anim calcmode="lin" valueType="num">
-                                      <p:cBhvr additive="base">
-                                        <p:cTn id="13" dur="500" fill="hold"/>
+                                    <p:animEffect transition="in" filter="fade">
+                                      <p:cBhvr>
+                                        <p:cTn id="12" dur="500"/>
                                         <p:tgtEl>
                                           <p:spTgt spid="4">
                                             <p:txEl>
@@ -4429,50 +4712,130 @@
                                             </p:txEl>
                                           </p:spTgt>
                                         </p:tgtEl>
-                                        <p:attrNameLst>
-                                          <p:attrName>ppt_x</p:attrName>
-                                        </p:attrNameLst>
-                                      </p:cBhvr>
-                                      <p:tavLst>
-                                        <p:tav tm="0">
-                                          <p:val>
-                                            <p:strVal val="#ppt_x"/>
-                                          </p:val>
-                                        </p:tav>
-                                        <p:tav tm="100000">
-                                          <p:val>
-                                            <p:strVal val="#ppt_x"/>
-                                          </p:val>
-                                        </p:tav>
-                                      </p:tavLst>
-                                    </p:anim>
-                                    <p:anim calcmode="lin" valueType="num">
-                                      <p:cBhvr additive="base">
-                                        <p:cTn id="14" dur="500" fill="hold"/>
+                                      </p:cBhvr>
+                                    </p:animEffect>
+                                  </p:childTnLst>
+                                </p:cTn>
+                              </p:par>
+                            </p:childTnLst>
+                          </p:cTn>
+                        </p:par>
+                      </p:childTnLst>
+                    </p:cTn>
+                  </p:par>
+                  <p:par>
+                    <p:cTn id="13" fill="hold">
+                      <p:stCondLst>
+                        <p:cond delay="indefinite"/>
+                      </p:stCondLst>
+                      <p:childTnLst>
+                        <p:par>
+                          <p:cTn id="14" fill="hold">
+                            <p:stCondLst>
+                              <p:cond delay="0"/>
+                            </p:stCondLst>
+                            <p:childTnLst>
+                              <p:par>
+                                <p:cTn id="15" presetID="10" presetClass="entr" presetSubtype="0" fill="hold" nodeType="clickEffect">
+                                  <p:stCondLst>
+                                    <p:cond delay="0"/>
+                                  </p:stCondLst>
+                                  <p:childTnLst>
+                                    <p:set>
+                                      <p:cBhvr>
+                                        <p:cTn id="16" dur="1" fill="hold">
+                                          <p:stCondLst>
+                                            <p:cond delay="0"/>
+                                          </p:stCondLst>
+                                        </p:cTn>
                                         <p:tgtEl>
                                           <p:spTgt spid="4">
                                             <p:txEl>
-                                              <p:pRg st="1" end="1"/>
+                                              <p:pRg st="3" end="3"/>
                                             </p:txEl>
                                           </p:spTgt>
                                         </p:tgtEl>
                                         <p:attrNameLst>
-                                          <p:attrName>ppt_y</p:attrName>
+                                          <p:attrName>style.visibility</p:attrName>
                                         </p:attrNameLst>
                                       </p:cBhvr>
-                                      <p:tavLst>
-                                        <p:tav tm="0">
-                                          <p:val>
-                                            <p:strVal val="1+#ppt_h/2"/>
-                                          </p:val>
-                                        </p:tav>
-                                        <p:tav tm="100000">
-                                          <p:val>
-                                            <p:strVal val="#ppt_y"/>
-                                          </p:val>
-                                        </p:tav>
-                                      </p:tavLst>
-                                    </p:anim>
+                                      <p:to>
+                                        <p:strVal val="visible"/>
+                                      </p:to>
+                                    </p:set>
+                                    <p:animEffect transition="in" filter="fade">
+                                      <p:cBhvr>
+                                        <p:cTn id="17" dur="500"/>
+                                        <p:tgtEl>
+                                          <p:spTgt spid="4">
+                                            <p:txEl>
+                                              <p:pRg st="3" end="3"/>
+                                            </p:txEl>
+                                          </p:spTgt>
+                                        </p:tgtEl>
+                                      </p:cBhvr>
+                                    </p:animEffect>
+                                  </p:childTnLst>
+                                </p:cTn>
+                              </p:par>
+                            </p:childTnLst>
+                          </p:cTn>
+                        </p:par>
+                      </p:childTnLst>
+                    </p:cTn>
+                  </p:par>
+                  <p:par>
+                    <p:cTn id="18" fill="hold">
+                      <p:stCondLst>
+                        <p:cond delay="indefinite"/>
+                      </p:stCondLst>
+                      <p:childTnLst>
+                        <p:par>
+                          <p:cTn id="19" fill="hold">
+                            <p:stCondLst>
+                              <p:cond delay="0"/>
+                            </p:stCondLst>
+                            <p:childTnLst>
+                              <p:par>
+                                <p:cTn id="20" presetID="10" presetClass="entr" presetSubtype="0" fill="hold" nodeType="clickEffect">
+                                  <p:stCondLst>
+                                    <p:cond delay="0"/>
+                                  </p:stCondLst>
+                                  <p:childTnLst>
+                                    <p:set>
+                                      <p:cBhvr>
+                                        <p:cTn id="21" dur="1" fill="hold">
+                                          <p:stCondLst>
+                                            <p:cond delay="0"/>
+                                          </p:stCondLst>
+                                        </p:cTn>
+                                        <p:tgtEl>
+                                          <p:spTgt spid="4">
+                                            <p:txEl>
+                                              <p:pRg st="5" end="5"/>
+                                            </p:txEl>
+                                          </p:spTgt>
+                                        </p:tgtEl>
+                                        <p:attrNameLst>
+                                          <p:attrName>style.visibility</p:attrName>
+                                        </p:attrNameLst>
+                                      </p:cBhvr>
+                                      <p:to>
+                                        <p:strVal val="visible"/>
+                                      </p:to>
+                                    </p:set>
+                                    <p:animEffect transition="in" filter="fade">
+                                      <p:cBhvr>
+                                        <p:cTn id="22" dur="500"/>
+                                        <p:tgtEl>
+                                          <p:spTgt spid="4">
+                                            <p:txEl>
+                                              <p:pRg st="5" end="5"/>
+                                            </p:txEl>
+                                          </p:spTgt>
+                                        </p:tgtEl>
+                                      </p:cBhvr>
+                                    </p:animEffect>
                                   </p:childTnLst>
                                 </p:cTn>
                               </p:par>
@@ -4532,8 +4895,8 @@
         </p:nvSpPr>
         <p:spPr>
           <a:xfrm>
-            <a:off x="1332411" y="200297"/>
-            <a:ext cx="8577943" cy="707886"/>
+            <a:off x="357051" y="303551"/>
+            <a:ext cx="11530149" cy="738664"/>
           </a:xfrm>
           <a:prstGeom prst="rect">
             <a:avLst/>
@@ -4546,14 +4909,22 @@
           </a:bodyPr>
           <a:lstStyle/>
           <a:p>
-            <a:r>
-              <a:rPr lang="vi-VN" sz="4000" dirty="0" smtClean="0">
+            <a:pPr algn="ctr"/>
+            <a:r>
+              <a:rPr lang="vi-VN" sz="4200" b="1" dirty="0" smtClean="0">
                 <a:latin typeface="Arial" panose="020B0604020202020204" pitchFamily="34" charset="0"/>
                 <a:cs typeface="Arial" panose="020B0604020202020204" pitchFamily="34" charset="0"/>
               </a:rPr>
-              <a:t>3. Làm thế nào để viết code sạch</a:t>
-            </a:r>
-            <a:endParaRPr lang="en-US" sz="4000" dirty="0">
+              <a:t> </a:t>
+            </a:r>
+            <a:r>
+              <a:rPr lang="vi-VN" sz="4200" b="1" dirty="0" smtClean="0">
+                <a:latin typeface="Arial" panose="020B0604020202020204" pitchFamily="34" charset="0"/>
+                <a:cs typeface="Arial" panose="020B0604020202020204" pitchFamily="34" charset="0"/>
+              </a:rPr>
+              <a:t>Làm thế nào để viết code sạch</a:t>
+            </a:r>
+            <a:endParaRPr lang="en-US" sz="4200" b="1" dirty="0">
               <a:latin typeface="Arial" panose="020B0604020202020204" pitchFamily="34" charset="0"/>
               <a:cs typeface="Arial" panose="020B0604020202020204" pitchFamily="34" charset="0"/>
             </a:endParaRPr>
@@ -4568,8 +4939,8 @@
         </p:nvSpPr>
         <p:spPr>
           <a:xfrm>
-            <a:off x="914399" y="1323702"/>
-            <a:ext cx="10659291" cy="4401205"/>
+            <a:off x="975360" y="1323703"/>
+            <a:ext cx="10659291" cy="553998"/>
           </a:xfrm>
           <a:prstGeom prst="rect">
             <a:avLst/>
@@ -4582,54 +4953,76 @@
           </a:bodyPr>
           <a:lstStyle/>
           <a:p>
-            <a:r>
-              <a:rPr lang="vi-VN" sz="2800" dirty="0"/>
-              <a:t>Lưu ý: </a:t>
-            </a:r>
-          </a:p>
-          <a:p>
-            <a:r>
-              <a:rPr lang="vi-VN" sz="2800" dirty="0"/>
-              <a:t>	+ Method nên tuân theo nguyên lý Single Responsibility, tức là nó chỉ đảm nhiệm một chức năng cụ thể. Việc này sẽ khiến cho việc đọc code của bạn trở nên dễ hiểu hơn rất nhiều và thuận lợi cho việc viết Unit Test sau </a:t>
-            </a:r>
-            <a:r>
-              <a:rPr lang="vi-VN" sz="2800" dirty="0" smtClean="0"/>
-              <a:t>này</a:t>
-            </a:r>
-          </a:p>
-          <a:p>
-            <a:endParaRPr lang="vi-VN" sz="2800" dirty="0"/>
-          </a:p>
-          <a:p>
-            <a:r>
-              <a:rPr lang="vi-VN" sz="2800" dirty="0"/>
-              <a:t>	+ Không nên dùng một params kiểu boolean để xác định hành động cho method đó</a:t>
-            </a:r>
-            <a:r>
-              <a:rPr lang="vi-VN" sz="2800" dirty="0" smtClean="0"/>
-              <a:t>.</a:t>
-            </a:r>
-          </a:p>
-          <a:p>
-            <a:endParaRPr lang="vi-VN" sz="2800" dirty="0" smtClean="0"/>
-          </a:p>
-          <a:p>
-            <a:r>
-              <a:rPr lang="vi-VN" sz="2800" dirty="0" smtClean="0"/>
-              <a:t>	</a:t>
-            </a:r>
-            <a:r>
-              <a:rPr lang="vi-VN" sz="2800" dirty="0"/>
-              <a:t>+ Method nên được tách nhỏ đến mức có thể</a:t>
-            </a:r>
-            <a:endParaRPr lang="en-US" sz="2800" dirty="0"/>
+            <a:pPr marL="457200" indent="-457200">
+              <a:buFontTx/>
+              <a:buChar char="-"/>
+            </a:pPr>
+            <a:r>
+              <a:rPr lang="vi-VN" sz="3000" dirty="0" smtClean="0">
+                <a:latin typeface="Arial" panose="020B0604020202020204" pitchFamily="34" charset="0"/>
+                <a:cs typeface="Arial" panose="020B0604020202020204" pitchFamily="34" charset="0"/>
+              </a:rPr>
+              <a:t>Ví dụ:</a:t>
+            </a:r>
+            <a:endParaRPr lang="en-US" sz="3000" dirty="0">
+              <a:latin typeface="Arial" panose="020B0604020202020204" pitchFamily="34" charset="0"/>
+              <a:cs typeface="Arial" panose="020B0604020202020204" pitchFamily="34" charset="0"/>
+            </a:endParaRPr>
           </a:p>
         </p:txBody>
       </p:sp>
+      <p:pic>
+        <p:nvPicPr>
+          <p:cNvPr id="5" name="Picture 4"/>
+          <p:cNvPicPr>
+            <a:picLocks noChangeAspect="1"/>
+          </p:cNvPicPr>
+          <p:nvPr/>
+        </p:nvPicPr>
+        <p:blipFill>
+          <a:blip r:embed="rId2"/>
+          <a:stretch>
+            <a:fillRect/>
+          </a:stretch>
+        </p:blipFill>
+        <p:spPr>
+          <a:xfrm>
+            <a:off x="975360" y="1767840"/>
+            <a:ext cx="5993336" cy="4104459"/>
+          </a:xfrm>
+          <a:prstGeom prst="rect">
+            <a:avLst/>
+          </a:prstGeom>
+        </p:spPr>
+      </p:pic>
+      <p:pic>
+        <p:nvPicPr>
+          <p:cNvPr id="2" name="Picture 1"/>
+          <p:cNvPicPr>
+            <a:picLocks noChangeAspect="1"/>
+          </p:cNvPicPr>
+          <p:nvPr/>
+        </p:nvPicPr>
+        <p:blipFill>
+          <a:blip r:embed="rId3"/>
+          <a:stretch>
+            <a:fillRect/>
+          </a:stretch>
+        </p:blipFill>
+        <p:spPr>
+          <a:xfrm>
+            <a:off x="6758362" y="1767840"/>
+            <a:ext cx="5398429" cy="4091820"/>
+          </a:xfrm>
+          <a:prstGeom prst="rect">
+            <a:avLst/>
+          </a:prstGeom>
+        </p:spPr>
+      </p:pic>
     </p:spTree>
     <p:extLst>
       <p:ext uri="{BB962C8B-B14F-4D97-AF65-F5344CB8AC3E}">
-        <p14:creationId xmlns:p14="http://schemas.microsoft.com/office/powerpoint/2010/main" val="3010664739"/>
+        <p14:creationId xmlns:p14="http://schemas.microsoft.com/office/powerpoint/2010/main" val="1843509088"/>
       </p:ext>
     </p:extLst>
   </p:cSld>
@@ -4721,7 +5114,7 @@
                             </p:stCondLst>
                             <p:childTnLst>
                               <p:par>
-                                <p:cTn id="10" presetID="10" presetClass="entr" presetSubtype="0" fill="hold" nodeType="clickEffect">
+                                <p:cTn id="10" presetID="22" presetClass="entr" presetSubtype="4" fill="hold" nodeType="clickEffect">
                                   <p:stCondLst>
                                     <p:cond delay="0"/>
                                   </p:stCondLst>
@@ -4734,11 +5127,7 @@
                                           </p:stCondLst>
                                         </p:cTn>
                                         <p:tgtEl>
-                                          <p:spTgt spid="4">
-                                            <p:txEl>
-                                              <p:pRg st="1" end="1"/>
-                                            </p:txEl>
-                                          </p:spTgt>
+                                          <p:spTgt spid="5"/>
                                         </p:tgtEl>
                                         <p:attrNameLst>
                                           <p:attrName>style.visibility</p:attrName>
@@ -4748,15 +5137,11 @@
                                         <p:strVal val="visible"/>
                                       </p:to>
                                     </p:set>
-                                    <p:animEffect transition="in" filter="fade">
+                                    <p:animEffect transition="in" filter="wipe(down)">
                                       <p:cBhvr>
                                         <p:cTn id="12" dur="500"/>
                                         <p:tgtEl>
-                                          <p:spTgt spid="4">
-                                            <p:txEl>
-                                              <p:pRg st="1" end="1"/>
-                                            </p:txEl>
-                                          </p:spTgt>
+                                          <p:spTgt spid="5"/>
                                         </p:tgtEl>
                                       </p:cBhvr>
                                     </p:animEffect>
@@ -4782,7 +5167,7 @@
                             </p:stCondLst>
                             <p:childTnLst>
                               <p:par>
-                                <p:cTn id="15" presetID="10" presetClass="entr" presetSubtype="0" fill="hold" nodeType="clickEffect">
+                                <p:cTn id="15" presetID="22" presetClass="entr" presetSubtype="4" fill="hold" nodeType="clickEffect">
                                   <p:stCondLst>
                                     <p:cond delay="0"/>
                                   </p:stCondLst>
@@ -4795,11 +5180,7 @@
                                           </p:stCondLst>
                                         </p:cTn>
                                         <p:tgtEl>
-                                          <p:spTgt spid="4">
-                                            <p:txEl>
-                                              <p:pRg st="3" end="3"/>
-                                            </p:txEl>
-                                          </p:spTgt>
+                                          <p:spTgt spid="2"/>
                                         </p:tgtEl>
                                         <p:attrNameLst>
                                           <p:attrName>style.visibility</p:attrName>
@@ -4809,76 +5190,11 @@
                                         <p:strVal val="visible"/>
                                       </p:to>
                                     </p:set>
-                                    <p:animEffect transition="in" filter="fade">
+                                    <p:animEffect transition="in" filter="wipe(down)">
                                       <p:cBhvr>
                                         <p:cTn id="17" dur="500"/>
                                         <p:tgtEl>
-                                          <p:spTgt spid="4">
-                                            <p:txEl>
-                                              <p:pRg st="3" end="3"/>
-                                            </p:txEl>
-                                          </p:spTgt>
-                                        </p:tgtEl>
-                                      </p:cBhvr>
-                                    </p:animEffect>
-                                  </p:childTnLst>
-                                </p:cTn>
-                              </p:par>
-                            </p:childTnLst>
-                          </p:cTn>
-                        </p:par>
-                      </p:childTnLst>
-                    </p:cTn>
-                  </p:par>
-                  <p:par>
-                    <p:cTn id="18" fill="hold">
-                      <p:stCondLst>
-                        <p:cond delay="indefinite"/>
-                      </p:stCondLst>
-                      <p:childTnLst>
-                        <p:par>
-                          <p:cTn id="19" fill="hold">
-                            <p:stCondLst>
-                              <p:cond delay="0"/>
-                            </p:stCondLst>
-                            <p:childTnLst>
-                              <p:par>
-                                <p:cTn id="20" presetID="10" presetClass="entr" presetSubtype="0" fill="hold" nodeType="clickEffect">
-                                  <p:stCondLst>
-                                    <p:cond delay="0"/>
-                                  </p:stCondLst>
-                                  <p:childTnLst>
-                                    <p:set>
-                                      <p:cBhvr>
-                                        <p:cTn id="21" dur="1" fill="hold">
-                                          <p:stCondLst>
-                                            <p:cond delay="0"/>
-                                          </p:stCondLst>
-                                        </p:cTn>
-                                        <p:tgtEl>
-                                          <p:spTgt spid="4">
-                                            <p:txEl>
-                                              <p:pRg st="5" end="5"/>
-                                            </p:txEl>
-                                          </p:spTgt>
-                                        </p:tgtEl>
-                                        <p:attrNameLst>
-                                          <p:attrName>style.visibility</p:attrName>
-                                        </p:attrNameLst>
-                                      </p:cBhvr>
-                                      <p:to>
-                                        <p:strVal val="visible"/>
-                                      </p:to>
-                                    </p:set>
-                                    <p:animEffect transition="in" filter="fade">
-                                      <p:cBhvr>
-                                        <p:cTn id="22" dur="500"/>
-                                        <p:tgtEl>
-                                          <p:spTgt spid="4">
-                                            <p:txEl>
-                                              <p:pRg st="5" end="5"/>
-                                            </p:txEl>
-                                          </p:spTgt>
+                                          <p:spTgt spid="2"/>
                                         </p:tgtEl>
                                       </p:cBhvr>
                                     </p:animEffect>
@@ -4933,85 +5249,9 @@
           <a:chExt cx="0" cy="0"/>
         </a:xfrm>
       </p:grpSpPr>
-      <p:sp>
-        <p:nvSpPr>
-          <p:cNvPr id="3" name="TextBox 2"/>
-          <p:cNvSpPr txBox="1"/>
-          <p:nvPr/>
-        </p:nvSpPr>
-        <p:spPr>
-          <a:xfrm>
-            <a:off x="1332411" y="217714"/>
-            <a:ext cx="8577943" cy="707886"/>
-          </a:xfrm>
-          <a:prstGeom prst="rect">
-            <a:avLst/>
-          </a:prstGeom>
-          <a:noFill/>
-        </p:spPr>
-        <p:txBody>
-          <a:bodyPr wrap="square" rtlCol="0">
-            <a:spAutoFit/>
-          </a:bodyPr>
-          <a:lstStyle/>
-          <a:p>
-            <a:r>
-              <a:rPr lang="vi-VN" sz="4000" dirty="0" smtClean="0">
-                <a:latin typeface="Arial" panose="020B0604020202020204" pitchFamily="34" charset="0"/>
-                <a:cs typeface="Arial" panose="020B0604020202020204" pitchFamily="34" charset="0"/>
-              </a:rPr>
-              <a:t>3. Làm thế nào để viết code sạch</a:t>
-            </a:r>
-            <a:endParaRPr lang="en-US" sz="4000" dirty="0">
-              <a:latin typeface="Arial" panose="020B0604020202020204" pitchFamily="34" charset="0"/>
-              <a:cs typeface="Arial" panose="020B0604020202020204" pitchFamily="34" charset="0"/>
-            </a:endParaRPr>
-          </a:p>
-        </p:txBody>
-      </p:sp>
-      <p:sp>
-        <p:nvSpPr>
-          <p:cNvPr id="4" name="TextBox 3"/>
-          <p:cNvSpPr txBox="1"/>
-          <p:nvPr/>
-        </p:nvSpPr>
-        <p:spPr>
-          <a:xfrm>
-            <a:off x="975360" y="1323703"/>
-            <a:ext cx="10659291" cy="553998"/>
-          </a:xfrm>
-          <a:prstGeom prst="rect">
-            <a:avLst/>
-          </a:prstGeom>
-          <a:noFill/>
-        </p:spPr>
-        <p:txBody>
-          <a:bodyPr wrap="square" rtlCol="0">
-            <a:spAutoFit/>
-          </a:bodyPr>
-          <a:lstStyle/>
-          <a:p>
-            <a:pPr marL="457200" indent="-457200">
-              <a:buFontTx/>
-              <a:buChar char="-"/>
-            </a:pPr>
-            <a:r>
-              <a:rPr lang="vi-VN" sz="3000" dirty="0" smtClean="0">
-                <a:latin typeface="Arial" panose="020B0604020202020204" pitchFamily="34" charset="0"/>
-                <a:cs typeface="Arial" panose="020B0604020202020204" pitchFamily="34" charset="0"/>
-              </a:rPr>
-              <a:t>Ví dụ:</a:t>
-            </a:r>
-            <a:endParaRPr lang="en-US" sz="3000" dirty="0">
-              <a:latin typeface="Arial" panose="020B0604020202020204" pitchFamily="34" charset="0"/>
-              <a:cs typeface="Arial" panose="020B0604020202020204" pitchFamily="34" charset="0"/>
-            </a:endParaRPr>
-          </a:p>
-        </p:txBody>
-      </p:sp>
       <p:pic>
         <p:nvPicPr>
-          <p:cNvPr id="5" name="Picture 4"/>
+          <p:cNvPr id="3" name="Picture 2"/>
           <p:cNvPicPr>
             <a:picLocks noChangeAspect="1"/>
           </p:cNvPicPr>
@@ -5025,32 +5265,8 @@
         </p:blipFill>
         <p:spPr>
           <a:xfrm>
-            <a:off x="975360" y="2025549"/>
-            <a:ext cx="5617029" cy="3846750"/>
-          </a:xfrm>
-          <a:prstGeom prst="rect">
-            <a:avLst/>
-          </a:prstGeom>
-        </p:spPr>
-      </p:pic>
-      <p:pic>
-        <p:nvPicPr>
-          <p:cNvPr id="2" name="Picture 1"/>
-          <p:cNvPicPr>
-            <a:picLocks noChangeAspect="1"/>
-          </p:cNvPicPr>
-          <p:nvPr/>
-        </p:nvPicPr>
-        <p:blipFill>
-          <a:blip r:embed="rId3"/>
-          <a:stretch>
-            <a:fillRect/>
-          </a:stretch>
-        </p:blipFill>
-        <p:spPr>
-          <a:xfrm>
-            <a:off x="6758362" y="2038188"/>
-            <a:ext cx="5041753" cy="3821472"/>
+            <a:off x="714102" y="670560"/>
+            <a:ext cx="10779851" cy="4824548"/>
           </a:xfrm>
           <a:prstGeom prst="rect">
             <a:avLst/>
@@ -5060,7 +5276,7 @@
     </p:spTree>
     <p:extLst>
       <p:ext uri="{BB962C8B-B14F-4D97-AF65-F5344CB8AC3E}">
-        <p14:creationId xmlns:p14="http://schemas.microsoft.com/office/powerpoint/2010/main" val="1843509088"/>
+        <p14:creationId xmlns:p14="http://schemas.microsoft.com/office/powerpoint/2010/main" val="2226606331"/>
       </p:ext>
     </p:extLst>
   </p:cSld>
@@ -5073,197 +5289,7 @@
   <p:timing>
     <p:tnLst>
       <p:par>
-        <p:cTn id="1" dur="indefinite" restart="never" nodeType="tmRoot">
-          <p:childTnLst>
-            <p:seq concurrent="1" nextAc="seek">
-              <p:cTn id="2" dur="indefinite" nodeType="mainSeq">
-                <p:childTnLst>
-                  <p:par>
-                    <p:cTn id="3" fill="hold">
-                      <p:stCondLst>
-                        <p:cond delay="indefinite"/>
-                      </p:stCondLst>
-                      <p:childTnLst>
-                        <p:par>
-                          <p:cTn id="4" fill="hold">
-                            <p:stCondLst>
-                              <p:cond delay="0"/>
-                            </p:stCondLst>
-                            <p:childTnLst>
-                              <p:par>
-                                <p:cTn id="5" presetID="10" presetClass="entr" presetSubtype="0" fill="hold" nodeType="clickEffect">
-                                  <p:stCondLst>
-                                    <p:cond delay="0"/>
-                                  </p:stCondLst>
-                                  <p:childTnLst>
-                                    <p:set>
-                                      <p:cBhvr>
-                                        <p:cTn id="6" dur="1" fill="hold">
-                                          <p:stCondLst>
-                                            <p:cond delay="0"/>
-                                          </p:stCondLst>
-                                        </p:cTn>
-                                        <p:tgtEl>
-                                          <p:spTgt spid="4">
-                                            <p:txEl>
-                                              <p:pRg st="0" end="0"/>
-                                            </p:txEl>
-                                          </p:spTgt>
-                                        </p:tgtEl>
-                                        <p:attrNameLst>
-                                          <p:attrName>style.visibility</p:attrName>
-                                        </p:attrNameLst>
-                                      </p:cBhvr>
-                                      <p:to>
-                                        <p:strVal val="visible"/>
-                                      </p:to>
-                                    </p:set>
-                                    <p:animEffect transition="in" filter="fade">
-                                      <p:cBhvr>
-                                        <p:cTn id="7" dur="500"/>
-                                        <p:tgtEl>
-                                          <p:spTgt spid="4">
-                                            <p:txEl>
-                                              <p:pRg st="0" end="0"/>
-                                            </p:txEl>
-                                          </p:spTgt>
-                                        </p:tgtEl>
-                                      </p:cBhvr>
-                                    </p:animEffect>
-                                  </p:childTnLst>
-                                </p:cTn>
-                              </p:par>
-                            </p:childTnLst>
-                          </p:cTn>
-                        </p:par>
-                      </p:childTnLst>
-                    </p:cTn>
-                  </p:par>
-                  <p:par>
-                    <p:cTn id="8" fill="hold">
-                      <p:stCondLst>
-                        <p:cond delay="indefinite"/>
-                      </p:stCondLst>
-                      <p:childTnLst>
-                        <p:par>
-                          <p:cTn id="9" fill="hold">
-                            <p:stCondLst>
-                              <p:cond delay="0"/>
-                            </p:stCondLst>
-                            <p:childTnLst>
-                              <p:par>
-                                <p:cTn id="10" presetID="22" presetClass="entr" presetSubtype="4" fill="hold" nodeType="clickEffect">
-                                  <p:stCondLst>
-                                    <p:cond delay="0"/>
-                                  </p:stCondLst>
-                                  <p:childTnLst>
-                                    <p:set>
-                                      <p:cBhvr>
-                                        <p:cTn id="11" dur="1" fill="hold">
-                                          <p:stCondLst>
-                                            <p:cond delay="0"/>
-                                          </p:stCondLst>
-                                        </p:cTn>
-                                        <p:tgtEl>
-                                          <p:spTgt spid="5"/>
-                                        </p:tgtEl>
-                                        <p:attrNameLst>
-                                          <p:attrName>style.visibility</p:attrName>
-                                        </p:attrNameLst>
-                                      </p:cBhvr>
-                                      <p:to>
-                                        <p:strVal val="visible"/>
-                                      </p:to>
-                                    </p:set>
-                                    <p:animEffect transition="in" filter="wipe(down)">
-                                      <p:cBhvr>
-                                        <p:cTn id="12" dur="500"/>
-                                        <p:tgtEl>
-                                          <p:spTgt spid="5"/>
-                                        </p:tgtEl>
-                                      </p:cBhvr>
-                                    </p:animEffect>
-                                  </p:childTnLst>
-                                </p:cTn>
-                              </p:par>
-                            </p:childTnLst>
-                          </p:cTn>
-                        </p:par>
-                      </p:childTnLst>
-                    </p:cTn>
-                  </p:par>
-                  <p:par>
-                    <p:cTn id="13" fill="hold">
-                      <p:stCondLst>
-                        <p:cond delay="indefinite"/>
-                      </p:stCondLst>
-                      <p:childTnLst>
-                        <p:par>
-                          <p:cTn id="14" fill="hold">
-                            <p:stCondLst>
-                              <p:cond delay="0"/>
-                            </p:stCondLst>
-                            <p:childTnLst>
-                              <p:par>
-                                <p:cTn id="15" presetID="22" presetClass="entr" presetSubtype="4" fill="hold" nodeType="clickEffect">
-                                  <p:stCondLst>
-                                    <p:cond delay="0"/>
-                                  </p:stCondLst>
-                                  <p:childTnLst>
-                                    <p:set>
-                                      <p:cBhvr>
-                                        <p:cTn id="16" dur="1" fill="hold">
-                                          <p:stCondLst>
-                                            <p:cond delay="0"/>
-                                          </p:stCondLst>
-                                        </p:cTn>
-                                        <p:tgtEl>
-                                          <p:spTgt spid="2"/>
-                                        </p:tgtEl>
-                                        <p:attrNameLst>
-                                          <p:attrName>style.visibility</p:attrName>
-                                        </p:attrNameLst>
-                                      </p:cBhvr>
-                                      <p:to>
-                                        <p:strVal val="visible"/>
-                                      </p:to>
-                                    </p:set>
-                                    <p:animEffect transition="in" filter="wipe(down)">
-                                      <p:cBhvr>
-                                        <p:cTn id="17" dur="500"/>
-                                        <p:tgtEl>
-                                          <p:spTgt spid="2"/>
-                                        </p:tgtEl>
-                                      </p:cBhvr>
-                                    </p:animEffect>
-                                  </p:childTnLst>
-                                </p:cTn>
-                              </p:par>
-                            </p:childTnLst>
-                          </p:cTn>
-                        </p:par>
-                      </p:childTnLst>
-                    </p:cTn>
-                  </p:par>
-                </p:childTnLst>
-              </p:cTn>
-              <p:prevCondLst>
-                <p:cond evt="onPrev" delay="0">
-                  <p:tgtEl>
-                    <p:sldTgt/>
-                  </p:tgtEl>
-                </p:cond>
-              </p:prevCondLst>
-              <p:nextCondLst>
-                <p:cond evt="onNext" delay="0">
-                  <p:tgtEl>
-                    <p:sldTgt/>
-                  </p:tgtEl>
-                </p:cond>
-              </p:nextCondLst>
-            </p:seq>
-          </p:childTnLst>
-        </p:cTn>
+        <p:cTn id="1" dur="indefinite" restart="never" nodeType="tmRoot"/>
       </p:par>
     </p:tnLst>
   </p:timing>
@@ -5289,7 +5315,7 @@
       </p:grpSpPr>
       <p:pic>
         <p:nvPicPr>
-          <p:cNvPr id="3" name="Picture 2"/>
+          <p:cNvPr id="2" name="Picture 1"/>
           <p:cNvPicPr>
             <a:picLocks noChangeAspect="1"/>
           </p:cNvPicPr>
@@ -5303,8 +5329,8 @@
         </p:blipFill>
         <p:spPr>
           <a:xfrm>
-            <a:off x="1280160" y="914400"/>
-            <a:ext cx="9962606" cy="4458788"/>
+            <a:off x="627017" y="398077"/>
+            <a:ext cx="11086012" cy="5663089"/>
           </a:xfrm>
           <a:prstGeom prst="rect">
             <a:avLst/>
@@ -5314,7 +5340,7 @@
     </p:spTree>
     <p:extLst>
       <p:ext uri="{BB962C8B-B14F-4D97-AF65-F5344CB8AC3E}">
-        <p14:creationId xmlns:p14="http://schemas.microsoft.com/office/powerpoint/2010/main" val="2226606331"/>
+        <p14:creationId xmlns:p14="http://schemas.microsoft.com/office/powerpoint/2010/main" val="2909770076"/>
       </p:ext>
     </p:extLst>
   </p:cSld>
@@ -5351,70 +5377,6 @@
           <a:chExt cx="0" cy="0"/>
         </a:xfrm>
       </p:grpSpPr>
-      <p:pic>
-        <p:nvPicPr>
-          <p:cNvPr id="2" name="Picture 1"/>
-          <p:cNvPicPr>
-            <a:picLocks noChangeAspect="1"/>
-          </p:cNvPicPr>
-          <p:nvPr/>
-        </p:nvPicPr>
-        <p:blipFill>
-          <a:blip r:embed="rId2"/>
-          <a:stretch>
-            <a:fillRect/>
-          </a:stretch>
-        </p:blipFill>
-        <p:spPr>
-          <a:xfrm>
-            <a:off x="1467463" y="905691"/>
-            <a:ext cx="9270204" cy="4824549"/>
-          </a:xfrm>
-          <a:prstGeom prst="rect">
-            <a:avLst/>
-          </a:prstGeom>
-        </p:spPr>
-      </p:pic>
-    </p:spTree>
-    <p:extLst>
-      <p:ext uri="{BB962C8B-B14F-4D97-AF65-F5344CB8AC3E}">
-        <p14:creationId xmlns:p14="http://schemas.microsoft.com/office/powerpoint/2010/main" val="2909770076"/>
-      </p:ext>
-    </p:extLst>
-  </p:cSld>
-  <p:clrMapOvr>
-    <a:masterClrMapping/>
-  </p:clrMapOvr>
-  <p:transition spd="slow">
-    <p:push dir="u"/>
-  </p:transition>
-  <p:timing>
-    <p:tnLst>
-      <p:par>
-        <p:cTn id="1" dur="indefinite" restart="never" nodeType="tmRoot"/>
-      </p:par>
-    </p:tnLst>
-  </p:timing>
-</p:sld>
-</file>
-
-<file path=ppt/slides/slide18.xml><?xml version="1.0" encoding="utf-8"?>
-<p:sld xmlns:a="http://schemas.openxmlformats.org/drawingml/2006/main" xmlns:r="http://schemas.openxmlformats.org/officeDocument/2006/relationships" xmlns:p="http://schemas.openxmlformats.org/presentationml/2006/main">
-  <p:cSld>
-    <p:spTree>
-      <p:nvGrpSpPr>
-        <p:cNvPr id="1" name=""/>
-        <p:cNvGrpSpPr/>
-        <p:nvPr/>
-      </p:nvGrpSpPr>
-      <p:grpSpPr>
-        <a:xfrm>
-          <a:off x="0" y="0"/>
-          <a:ext cx="0" cy="0"/>
-          <a:chOff x="0" y="0"/>
-          <a:chExt cx="0" cy="0"/>
-        </a:xfrm>
-      </p:grpSpPr>
       <p:sp>
         <p:nvSpPr>
           <p:cNvPr id="3" name="TextBox 2"/>
@@ -5423,8 +5385,8 @@
         </p:nvSpPr>
         <p:spPr>
           <a:xfrm>
-            <a:off x="1332411" y="217714"/>
-            <a:ext cx="8577943" cy="707886"/>
+            <a:off x="365759" y="435428"/>
+            <a:ext cx="11428844" cy="738664"/>
           </a:xfrm>
           <a:prstGeom prst="rect">
             <a:avLst/>
@@ -5437,14 +5399,22 @@
           </a:bodyPr>
           <a:lstStyle/>
           <a:p>
-            <a:r>
-              <a:rPr lang="vi-VN" sz="4000" dirty="0" smtClean="0">
+            <a:pPr algn="ctr"/>
+            <a:r>
+              <a:rPr lang="vi-VN" sz="4200" b="1" dirty="0" smtClean="0">
                 <a:latin typeface="Arial" panose="020B0604020202020204" pitchFamily="34" charset="0"/>
                 <a:cs typeface="Arial" panose="020B0604020202020204" pitchFamily="34" charset="0"/>
               </a:rPr>
-              <a:t>3. Làm thế nào để viết code sạch</a:t>
-            </a:r>
-            <a:endParaRPr lang="en-US" sz="4000" dirty="0">
+              <a:t> </a:t>
+            </a:r>
+            <a:r>
+              <a:rPr lang="vi-VN" sz="4200" b="1" dirty="0" smtClean="0">
+                <a:latin typeface="Arial" panose="020B0604020202020204" pitchFamily="34" charset="0"/>
+                <a:cs typeface="Arial" panose="020B0604020202020204" pitchFamily="34" charset="0"/>
+              </a:rPr>
+              <a:t>Làm thế nào để viết code sạch</a:t>
+            </a:r>
+            <a:endParaRPr lang="en-US" sz="4200" b="1" dirty="0">
               <a:latin typeface="Arial" panose="020B0604020202020204" pitchFamily="34" charset="0"/>
               <a:cs typeface="Arial" panose="020B0604020202020204" pitchFamily="34" charset="0"/>
             </a:endParaRPr>
@@ -5459,7 +5429,7 @@
         </p:nvSpPr>
         <p:spPr>
           <a:xfrm>
-            <a:off x="235131" y="1863634"/>
+            <a:off x="618309" y="1541416"/>
             <a:ext cx="11634651" cy="2400657"/>
           </a:xfrm>
           <a:prstGeom prst="rect">
@@ -5814,7 +5784,7 @@
 </p:sld>
 </file>
 
-<file path=ppt/slides/slide19.xml><?xml version="1.0" encoding="utf-8"?>
+<file path=ppt/slides/slide18.xml><?xml version="1.0" encoding="utf-8"?>
 <p:sld xmlns:a="http://schemas.openxmlformats.org/drawingml/2006/main" xmlns:r="http://schemas.openxmlformats.org/officeDocument/2006/relationships" xmlns:p="http://schemas.openxmlformats.org/presentationml/2006/main">
   <p:cSld>
     <p:spTree>
@@ -5847,8 +5817,8 @@
         </p:blipFill>
         <p:spPr>
           <a:xfrm>
-            <a:off x="1297577" y="986701"/>
-            <a:ext cx="9474926" cy="5161550"/>
+            <a:off x="644434" y="871563"/>
+            <a:ext cx="10789920" cy="5526844"/>
           </a:xfrm>
           <a:prstGeom prst="rect">
             <a:avLst/>
@@ -5863,7 +5833,7 @@
         </p:nvSpPr>
         <p:spPr>
           <a:xfrm>
-            <a:off x="1584960" y="348343"/>
+            <a:off x="644434" y="348343"/>
             <a:ext cx="2133600" cy="523220"/>
           </a:xfrm>
           <a:prstGeom prst="rect">
@@ -5895,6 +5865,70 @@
     <p:extLst>
       <p:ext uri="{BB962C8B-B14F-4D97-AF65-F5344CB8AC3E}">
         <p14:creationId xmlns:p14="http://schemas.microsoft.com/office/powerpoint/2010/main" val="2678468748"/>
+      </p:ext>
+    </p:extLst>
+  </p:cSld>
+  <p:clrMapOvr>
+    <a:masterClrMapping/>
+  </p:clrMapOvr>
+  <p:transition spd="slow">
+    <p:push dir="u"/>
+  </p:transition>
+  <p:timing>
+    <p:tnLst>
+      <p:par>
+        <p:cTn id="1" dur="indefinite" restart="never" nodeType="tmRoot"/>
+      </p:par>
+    </p:tnLst>
+  </p:timing>
+</p:sld>
+</file>
+
+<file path=ppt/slides/slide19.xml><?xml version="1.0" encoding="utf-8"?>
+<p:sld xmlns:a="http://schemas.openxmlformats.org/drawingml/2006/main" xmlns:r="http://schemas.openxmlformats.org/officeDocument/2006/relationships" xmlns:p="http://schemas.openxmlformats.org/presentationml/2006/main">
+  <p:cSld>
+    <p:spTree>
+      <p:nvGrpSpPr>
+        <p:cNvPr id="1" name=""/>
+        <p:cNvGrpSpPr/>
+        <p:nvPr/>
+      </p:nvGrpSpPr>
+      <p:grpSpPr>
+        <a:xfrm>
+          <a:off x="0" y="0"/>
+          <a:ext cx="0" cy="0"/>
+          <a:chOff x="0" y="0"/>
+          <a:chExt cx="0" cy="0"/>
+        </a:xfrm>
+      </p:grpSpPr>
+      <p:pic>
+        <p:nvPicPr>
+          <p:cNvPr id="2" name="Picture 1"/>
+          <p:cNvPicPr>
+            <a:picLocks noChangeAspect="1"/>
+          </p:cNvPicPr>
+          <p:nvPr/>
+        </p:nvPicPr>
+        <p:blipFill>
+          <a:blip r:embed="rId2"/>
+          <a:stretch>
+            <a:fillRect/>
+          </a:stretch>
+        </p:blipFill>
+        <p:spPr>
+          <a:xfrm>
+            <a:off x="653143" y="247250"/>
+            <a:ext cx="10798627" cy="6369495"/>
+          </a:xfrm>
+          <a:prstGeom prst="rect">
+            <a:avLst/>
+          </a:prstGeom>
+        </p:spPr>
+      </p:pic>
+    </p:spTree>
+    <p:extLst>
+      <p:ext uri="{BB962C8B-B14F-4D97-AF65-F5344CB8AC3E}">
+        <p14:creationId xmlns:p14="http://schemas.microsoft.com/office/powerpoint/2010/main" val="801674940"/>
       </p:ext>
     </p:extLst>
   </p:cSld>
@@ -5955,12 +5989,12 @@
           <a:p>
             <a:pPr algn="ctr"/>
             <a:r>
-              <a:rPr lang="vi-VN" sz="6000" dirty="0">
+              <a:rPr lang="vi-VN" sz="6000" b="1" dirty="0">
                 <a:latin typeface="+mn-lt"/>
               </a:rPr>
               <a:t>CLEAN CODE</a:t>
             </a:r>
-            <a:endParaRPr lang="en-US" sz="6000" dirty="0">
+            <a:endParaRPr lang="en-US" sz="6000" b="1" dirty="0">
               <a:latin typeface="+mn-lt"/>
             </a:endParaRPr>
           </a:p>
@@ -6475,71 +6509,7 @@
         </p:blipFill>
         <p:spPr>
           <a:xfrm>
-            <a:off x="1524000" y="793424"/>
-            <a:ext cx="9285105" cy="5823321"/>
-          </a:xfrm>
-          <a:prstGeom prst="rect">
-            <a:avLst/>
-          </a:prstGeom>
-        </p:spPr>
-      </p:pic>
-    </p:spTree>
-    <p:extLst>
-      <p:ext uri="{BB962C8B-B14F-4D97-AF65-F5344CB8AC3E}">
-        <p14:creationId xmlns:p14="http://schemas.microsoft.com/office/powerpoint/2010/main" val="801674940"/>
-      </p:ext>
-    </p:extLst>
-  </p:cSld>
-  <p:clrMapOvr>
-    <a:masterClrMapping/>
-  </p:clrMapOvr>
-  <p:transition spd="slow">
-    <p:push dir="u"/>
-  </p:transition>
-  <p:timing>
-    <p:tnLst>
-      <p:par>
-        <p:cTn id="1" dur="indefinite" restart="never" nodeType="tmRoot"/>
-      </p:par>
-    </p:tnLst>
-  </p:timing>
-</p:sld>
-</file>
-
-<file path=ppt/slides/slide21.xml><?xml version="1.0" encoding="utf-8"?>
-<p:sld xmlns:a="http://schemas.openxmlformats.org/drawingml/2006/main" xmlns:r="http://schemas.openxmlformats.org/officeDocument/2006/relationships" xmlns:p="http://schemas.openxmlformats.org/presentationml/2006/main">
-  <p:cSld>
-    <p:spTree>
-      <p:nvGrpSpPr>
-        <p:cNvPr id="1" name=""/>
-        <p:cNvGrpSpPr/>
-        <p:nvPr/>
-      </p:nvGrpSpPr>
-      <p:grpSpPr>
-        <a:xfrm>
-          <a:off x="0" y="0"/>
-          <a:ext cx="0" cy="0"/>
-          <a:chOff x="0" y="0"/>
-          <a:chExt cx="0" cy="0"/>
-        </a:xfrm>
-      </p:grpSpPr>
-      <p:pic>
-        <p:nvPicPr>
-          <p:cNvPr id="2" name="Picture 1"/>
-          <p:cNvPicPr>
-            <a:picLocks noChangeAspect="1"/>
-          </p:cNvPicPr>
-          <p:nvPr/>
-        </p:nvPicPr>
-        <p:blipFill>
-          <a:blip r:embed="rId2"/>
-          <a:stretch>
-            <a:fillRect/>
-          </a:stretch>
-        </p:blipFill>
-        <p:spPr>
-          <a:xfrm>
-            <a:off x="0" y="0"/>
+            <a:off x="0" y="8709"/>
             <a:ext cx="12192000" cy="6858000"/>
           </a:xfrm>
           <a:prstGeom prst="rect">
@@ -6555,8 +6525,8 @@
         </p:nvSpPr>
         <p:spPr>
           <a:xfrm>
-            <a:off x="1045029" y="452846"/>
-            <a:ext cx="6871062" cy="3831818"/>
+            <a:off x="574766" y="452846"/>
+            <a:ext cx="6731725" cy="3831818"/>
           </a:xfrm>
           <a:prstGeom prst="rect">
             <a:avLst/>
@@ -6895,7 +6865,7 @@
 </p:sld>
 </file>
 
-<file path=ppt/slides/slide22.xml><?xml version="1.0" encoding="utf-8"?>
+<file path=ppt/slides/slide21.xml><?xml version="1.0" encoding="utf-8"?>
 <p:sld xmlns:a="http://schemas.openxmlformats.org/drawingml/2006/main" xmlns:r="http://schemas.openxmlformats.org/officeDocument/2006/relationships" xmlns:p="http://schemas.openxmlformats.org/presentationml/2006/main">
   <p:cSld>
     <p:spTree>
@@ -6920,8 +6890,8 @@
         </p:nvSpPr>
         <p:spPr>
           <a:xfrm>
-            <a:off x="879566" y="1689462"/>
-            <a:ext cx="10014857" cy="2092881"/>
+            <a:off x="636608" y="1724186"/>
+            <a:ext cx="10894423" cy="2246769"/>
           </a:xfrm>
           <a:prstGeom prst="rect">
             <a:avLst/>
@@ -6936,12 +6906,12 @@
           <a:p>
             <a:pPr algn="ctr"/>
             <a:r>
-              <a:rPr lang="vi-VN" sz="6500" dirty="0" smtClean="0">
+              <a:rPr lang="vi-VN" sz="7000" b="1" dirty="0" smtClean="0">
                 <a:cs typeface="Times New Roman" panose="02020603050405020304" pitchFamily="18" charset="0"/>
               </a:rPr>
               <a:t>Cảm ơn tất cả mọi người đã theo dõi</a:t>
             </a:r>
-            <a:endParaRPr lang="en-US" sz="6500" dirty="0">
+            <a:endParaRPr lang="en-US" sz="7000" b="1" dirty="0">
               <a:cs typeface="Times New Roman" panose="02020603050405020304" pitchFamily="18" charset="0"/>
             </a:endParaRPr>
           </a:p>
@@ -6955,7 +6925,7 @@
         </p:nvSpPr>
         <p:spPr>
           <a:xfrm>
-            <a:off x="4945224" y="5903893"/>
+            <a:off x="4797179" y="5755848"/>
             <a:ext cx="7246776" cy="954107"/>
           </a:xfrm>
           <a:prstGeom prst="rect">
@@ -7045,8 +7015,8 @@
         </p:nvSpPr>
         <p:spPr>
           <a:xfrm>
-            <a:off x="1358538" y="487681"/>
-            <a:ext cx="8464731" cy="707886"/>
+            <a:off x="200408" y="299620"/>
+            <a:ext cx="11709941" cy="738664"/>
           </a:xfrm>
           <a:prstGeom prst="rect">
             <a:avLst/>
@@ -7059,11 +7029,9 @@
           </a:bodyPr>
           <a:lstStyle/>
           <a:p>
-            <a:pPr marL="742950" indent="-742950">
-              <a:buAutoNum type="arabicPeriod"/>
-            </a:pPr>
-            <a:r>
-              <a:rPr lang="vi-VN" sz="4000" dirty="0" smtClean="0">
+            <a:pPr algn="ctr"/>
+            <a:r>
+              <a:rPr lang="vi-VN" sz="4200" b="1" dirty="0" smtClean="0">
                 <a:latin typeface="Arial" panose="020B0604020202020204" pitchFamily="34" charset="0"/>
                 <a:cs typeface="Arial" panose="020B0604020202020204" pitchFamily="34" charset="0"/>
               </a:rPr>
@@ -7340,8 +7308,8 @@
         </p:nvSpPr>
         <p:spPr>
           <a:xfrm>
-            <a:off x="1358538" y="487681"/>
-            <a:ext cx="8464731" cy="707886"/>
+            <a:off x="130960" y="311194"/>
+            <a:ext cx="11733091" cy="738664"/>
           </a:xfrm>
           <a:prstGeom prst="rect">
             <a:avLst/>
@@ -7354,11 +7322,9 @@
           </a:bodyPr>
           <a:lstStyle/>
           <a:p>
-            <a:pPr marL="742950" indent="-742950">
-              <a:buAutoNum type="arabicPeriod"/>
-            </a:pPr>
-            <a:r>
-              <a:rPr lang="vi-VN" sz="4000" dirty="0" smtClean="0">
+            <a:pPr algn="ctr"/>
+            <a:r>
+              <a:rPr lang="vi-VN" sz="4200" b="1" dirty="0" smtClean="0">
                 <a:latin typeface="Arial" panose="020B0604020202020204" pitchFamily="34" charset="0"/>
                 <a:cs typeface="Arial" panose="020B0604020202020204" pitchFamily="34" charset="0"/>
               </a:rPr>
@@ -7369,14 +7335,14 @@
       </p:sp>
       <p:sp>
         <p:nvSpPr>
-          <p:cNvPr id="3" name="TextBox 2"/>
+          <p:cNvPr id="5" name="TextBox 4"/>
           <p:cNvSpPr txBox="1"/>
           <p:nvPr/>
         </p:nvSpPr>
         <p:spPr>
           <a:xfrm>
-            <a:off x="1297578" y="1506583"/>
-            <a:ext cx="6383382" cy="3539430"/>
+            <a:off x="1105989" y="1506583"/>
+            <a:ext cx="6574971" cy="3539430"/>
           </a:xfrm>
           <a:prstGeom prst="rect">
             <a:avLst/>
@@ -7407,7 +7373,7 @@
       </p:sp>
       <p:pic>
         <p:nvPicPr>
-          <p:cNvPr id="7170" name="Picture 2" descr="Má»t ngÆ°á»i ÄÃ n Ã´ng cÃ³ rÃ¢u á» tuá»i sÃ¡u mÆ°Æ¡i cÆ°á»i toe toÃ©t khi Äeo kÃ­nh máº¯t vÃ  Ã¡o khoÃ¡c lÃ´ng cá»«u"/>
+          <p:cNvPr id="6" name="Picture 2" descr="Má»t ngÆ°á»i ÄÃ n Ã´ng cÃ³ rÃ¢u á» tuá»i sÃ¡u mÆ°Æ¡i cÆ°á»i toe toÃ©t khi Äeo kÃ­nh máº¯t vÃ  Ã¡o khoÃ¡c lÃ´ng cá»«u"/>
           <p:cNvPicPr>
             <a:picLocks noChangeAspect="1" noChangeArrowheads="1"/>
           </p:cNvPicPr>
@@ -7449,16 +7415,13 @@
     </p:spTree>
     <p:extLst>
       <p:ext uri="{BB962C8B-B14F-4D97-AF65-F5344CB8AC3E}">
-        <p14:creationId xmlns:p14="http://schemas.microsoft.com/office/powerpoint/2010/main" val="97254002"/>
+        <p14:creationId xmlns:p14="http://schemas.microsoft.com/office/powerpoint/2010/main" val="2573951421"/>
       </p:ext>
     </p:extLst>
   </p:cSld>
   <p:clrMapOvr>
     <a:masterClrMapping/>
   </p:clrMapOvr>
-  <p:transition spd="slow">
-    <p:push dir="u"/>
-  </p:transition>
   <p:timing>
     <p:tnLst>
       <p:par>
@@ -7493,7 +7456,7 @@
                                           </p:stCondLst>
                                         </p:cTn>
                                         <p:tgtEl>
-                                          <p:spTgt spid="7170"/>
+                                          <p:spTgt spid="6"/>
                                         </p:tgtEl>
                                         <p:attrNameLst>
                                           <p:attrName>style.visibility</p:attrName>
@@ -7507,7 +7470,7 @@
                                       <p:cBhvr>
                                         <p:cTn id="7" dur="500"/>
                                         <p:tgtEl>
-                                          <p:spTgt spid="7170"/>
+                                          <p:spTgt spid="6"/>
                                         </p:tgtEl>
                                       </p:cBhvr>
                                     </p:animEffect>
@@ -7546,7 +7509,7 @@
                                           </p:stCondLst>
                                         </p:cTn>
                                         <p:tgtEl>
-                                          <p:spTgt spid="3"/>
+                                          <p:spTgt spid="5"/>
                                         </p:tgtEl>
                                         <p:attrNameLst>
                                           <p:attrName>style.visibility</p:attrName>
@@ -7560,7 +7523,7 @@
                                       <p:cBhvr>
                                         <p:cTn id="12" dur="500"/>
                                         <p:tgtEl>
-                                          <p:spTgt spid="3"/>
+                                          <p:spTgt spid="5"/>
                                         </p:tgtEl>
                                       </p:cBhvr>
                                     </p:animEffect>
@@ -7595,7 +7558,7 @@
       </p:par>
     </p:tnLst>
     <p:bldLst>
-      <p:bldP spid="3" grpId="0"/>
+      <p:bldP spid="5" grpId="0"/>
     </p:bldLst>
   </p:timing>
 </p:sld>
@@ -7626,8 +7589,8 @@
         </p:nvSpPr>
         <p:spPr>
           <a:xfrm>
-            <a:off x="1105988" y="1314994"/>
-            <a:ext cx="10345784" cy="3539430"/>
+            <a:off x="0" y="357493"/>
+            <a:ext cx="12192000" cy="707886"/>
           </a:xfrm>
           <a:prstGeom prst="rect">
             <a:avLst/>
@@ -7640,6 +7603,38 @@
           </a:bodyPr>
           <a:lstStyle/>
           <a:p>
+            <a:pPr algn="ctr"/>
+            <a:r>
+              <a:rPr lang="vi-VN" sz="4000" b="1" dirty="0" smtClean="0">
+                <a:latin typeface="Arial" panose="020B0604020202020204" pitchFamily="34" charset="0"/>
+                <a:cs typeface="Arial" panose="020B0604020202020204" pitchFamily="34" charset="0"/>
+              </a:rPr>
+              <a:t>Thế nào là “code sạch” ?</a:t>
+            </a:r>
+          </a:p>
+        </p:txBody>
+      </p:sp>
+      <p:sp>
+        <p:nvSpPr>
+          <p:cNvPr id="3" name="Rectangle 2"/>
+          <p:cNvSpPr/>
+          <p:nvPr/>
+        </p:nvSpPr>
+        <p:spPr>
+          <a:xfrm>
+            <a:off x="1071154" y="2056287"/>
+            <a:ext cx="10493829" cy="3539430"/>
+          </a:xfrm>
+          <a:prstGeom prst="rect">
+            <a:avLst/>
+          </a:prstGeom>
+        </p:spPr>
+        <p:txBody>
+          <a:bodyPr wrap="square">
+            <a:spAutoFit/>
+          </a:bodyPr>
+          <a:lstStyle/>
+          <a:p>
             <a:pPr marL="457200" indent="-457200">
               <a:buFontTx/>
               <a:buChar char="-"/>
@@ -7648,25 +7643,7 @@
               <a:rPr lang="vi-VN" sz="3200" dirty="0">
                 <a:cs typeface="Arial" panose="020B0604020202020204" pitchFamily="34" charset="0"/>
               </a:rPr>
-              <a:t>K</a:t>
-            </a:r>
-            <a:r>
-              <a:rPr lang="vi-VN" sz="3200" dirty="0" smtClean="0">
-                <a:cs typeface="Arial" panose="020B0604020202020204" pitchFamily="34" charset="0"/>
-              </a:rPr>
-              <a:t>hông </a:t>
-            </a:r>
-            <a:r>
-              <a:rPr lang="vi-VN" sz="3200" dirty="0">
-                <a:cs typeface="Arial" panose="020B0604020202020204" pitchFamily="34" charset="0"/>
-              </a:rPr>
-              <a:t>cần phải tốn nhiều công sức để đọc mã </a:t>
-            </a:r>
-            <a:r>
-              <a:rPr lang="vi-VN" sz="3200" dirty="0" smtClean="0">
-                <a:cs typeface="Arial" panose="020B0604020202020204" pitchFamily="34" charset="0"/>
-              </a:rPr>
-              <a:t>sạch.</a:t>
+              <a:t>Không cần phải tốn nhiều công sức để đọc mã sạch.</a:t>
             </a:r>
           </a:p>
           <a:p>
@@ -7674,7 +7651,7 @@
               <a:buFontTx/>
               <a:buChar char="-"/>
             </a:pPr>
-            <a:endParaRPr lang="vi-VN" sz="3200" dirty="0" smtClean="0">
+            <a:endParaRPr lang="vi-VN" sz="3200" dirty="0">
               <a:cs typeface="Arial" panose="020B0604020202020204" pitchFamily="34" charset="0"/>
             </a:endParaRPr>
           </a:p>
@@ -7684,22 +7661,10 @@
               <a:buChar char="-"/>
             </a:pPr>
             <a:r>
-              <a:rPr lang="vi-VN" sz="3200" dirty="0" smtClean="0">
-                <a:cs typeface="Arial" panose="020B0604020202020204" pitchFamily="34" charset="0"/>
-              </a:rPr>
-              <a:t>Code </a:t>
-            </a:r>
-            <a:r>
               <a:rPr lang="vi-VN" sz="3200" dirty="0">
                 <a:cs typeface="Arial" panose="020B0604020202020204" pitchFamily="34" charset="0"/>
               </a:rPr>
-              <a:t>rõ ràng, đơn giản và thuyết phục</a:t>
-            </a:r>
-            <a:r>
-              <a:rPr lang="vi-VN" sz="3200" dirty="0" smtClean="0">
-                <a:cs typeface="Arial" panose="020B0604020202020204" pitchFamily="34" charset="0"/>
-              </a:rPr>
-              <a:t>.</a:t>
+              <a:t>Code rõ ràng, đơn giản và thuyết phục.</a:t>
             </a:r>
           </a:p>
           <a:p>
@@ -7707,7 +7672,7 @@
               <a:buFontTx/>
               <a:buChar char="-"/>
             </a:pPr>
-            <a:endParaRPr lang="vi-VN" sz="3200" dirty="0" smtClean="0">
+            <a:endParaRPr lang="vi-VN" sz="3200" dirty="0">
               <a:cs typeface="Arial" panose="020B0604020202020204" pitchFamily="34" charset="0"/>
             </a:endParaRPr>
           </a:p>
@@ -7717,22 +7682,10 @@
               <a:buChar char="-"/>
             </a:pPr>
             <a:r>
-              <a:rPr lang="vi-VN" sz="3200" dirty="0" smtClean="0">
-                <a:cs typeface="Arial" panose="020B0604020202020204" pitchFamily="34" charset="0"/>
-              </a:rPr>
-              <a:t>Làm </a:t>
-            </a:r>
-            <a:r>
               <a:rPr lang="vi-VN" sz="3200" dirty="0">
                 <a:cs typeface="Arial" panose="020B0604020202020204" pitchFamily="34" charset="0"/>
               </a:rPr>
-              <a:t>cho ngôn ngữ trông thật đơn giản để cứ như được sinh ra để giải quyết vấn </a:t>
-            </a:r>
-            <a:r>
-              <a:rPr lang="vi-VN" sz="3200" dirty="0" smtClean="0">
-                <a:cs typeface="Arial" panose="020B0604020202020204" pitchFamily="34" charset="0"/>
-              </a:rPr>
-              <a:t>đề.</a:t>
+              <a:t>Làm cho ngôn ngữ trông thật đơn giản để cứ như được sinh ra để giải quyết vấn đề.</a:t>
             </a:r>
           </a:p>
           <a:p>
@@ -7750,16 +7703,13 @@
     </p:spTree>
     <p:extLst>
       <p:ext uri="{BB962C8B-B14F-4D97-AF65-F5344CB8AC3E}">
-        <p14:creationId xmlns:p14="http://schemas.microsoft.com/office/powerpoint/2010/main" val="3901564647"/>
+        <p14:creationId xmlns:p14="http://schemas.microsoft.com/office/powerpoint/2010/main" val="1400390541"/>
       </p:ext>
     </p:extLst>
   </p:cSld>
   <p:clrMapOvr>
     <a:masterClrMapping/>
   </p:clrMapOvr>
-  <p:transition spd="slow">
-    <p:push dir="u"/>
-  </p:transition>
   <p:timing>
     <p:tnLst>
       <p:par>
@@ -7794,7 +7744,7 @@
                                           </p:stCondLst>
                                         </p:cTn>
                                         <p:tgtEl>
-                                          <p:spTgt spid="2">
+                                          <p:spTgt spid="3">
                                             <p:txEl>
                                               <p:pRg st="0" end="0"/>
                                             </p:txEl>
@@ -7812,7 +7762,7 @@
                                       <p:cBhvr additive="base">
                                         <p:cTn id="7" dur="500" fill="hold"/>
                                         <p:tgtEl>
-                                          <p:spTgt spid="2">
+                                          <p:spTgt spid="3">
                                             <p:txEl>
                                               <p:pRg st="0" end="0"/>
                                             </p:txEl>
@@ -7839,7 +7789,7 @@
                                       <p:cBhvr additive="base">
                                         <p:cTn id="8" dur="500" fill="hold"/>
                                         <p:tgtEl>
-                                          <p:spTgt spid="2">
+                                          <p:spTgt spid="3">
                                             <p:txEl>
                                               <p:pRg st="0" end="0"/>
                                             </p:txEl>
@@ -7897,7 +7847,7 @@
                                           </p:stCondLst>
                                         </p:cTn>
                                         <p:tgtEl>
-                                          <p:spTgt spid="2">
+                                          <p:spTgt spid="3">
                                             <p:txEl>
                                               <p:pRg st="2" end="2"/>
                                             </p:txEl>
@@ -7915,7 +7865,7 @@
                                       <p:cBhvr additive="base">
                                         <p:cTn id="13" dur="500" fill="hold"/>
                                         <p:tgtEl>
-                                          <p:spTgt spid="2">
+                                          <p:spTgt spid="3">
                                             <p:txEl>
                                               <p:pRg st="2" end="2"/>
                                             </p:txEl>
@@ -7942,7 +7892,7 @@
                                       <p:cBhvr additive="base">
                                         <p:cTn id="14" dur="500" fill="hold"/>
                                         <p:tgtEl>
-                                          <p:spTgt spid="2">
+                                          <p:spTgt spid="3">
                                             <p:txEl>
                                               <p:pRg st="2" end="2"/>
                                             </p:txEl>
@@ -8000,7 +7950,7 @@
                                           </p:stCondLst>
                                         </p:cTn>
                                         <p:tgtEl>
-                                          <p:spTgt spid="2">
+                                          <p:spTgt spid="3">
                                             <p:txEl>
                                               <p:pRg st="4" end="4"/>
                                             </p:txEl>
@@ -8018,7 +7968,7 @@
                                       <p:cBhvr additive="base">
                                         <p:cTn id="19" dur="500" fill="hold"/>
                                         <p:tgtEl>
-                                          <p:spTgt spid="2">
+                                          <p:spTgt spid="3">
                                             <p:txEl>
                                               <p:pRg st="4" end="4"/>
                                             </p:txEl>
@@ -8045,7 +7995,7 @@
                                       <p:cBhvr additive="base">
                                         <p:cTn id="20" dur="500" fill="hold"/>
                                         <p:tgtEl>
-                                          <p:spTgt spid="2">
+                                          <p:spTgt spid="3">
                                             <p:txEl>
                                               <p:pRg st="4" end="4"/>
                                             </p:txEl>
@@ -8131,8 +8081,8 @@
         </p:nvSpPr>
         <p:spPr>
           <a:xfrm>
-            <a:off x="897572" y="464230"/>
-            <a:ext cx="10327777" cy="998810"/>
+            <a:off x="0" y="347240"/>
+            <a:ext cx="12192000" cy="733835"/>
           </a:xfrm>
         </p:spPr>
         <p:txBody>
@@ -8141,60 +8091,27 @@
           </a:bodyPr>
           <a:lstStyle/>
           <a:p>
-            <a:pPr marL="0" indent="0">
+            <a:pPr marL="0" indent="0" algn="ctr">
+              <a:lnSpc>
+                <a:spcPct val="100000"/>
+              </a:lnSpc>
               <a:buNone/>
             </a:pPr>
             <a:r>
-              <a:rPr lang="vi-VN" sz="4000" dirty="0" smtClean="0"/>
-              <a:t>2. Tầm quan trọng của việc viết code sạch.</a:t>
-            </a:r>
-            <a:endParaRPr lang="en-US" sz="4000" dirty="0"/>
+              <a:rPr lang="vi-VN" sz="4000" b="1" dirty="0" smtClean="0"/>
+              <a:t>Tầm </a:t>
+            </a:r>
+            <a:r>
+              <a:rPr lang="vi-VN" sz="4000" b="1" dirty="0" smtClean="0"/>
+              <a:t>quan trọng của việc viết code sạch.</a:t>
+            </a:r>
+            <a:endParaRPr lang="en-US" sz="4000" b="1" dirty="0"/>
           </a:p>
         </p:txBody>
       </p:sp>
-    </p:spTree>
-    <p:extLst>
-      <p:ext uri="{BB962C8B-B14F-4D97-AF65-F5344CB8AC3E}">
-        <p14:creationId xmlns:p14="http://schemas.microsoft.com/office/powerpoint/2010/main" val="2459234126"/>
-      </p:ext>
-    </p:extLst>
-  </p:cSld>
-  <p:clrMapOvr>
-    <a:masterClrMapping/>
-  </p:clrMapOvr>
-  <p:transition spd="slow">
-    <p:push dir="u"/>
-  </p:transition>
-  <p:timing>
-    <p:tnLst>
-      <p:par>
-        <p:cTn id="1" dur="indefinite" restart="never" nodeType="tmRoot"/>
-      </p:par>
-    </p:tnLst>
-  </p:timing>
-</p:sld>
-</file>
-
-<file path=ppt/slides/slide7.xml><?xml version="1.0" encoding="utf-8"?>
-<p:sld xmlns:a="http://schemas.openxmlformats.org/drawingml/2006/main" xmlns:r="http://schemas.openxmlformats.org/officeDocument/2006/relationships" xmlns:p="http://schemas.openxmlformats.org/presentationml/2006/main">
-  <p:cSld>
-    <p:spTree>
-      <p:nvGrpSpPr>
-        <p:cNvPr id="1" name=""/>
-        <p:cNvGrpSpPr/>
-        <p:nvPr/>
-      </p:nvGrpSpPr>
-      <p:grpSpPr>
-        <a:xfrm>
-          <a:off x="0" y="0"/>
-          <a:ext cx="0" cy="0"/>
-          <a:chOff x="0" y="0"/>
-          <a:chExt cx="0" cy="0"/>
-        </a:xfrm>
-      </p:grpSpPr>
       <p:pic>
         <p:nvPicPr>
-          <p:cNvPr id="2" name="Picture 1"/>
+          <p:cNvPr id="10" name="Picture 9"/>
           <p:cNvPicPr>
             <a:picLocks noChangeAspect="1"/>
           </p:cNvPicPr>
@@ -8208,8 +8125,8 @@
         </p:blipFill>
         <p:spPr>
           <a:xfrm>
-            <a:off x="1454330" y="799020"/>
-            <a:ext cx="3987029" cy="2501530"/>
+            <a:off x="1099595" y="2127647"/>
+            <a:ext cx="4579585" cy="2017738"/>
           </a:xfrm>
           <a:prstGeom prst="rect">
             <a:avLst/>
@@ -8218,7 +8135,7 @@
       </p:pic>
       <p:pic>
         <p:nvPicPr>
-          <p:cNvPr id="8196" name="Picture 4" descr="Quáº£n lÃ½ cÃ´ng viá»c hiá»u quáº£ thÃ´ng qua báº£ng KANBAN"/>
+          <p:cNvPr id="11" name="Picture 4" descr="Quáº£n lÃ½ cÃ´ng viá»c hiá»u quáº£ thÃ´ng qua báº£ng KANBAN"/>
           <p:cNvPicPr>
             <a:picLocks noChangeAspect="1" noChangeArrowheads="1"/>
           </p:cNvPicPr>
@@ -8239,8 +8156,8 @@
         </p:blipFill>
         <p:spPr bwMode="auto">
           <a:xfrm>
-            <a:off x="5894524" y="799019"/>
-            <a:ext cx="4286250" cy="2501531"/>
+            <a:off x="6484831" y="2147914"/>
+            <a:ext cx="4950953" cy="2017738"/>
           </a:xfrm>
           <a:prstGeom prst="rect">
             <a:avLst/>
@@ -8259,7 +8176,7 @@
       </p:pic>
       <p:pic>
         <p:nvPicPr>
-          <p:cNvPr id="6" name="Picture 5"/>
+          <p:cNvPr id="12" name="Picture 11"/>
           <p:cNvPicPr>
             <a:picLocks noChangeAspect="1"/>
           </p:cNvPicPr>
@@ -8273,8 +8190,8 @@
         </p:blipFill>
         <p:spPr>
           <a:xfrm>
-            <a:off x="1454330" y="3533411"/>
-            <a:ext cx="3987029" cy="2293374"/>
+            <a:off x="1091043" y="4190035"/>
+            <a:ext cx="4588138" cy="2031281"/>
           </a:xfrm>
           <a:prstGeom prst="rect">
             <a:avLst/>
@@ -8283,7 +8200,7 @@
       </p:pic>
       <p:pic>
         <p:nvPicPr>
-          <p:cNvPr id="8198" name="Picture 6" descr="Káº¿t quáº£ hÃ¬nh áº£nh cho ÄÆ°á»£c má»i ngÆ°á»i ÄÃ¡nh giÃ¡ cao"/>
+          <p:cNvPr id="13" name="Picture 6" descr="Káº¿t quáº£ hÃ¬nh áº£nh cho ÄÆ°á»£c má»i ngÆ°á»i ÄÃ¡nh giÃ¡ cao"/>
           <p:cNvPicPr>
             <a:picLocks noChangeAspect="1" noChangeArrowheads="1"/>
           </p:cNvPicPr>
@@ -8304,8 +8221,8 @@
         </p:blipFill>
         <p:spPr bwMode="auto">
           <a:xfrm>
-            <a:off x="5894525" y="3533411"/>
-            <a:ext cx="4286250" cy="2293374"/>
+            <a:off x="6484830" y="4213185"/>
+            <a:ext cx="4950953" cy="1983748"/>
           </a:xfrm>
           <a:prstGeom prst="rect">
             <a:avLst/>
@@ -8324,13 +8241,13 @@
       </p:pic>
       <p:sp>
         <p:nvSpPr>
-          <p:cNvPr id="8" name="TextBox 7"/>
+          <p:cNvPr id="14" name="TextBox 13"/>
           <p:cNvSpPr txBox="1"/>
           <p:nvPr/>
         </p:nvSpPr>
         <p:spPr>
           <a:xfrm>
-            <a:off x="461554" y="205536"/>
+            <a:off x="656273" y="1412066"/>
             <a:ext cx="5110433" cy="477054"/>
           </a:xfrm>
           <a:prstGeom prst="rect">
@@ -8365,13 +8282,13 @@
       </p:sp>
       <p:sp>
         <p:nvSpPr>
-          <p:cNvPr id="9" name="TextBox 8"/>
+          <p:cNvPr id="15" name="TextBox 14"/>
           <p:cNvSpPr txBox="1"/>
           <p:nvPr/>
         </p:nvSpPr>
         <p:spPr>
           <a:xfrm>
-            <a:off x="5441359" y="205535"/>
+            <a:off x="6484830" y="1412066"/>
             <a:ext cx="4667794" cy="477054"/>
           </a:xfrm>
           <a:prstGeom prst="rect">
@@ -8397,13 +8314,13 @@
       </p:sp>
       <p:sp>
         <p:nvSpPr>
-          <p:cNvPr id="10" name="TextBox 9"/>
+          <p:cNvPr id="16" name="TextBox 15"/>
           <p:cNvSpPr txBox="1"/>
           <p:nvPr/>
         </p:nvSpPr>
         <p:spPr>
           <a:xfrm>
-            <a:off x="1193074" y="5982789"/>
+            <a:off x="1321180" y="6270443"/>
             <a:ext cx="4127863" cy="477054"/>
           </a:xfrm>
           <a:prstGeom prst="rect">
@@ -8437,14 +8354,14 @@
       </p:sp>
       <p:sp>
         <p:nvSpPr>
-          <p:cNvPr id="11" name="TextBox 10"/>
+          <p:cNvPr id="17" name="TextBox 16"/>
           <p:cNvSpPr txBox="1"/>
           <p:nvPr/>
         </p:nvSpPr>
         <p:spPr>
           <a:xfrm>
-            <a:off x="5634446" y="5982789"/>
-            <a:ext cx="5094514" cy="477054"/>
+            <a:off x="5766705" y="6270443"/>
+            <a:ext cx="6213091" cy="477054"/>
           </a:xfrm>
           <a:prstGeom prst="rect">
             <a:avLst/>
@@ -8479,21 +8396,16 @@
     </p:spTree>
     <p:extLst>
       <p:ext uri="{BB962C8B-B14F-4D97-AF65-F5344CB8AC3E}">
-        <p14:creationId xmlns:p14="http://schemas.microsoft.com/office/powerpoint/2010/main" val="2545689760"/>
+        <p14:creationId xmlns:p14="http://schemas.microsoft.com/office/powerpoint/2010/main" val="2459234126"/>
       </p:ext>
     </p:extLst>
   </p:cSld>
   <p:clrMapOvr>
     <a:masterClrMapping/>
   </p:clrMapOvr>
-  <mc:AlternateContent xmlns:mc="http://schemas.openxmlformats.org/markup-compatibility/2006" xmlns:p14="http://schemas.microsoft.com/office/powerpoint/2010/main">
-    <mc:Choice Requires="p14">
-      <p:transition p14:dur="0"/>
-    </mc:Choice>
-    <mc:Fallback xmlns="">
-      <p:transition/>
-    </mc:Fallback>
-  </mc:AlternateContent>
+  <p:transition spd="slow">
+    <p:push dir="u"/>
+  </p:transition>
   <p:timing>
     <p:tnLst>
       <p:par>
@@ -8528,7 +8440,7 @@
                                           </p:stCondLst>
                                         </p:cTn>
                                         <p:tgtEl>
-                                          <p:spTgt spid="8"/>
+                                          <p:spTgt spid="14"/>
                                         </p:tgtEl>
                                         <p:attrNameLst>
                                           <p:attrName>style.visibility</p:attrName>
@@ -8542,7 +8454,7 @@
                                       <p:cBhvr>
                                         <p:cTn id="7" dur="500"/>
                                         <p:tgtEl>
-                                          <p:spTgt spid="8"/>
+                                          <p:spTgt spid="14"/>
                                         </p:tgtEl>
                                       </p:cBhvr>
                                     </p:animEffect>
@@ -8563,7 +8475,7 @@
                                           </p:stCondLst>
                                         </p:cTn>
                                         <p:tgtEl>
-                                          <p:spTgt spid="2"/>
+                                          <p:spTgt spid="10"/>
                                         </p:tgtEl>
                                         <p:attrNameLst>
                                           <p:attrName>style.visibility</p:attrName>
@@ -8577,7 +8489,7 @@
                                       <p:cBhvr>
                                         <p:cTn id="10" dur="500"/>
                                         <p:tgtEl>
-                                          <p:spTgt spid="2"/>
+                                          <p:spTgt spid="10"/>
                                         </p:tgtEl>
                                       </p:cBhvr>
                                     </p:animEffect>
@@ -8616,7 +8528,7 @@
                                           </p:stCondLst>
                                         </p:cTn>
                                         <p:tgtEl>
-                                          <p:spTgt spid="9"/>
+                                          <p:spTgt spid="15"/>
                                         </p:tgtEl>
                                         <p:attrNameLst>
                                           <p:attrName>style.visibility</p:attrName>
@@ -8630,7 +8542,7 @@
                                       <p:cBhvr>
                                         <p:cTn id="15" dur="500"/>
                                         <p:tgtEl>
-                                          <p:spTgt spid="9"/>
+                                          <p:spTgt spid="15"/>
                                         </p:tgtEl>
                                       </p:cBhvr>
                                     </p:animEffect>
@@ -8651,7 +8563,7 @@
                                           </p:stCondLst>
                                         </p:cTn>
                                         <p:tgtEl>
-                                          <p:spTgt spid="8196"/>
+                                          <p:spTgt spid="11"/>
                                         </p:tgtEl>
                                         <p:attrNameLst>
                                           <p:attrName>style.visibility</p:attrName>
@@ -8665,7 +8577,7 @@
                                       <p:cBhvr>
                                         <p:cTn id="18" dur="500"/>
                                         <p:tgtEl>
-                                          <p:spTgt spid="8196"/>
+                                          <p:spTgt spid="11"/>
                                         </p:tgtEl>
                                       </p:cBhvr>
                                     </p:animEffect>
@@ -8704,7 +8616,7 @@
                                           </p:stCondLst>
                                         </p:cTn>
                                         <p:tgtEl>
-                                          <p:spTgt spid="6"/>
+                                          <p:spTgt spid="12"/>
                                         </p:tgtEl>
                                         <p:attrNameLst>
                                           <p:attrName>style.visibility</p:attrName>
@@ -8718,7 +8630,7 @@
                                       <p:cBhvr>
                                         <p:cTn id="23" dur="500"/>
                                         <p:tgtEl>
-                                          <p:spTgt spid="6"/>
+                                          <p:spTgt spid="12"/>
                                         </p:tgtEl>
                                       </p:cBhvr>
                                     </p:animEffect>
@@ -8739,7 +8651,7 @@
                                           </p:stCondLst>
                                         </p:cTn>
                                         <p:tgtEl>
-                                          <p:spTgt spid="10"/>
+                                          <p:spTgt spid="16"/>
                                         </p:tgtEl>
                                         <p:attrNameLst>
                                           <p:attrName>style.visibility</p:attrName>
@@ -8753,7 +8665,7 @@
                                       <p:cBhvr>
                                         <p:cTn id="26" dur="500"/>
                                         <p:tgtEl>
-                                          <p:spTgt spid="10"/>
+                                          <p:spTgt spid="16"/>
                                         </p:tgtEl>
                                       </p:cBhvr>
                                     </p:animEffect>
@@ -8792,7 +8704,7 @@
                                           </p:stCondLst>
                                         </p:cTn>
                                         <p:tgtEl>
-                                          <p:spTgt spid="8198"/>
+                                          <p:spTgt spid="13"/>
                                         </p:tgtEl>
                                         <p:attrNameLst>
                                           <p:attrName>style.visibility</p:attrName>
@@ -8806,7 +8718,7 @@
                                       <p:cBhvr>
                                         <p:cTn id="31" dur="500"/>
                                         <p:tgtEl>
-                                          <p:spTgt spid="8198"/>
+                                          <p:spTgt spid="13"/>
                                         </p:tgtEl>
                                       </p:cBhvr>
                                     </p:animEffect>
@@ -8827,7 +8739,7 @@
                                           </p:stCondLst>
                                         </p:cTn>
                                         <p:tgtEl>
-                                          <p:spTgt spid="11"/>
+                                          <p:spTgt spid="17"/>
                                         </p:tgtEl>
                                         <p:attrNameLst>
                                           <p:attrName>style.visibility</p:attrName>
@@ -8841,7 +8753,7 @@
                                       <p:cBhvr>
                                         <p:cTn id="34" dur="500"/>
                                         <p:tgtEl>
-                                          <p:spTgt spid="11"/>
+                                          <p:spTgt spid="17"/>
                                         </p:tgtEl>
                                       </p:cBhvr>
                                     </p:animEffect>
@@ -8876,16 +8788,16 @@
       </p:par>
     </p:tnLst>
     <p:bldLst>
-      <p:bldP spid="8" grpId="0"/>
-      <p:bldP spid="9" grpId="0"/>
-      <p:bldP spid="10" grpId="0"/>
-      <p:bldP spid="11" grpId="0"/>
+      <p:bldP spid="14" grpId="0"/>
+      <p:bldP spid="15" grpId="0"/>
+      <p:bldP spid="16" grpId="0"/>
+      <p:bldP spid="17" grpId="0"/>
     </p:bldLst>
   </p:timing>
 </p:sld>
 </file>
 
-<file path=ppt/slides/slide8.xml><?xml version="1.0" encoding="utf-8"?>
+<file path=ppt/slides/slide7.xml><?xml version="1.0" encoding="utf-8"?>
 <p:sld xmlns:a="http://schemas.openxmlformats.org/drawingml/2006/main" xmlns:r="http://schemas.openxmlformats.org/officeDocument/2006/relationships" xmlns:p="http://schemas.openxmlformats.org/presentationml/2006/main">
   <p:cSld>
     <p:spTree>
@@ -8910,8 +8822,8 @@
         </p:nvSpPr>
         <p:spPr>
           <a:xfrm>
-            <a:off x="1332411" y="217714"/>
-            <a:ext cx="8577943" cy="707886"/>
+            <a:off x="557348" y="226422"/>
+            <a:ext cx="11262360" cy="738664"/>
           </a:xfrm>
           <a:prstGeom prst="rect">
             <a:avLst/>
@@ -8924,14 +8836,22 @@
           </a:bodyPr>
           <a:lstStyle/>
           <a:p>
-            <a:r>
-              <a:rPr lang="vi-VN" sz="4000" dirty="0" smtClean="0">
+            <a:pPr algn="ctr"/>
+            <a:r>
+              <a:rPr lang="vi-VN" sz="4200" b="1" dirty="0" smtClean="0">
                 <a:latin typeface="Arial" panose="020B0604020202020204" pitchFamily="34" charset="0"/>
                 <a:cs typeface="Arial" panose="020B0604020202020204" pitchFamily="34" charset="0"/>
               </a:rPr>
-              <a:t>3. Làm thế nào để viết code sạch</a:t>
-            </a:r>
-            <a:endParaRPr lang="en-US" sz="4000" dirty="0">
+              <a:t>Làm </a:t>
+            </a:r>
+            <a:r>
+              <a:rPr lang="vi-VN" sz="4200" b="1" dirty="0" smtClean="0">
+                <a:latin typeface="Arial" panose="020B0604020202020204" pitchFamily="34" charset="0"/>
+                <a:cs typeface="Arial" panose="020B0604020202020204" pitchFamily="34" charset="0"/>
+              </a:rPr>
+              <a:t>thế nào để viết code sạch</a:t>
+            </a:r>
+            <a:endParaRPr lang="en-US" sz="4200" b="1" dirty="0">
               <a:latin typeface="Arial" panose="020B0604020202020204" pitchFamily="34" charset="0"/>
               <a:cs typeface="Arial" panose="020B0604020202020204" pitchFamily="34" charset="0"/>
             </a:endParaRPr>
@@ -8946,8 +8866,8 @@
         </p:nvSpPr>
         <p:spPr>
           <a:xfrm>
-            <a:off x="592183" y="925600"/>
-            <a:ext cx="10659291" cy="1938992"/>
+            <a:off x="1160417" y="1432240"/>
+            <a:ext cx="10659291" cy="1477328"/>
           </a:xfrm>
           <a:prstGeom prst="rect">
             <a:avLst/>
@@ -8998,15 +8918,6 @@
                 <a:cs typeface="Arial" panose="020B0604020202020204" pitchFamily="34" charset="0"/>
               </a:rPr>
               <a:t>)</a:t>
-            </a:r>
-          </a:p>
-          <a:p>
-            <a:r>
-              <a:rPr lang="vi-VN" sz="3000" dirty="0" smtClean="0">
-                <a:latin typeface="Arial" panose="020B0604020202020204" pitchFamily="34" charset="0"/>
-                <a:cs typeface="Arial" panose="020B0604020202020204" pitchFamily="34" charset="0"/>
-              </a:rPr>
-              <a:t>-	Người viết code như một họa sĩ</a:t>
             </a:r>
           </a:p>
           <a:p>
@@ -9303,7 +9214,7 @@
                             </p:stCondLst>
                             <p:childTnLst>
                               <p:par>
-                                <p:cTn id="15" presetID="2" presetClass="entr" presetSubtype="4" fill="hold" nodeType="clickEffect">
+                                <p:cTn id="15" presetID="22" presetClass="entr" presetSubtype="4" fill="hold" nodeType="clickEffect">
                                   <p:stCondLst>
                                     <p:cond delay="0"/>
                                   </p:stCondLst>
@@ -9316,109 +9227,6 @@
                                           </p:stCondLst>
                                         </p:cTn>
                                         <p:tgtEl>
-                                          <p:spTgt spid="4">
-                                            <p:txEl>
-                                              <p:pRg st="2" end="2"/>
-                                            </p:txEl>
-                                          </p:spTgt>
-                                        </p:tgtEl>
-                                        <p:attrNameLst>
-                                          <p:attrName>style.visibility</p:attrName>
-                                        </p:attrNameLst>
-                                      </p:cBhvr>
-                                      <p:to>
-                                        <p:strVal val="visible"/>
-                                      </p:to>
-                                    </p:set>
-                                    <p:anim calcmode="lin" valueType="num">
-                                      <p:cBhvr additive="base">
-                                        <p:cTn id="17" dur="500" fill="hold"/>
-                                        <p:tgtEl>
-                                          <p:spTgt spid="4">
-                                            <p:txEl>
-                                              <p:pRg st="2" end="2"/>
-                                            </p:txEl>
-                                          </p:spTgt>
-                                        </p:tgtEl>
-                                        <p:attrNameLst>
-                                          <p:attrName>ppt_x</p:attrName>
-                                        </p:attrNameLst>
-                                      </p:cBhvr>
-                                      <p:tavLst>
-                                        <p:tav tm="0">
-                                          <p:val>
-                                            <p:strVal val="#ppt_x"/>
-                                          </p:val>
-                                        </p:tav>
-                                        <p:tav tm="100000">
-                                          <p:val>
-                                            <p:strVal val="#ppt_x"/>
-                                          </p:val>
-                                        </p:tav>
-                                      </p:tavLst>
-                                    </p:anim>
-                                    <p:anim calcmode="lin" valueType="num">
-                                      <p:cBhvr additive="base">
-                                        <p:cTn id="18" dur="500" fill="hold"/>
-                                        <p:tgtEl>
-                                          <p:spTgt spid="4">
-                                            <p:txEl>
-                                              <p:pRg st="2" end="2"/>
-                                            </p:txEl>
-                                          </p:spTgt>
-                                        </p:tgtEl>
-                                        <p:attrNameLst>
-                                          <p:attrName>ppt_y</p:attrName>
-                                        </p:attrNameLst>
-                                      </p:cBhvr>
-                                      <p:tavLst>
-                                        <p:tav tm="0">
-                                          <p:val>
-                                            <p:strVal val="1+#ppt_h/2"/>
-                                          </p:val>
-                                        </p:tav>
-                                        <p:tav tm="100000">
-                                          <p:val>
-                                            <p:strVal val="#ppt_y"/>
-                                          </p:val>
-                                        </p:tav>
-                                      </p:tavLst>
-                                    </p:anim>
-                                  </p:childTnLst>
-                                </p:cTn>
-                              </p:par>
-                            </p:childTnLst>
-                          </p:cTn>
-                        </p:par>
-                      </p:childTnLst>
-                    </p:cTn>
-                  </p:par>
-                  <p:par>
-                    <p:cTn id="19" fill="hold">
-                      <p:stCondLst>
-                        <p:cond delay="indefinite"/>
-                      </p:stCondLst>
-                      <p:childTnLst>
-                        <p:par>
-                          <p:cTn id="20" fill="hold">
-                            <p:stCondLst>
-                              <p:cond delay="0"/>
-                            </p:stCondLst>
-                            <p:childTnLst>
-                              <p:par>
-                                <p:cTn id="21" presetID="22" presetClass="entr" presetSubtype="4" fill="hold" nodeType="clickEffect">
-                                  <p:stCondLst>
-                                    <p:cond delay="0"/>
-                                  </p:stCondLst>
-                                  <p:childTnLst>
-                                    <p:set>
-                                      <p:cBhvr>
-                                        <p:cTn id="22" dur="1" fill="hold">
-                                          <p:stCondLst>
-                                            <p:cond delay="0"/>
-                                          </p:stCondLst>
-                                        </p:cTn>
-                                        <p:tgtEl>
                                           <p:spTgt spid="5"/>
                                         </p:tgtEl>
                                         <p:attrNameLst>
@@ -9431,7 +9239,7 @@
                                     </p:set>
                                     <p:animEffect transition="in" filter="wipe(down)">
                                       <p:cBhvr>
-                                        <p:cTn id="23" dur="500"/>
+                                        <p:cTn id="17" dur="500"/>
                                         <p:tgtEl>
                                           <p:spTgt spid="5"/>
                                         </p:tgtEl>
@@ -9447,26 +9255,26 @@
                     </p:cTn>
                   </p:par>
                   <p:par>
-                    <p:cTn id="24" fill="hold">
+                    <p:cTn id="18" fill="hold">
                       <p:stCondLst>
                         <p:cond delay="indefinite"/>
                       </p:stCondLst>
                       <p:childTnLst>
                         <p:par>
-                          <p:cTn id="25" fill="hold">
+                          <p:cTn id="19" fill="hold">
                             <p:stCondLst>
                               <p:cond delay="0"/>
                             </p:stCondLst>
                             <p:childTnLst>
                               <p:par>
-                                <p:cTn id="26" presetID="22" presetClass="entr" presetSubtype="4" fill="hold" nodeType="clickEffect">
+                                <p:cTn id="20" presetID="22" presetClass="entr" presetSubtype="4" fill="hold" nodeType="clickEffect">
                                   <p:stCondLst>
                                     <p:cond delay="0"/>
                                   </p:stCondLst>
                                   <p:childTnLst>
                                     <p:set>
                                       <p:cBhvr>
-                                        <p:cTn id="27" dur="1" fill="hold">
+                                        <p:cTn id="21" dur="1" fill="hold">
                                           <p:stCondLst>
                                             <p:cond delay="0"/>
                                           </p:stCondLst>
@@ -9484,7 +9292,7 @@
                                     </p:set>
                                     <p:animEffect transition="in" filter="wipe(down)">
                                       <p:cBhvr>
-                                        <p:cTn id="28" dur="500"/>
+                                        <p:cTn id="22" dur="500"/>
                                         <p:tgtEl>
                                           <p:spTgt spid="7"/>
                                         </p:tgtEl>
@@ -9524,7 +9332,7 @@
 </p:sld>
 </file>
 
-<file path=ppt/slides/slide9.xml><?xml version="1.0" encoding="utf-8"?>
+<file path=ppt/slides/slide8.xml><?xml version="1.0" encoding="utf-8"?>
 <p:sld xmlns:a="http://schemas.openxmlformats.org/drawingml/2006/main" xmlns:r="http://schemas.openxmlformats.org/officeDocument/2006/relationships" xmlns:p="http://schemas.openxmlformats.org/presentationml/2006/main">
   <p:cSld>
     <p:spTree>
@@ -9549,8 +9357,8 @@
         </p:nvSpPr>
         <p:spPr>
           <a:xfrm>
-            <a:off x="1332411" y="217714"/>
-            <a:ext cx="8577943" cy="707886"/>
+            <a:off x="400593" y="222203"/>
+            <a:ext cx="11234058" cy="738664"/>
           </a:xfrm>
           <a:prstGeom prst="rect">
             <a:avLst/>
@@ -9563,14 +9371,22 @@
           </a:bodyPr>
           <a:lstStyle/>
           <a:p>
-            <a:r>
-              <a:rPr lang="vi-VN" sz="4000" dirty="0" smtClean="0">
+            <a:pPr algn="ctr"/>
+            <a:r>
+              <a:rPr lang="vi-VN" sz="4200" b="1" dirty="0" smtClean="0">
                 <a:latin typeface="Arial" panose="020B0604020202020204" pitchFamily="34" charset="0"/>
                 <a:cs typeface="Arial" panose="020B0604020202020204" pitchFamily="34" charset="0"/>
               </a:rPr>
-              <a:t>3. Làm thế nào để viết code sạch</a:t>
-            </a:r>
-            <a:endParaRPr lang="en-US" sz="4000" dirty="0">
+              <a:t>Làm </a:t>
+            </a:r>
+            <a:r>
+              <a:rPr lang="vi-VN" sz="4200" b="1" dirty="0" smtClean="0">
+                <a:latin typeface="Arial" panose="020B0604020202020204" pitchFamily="34" charset="0"/>
+                <a:cs typeface="Arial" panose="020B0604020202020204" pitchFamily="34" charset="0"/>
+              </a:rPr>
+              <a:t>thế nào để viết code sạch</a:t>
+            </a:r>
+            <a:endParaRPr lang="en-US" sz="4200" b="1" dirty="0">
               <a:latin typeface="Arial" panose="020B0604020202020204" pitchFamily="34" charset="0"/>
               <a:cs typeface="Arial" panose="020B0604020202020204" pitchFamily="34" charset="0"/>
             </a:endParaRPr>
@@ -9640,8 +9456,8 @@
         </p:blipFill>
         <p:spPr>
           <a:xfrm>
-            <a:off x="975360" y="2695748"/>
-            <a:ext cx="5194935" cy="3069054"/>
+            <a:off x="975360" y="2398871"/>
+            <a:ext cx="5697454" cy="3365931"/>
           </a:xfrm>
           <a:prstGeom prst="rect">
             <a:avLst/>
@@ -9694,8 +9510,8 @@
         </p:blipFill>
         <p:spPr>
           <a:xfrm>
-            <a:off x="6723017" y="2695748"/>
-            <a:ext cx="4365444" cy="3315337"/>
+            <a:off x="6723017" y="2011796"/>
+            <a:ext cx="5266032" cy="3999289"/>
           </a:xfrm>
           <a:prstGeom prst="rect">
             <a:avLst/>
@@ -9998,6 +9814,114 @@
       <p:bldP spid="4" grpId="0"/>
       <p:bldP spid="9" grpId="0"/>
     </p:bldLst>
+  </p:timing>
+</p:sld>
+</file>
+
+<file path=ppt/slides/slide9.xml><?xml version="1.0" encoding="utf-8"?>
+<p:sld xmlns:a="http://schemas.openxmlformats.org/drawingml/2006/main" xmlns:r="http://schemas.openxmlformats.org/officeDocument/2006/relationships" xmlns:p="http://schemas.openxmlformats.org/presentationml/2006/main">
+  <p:cSld>
+    <p:spTree>
+      <p:nvGrpSpPr>
+        <p:cNvPr id="1" name=""/>
+        <p:cNvGrpSpPr/>
+        <p:nvPr/>
+      </p:nvGrpSpPr>
+      <p:grpSpPr>
+        <a:xfrm>
+          <a:off x="0" y="0"/>
+          <a:ext cx="0" cy="0"/>
+          <a:chOff x="0" y="0"/>
+          <a:chExt cx="0" cy="0"/>
+        </a:xfrm>
+      </p:grpSpPr>
+      <p:sp>
+        <p:nvSpPr>
+          <p:cNvPr id="3" name="TextBox 2"/>
+          <p:cNvSpPr txBox="1"/>
+          <p:nvPr/>
+        </p:nvSpPr>
+        <p:spPr>
+          <a:xfrm>
+            <a:off x="661851" y="365760"/>
+            <a:ext cx="10843384" cy="738664"/>
+          </a:xfrm>
+          <a:prstGeom prst="rect">
+            <a:avLst/>
+          </a:prstGeom>
+          <a:noFill/>
+        </p:spPr>
+        <p:txBody>
+          <a:bodyPr wrap="square" rtlCol="0">
+            <a:spAutoFit/>
+          </a:bodyPr>
+          <a:lstStyle/>
+          <a:p>
+            <a:pPr algn="ctr"/>
+            <a:r>
+              <a:rPr lang="vi-VN" sz="4200" b="1" dirty="0" smtClean="0">
+                <a:latin typeface="Arial" panose="020B0604020202020204" pitchFamily="34" charset="0"/>
+                <a:cs typeface="Arial" panose="020B0604020202020204" pitchFamily="34" charset="0"/>
+              </a:rPr>
+              <a:t> </a:t>
+            </a:r>
+            <a:r>
+              <a:rPr lang="vi-VN" sz="4200" b="1" dirty="0" smtClean="0">
+                <a:latin typeface="Arial" panose="020B0604020202020204" pitchFamily="34" charset="0"/>
+                <a:cs typeface="Arial" panose="020B0604020202020204" pitchFamily="34" charset="0"/>
+              </a:rPr>
+              <a:t>Làm thế nào để viết code sạch</a:t>
+            </a:r>
+            <a:endParaRPr lang="en-US" sz="4200" b="1" dirty="0">
+              <a:latin typeface="Arial" panose="020B0604020202020204" pitchFamily="34" charset="0"/>
+              <a:cs typeface="Arial" panose="020B0604020202020204" pitchFamily="34" charset="0"/>
+            </a:endParaRPr>
+          </a:p>
+        </p:txBody>
+      </p:sp>
+      <p:pic>
+        <p:nvPicPr>
+          <p:cNvPr id="2" name="Picture 1"/>
+          <p:cNvPicPr>
+            <a:picLocks noChangeAspect="1"/>
+          </p:cNvPicPr>
+          <p:nvPr/>
+        </p:nvPicPr>
+        <p:blipFill>
+          <a:blip r:embed="rId2"/>
+          <a:stretch>
+            <a:fillRect/>
+          </a:stretch>
+        </p:blipFill>
+        <p:spPr>
+          <a:xfrm>
+            <a:off x="886777" y="1367246"/>
+            <a:ext cx="11305223" cy="4799920"/>
+          </a:xfrm>
+          <a:prstGeom prst="rect">
+            <a:avLst/>
+          </a:prstGeom>
+        </p:spPr>
+      </p:pic>
+    </p:spTree>
+    <p:extLst>
+      <p:ext uri="{BB962C8B-B14F-4D97-AF65-F5344CB8AC3E}">
+        <p14:creationId xmlns:p14="http://schemas.microsoft.com/office/powerpoint/2010/main" val="300041147"/>
+      </p:ext>
+    </p:extLst>
+  </p:cSld>
+  <p:clrMapOvr>
+    <a:masterClrMapping/>
+  </p:clrMapOvr>
+  <p:transition spd="slow">
+    <p:push dir="u"/>
+  </p:transition>
+  <p:timing>
+    <p:tnLst>
+      <p:par>
+        <p:cTn id="1" dur="indefinite" restart="never" nodeType="tmRoot"/>
+      </p:par>
+    </p:tnLst>
   </p:timing>
 </p:sld>
 </file>

--- a/Note/CleanCode.pptx
+++ b/Note/CleanCode.pptx
@@ -2,7 +2,7 @@
 <file path=ppt/presentation.xml><?xml version="1.0" encoding="utf-8"?>
 <p:presentation xmlns:a="http://schemas.openxmlformats.org/drawingml/2006/main" xmlns:r="http://schemas.openxmlformats.org/officeDocument/2006/relationships" xmlns:p="http://schemas.openxmlformats.org/presentationml/2006/main" autoCompressPictures="0">
   <p:sldMasterIdLst>
-    <p:sldMasterId id="2147483842" r:id="rId1"/>
+    <p:sldMasterId id="2147483890" r:id="rId1"/>
   </p:sldMasterIdLst>
   <p:sldIdLst>
     <p:sldId id="256" r:id="rId2"/>
@@ -161,15 +161,15 @@
         </p:nvSpPr>
         <p:spPr>
           <a:xfrm>
-            <a:off x="1524000" y="1122363"/>
-            <a:ext cx="9144000" cy="2387600"/>
+            <a:off x="1154955" y="1447800"/>
+            <a:ext cx="8825658" cy="3329581"/>
           </a:xfrm>
         </p:spPr>
         <p:txBody>
           <a:bodyPr anchor="b"/>
           <a:lstStyle>
-            <a:lvl1pPr algn="ctr">
-              <a:defRPr sz="6000"/>
+            <a:lvl1pPr>
+              <a:defRPr sz="7200"/>
             </a:lvl1pPr>
           </a:lstStyle>
           <a:p>
@@ -177,7 +177,7 @@
               <a:rPr lang="en-US" smtClean="0"/>
               <a:t>Click to edit Master title style</a:t>
             </a:r>
-            <a:endParaRPr lang="en-US"/>
+            <a:endParaRPr lang="en-US" dirty="0"/>
           </a:p>
         </p:txBody>
       </p:sp>
@@ -193,48 +193,103 @@
         </p:nvSpPr>
         <p:spPr>
           <a:xfrm>
-            <a:off x="1524000" y="3602038"/>
-            <a:ext cx="9144000" cy="1655762"/>
+            <a:off x="1154955" y="4777380"/>
+            <a:ext cx="8825658" cy="861420"/>
           </a:xfrm>
         </p:spPr>
         <p:txBody>
-          <a:bodyPr/>
+          <a:bodyPr anchor="t"/>
           <a:lstStyle>
-            <a:lvl1pPr marL="0" indent="0" algn="ctr">
-              <a:buNone/>
-              <a:defRPr sz="2400"/>
+            <a:lvl1pPr marL="0" indent="0" algn="l">
+              <a:buNone/>
+              <a:defRPr cap="all">
+                <a:solidFill>
+                  <a:schemeClr val="bg2">
+                    <a:lumMod val="40000"/>
+                    <a:lumOff val="60000"/>
+                  </a:schemeClr>
+                </a:solidFill>
+              </a:defRPr>
             </a:lvl1pPr>
             <a:lvl2pPr marL="457200" indent="0" algn="ctr">
               <a:buNone/>
-              <a:defRPr sz="2000"/>
+              <a:defRPr>
+                <a:solidFill>
+                  <a:schemeClr val="tx1">
+                    <a:tint val="75000"/>
+                  </a:schemeClr>
+                </a:solidFill>
+              </a:defRPr>
             </a:lvl2pPr>
             <a:lvl3pPr marL="914400" indent="0" algn="ctr">
               <a:buNone/>
-              <a:defRPr sz="1800"/>
+              <a:defRPr>
+                <a:solidFill>
+                  <a:schemeClr val="tx1">
+                    <a:tint val="75000"/>
+                  </a:schemeClr>
+                </a:solidFill>
+              </a:defRPr>
             </a:lvl3pPr>
             <a:lvl4pPr marL="1371600" indent="0" algn="ctr">
               <a:buNone/>
-              <a:defRPr sz="1600"/>
+              <a:defRPr>
+                <a:solidFill>
+                  <a:schemeClr val="tx1">
+                    <a:tint val="75000"/>
+                  </a:schemeClr>
+                </a:solidFill>
+              </a:defRPr>
             </a:lvl4pPr>
             <a:lvl5pPr marL="1828800" indent="0" algn="ctr">
               <a:buNone/>
-              <a:defRPr sz="1600"/>
+              <a:defRPr>
+                <a:solidFill>
+                  <a:schemeClr val="tx1">
+                    <a:tint val="75000"/>
+                  </a:schemeClr>
+                </a:solidFill>
+              </a:defRPr>
             </a:lvl5pPr>
             <a:lvl6pPr marL="2286000" indent="0" algn="ctr">
               <a:buNone/>
-              <a:defRPr sz="1600"/>
+              <a:defRPr>
+                <a:solidFill>
+                  <a:schemeClr val="tx1">
+                    <a:tint val="75000"/>
+                  </a:schemeClr>
+                </a:solidFill>
+              </a:defRPr>
             </a:lvl6pPr>
             <a:lvl7pPr marL="2743200" indent="0" algn="ctr">
               <a:buNone/>
-              <a:defRPr sz="1600"/>
+              <a:defRPr>
+                <a:solidFill>
+                  <a:schemeClr val="tx1">
+                    <a:tint val="75000"/>
+                  </a:schemeClr>
+                </a:solidFill>
+              </a:defRPr>
             </a:lvl7pPr>
             <a:lvl8pPr marL="3200400" indent="0" algn="ctr">
               <a:buNone/>
-              <a:defRPr sz="1600"/>
+              <a:defRPr>
+                <a:solidFill>
+                  <a:schemeClr val="tx1">
+                    <a:tint val="75000"/>
+                  </a:schemeClr>
+                </a:solidFill>
+              </a:defRPr>
             </a:lvl8pPr>
             <a:lvl9pPr marL="3657600" indent="0" algn="ctr">
               <a:buNone/>
-              <a:defRPr sz="1600"/>
+              <a:defRPr>
+                <a:solidFill>
+                  <a:schemeClr val="tx1">
+                    <a:tint val="75000"/>
+                  </a:schemeClr>
+                </a:solidFill>
+              </a:defRPr>
             </a:lvl9pPr>
           </a:lstStyle>
           <a:p>
@@ -242,7 +297,7 @@
               <a:rPr lang="en-US" smtClean="0"/>
               <a:t>Click to edit Master subtitle style</a:t>
             </a:r>
-            <a:endParaRPr lang="en-US"/>
+            <a:endParaRPr lang="en-US" dirty="0"/>
           </a:p>
         </p:txBody>
       </p:sp>
@@ -314,7 +369,7 @@
     </p:spTree>
     <p:extLst>
       <p:ext uri="{BB962C8B-B14F-4D97-AF65-F5344CB8AC3E}">
-        <p14:creationId xmlns:p14="http://schemas.microsoft.com/office/powerpoint/2010/main" val="2009270959"/>
+        <p14:creationId xmlns:p14="http://schemas.microsoft.com/office/powerpoint/2010/main" val="2640464319"/>
       </p:ext>
     </p:extLst>
   </p:cSld>
@@ -325,6 +380,2584 @@
 </file>
 
 <file path=ppt/slideLayouts/slideLayout10.xml><?xml version="1.0" encoding="utf-8"?>
+<p:sldLayout xmlns:a="http://schemas.openxmlformats.org/drawingml/2006/main" xmlns:r="http://schemas.openxmlformats.org/officeDocument/2006/relationships" xmlns:p="http://schemas.openxmlformats.org/presentationml/2006/main" preserve="1">
+  <p:cSld name="Panoramic Picture with Caption">
+    <p:spTree>
+      <p:nvGrpSpPr>
+        <p:cNvPr id="1" name=""/>
+        <p:cNvGrpSpPr/>
+        <p:nvPr/>
+      </p:nvGrpSpPr>
+      <p:grpSpPr>
+        <a:xfrm>
+          <a:off x="0" y="0"/>
+          <a:ext cx="0" cy="0"/>
+          <a:chOff x="0" y="0"/>
+          <a:chExt cx="0" cy="0"/>
+        </a:xfrm>
+      </p:grpSpPr>
+      <p:sp>
+        <p:nvSpPr>
+          <p:cNvPr id="2" name="Title 1"/>
+          <p:cNvSpPr>
+            <a:spLocks noGrp="1"/>
+          </p:cNvSpPr>
+          <p:nvPr>
+            <p:ph type="title"/>
+          </p:nvPr>
+        </p:nvSpPr>
+        <p:spPr>
+          <a:xfrm>
+            <a:off x="1154956" y="4800587"/>
+            <a:ext cx="8825657" cy="566738"/>
+          </a:xfrm>
+        </p:spPr>
+        <p:txBody>
+          <a:bodyPr anchor="b">
+            <a:normAutofit/>
+          </a:bodyPr>
+          <a:lstStyle>
+            <a:lvl1pPr algn="l">
+              <a:defRPr sz="2400" b="0"/>
+            </a:lvl1pPr>
+          </a:lstStyle>
+          <a:p>
+            <a:r>
+              <a:rPr lang="en-US" smtClean="0"/>
+              <a:t>Click to edit Master title style</a:t>
+            </a:r>
+            <a:endParaRPr lang="en-US" dirty="0"/>
+          </a:p>
+        </p:txBody>
+      </p:sp>
+      <p:sp>
+        <p:nvSpPr>
+          <p:cNvPr id="3" name="Picture Placeholder 2"/>
+          <p:cNvSpPr>
+            <a:spLocks noGrp="1" noChangeAspect="1"/>
+          </p:cNvSpPr>
+          <p:nvPr>
+            <p:ph type="pic" idx="1"/>
+          </p:nvPr>
+        </p:nvSpPr>
+        <p:spPr>
+          <a:xfrm>
+            <a:off x="1154955" y="685800"/>
+            <a:ext cx="8825658" cy="3640666"/>
+          </a:xfrm>
+          <a:prstGeom prst="roundRect">
+            <a:avLst>
+              <a:gd name="adj" fmla="val 1858"/>
+            </a:avLst>
+          </a:prstGeom>
+          <a:effectLst>
+            <a:outerShdw blurRad="50800" dist="50800" dir="5400000" algn="tl" rotWithShape="0">
+              <a:srgbClr val="000000">
+                <a:alpha val="43000"/>
+              </a:srgbClr>
+            </a:outerShdw>
+          </a:effectLst>
+        </p:spPr>
+        <p:txBody>
+          <a:bodyPr anchor="t">
+            <a:normAutofit/>
+          </a:bodyPr>
+          <a:lstStyle>
+            <a:lvl1pPr marL="0" indent="0" algn="ctr">
+              <a:buNone/>
+              <a:defRPr sz="1600"/>
+            </a:lvl1pPr>
+            <a:lvl2pPr marL="457200" indent="0">
+              <a:buNone/>
+              <a:defRPr sz="1600"/>
+            </a:lvl2pPr>
+            <a:lvl3pPr marL="914400" indent="0">
+              <a:buNone/>
+              <a:defRPr sz="1600"/>
+            </a:lvl3pPr>
+            <a:lvl4pPr marL="1371600" indent="0">
+              <a:buNone/>
+              <a:defRPr sz="1600"/>
+            </a:lvl4pPr>
+            <a:lvl5pPr marL="1828800" indent="0">
+              <a:buNone/>
+              <a:defRPr sz="1600"/>
+            </a:lvl5pPr>
+            <a:lvl6pPr marL="2286000" indent="0">
+              <a:buNone/>
+              <a:defRPr sz="1600"/>
+            </a:lvl6pPr>
+            <a:lvl7pPr marL="2743200" indent="0">
+              <a:buNone/>
+              <a:defRPr sz="1600"/>
+            </a:lvl7pPr>
+            <a:lvl8pPr marL="3200400" indent="0">
+              <a:buNone/>
+              <a:defRPr sz="1600"/>
+            </a:lvl8pPr>
+            <a:lvl9pPr marL="3657600" indent="0">
+              <a:buNone/>
+              <a:defRPr sz="1600"/>
+            </a:lvl9pPr>
+          </a:lstStyle>
+          <a:p>
+            <a:r>
+              <a:rPr lang="en-US" smtClean="0"/>
+              <a:t>Click icon to add picture</a:t>
+            </a:r>
+            <a:endParaRPr lang="en-US" dirty="0"/>
+          </a:p>
+        </p:txBody>
+      </p:sp>
+      <p:sp>
+        <p:nvSpPr>
+          <p:cNvPr id="4" name="Text Placeholder 3"/>
+          <p:cNvSpPr>
+            <a:spLocks noGrp="1"/>
+          </p:cNvSpPr>
+          <p:nvPr>
+            <p:ph type="body" sz="half" idx="2"/>
+          </p:nvPr>
+        </p:nvSpPr>
+        <p:spPr>
+          <a:xfrm>
+            <a:off x="1154956" y="5367325"/>
+            <a:ext cx="8825656" cy="493712"/>
+          </a:xfrm>
+        </p:spPr>
+        <p:txBody>
+          <a:bodyPr>
+            <a:normAutofit/>
+          </a:bodyPr>
+          <a:lstStyle>
+            <a:lvl1pPr marL="0" indent="0">
+              <a:buNone/>
+              <a:defRPr sz="1200"/>
+            </a:lvl1pPr>
+            <a:lvl2pPr marL="457200" indent="0">
+              <a:buNone/>
+              <a:defRPr sz="1200"/>
+            </a:lvl2pPr>
+            <a:lvl3pPr marL="914400" indent="0">
+              <a:buNone/>
+              <a:defRPr sz="1000"/>
+            </a:lvl3pPr>
+            <a:lvl4pPr marL="1371600" indent="0">
+              <a:buNone/>
+              <a:defRPr sz="900"/>
+            </a:lvl4pPr>
+            <a:lvl5pPr marL="1828800" indent="0">
+              <a:buNone/>
+              <a:defRPr sz="900"/>
+            </a:lvl5pPr>
+            <a:lvl6pPr marL="2286000" indent="0">
+              <a:buNone/>
+              <a:defRPr sz="900"/>
+            </a:lvl6pPr>
+            <a:lvl7pPr marL="2743200" indent="0">
+              <a:buNone/>
+              <a:defRPr sz="900"/>
+            </a:lvl7pPr>
+            <a:lvl8pPr marL="3200400" indent="0">
+              <a:buNone/>
+              <a:defRPr sz="900"/>
+            </a:lvl8pPr>
+            <a:lvl9pPr marL="3657600" indent="0">
+              <a:buNone/>
+              <a:defRPr sz="900"/>
+            </a:lvl9pPr>
+          </a:lstStyle>
+          <a:p>
+            <a:pPr lvl="0"/>
+            <a:r>
+              <a:rPr lang="en-US" smtClean="0"/>
+              <a:t>Edit Master text styles</a:t>
+            </a:r>
+          </a:p>
+        </p:txBody>
+      </p:sp>
+      <p:sp>
+        <p:nvSpPr>
+          <p:cNvPr id="5" name="Date Placeholder 4"/>
+          <p:cNvSpPr>
+            <a:spLocks noGrp="1"/>
+          </p:cNvSpPr>
+          <p:nvPr>
+            <p:ph type="dt" sz="half" idx="10"/>
+          </p:nvPr>
+        </p:nvSpPr>
+        <p:spPr/>
+        <p:txBody>
+          <a:bodyPr/>
+          <a:lstStyle/>
+          <a:p>
+            <a:fld id="{48A87A34-81AB-432B-8DAE-1953F412C126}" type="datetimeFigureOut">
+              <a:rPr lang="en-US" smtClean="0"/>
+              <a:pPr/>
+              <a:t>6/13/2019</a:t>
+            </a:fld>
+            <a:endParaRPr lang="en-US" dirty="0"/>
+          </a:p>
+        </p:txBody>
+      </p:sp>
+      <p:sp>
+        <p:nvSpPr>
+          <p:cNvPr id="6" name="Footer Placeholder 5"/>
+          <p:cNvSpPr>
+            <a:spLocks noGrp="1"/>
+          </p:cNvSpPr>
+          <p:nvPr>
+            <p:ph type="ftr" sz="quarter" idx="11"/>
+          </p:nvPr>
+        </p:nvSpPr>
+        <p:spPr/>
+        <p:txBody>
+          <a:bodyPr/>
+          <a:lstStyle/>
+          <a:p>
+            <a:endParaRPr lang="en-US" dirty="0"/>
+          </a:p>
+        </p:txBody>
+      </p:sp>
+      <p:sp>
+        <p:nvSpPr>
+          <p:cNvPr id="7" name="Slide Number Placeholder 6"/>
+          <p:cNvSpPr>
+            <a:spLocks noGrp="1"/>
+          </p:cNvSpPr>
+          <p:nvPr>
+            <p:ph type="sldNum" sz="quarter" idx="12"/>
+          </p:nvPr>
+        </p:nvSpPr>
+        <p:spPr/>
+        <p:txBody>
+          <a:bodyPr/>
+          <a:lstStyle/>
+          <a:p>
+            <a:fld id="{6D22F896-40B5-4ADD-8801-0D06FADFA095}" type="slidenum">
+              <a:rPr lang="en-US" smtClean="0"/>
+              <a:pPr/>
+              <a:t>‹#›</a:t>
+            </a:fld>
+            <a:endParaRPr lang="en-US" dirty="0"/>
+          </a:p>
+        </p:txBody>
+      </p:sp>
+    </p:spTree>
+    <p:extLst>
+      <p:ext uri="{BB962C8B-B14F-4D97-AF65-F5344CB8AC3E}">
+        <p14:creationId xmlns:p14="http://schemas.microsoft.com/office/powerpoint/2010/main" val="3764187581"/>
+      </p:ext>
+    </p:extLst>
+  </p:cSld>
+  <p:clrMapOvr>
+    <a:masterClrMapping/>
+  </p:clrMapOvr>
+</p:sldLayout>
+</file>
+
+<file path=ppt/slideLayouts/slideLayout11.xml><?xml version="1.0" encoding="utf-8"?>
+<p:sldLayout xmlns:a="http://schemas.openxmlformats.org/drawingml/2006/main" xmlns:r="http://schemas.openxmlformats.org/officeDocument/2006/relationships" xmlns:p="http://schemas.openxmlformats.org/presentationml/2006/main" preserve="1">
+  <p:cSld name="Title and Caption">
+    <p:spTree>
+      <p:nvGrpSpPr>
+        <p:cNvPr id="1" name=""/>
+        <p:cNvGrpSpPr/>
+        <p:nvPr/>
+      </p:nvGrpSpPr>
+      <p:grpSpPr>
+        <a:xfrm>
+          <a:off x="0" y="0"/>
+          <a:ext cx="0" cy="0"/>
+          <a:chOff x="0" y="0"/>
+          <a:chExt cx="0" cy="0"/>
+        </a:xfrm>
+      </p:grpSpPr>
+      <p:sp>
+        <p:nvSpPr>
+          <p:cNvPr id="2" name="Title 1"/>
+          <p:cNvSpPr>
+            <a:spLocks noGrp="1"/>
+          </p:cNvSpPr>
+          <p:nvPr>
+            <p:ph type="title"/>
+          </p:nvPr>
+        </p:nvSpPr>
+        <p:spPr>
+          <a:xfrm>
+            <a:off x="1154954" y="1447800"/>
+            <a:ext cx="8825659" cy="1981200"/>
+          </a:xfrm>
+        </p:spPr>
+        <p:txBody>
+          <a:bodyPr/>
+          <a:lstStyle>
+            <a:lvl1pPr>
+              <a:defRPr sz="4800"/>
+            </a:lvl1pPr>
+          </a:lstStyle>
+          <a:p>
+            <a:r>
+              <a:rPr lang="en-US" smtClean="0"/>
+              <a:t>Click to edit Master title style</a:t>
+            </a:r>
+            <a:endParaRPr lang="en-US" dirty="0"/>
+          </a:p>
+        </p:txBody>
+      </p:sp>
+      <p:sp>
+        <p:nvSpPr>
+          <p:cNvPr id="8" name="Text Placeholder 3"/>
+          <p:cNvSpPr>
+            <a:spLocks noGrp="1"/>
+          </p:cNvSpPr>
+          <p:nvPr>
+            <p:ph type="body" sz="half" idx="2"/>
+          </p:nvPr>
+        </p:nvSpPr>
+        <p:spPr>
+          <a:xfrm>
+            <a:off x="1154954" y="3657600"/>
+            <a:ext cx="8825659" cy="2362200"/>
+          </a:xfrm>
+        </p:spPr>
+        <p:txBody>
+          <a:bodyPr anchor="ctr">
+            <a:normAutofit/>
+          </a:bodyPr>
+          <a:lstStyle>
+            <a:lvl1pPr marL="0" indent="0">
+              <a:buNone/>
+              <a:defRPr sz="1800"/>
+            </a:lvl1pPr>
+            <a:lvl2pPr marL="457200" indent="0">
+              <a:buNone/>
+              <a:defRPr sz="1200"/>
+            </a:lvl2pPr>
+            <a:lvl3pPr marL="914400" indent="0">
+              <a:buNone/>
+              <a:defRPr sz="1000"/>
+            </a:lvl3pPr>
+            <a:lvl4pPr marL="1371600" indent="0">
+              <a:buNone/>
+              <a:defRPr sz="900"/>
+            </a:lvl4pPr>
+            <a:lvl5pPr marL="1828800" indent="0">
+              <a:buNone/>
+              <a:defRPr sz="900"/>
+            </a:lvl5pPr>
+            <a:lvl6pPr marL="2286000" indent="0">
+              <a:buNone/>
+              <a:defRPr sz="900"/>
+            </a:lvl6pPr>
+            <a:lvl7pPr marL="2743200" indent="0">
+              <a:buNone/>
+              <a:defRPr sz="900"/>
+            </a:lvl7pPr>
+            <a:lvl8pPr marL="3200400" indent="0">
+              <a:buNone/>
+              <a:defRPr sz="900"/>
+            </a:lvl8pPr>
+            <a:lvl9pPr marL="3657600" indent="0">
+              <a:buNone/>
+              <a:defRPr sz="900"/>
+            </a:lvl9pPr>
+          </a:lstStyle>
+          <a:p>
+            <a:pPr lvl="0"/>
+            <a:r>
+              <a:rPr lang="en-US" smtClean="0"/>
+              <a:t>Edit Master text styles</a:t>
+            </a:r>
+          </a:p>
+        </p:txBody>
+      </p:sp>
+      <p:sp>
+        <p:nvSpPr>
+          <p:cNvPr id="4" name="Date Placeholder 3"/>
+          <p:cNvSpPr>
+            <a:spLocks noGrp="1"/>
+          </p:cNvSpPr>
+          <p:nvPr>
+            <p:ph type="dt" sz="half" idx="10"/>
+          </p:nvPr>
+        </p:nvSpPr>
+        <p:spPr/>
+        <p:txBody>
+          <a:bodyPr/>
+          <a:lstStyle/>
+          <a:p>
+            <a:fld id="{48A87A34-81AB-432B-8DAE-1953F412C126}" type="datetimeFigureOut">
+              <a:rPr lang="en-US" smtClean="0"/>
+              <a:pPr/>
+              <a:t>6/13/2019</a:t>
+            </a:fld>
+            <a:endParaRPr lang="en-US" dirty="0"/>
+          </a:p>
+        </p:txBody>
+      </p:sp>
+      <p:sp>
+        <p:nvSpPr>
+          <p:cNvPr id="5" name="Footer Placeholder 4"/>
+          <p:cNvSpPr>
+            <a:spLocks noGrp="1"/>
+          </p:cNvSpPr>
+          <p:nvPr>
+            <p:ph type="ftr" sz="quarter" idx="11"/>
+          </p:nvPr>
+        </p:nvSpPr>
+        <p:spPr/>
+        <p:txBody>
+          <a:bodyPr/>
+          <a:lstStyle/>
+          <a:p>
+            <a:endParaRPr lang="en-US" dirty="0"/>
+          </a:p>
+        </p:txBody>
+      </p:sp>
+      <p:sp>
+        <p:nvSpPr>
+          <p:cNvPr id="6" name="Slide Number Placeholder 5"/>
+          <p:cNvSpPr>
+            <a:spLocks noGrp="1"/>
+          </p:cNvSpPr>
+          <p:nvPr>
+            <p:ph type="sldNum" sz="quarter" idx="12"/>
+          </p:nvPr>
+        </p:nvSpPr>
+        <p:spPr/>
+        <p:txBody>
+          <a:bodyPr/>
+          <a:lstStyle/>
+          <a:p>
+            <a:fld id="{6D22F896-40B5-4ADD-8801-0D06FADFA095}" type="slidenum">
+              <a:rPr lang="en-US" smtClean="0"/>
+              <a:pPr/>
+              <a:t>‹#›</a:t>
+            </a:fld>
+            <a:endParaRPr lang="en-US" dirty="0"/>
+          </a:p>
+        </p:txBody>
+      </p:sp>
+    </p:spTree>
+    <p:extLst>
+      <p:ext uri="{BB962C8B-B14F-4D97-AF65-F5344CB8AC3E}">
+        <p14:creationId xmlns:p14="http://schemas.microsoft.com/office/powerpoint/2010/main" val="1845731782"/>
+      </p:ext>
+    </p:extLst>
+  </p:cSld>
+  <p:clrMapOvr>
+    <a:masterClrMapping/>
+  </p:clrMapOvr>
+</p:sldLayout>
+</file>
+
+<file path=ppt/slideLayouts/slideLayout12.xml><?xml version="1.0" encoding="utf-8"?>
+<p:sldLayout xmlns:a="http://schemas.openxmlformats.org/drawingml/2006/main" xmlns:r="http://schemas.openxmlformats.org/officeDocument/2006/relationships" xmlns:p="http://schemas.openxmlformats.org/presentationml/2006/main" preserve="1">
+  <p:cSld name="Quote with Caption">
+    <p:spTree>
+      <p:nvGrpSpPr>
+        <p:cNvPr id="1" name=""/>
+        <p:cNvGrpSpPr/>
+        <p:nvPr/>
+      </p:nvGrpSpPr>
+      <p:grpSpPr>
+        <a:xfrm>
+          <a:off x="0" y="0"/>
+          <a:ext cx="0" cy="0"/>
+          <a:chOff x="0" y="0"/>
+          <a:chExt cx="0" cy="0"/>
+        </a:xfrm>
+      </p:grpSpPr>
+      <p:sp>
+        <p:nvSpPr>
+          <p:cNvPr id="2" name="Title 1"/>
+          <p:cNvSpPr>
+            <a:spLocks noGrp="1"/>
+          </p:cNvSpPr>
+          <p:nvPr>
+            <p:ph type="title"/>
+          </p:nvPr>
+        </p:nvSpPr>
+        <p:spPr>
+          <a:xfrm>
+            <a:off x="1574801" y="1447800"/>
+            <a:ext cx="7999315" cy="2323374"/>
+          </a:xfrm>
+        </p:spPr>
+        <p:txBody>
+          <a:bodyPr/>
+          <a:lstStyle>
+            <a:lvl1pPr>
+              <a:defRPr sz="4800"/>
+            </a:lvl1pPr>
+          </a:lstStyle>
+          <a:p>
+            <a:r>
+              <a:rPr lang="en-US" smtClean="0"/>
+              <a:t>Click to edit Master title style</a:t>
+            </a:r>
+            <a:endParaRPr lang="en-US" dirty="0"/>
+          </a:p>
+        </p:txBody>
+      </p:sp>
+      <p:sp>
+        <p:nvSpPr>
+          <p:cNvPr id="11" name="Text Placeholder 3"/>
+          <p:cNvSpPr>
+            <a:spLocks noGrp="1"/>
+          </p:cNvSpPr>
+          <p:nvPr>
+            <p:ph type="body" sz="half" idx="14"/>
+          </p:nvPr>
+        </p:nvSpPr>
+        <p:spPr>
+          <a:xfrm>
+            <a:off x="1930400" y="3771174"/>
+            <a:ext cx="7279649" cy="342174"/>
+          </a:xfrm>
+        </p:spPr>
+        <p:txBody>
+          <a:bodyPr vert="horz" lIns="91440" tIns="45720" rIns="91440" bIns="45720" rtlCol="0" anchor="t">
+            <a:normAutofit/>
+          </a:bodyPr>
+          <a:lstStyle>
+            <a:lvl1pPr marL="0" indent="0">
+              <a:buNone/>
+              <a:defRPr lang="en-US" sz="1400" b="0" i="0" kern="1200" cap="small" dirty="0">
+                <a:solidFill>
+                  <a:schemeClr val="bg2">
+                    <a:lumMod val="40000"/>
+                    <a:lumOff val="60000"/>
+                  </a:schemeClr>
+                </a:solidFill>
+                <a:latin typeface="+mj-lt"/>
+                <a:ea typeface="+mj-ea"/>
+                <a:cs typeface="+mj-cs"/>
+              </a:defRPr>
+            </a:lvl1pPr>
+            <a:lvl2pPr marL="457200" indent="0">
+              <a:buNone/>
+              <a:defRPr sz="1200"/>
+            </a:lvl2pPr>
+            <a:lvl3pPr marL="914400" indent="0">
+              <a:buNone/>
+              <a:defRPr sz="1000"/>
+            </a:lvl3pPr>
+            <a:lvl4pPr marL="1371600" indent="0">
+              <a:buNone/>
+              <a:defRPr sz="900"/>
+            </a:lvl4pPr>
+            <a:lvl5pPr marL="1828800" indent="0">
+              <a:buNone/>
+              <a:defRPr sz="900"/>
+            </a:lvl5pPr>
+            <a:lvl6pPr marL="2286000" indent="0">
+              <a:buNone/>
+              <a:defRPr sz="900"/>
+            </a:lvl6pPr>
+            <a:lvl7pPr marL="2743200" indent="0">
+              <a:buNone/>
+              <a:defRPr sz="900"/>
+            </a:lvl7pPr>
+            <a:lvl8pPr marL="3200400" indent="0">
+              <a:buNone/>
+              <a:defRPr sz="900"/>
+            </a:lvl8pPr>
+            <a:lvl9pPr marL="3657600" indent="0">
+              <a:buNone/>
+              <a:defRPr sz="900"/>
+            </a:lvl9pPr>
+          </a:lstStyle>
+          <a:p>
+            <a:pPr marL="0" lvl="0" indent="0">
+              <a:buNone/>
+            </a:pPr>
+            <a:r>
+              <a:rPr lang="en-US" smtClean="0"/>
+              <a:t>Edit Master text styles</a:t>
+            </a:r>
+          </a:p>
+        </p:txBody>
+      </p:sp>
+      <p:sp>
+        <p:nvSpPr>
+          <p:cNvPr id="10" name="Text Placeholder 3"/>
+          <p:cNvSpPr>
+            <a:spLocks noGrp="1"/>
+          </p:cNvSpPr>
+          <p:nvPr>
+            <p:ph type="body" sz="half" idx="2"/>
+          </p:nvPr>
+        </p:nvSpPr>
+        <p:spPr>
+          <a:xfrm>
+            <a:off x="1154954" y="4350657"/>
+            <a:ext cx="8825659" cy="1676400"/>
+          </a:xfrm>
+        </p:spPr>
+        <p:txBody>
+          <a:bodyPr anchor="ctr">
+            <a:normAutofit/>
+          </a:bodyPr>
+          <a:lstStyle>
+            <a:lvl1pPr marL="0" indent="0">
+              <a:buNone/>
+              <a:defRPr sz="1800"/>
+            </a:lvl1pPr>
+            <a:lvl2pPr marL="457200" indent="0">
+              <a:buNone/>
+              <a:defRPr sz="1200"/>
+            </a:lvl2pPr>
+            <a:lvl3pPr marL="914400" indent="0">
+              <a:buNone/>
+              <a:defRPr sz="1000"/>
+            </a:lvl3pPr>
+            <a:lvl4pPr marL="1371600" indent="0">
+              <a:buNone/>
+              <a:defRPr sz="900"/>
+            </a:lvl4pPr>
+            <a:lvl5pPr marL="1828800" indent="0">
+              <a:buNone/>
+              <a:defRPr sz="900"/>
+            </a:lvl5pPr>
+            <a:lvl6pPr marL="2286000" indent="0">
+              <a:buNone/>
+              <a:defRPr sz="900"/>
+            </a:lvl6pPr>
+            <a:lvl7pPr marL="2743200" indent="0">
+              <a:buNone/>
+              <a:defRPr sz="900"/>
+            </a:lvl7pPr>
+            <a:lvl8pPr marL="3200400" indent="0">
+              <a:buNone/>
+              <a:defRPr sz="900"/>
+            </a:lvl8pPr>
+            <a:lvl9pPr marL="3657600" indent="0">
+              <a:buNone/>
+              <a:defRPr sz="900"/>
+            </a:lvl9pPr>
+          </a:lstStyle>
+          <a:p>
+            <a:pPr lvl="0"/>
+            <a:r>
+              <a:rPr lang="en-US" smtClean="0"/>
+              <a:t>Edit Master text styles</a:t>
+            </a:r>
+          </a:p>
+        </p:txBody>
+      </p:sp>
+      <p:sp>
+        <p:nvSpPr>
+          <p:cNvPr id="4" name="Date Placeholder 3"/>
+          <p:cNvSpPr>
+            <a:spLocks noGrp="1"/>
+          </p:cNvSpPr>
+          <p:nvPr>
+            <p:ph type="dt" sz="half" idx="10"/>
+          </p:nvPr>
+        </p:nvSpPr>
+        <p:spPr/>
+        <p:txBody>
+          <a:bodyPr/>
+          <a:lstStyle/>
+          <a:p>
+            <a:fld id="{48A87A34-81AB-432B-8DAE-1953F412C126}" type="datetimeFigureOut">
+              <a:rPr lang="en-US" smtClean="0"/>
+              <a:pPr/>
+              <a:t>6/13/2019</a:t>
+            </a:fld>
+            <a:endParaRPr lang="en-US" dirty="0"/>
+          </a:p>
+        </p:txBody>
+      </p:sp>
+      <p:sp>
+        <p:nvSpPr>
+          <p:cNvPr id="5" name="Footer Placeholder 4"/>
+          <p:cNvSpPr>
+            <a:spLocks noGrp="1"/>
+          </p:cNvSpPr>
+          <p:nvPr>
+            <p:ph type="ftr" sz="quarter" idx="11"/>
+          </p:nvPr>
+        </p:nvSpPr>
+        <p:spPr/>
+        <p:txBody>
+          <a:bodyPr/>
+          <a:lstStyle/>
+          <a:p>
+            <a:endParaRPr lang="en-US" dirty="0"/>
+          </a:p>
+        </p:txBody>
+      </p:sp>
+      <p:sp>
+        <p:nvSpPr>
+          <p:cNvPr id="6" name="Slide Number Placeholder 5"/>
+          <p:cNvSpPr>
+            <a:spLocks noGrp="1"/>
+          </p:cNvSpPr>
+          <p:nvPr>
+            <p:ph type="sldNum" sz="quarter" idx="12"/>
+          </p:nvPr>
+        </p:nvSpPr>
+        <p:spPr/>
+        <p:txBody>
+          <a:bodyPr/>
+          <a:lstStyle/>
+          <a:p>
+            <a:fld id="{6D22F896-40B5-4ADD-8801-0D06FADFA095}" type="slidenum">
+              <a:rPr lang="en-US" smtClean="0"/>
+              <a:pPr/>
+              <a:t>‹#›</a:t>
+            </a:fld>
+            <a:endParaRPr lang="en-US" dirty="0"/>
+          </a:p>
+        </p:txBody>
+      </p:sp>
+      <p:sp>
+        <p:nvSpPr>
+          <p:cNvPr id="12" name="TextBox 11"/>
+          <p:cNvSpPr txBox="1"/>
+          <p:nvPr/>
+        </p:nvSpPr>
+        <p:spPr>
+          <a:xfrm>
+            <a:off x="898295" y="971253"/>
+            <a:ext cx="801912" cy="1969770"/>
+          </a:xfrm>
+          <a:prstGeom prst="rect">
+            <a:avLst/>
+          </a:prstGeom>
+          <a:noFill/>
+        </p:spPr>
+        <p:txBody>
+          <a:bodyPr wrap="square" rtlCol="0">
+            <a:spAutoFit/>
+          </a:bodyPr>
+          <a:lstStyle>
+            <a:defPPr>
+              <a:defRPr lang="en-US"/>
+            </a:defPPr>
+            <a:lvl1pPr algn="r">
+              <a:defRPr sz="12200" b="0" i="0">
+                <a:solidFill>
+                  <a:schemeClr val="bg2">
+                    <a:lumMod val="40000"/>
+                    <a:lumOff val="60000"/>
+                  </a:schemeClr>
+                </a:solidFill>
+                <a:latin typeface="Arial"/>
+                <a:ea typeface="+mj-ea"/>
+                <a:cs typeface="+mj-cs"/>
+              </a:defRPr>
+            </a:lvl1pPr>
+          </a:lstStyle>
+          <a:p>
+            <a:pPr lvl="0"/>
+            <a:r>
+              <a:rPr lang="en-US" dirty="0"/>
+              <a:t>“</a:t>
+            </a:r>
+          </a:p>
+        </p:txBody>
+      </p:sp>
+      <p:sp>
+        <p:nvSpPr>
+          <p:cNvPr id="15" name="TextBox 14"/>
+          <p:cNvSpPr txBox="1"/>
+          <p:nvPr/>
+        </p:nvSpPr>
+        <p:spPr>
+          <a:xfrm>
+            <a:off x="9330490" y="2613787"/>
+            <a:ext cx="801912" cy="1969770"/>
+          </a:xfrm>
+          <a:prstGeom prst="rect">
+            <a:avLst/>
+          </a:prstGeom>
+          <a:noFill/>
+        </p:spPr>
+        <p:txBody>
+          <a:bodyPr wrap="square" rtlCol="0">
+            <a:spAutoFit/>
+          </a:bodyPr>
+          <a:lstStyle>
+            <a:defPPr>
+              <a:defRPr lang="en-US"/>
+            </a:defPPr>
+            <a:lvl1pPr algn="r">
+              <a:defRPr sz="12200" b="0" i="0">
+                <a:solidFill>
+                  <a:schemeClr val="bg2">
+                    <a:lumMod val="40000"/>
+                    <a:lumOff val="60000"/>
+                  </a:schemeClr>
+                </a:solidFill>
+                <a:latin typeface="Arial"/>
+                <a:ea typeface="+mj-ea"/>
+                <a:cs typeface="+mj-cs"/>
+              </a:defRPr>
+            </a:lvl1pPr>
+          </a:lstStyle>
+          <a:p>
+            <a:pPr lvl="0"/>
+            <a:r>
+              <a:rPr lang="en-US" dirty="0"/>
+              <a:t>”</a:t>
+            </a:r>
+          </a:p>
+        </p:txBody>
+      </p:sp>
+    </p:spTree>
+    <p:extLst>
+      <p:ext uri="{BB962C8B-B14F-4D97-AF65-F5344CB8AC3E}">
+        <p14:creationId xmlns:p14="http://schemas.microsoft.com/office/powerpoint/2010/main" val="1182578794"/>
+      </p:ext>
+    </p:extLst>
+  </p:cSld>
+  <p:clrMapOvr>
+    <a:masterClrMapping/>
+  </p:clrMapOvr>
+</p:sldLayout>
+</file>
+
+<file path=ppt/slideLayouts/slideLayout13.xml><?xml version="1.0" encoding="utf-8"?>
+<p:sldLayout xmlns:a="http://schemas.openxmlformats.org/drawingml/2006/main" xmlns:r="http://schemas.openxmlformats.org/officeDocument/2006/relationships" xmlns:p="http://schemas.openxmlformats.org/presentationml/2006/main" preserve="1">
+  <p:cSld name="Name Card">
+    <p:spTree>
+      <p:nvGrpSpPr>
+        <p:cNvPr id="1" name=""/>
+        <p:cNvGrpSpPr/>
+        <p:nvPr/>
+      </p:nvGrpSpPr>
+      <p:grpSpPr>
+        <a:xfrm>
+          <a:off x="0" y="0"/>
+          <a:ext cx="0" cy="0"/>
+          <a:chOff x="0" y="0"/>
+          <a:chExt cx="0" cy="0"/>
+        </a:xfrm>
+      </p:grpSpPr>
+      <p:sp>
+        <p:nvSpPr>
+          <p:cNvPr id="2" name="Title 1"/>
+          <p:cNvSpPr>
+            <a:spLocks noGrp="1"/>
+          </p:cNvSpPr>
+          <p:nvPr>
+            <p:ph type="title"/>
+          </p:nvPr>
+        </p:nvSpPr>
+        <p:spPr>
+          <a:xfrm>
+            <a:off x="1154954" y="3124201"/>
+            <a:ext cx="8825660" cy="1653180"/>
+          </a:xfrm>
+        </p:spPr>
+        <p:txBody>
+          <a:bodyPr anchor="b"/>
+          <a:lstStyle>
+            <a:lvl1pPr algn="l">
+              <a:defRPr sz="4000" b="0" cap="none"/>
+            </a:lvl1pPr>
+          </a:lstStyle>
+          <a:p>
+            <a:r>
+              <a:rPr lang="en-US" smtClean="0"/>
+              <a:t>Click to edit Master title style</a:t>
+            </a:r>
+            <a:endParaRPr lang="en-US" dirty="0"/>
+          </a:p>
+        </p:txBody>
+      </p:sp>
+      <p:sp>
+        <p:nvSpPr>
+          <p:cNvPr id="3" name="Text Placeholder 2"/>
+          <p:cNvSpPr>
+            <a:spLocks noGrp="1"/>
+          </p:cNvSpPr>
+          <p:nvPr>
+            <p:ph type="body" idx="1"/>
+          </p:nvPr>
+        </p:nvSpPr>
+        <p:spPr>
+          <a:xfrm>
+            <a:off x="1154954" y="4777381"/>
+            <a:ext cx="8825659" cy="860400"/>
+          </a:xfrm>
+        </p:spPr>
+        <p:txBody>
+          <a:bodyPr anchor="t"/>
+          <a:lstStyle>
+            <a:lvl1pPr marL="0" indent="0" algn="l">
+              <a:buNone/>
+              <a:defRPr sz="2000" cap="none">
+                <a:solidFill>
+                  <a:schemeClr val="bg2">
+                    <a:lumMod val="40000"/>
+                    <a:lumOff val="60000"/>
+                  </a:schemeClr>
+                </a:solidFill>
+              </a:defRPr>
+            </a:lvl1pPr>
+            <a:lvl2pPr marL="457200" indent="0">
+              <a:buNone/>
+              <a:defRPr sz="1800">
+                <a:solidFill>
+                  <a:schemeClr val="tx1">
+                    <a:tint val="75000"/>
+                  </a:schemeClr>
+                </a:solidFill>
+              </a:defRPr>
+            </a:lvl2pPr>
+            <a:lvl3pPr marL="914400" indent="0">
+              <a:buNone/>
+              <a:defRPr sz="1600">
+                <a:solidFill>
+                  <a:schemeClr val="tx1">
+                    <a:tint val="75000"/>
+                  </a:schemeClr>
+                </a:solidFill>
+              </a:defRPr>
+            </a:lvl3pPr>
+            <a:lvl4pPr marL="1371600" indent="0">
+              <a:buNone/>
+              <a:defRPr sz="1400">
+                <a:solidFill>
+                  <a:schemeClr val="tx1">
+                    <a:tint val="75000"/>
+                  </a:schemeClr>
+                </a:solidFill>
+              </a:defRPr>
+            </a:lvl4pPr>
+            <a:lvl5pPr marL="1828800" indent="0">
+              <a:buNone/>
+              <a:defRPr sz="1400">
+                <a:solidFill>
+                  <a:schemeClr val="tx1">
+                    <a:tint val="75000"/>
+                  </a:schemeClr>
+                </a:solidFill>
+              </a:defRPr>
+            </a:lvl5pPr>
+            <a:lvl6pPr marL="2286000" indent="0">
+              <a:buNone/>
+              <a:defRPr sz="1400">
+                <a:solidFill>
+                  <a:schemeClr val="tx1">
+                    <a:tint val="75000"/>
+                  </a:schemeClr>
+                </a:solidFill>
+              </a:defRPr>
+            </a:lvl6pPr>
+            <a:lvl7pPr marL="2743200" indent="0">
+              <a:buNone/>
+              <a:defRPr sz="1400">
+                <a:solidFill>
+                  <a:schemeClr val="tx1">
+                    <a:tint val="75000"/>
+                  </a:schemeClr>
+                </a:solidFill>
+              </a:defRPr>
+            </a:lvl7pPr>
+            <a:lvl8pPr marL="3200400" indent="0">
+              <a:buNone/>
+              <a:defRPr sz="1400">
+                <a:solidFill>
+                  <a:schemeClr val="tx1">
+                    <a:tint val="75000"/>
+                  </a:schemeClr>
+                </a:solidFill>
+              </a:defRPr>
+            </a:lvl8pPr>
+            <a:lvl9pPr marL="3657600" indent="0">
+              <a:buNone/>
+              <a:defRPr sz="1400">
+                <a:solidFill>
+                  <a:schemeClr val="tx1">
+                    <a:tint val="75000"/>
+                  </a:schemeClr>
+                </a:solidFill>
+              </a:defRPr>
+            </a:lvl9pPr>
+          </a:lstStyle>
+          <a:p>
+            <a:pPr lvl="0"/>
+            <a:r>
+              <a:rPr lang="en-US" smtClean="0"/>
+              <a:t>Edit Master text styles</a:t>
+            </a:r>
+          </a:p>
+        </p:txBody>
+      </p:sp>
+      <p:sp>
+        <p:nvSpPr>
+          <p:cNvPr id="4" name="Date Placeholder 3"/>
+          <p:cNvSpPr>
+            <a:spLocks noGrp="1"/>
+          </p:cNvSpPr>
+          <p:nvPr>
+            <p:ph type="dt" sz="half" idx="10"/>
+          </p:nvPr>
+        </p:nvSpPr>
+        <p:spPr/>
+        <p:txBody>
+          <a:bodyPr/>
+          <a:lstStyle/>
+          <a:p>
+            <a:fld id="{48A87A34-81AB-432B-8DAE-1953F412C126}" type="datetimeFigureOut">
+              <a:rPr lang="en-US" smtClean="0"/>
+              <a:pPr/>
+              <a:t>6/13/2019</a:t>
+            </a:fld>
+            <a:endParaRPr lang="en-US" dirty="0"/>
+          </a:p>
+        </p:txBody>
+      </p:sp>
+      <p:sp>
+        <p:nvSpPr>
+          <p:cNvPr id="5" name="Footer Placeholder 4"/>
+          <p:cNvSpPr>
+            <a:spLocks noGrp="1"/>
+          </p:cNvSpPr>
+          <p:nvPr>
+            <p:ph type="ftr" sz="quarter" idx="11"/>
+          </p:nvPr>
+        </p:nvSpPr>
+        <p:spPr/>
+        <p:txBody>
+          <a:bodyPr/>
+          <a:lstStyle/>
+          <a:p>
+            <a:endParaRPr lang="en-US" dirty="0"/>
+          </a:p>
+        </p:txBody>
+      </p:sp>
+      <p:sp>
+        <p:nvSpPr>
+          <p:cNvPr id="6" name="Slide Number Placeholder 5"/>
+          <p:cNvSpPr>
+            <a:spLocks noGrp="1"/>
+          </p:cNvSpPr>
+          <p:nvPr>
+            <p:ph type="sldNum" sz="quarter" idx="12"/>
+          </p:nvPr>
+        </p:nvSpPr>
+        <p:spPr/>
+        <p:txBody>
+          <a:bodyPr/>
+          <a:lstStyle/>
+          <a:p>
+            <a:fld id="{6D22F896-40B5-4ADD-8801-0D06FADFA095}" type="slidenum">
+              <a:rPr lang="en-US" smtClean="0"/>
+              <a:pPr/>
+              <a:t>‹#›</a:t>
+            </a:fld>
+            <a:endParaRPr lang="en-US" dirty="0"/>
+          </a:p>
+        </p:txBody>
+      </p:sp>
+    </p:spTree>
+    <p:extLst>
+      <p:ext uri="{BB962C8B-B14F-4D97-AF65-F5344CB8AC3E}">
+        <p14:creationId xmlns:p14="http://schemas.microsoft.com/office/powerpoint/2010/main" val="1150726368"/>
+      </p:ext>
+    </p:extLst>
+  </p:cSld>
+  <p:clrMapOvr>
+    <a:masterClrMapping/>
+  </p:clrMapOvr>
+</p:sldLayout>
+</file>
+
+<file path=ppt/slideLayouts/slideLayout14.xml><?xml version="1.0" encoding="utf-8"?>
+<p:sldLayout xmlns:a="http://schemas.openxmlformats.org/drawingml/2006/main" xmlns:r="http://schemas.openxmlformats.org/officeDocument/2006/relationships" xmlns:p="http://schemas.openxmlformats.org/presentationml/2006/main" preserve="1">
+  <p:cSld name="3 Column">
+    <p:spTree>
+      <p:nvGrpSpPr>
+        <p:cNvPr id="1" name=""/>
+        <p:cNvGrpSpPr/>
+        <p:nvPr/>
+      </p:nvGrpSpPr>
+      <p:grpSpPr>
+        <a:xfrm>
+          <a:off x="0" y="0"/>
+          <a:ext cx="0" cy="0"/>
+          <a:chOff x="0" y="0"/>
+          <a:chExt cx="0" cy="0"/>
+        </a:xfrm>
+      </p:grpSpPr>
+      <p:sp>
+        <p:nvSpPr>
+          <p:cNvPr id="2" name="Title 1"/>
+          <p:cNvSpPr>
+            <a:spLocks noGrp="1"/>
+          </p:cNvSpPr>
+          <p:nvPr>
+            <p:ph type="title"/>
+          </p:nvPr>
+        </p:nvSpPr>
+        <p:spPr/>
+        <p:txBody>
+          <a:bodyPr/>
+          <a:lstStyle>
+            <a:lvl1pPr>
+              <a:defRPr sz="4200"/>
+            </a:lvl1pPr>
+          </a:lstStyle>
+          <a:p>
+            <a:r>
+              <a:rPr lang="en-US" smtClean="0"/>
+              <a:t>Click to edit Master title style</a:t>
+            </a:r>
+            <a:endParaRPr lang="en-US" dirty="0"/>
+          </a:p>
+        </p:txBody>
+      </p:sp>
+      <p:sp>
+        <p:nvSpPr>
+          <p:cNvPr id="3" name="Text Placeholder 2"/>
+          <p:cNvSpPr>
+            <a:spLocks noGrp="1"/>
+          </p:cNvSpPr>
+          <p:nvPr>
+            <p:ph type="body" idx="1"/>
+          </p:nvPr>
+        </p:nvSpPr>
+        <p:spPr>
+          <a:xfrm>
+            <a:off x="632947" y="1981200"/>
+            <a:ext cx="2946866" cy="576262"/>
+          </a:xfrm>
+        </p:spPr>
+        <p:txBody>
+          <a:bodyPr anchor="b">
+            <a:noAutofit/>
+          </a:bodyPr>
+          <a:lstStyle>
+            <a:lvl1pPr marL="0" indent="0">
+              <a:buNone/>
+              <a:defRPr sz="2400" b="0">
+                <a:solidFill>
+                  <a:schemeClr val="bg2">
+                    <a:lumMod val="40000"/>
+                    <a:lumOff val="60000"/>
+                  </a:schemeClr>
+                </a:solidFill>
+              </a:defRPr>
+            </a:lvl1pPr>
+            <a:lvl2pPr marL="457200" indent="0">
+              <a:buNone/>
+              <a:defRPr sz="2000" b="1"/>
+            </a:lvl2pPr>
+            <a:lvl3pPr marL="914400" indent="0">
+              <a:buNone/>
+              <a:defRPr sz="1800" b="1"/>
+            </a:lvl3pPr>
+            <a:lvl4pPr marL="1371600" indent="0">
+              <a:buNone/>
+              <a:defRPr sz="1600" b="1"/>
+            </a:lvl4pPr>
+            <a:lvl5pPr marL="1828800" indent="0">
+              <a:buNone/>
+              <a:defRPr sz="1600" b="1"/>
+            </a:lvl5pPr>
+            <a:lvl6pPr marL="2286000" indent="0">
+              <a:buNone/>
+              <a:defRPr sz="1600" b="1"/>
+            </a:lvl6pPr>
+            <a:lvl7pPr marL="2743200" indent="0">
+              <a:buNone/>
+              <a:defRPr sz="1600" b="1"/>
+            </a:lvl7pPr>
+            <a:lvl8pPr marL="3200400" indent="0">
+              <a:buNone/>
+              <a:defRPr sz="1600" b="1"/>
+            </a:lvl8pPr>
+            <a:lvl9pPr marL="3657600" indent="0">
+              <a:buNone/>
+              <a:defRPr sz="1600" b="1"/>
+            </a:lvl9pPr>
+          </a:lstStyle>
+          <a:p>
+            <a:pPr lvl="0"/>
+            <a:r>
+              <a:rPr lang="en-US" smtClean="0"/>
+              <a:t>Edit Master text styles</a:t>
+            </a:r>
+          </a:p>
+        </p:txBody>
+      </p:sp>
+      <p:sp>
+        <p:nvSpPr>
+          <p:cNvPr id="16" name="Text Placeholder 3"/>
+          <p:cNvSpPr>
+            <a:spLocks noGrp="1"/>
+          </p:cNvSpPr>
+          <p:nvPr>
+            <p:ph type="body" sz="half" idx="15"/>
+          </p:nvPr>
+        </p:nvSpPr>
+        <p:spPr>
+          <a:xfrm>
+            <a:off x="652463" y="2667000"/>
+            <a:ext cx="2927350" cy="3589338"/>
+          </a:xfrm>
+        </p:spPr>
+        <p:txBody>
+          <a:bodyPr anchor="t">
+            <a:normAutofit/>
+          </a:bodyPr>
+          <a:lstStyle>
+            <a:lvl1pPr marL="0" indent="0">
+              <a:buNone/>
+              <a:defRPr sz="1400"/>
+            </a:lvl1pPr>
+            <a:lvl2pPr marL="457200" indent="0">
+              <a:buNone/>
+              <a:defRPr sz="1200"/>
+            </a:lvl2pPr>
+            <a:lvl3pPr marL="914400" indent="0">
+              <a:buNone/>
+              <a:defRPr sz="1000"/>
+            </a:lvl3pPr>
+            <a:lvl4pPr marL="1371600" indent="0">
+              <a:buNone/>
+              <a:defRPr sz="900"/>
+            </a:lvl4pPr>
+            <a:lvl5pPr marL="1828800" indent="0">
+              <a:buNone/>
+              <a:defRPr sz="900"/>
+            </a:lvl5pPr>
+            <a:lvl6pPr marL="2286000" indent="0">
+              <a:buNone/>
+              <a:defRPr sz="900"/>
+            </a:lvl6pPr>
+            <a:lvl7pPr marL="2743200" indent="0">
+              <a:buNone/>
+              <a:defRPr sz="900"/>
+            </a:lvl7pPr>
+            <a:lvl8pPr marL="3200400" indent="0">
+              <a:buNone/>
+              <a:defRPr sz="900"/>
+            </a:lvl8pPr>
+            <a:lvl9pPr marL="3657600" indent="0">
+              <a:buNone/>
+              <a:defRPr sz="900"/>
+            </a:lvl9pPr>
+          </a:lstStyle>
+          <a:p>
+            <a:pPr lvl="0"/>
+            <a:r>
+              <a:rPr lang="en-US" smtClean="0"/>
+              <a:t>Edit Master text styles</a:t>
+            </a:r>
+          </a:p>
+        </p:txBody>
+      </p:sp>
+      <p:sp>
+        <p:nvSpPr>
+          <p:cNvPr id="5" name="Text Placeholder 4"/>
+          <p:cNvSpPr>
+            <a:spLocks noGrp="1"/>
+          </p:cNvSpPr>
+          <p:nvPr>
+            <p:ph type="body" sz="quarter" idx="3"/>
+          </p:nvPr>
+        </p:nvSpPr>
+        <p:spPr>
+          <a:xfrm>
+            <a:off x="3883659" y="1981200"/>
+            <a:ext cx="2936241" cy="576262"/>
+          </a:xfrm>
+        </p:spPr>
+        <p:txBody>
+          <a:bodyPr anchor="b">
+            <a:noAutofit/>
+          </a:bodyPr>
+          <a:lstStyle>
+            <a:lvl1pPr marL="0" indent="0">
+              <a:buNone/>
+              <a:defRPr sz="2400" b="0">
+                <a:solidFill>
+                  <a:schemeClr val="bg2">
+                    <a:lumMod val="40000"/>
+                    <a:lumOff val="60000"/>
+                  </a:schemeClr>
+                </a:solidFill>
+              </a:defRPr>
+            </a:lvl1pPr>
+            <a:lvl2pPr marL="457200" indent="0">
+              <a:buNone/>
+              <a:defRPr sz="2000" b="1"/>
+            </a:lvl2pPr>
+            <a:lvl3pPr marL="914400" indent="0">
+              <a:buNone/>
+              <a:defRPr sz="1800" b="1"/>
+            </a:lvl3pPr>
+            <a:lvl4pPr marL="1371600" indent="0">
+              <a:buNone/>
+              <a:defRPr sz="1600" b="1"/>
+            </a:lvl4pPr>
+            <a:lvl5pPr marL="1828800" indent="0">
+              <a:buNone/>
+              <a:defRPr sz="1600" b="1"/>
+            </a:lvl5pPr>
+            <a:lvl6pPr marL="2286000" indent="0">
+              <a:buNone/>
+              <a:defRPr sz="1600" b="1"/>
+            </a:lvl6pPr>
+            <a:lvl7pPr marL="2743200" indent="0">
+              <a:buNone/>
+              <a:defRPr sz="1600" b="1"/>
+            </a:lvl7pPr>
+            <a:lvl8pPr marL="3200400" indent="0">
+              <a:buNone/>
+              <a:defRPr sz="1600" b="1"/>
+            </a:lvl8pPr>
+            <a:lvl9pPr marL="3657600" indent="0">
+              <a:buNone/>
+              <a:defRPr sz="1600" b="1"/>
+            </a:lvl9pPr>
+          </a:lstStyle>
+          <a:p>
+            <a:pPr lvl="0"/>
+            <a:r>
+              <a:rPr lang="en-US" smtClean="0"/>
+              <a:t>Edit Master text styles</a:t>
+            </a:r>
+          </a:p>
+        </p:txBody>
+      </p:sp>
+      <p:sp>
+        <p:nvSpPr>
+          <p:cNvPr id="19" name="Text Placeholder 3"/>
+          <p:cNvSpPr>
+            <a:spLocks noGrp="1"/>
+          </p:cNvSpPr>
+          <p:nvPr>
+            <p:ph type="body" sz="half" idx="16"/>
+          </p:nvPr>
+        </p:nvSpPr>
+        <p:spPr>
+          <a:xfrm>
+            <a:off x="3873106" y="2667000"/>
+            <a:ext cx="2946794" cy="3589338"/>
+          </a:xfrm>
+        </p:spPr>
+        <p:txBody>
+          <a:bodyPr anchor="t">
+            <a:normAutofit/>
+          </a:bodyPr>
+          <a:lstStyle>
+            <a:lvl1pPr marL="0" indent="0">
+              <a:buNone/>
+              <a:defRPr sz="1400"/>
+            </a:lvl1pPr>
+            <a:lvl2pPr marL="457200" indent="0">
+              <a:buNone/>
+              <a:defRPr sz="1200"/>
+            </a:lvl2pPr>
+            <a:lvl3pPr marL="914400" indent="0">
+              <a:buNone/>
+              <a:defRPr sz="1000"/>
+            </a:lvl3pPr>
+            <a:lvl4pPr marL="1371600" indent="0">
+              <a:buNone/>
+              <a:defRPr sz="900"/>
+            </a:lvl4pPr>
+            <a:lvl5pPr marL="1828800" indent="0">
+              <a:buNone/>
+              <a:defRPr sz="900"/>
+            </a:lvl5pPr>
+            <a:lvl6pPr marL="2286000" indent="0">
+              <a:buNone/>
+              <a:defRPr sz="900"/>
+            </a:lvl6pPr>
+            <a:lvl7pPr marL="2743200" indent="0">
+              <a:buNone/>
+              <a:defRPr sz="900"/>
+            </a:lvl7pPr>
+            <a:lvl8pPr marL="3200400" indent="0">
+              <a:buNone/>
+              <a:defRPr sz="900"/>
+            </a:lvl8pPr>
+            <a:lvl9pPr marL="3657600" indent="0">
+              <a:buNone/>
+              <a:defRPr sz="900"/>
+            </a:lvl9pPr>
+          </a:lstStyle>
+          <a:p>
+            <a:pPr lvl="0"/>
+            <a:r>
+              <a:rPr lang="en-US" smtClean="0"/>
+              <a:t>Edit Master text styles</a:t>
+            </a:r>
+          </a:p>
+        </p:txBody>
+      </p:sp>
+      <p:sp>
+        <p:nvSpPr>
+          <p:cNvPr id="14" name="Text Placeholder 4"/>
+          <p:cNvSpPr>
+            <a:spLocks noGrp="1"/>
+          </p:cNvSpPr>
+          <p:nvPr>
+            <p:ph type="body" sz="quarter" idx="13"/>
+          </p:nvPr>
+        </p:nvSpPr>
+        <p:spPr>
+          <a:xfrm>
+            <a:off x="7124700" y="1981200"/>
+            <a:ext cx="2932113" cy="576262"/>
+          </a:xfrm>
+        </p:spPr>
+        <p:txBody>
+          <a:bodyPr anchor="b">
+            <a:noAutofit/>
+          </a:bodyPr>
+          <a:lstStyle>
+            <a:lvl1pPr marL="0" indent="0">
+              <a:buNone/>
+              <a:defRPr sz="2400" b="0">
+                <a:solidFill>
+                  <a:schemeClr val="bg2">
+                    <a:lumMod val="40000"/>
+                    <a:lumOff val="60000"/>
+                  </a:schemeClr>
+                </a:solidFill>
+              </a:defRPr>
+            </a:lvl1pPr>
+            <a:lvl2pPr marL="457200" indent="0">
+              <a:buNone/>
+              <a:defRPr sz="2000" b="1"/>
+            </a:lvl2pPr>
+            <a:lvl3pPr marL="914400" indent="0">
+              <a:buNone/>
+              <a:defRPr sz="1800" b="1"/>
+            </a:lvl3pPr>
+            <a:lvl4pPr marL="1371600" indent="0">
+              <a:buNone/>
+              <a:defRPr sz="1600" b="1"/>
+            </a:lvl4pPr>
+            <a:lvl5pPr marL="1828800" indent="0">
+              <a:buNone/>
+              <a:defRPr sz="1600" b="1"/>
+            </a:lvl5pPr>
+            <a:lvl6pPr marL="2286000" indent="0">
+              <a:buNone/>
+              <a:defRPr sz="1600" b="1"/>
+            </a:lvl6pPr>
+            <a:lvl7pPr marL="2743200" indent="0">
+              <a:buNone/>
+              <a:defRPr sz="1600" b="1"/>
+            </a:lvl7pPr>
+            <a:lvl8pPr marL="3200400" indent="0">
+              <a:buNone/>
+              <a:defRPr sz="1600" b="1"/>
+            </a:lvl8pPr>
+            <a:lvl9pPr marL="3657600" indent="0">
+              <a:buNone/>
+              <a:defRPr sz="1600" b="1"/>
+            </a:lvl9pPr>
+          </a:lstStyle>
+          <a:p>
+            <a:pPr lvl="0"/>
+            <a:r>
+              <a:rPr lang="en-US" smtClean="0"/>
+              <a:t>Edit Master text styles</a:t>
+            </a:r>
+          </a:p>
+        </p:txBody>
+      </p:sp>
+      <p:sp>
+        <p:nvSpPr>
+          <p:cNvPr id="20" name="Text Placeholder 3"/>
+          <p:cNvSpPr>
+            <a:spLocks noGrp="1"/>
+          </p:cNvSpPr>
+          <p:nvPr>
+            <p:ph type="body" sz="half" idx="17"/>
+          </p:nvPr>
+        </p:nvSpPr>
+        <p:spPr>
+          <a:xfrm>
+            <a:off x="7124700" y="2667000"/>
+            <a:ext cx="2932113" cy="3589338"/>
+          </a:xfrm>
+        </p:spPr>
+        <p:txBody>
+          <a:bodyPr anchor="t">
+            <a:normAutofit/>
+          </a:bodyPr>
+          <a:lstStyle>
+            <a:lvl1pPr marL="0" indent="0">
+              <a:buNone/>
+              <a:defRPr sz="1400"/>
+            </a:lvl1pPr>
+            <a:lvl2pPr marL="457200" indent="0">
+              <a:buNone/>
+              <a:defRPr sz="1200"/>
+            </a:lvl2pPr>
+            <a:lvl3pPr marL="914400" indent="0">
+              <a:buNone/>
+              <a:defRPr sz="1000"/>
+            </a:lvl3pPr>
+            <a:lvl4pPr marL="1371600" indent="0">
+              <a:buNone/>
+              <a:defRPr sz="900"/>
+            </a:lvl4pPr>
+            <a:lvl5pPr marL="1828800" indent="0">
+              <a:buNone/>
+              <a:defRPr sz="900"/>
+            </a:lvl5pPr>
+            <a:lvl6pPr marL="2286000" indent="0">
+              <a:buNone/>
+              <a:defRPr sz="900"/>
+            </a:lvl6pPr>
+            <a:lvl7pPr marL="2743200" indent="0">
+              <a:buNone/>
+              <a:defRPr sz="900"/>
+            </a:lvl7pPr>
+            <a:lvl8pPr marL="3200400" indent="0">
+              <a:buNone/>
+              <a:defRPr sz="900"/>
+            </a:lvl8pPr>
+            <a:lvl9pPr marL="3657600" indent="0">
+              <a:buNone/>
+              <a:defRPr sz="900"/>
+            </a:lvl9pPr>
+          </a:lstStyle>
+          <a:p>
+            <a:pPr lvl="0"/>
+            <a:r>
+              <a:rPr lang="en-US" smtClean="0"/>
+              <a:t>Edit Master text styles</a:t>
+            </a:r>
+          </a:p>
+        </p:txBody>
+      </p:sp>
+      <p:cxnSp>
+        <p:nvCxnSpPr>
+          <p:cNvPr id="17" name="Straight Connector 16"/>
+          <p:cNvCxnSpPr/>
+          <p:nvPr/>
+        </p:nvCxnSpPr>
+        <p:spPr>
+          <a:xfrm>
+            <a:off x="3726142" y="2133600"/>
+            <a:ext cx="0" cy="3962400"/>
+          </a:xfrm>
+          <a:prstGeom prst="line">
+            <a:avLst/>
+          </a:prstGeom>
+          <a:ln w="12700" cmpd="sng">
+            <a:solidFill>
+              <a:schemeClr val="bg2">
+                <a:lumMod val="40000"/>
+                <a:lumOff val="60000"/>
+                <a:alpha val="40000"/>
+              </a:schemeClr>
+            </a:solidFill>
+          </a:ln>
+        </p:spPr>
+        <p:style>
+          <a:lnRef idx="2">
+            <a:schemeClr val="accent1"/>
+          </a:lnRef>
+          <a:fillRef idx="0">
+            <a:schemeClr val="accent1"/>
+          </a:fillRef>
+          <a:effectRef idx="1">
+            <a:schemeClr val="accent1"/>
+          </a:effectRef>
+          <a:fontRef idx="minor">
+            <a:schemeClr val="tx1"/>
+          </a:fontRef>
+        </p:style>
+      </p:cxnSp>
+      <p:cxnSp>
+        <p:nvCxnSpPr>
+          <p:cNvPr id="18" name="Straight Connector 17"/>
+          <p:cNvCxnSpPr/>
+          <p:nvPr/>
+        </p:nvCxnSpPr>
+        <p:spPr>
+          <a:xfrm>
+            <a:off x="6962227" y="2133600"/>
+            <a:ext cx="0" cy="3966882"/>
+          </a:xfrm>
+          <a:prstGeom prst="line">
+            <a:avLst/>
+          </a:prstGeom>
+          <a:ln w="12700" cmpd="sng">
+            <a:solidFill>
+              <a:schemeClr val="bg2">
+                <a:lumMod val="40000"/>
+                <a:lumOff val="60000"/>
+                <a:alpha val="40000"/>
+              </a:schemeClr>
+            </a:solidFill>
+          </a:ln>
+        </p:spPr>
+        <p:style>
+          <a:lnRef idx="2">
+            <a:schemeClr val="accent1"/>
+          </a:lnRef>
+          <a:fillRef idx="0">
+            <a:schemeClr val="accent1"/>
+          </a:fillRef>
+          <a:effectRef idx="1">
+            <a:schemeClr val="accent1"/>
+          </a:effectRef>
+          <a:fontRef idx="minor">
+            <a:schemeClr val="tx1"/>
+          </a:fontRef>
+        </p:style>
+      </p:cxnSp>
+      <p:sp>
+        <p:nvSpPr>
+          <p:cNvPr id="7" name="Date Placeholder 3"/>
+          <p:cNvSpPr>
+            <a:spLocks noGrp="1"/>
+          </p:cNvSpPr>
+          <p:nvPr>
+            <p:ph type="dt" sz="half" idx="10"/>
+          </p:nvPr>
+        </p:nvSpPr>
+        <p:spPr/>
+        <p:txBody>
+          <a:bodyPr/>
+          <a:lstStyle/>
+          <a:p>
+            <a:fld id="{48A87A34-81AB-432B-8DAE-1953F412C126}" type="datetimeFigureOut">
+              <a:rPr lang="en-US" smtClean="0"/>
+              <a:pPr/>
+              <a:t>6/13/2019</a:t>
+            </a:fld>
+            <a:endParaRPr lang="en-US" dirty="0"/>
+          </a:p>
+        </p:txBody>
+      </p:sp>
+      <p:sp>
+        <p:nvSpPr>
+          <p:cNvPr id="4" name="Footer Placeholder 4"/>
+          <p:cNvSpPr>
+            <a:spLocks noGrp="1"/>
+          </p:cNvSpPr>
+          <p:nvPr>
+            <p:ph type="ftr" sz="quarter" idx="11"/>
+          </p:nvPr>
+        </p:nvSpPr>
+        <p:spPr/>
+        <p:txBody>
+          <a:bodyPr/>
+          <a:lstStyle/>
+          <a:p>
+            <a:endParaRPr lang="en-US" dirty="0"/>
+          </a:p>
+        </p:txBody>
+      </p:sp>
+      <p:sp>
+        <p:nvSpPr>
+          <p:cNvPr id="6" name="Slide Number Placeholder 5"/>
+          <p:cNvSpPr>
+            <a:spLocks noGrp="1"/>
+          </p:cNvSpPr>
+          <p:nvPr>
+            <p:ph type="sldNum" sz="quarter" idx="12"/>
+          </p:nvPr>
+        </p:nvSpPr>
+        <p:spPr/>
+        <p:txBody>
+          <a:bodyPr/>
+          <a:lstStyle/>
+          <a:p>
+            <a:fld id="{6D22F896-40B5-4ADD-8801-0D06FADFA095}" type="slidenum">
+              <a:rPr lang="en-US" smtClean="0"/>
+              <a:pPr/>
+              <a:t>‹#›</a:t>
+            </a:fld>
+            <a:endParaRPr lang="en-US" dirty="0"/>
+          </a:p>
+        </p:txBody>
+      </p:sp>
+    </p:spTree>
+    <p:extLst>
+      <p:ext uri="{BB962C8B-B14F-4D97-AF65-F5344CB8AC3E}">
+        <p14:creationId xmlns:p14="http://schemas.microsoft.com/office/powerpoint/2010/main" val="589790927"/>
+      </p:ext>
+    </p:extLst>
+  </p:cSld>
+  <p:clrMapOvr>
+    <a:masterClrMapping/>
+  </p:clrMapOvr>
+</p:sldLayout>
+</file>
+
+<file path=ppt/slideLayouts/slideLayout15.xml><?xml version="1.0" encoding="utf-8"?>
+<p:sldLayout xmlns:a="http://schemas.openxmlformats.org/drawingml/2006/main" xmlns:r="http://schemas.openxmlformats.org/officeDocument/2006/relationships" xmlns:p="http://schemas.openxmlformats.org/presentationml/2006/main" preserve="1">
+  <p:cSld name="3 Picture Column">
+    <p:spTree>
+      <p:nvGrpSpPr>
+        <p:cNvPr id="1" name=""/>
+        <p:cNvGrpSpPr/>
+        <p:nvPr/>
+      </p:nvGrpSpPr>
+      <p:grpSpPr>
+        <a:xfrm>
+          <a:off x="0" y="0"/>
+          <a:ext cx="0" cy="0"/>
+          <a:chOff x="0" y="0"/>
+          <a:chExt cx="0" cy="0"/>
+        </a:xfrm>
+      </p:grpSpPr>
+      <p:sp>
+        <p:nvSpPr>
+          <p:cNvPr id="2" name="Title 1"/>
+          <p:cNvSpPr>
+            <a:spLocks noGrp="1"/>
+          </p:cNvSpPr>
+          <p:nvPr>
+            <p:ph type="title"/>
+          </p:nvPr>
+        </p:nvSpPr>
+        <p:spPr/>
+        <p:txBody>
+          <a:bodyPr/>
+          <a:lstStyle>
+            <a:lvl1pPr>
+              <a:defRPr sz="4200"/>
+            </a:lvl1pPr>
+          </a:lstStyle>
+          <a:p>
+            <a:r>
+              <a:rPr lang="en-US" smtClean="0"/>
+              <a:t>Click to edit Master title style</a:t>
+            </a:r>
+            <a:endParaRPr lang="en-US" dirty="0"/>
+          </a:p>
+        </p:txBody>
+      </p:sp>
+      <p:sp>
+        <p:nvSpPr>
+          <p:cNvPr id="3" name="Text Placeholder 2"/>
+          <p:cNvSpPr>
+            <a:spLocks noGrp="1"/>
+          </p:cNvSpPr>
+          <p:nvPr>
+            <p:ph type="body" idx="1"/>
+          </p:nvPr>
+        </p:nvSpPr>
+        <p:spPr>
+          <a:xfrm>
+            <a:off x="652463" y="4250949"/>
+            <a:ext cx="2940050" cy="576262"/>
+          </a:xfrm>
+        </p:spPr>
+        <p:txBody>
+          <a:bodyPr anchor="b">
+            <a:noAutofit/>
+          </a:bodyPr>
+          <a:lstStyle>
+            <a:lvl1pPr marL="0" indent="0">
+              <a:buNone/>
+              <a:defRPr sz="2400" b="0">
+                <a:solidFill>
+                  <a:schemeClr val="bg2">
+                    <a:lumMod val="40000"/>
+                    <a:lumOff val="60000"/>
+                  </a:schemeClr>
+                </a:solidFill>
+              </a:defRPr>
+            </a:lvl1pPr>
+            <a:lvl2pPr marL="457200" indent="0">
+              <a:buNone/>
+              <a:defRPr sz="2000" b="1"/>
+            </a:lvl2pPr>
+            <a:lvl3pPr marL="914400" indent="0">
+              <a:buNone/>
+              <a:defRPr sz="1800" b="1"/>
+            </a:lvl3pPr>
+            <a:lvl4pPr marL="1371600" indent="0">
+              <a:buNone/>
+              <a:defRPr sz="1600" b="1"/>
+            </a:lvl4pPr>
+            <a:lvl5pPr marL="1828800" indent="0">
+              <a:buNone/>
+              <a:defRPr sz="1600" b="1"/>
+            </a:lvl5pPr>
+            <a:lvl6pPr marL="2286000" indent="0">
+              <a:buNone/>
+              <a:defRPr sz="1600" b="1"/>
+            </a:lvl6pPr>
+            <a:lvl7pPr marL="2743200" indent="0">
+              <a:buNone/>
+              <a:defRPr sz="1600" b="1"/>
+            </a:lvl7pPr>
+            <a:lvl8pPr marL="3200400" indent="0">
+              <a:buNone/>
+              <a:defRPr sz="1600" b="1"/>
+            </a:lvl8pPr>
+            <a:lvl9pPr marL="3657600" indent="0">
+              <a:buNone/>
+              <a:defRPr sz="1600" b="1"/>
+            </a:lvl9pPr>
+          </a:lstStyle>
+          <a:p>
+            <a:pPr lvl="0"/>
+            <a:r>
+              <a:rPr lang="en-US" smtClean="0"/>
+              <a:t>Edit Master text styles</a:t>
+            </a:r>
+          </a:p>
+        </p:txBody>
+      </p:sp>
+      <p:sp>
+        <p:nvSpPr>
+          <p:cNvPr id="29" name="Picture Placeholder 2"/>
+          <p:cNvSpPr>
+            <a:spLocks noGrp="1" noChangeAspect="1"/>
+          </p:cNvSpPr>
+          <p:nvPr>
+            <p:ph type="pic" idx="15"/>
+          </p:nvPr>
+        </p:nvSpPr>
+        <p:spPr>
+          <a:xfrm>
+            <a:off x="652463" y="2209800"/>
+            <a:ext cx="2940050" cy="1524000"/>
+          </a:xfrm>
+          <a:prstGeom prst="roundRect">
+            <a:avLst>
+              <a:gd name="adj" fmla="val 1858"/>
+            </a:avLst>
+          </a:prstGeom>
+          <a:effectLst>
+            <a:outerShdw blurRad="50800" dist="50800" dir="5400000" algn="tl" rotWithShape="0">
+              <a:srgbClr val="000000">
+                <a:alpha val="43000"/>
+              </a:srgbClr>
+            </a:outerShdw>
+          </a:effectLst>
+        </p:spPr>
+        <p:txBody>
+          <a:bodyPr anchor="t">
+            <a:normAutofit/>
+          </a:bodyPr>
+          <a:lstStyle>
+            <a:lvl1pPr marL="0" indent="0" algn="ctr">
+              <a:buNone/>
+              <a:defRPr sz="1600"/>
+            </a:lvl1pPr>
+            <a:lvl2pPr marL="457200" indent="0">
+              <a:buNone/>
+              <a:defRPr sz="1600"/>
+            </a:lvl2pPr>
+            <a:lvl3pPr marL="914400" indent="0">
+              <a:buNone/>
+              <a:defRPr sz="1600"/>
+            </a:lvl3pPr>
+            <a:lvl4pPr marL="1371600" indent="0">
+              <a:buNone/>
+              <a:defRPr sz="1600"/>
+            </a:lvl4pPr>
+            <a:lvl5pPr marL="1828800" indent="0">
+              <a:buNone/>
+              <a:defRPr sz="1600"/>
+            </a:lvl5pPr>
+            <a:lvl6pPr marL="2286000" indent="0">
+              <a:buNone/>
+              <a:defRPr sz="1600"/>
+            </a:lvl6pPr>
+            <a:lvl7pPr marL="2743200" indent="0">
+              <a:buNone/>
+              <a:defRPr sz="1600"/>
+            </a:lvl7pPr>
+            <a:lvl8pPr marL="3200400" indent="0">
+              <a:buNone/>
+              <a:defRPr sz="1600"/>
+            </a:lvl8pPr>
+            <a:lvl9pPr marL="3657600" indent="0">
+              <a:buNone/>
+              <a:defRPr sz="1600"/>
+            </a:lvl9pPr>
+          </a:lstStyle>
+          <a:p>
+            <a:r>
+              <a:rPr lang="en-US" smtClean="0"/>
+              <a:t>Click icon to add picture</a:t>
+            </a:r>
+            <a:endParaRPr lang="en-US" dirty="0"/>
+          </a:p>
+        </p:txBody>
+      </p:sp>
+      <p:sp>
+        <p:nvSpPr>
+          <p:cNvPr id="22" name="Text Placeholder 3"/>
+          <p:cNvSpPr>
+            <a:spLocks noGrp="1"/>
+          </p:cNvSpPr>
+          <p:nvPr>
+            <p:ph type="body" sz="half" idx="18"/>
+          </p:nvPr>
+        </p:nvSpPr>
+        <p:spPr>
+          <a:xfrm>
+            <a:off x="652463" y="4827211"/>
+            <a:ext cx="2940050" cy="659189"/>
+          </a:xfrm>
+        </p:spPr>
+        <p:txBody>
+          <a:bodyPr anchor="t">
+            <a:normAutofit/>
+          </a:bodyPr>
+          <a:lstStyle>
+            <a:lvl1pPr marL="0" indent="0">
+              <a:buNone/>
+              <a:defRPr sz="1400"/>
+            </a:lvl1pPr>
+            <a:lvl2pPr marL="457200" indent="0">
+              <a:buNone/>
+              <a:defRPr sz="1200"/>
+            </a:lvl2pPr>
+            <a:lvl3pPr marL="914400" indent="0">
+              <a:buNone/>
+              <a:defRPr sz="1000"/>
+            </a:lvl3pPr>
+            <a:lvl4pPr marL="1371600" indent="0">
+              <a:buNone/>
+              <a:defRPr sz="900"/>
+            </a:lvl4pPr>
+            <a:lvl5pPr marL="1828800" indent="0">
+              <a:buNone/>
+              <a:defRPr sz="900"/>
+            </a:lvl5pPr>
+            <a:lvl6pPr marL="2286000" indent="0">
+              <a:buNone/>
+              <a:defRPr sz="900"/>
+            </a:lvl6pPr>
+            <a:lvl7pPr marL="2743200" indent="0">
+              <a:buNone/>
+              <a:defRPr sz="900"/>
+            </a:lvl7pPr>
+            <a:lvl8pPr marL="3200400" indent="0">
+              <a:buNone/>
+              <a:defRPr sz="900"/>
+            </a:lvl8pPr>
+            <a:lvl9pPr marL="3657600" indent="0">
+              <a:buNone/>
+              <a:defRPr sz="900"/>
+            </a:lvl9pPr>
+          </a:lstStyle>
+          <a:p>
+            <a:pPr lvl="0"/>
+            <a:r>
+              <a:rPr lang="en-US" smtClean="0"/>
+              <a:t>Edit Master text styles</a:t>
+            </a:r>
+          </a:p>
+        </p:txBody>
+      </p:sp>
+      <p:sp>
+        <p:nvSpPr>
+          <p:cNvPr id="5" name="Text Placeholder 4"/>
+          <p:cNvSpPr>
+            <a:spLocks noGrp="1"/>
+          </p:cNvSpPr>
+          <p:nvPr>
+            <p:ph type="body" sz="quarter" idx="3"/>
+          </p:nvPr>
+        </p:nvSpPr>
+        <p:spPr>
+          <a:xfrm>
+            <a:off x="3889375" y="4250949"/>
+            <a:ext cx="2930525" cy="576262"/>
+          </a:xfrm>
+        </p:spPr>
+        <p:txBody>
+          <a:bodyPr anchor="b">
+            <a:noAutofit/>
+          </a:bodyPr>
+          <a:lstStyle>
+            <a:lvl1pPr marL="0" indent="0">
+              <a:buNone/>
+              <a:defRPr sz="2400" b="0">
+                <a:solidFill>
+                  <a:schemeClr val="bg2">
+                    <a:lumMod val="40000"/>
+                    <a:lumOff val="60000"/>
+                  </a:schemeClr>
+                </a:solidFill>
+              </a:defRPr>
+            </a:lvl1pPr>
+            <a:lvl2pPr marL="457200" indent="0">
+              <a:buNone/>
+              <a:defRPr sz="2000" b="1"/>
+            </a:lvl2pPr>
+            <a:lvl3pPr marL="914400" indent="0">
+              <a:buNone/>
+              <a:defRPr sz="1800" b="1"/>
+            </a:lvl3pPr>
+            <a:lvl4pPr marL="1371600" indent="0">
+              <a:buNone/>
+              <a:defRPr sz="1600" b="1"/>
+            </a:lvl4pPr>
+            <a:lvl5pPr marL="1828800" indent="0">
+              <a:buNone/>
+              <a:defRPr sz="1600" b="1"/>
+            </a:lvl5pPr>
+            <a:lvl6pPr marL="2286000" indent="0">
+              <a:buNone/>
+              <a:defRPr sz="1600" b="1"/>
+            </a:lvl6pPr>
+            <a:lvl7pPr marL="2743200" indent="0">
+              <a:buNone/>
+              <a:defRPr sz="1600" b="1"/>
+            </a:lvl7pPr>
+            <a:lvl8pPr marL="3200400" indent="0">
+              <a:buNone/>
+              <a:defRPr sz="1600" b="1"/>
+            </a:lvl8pPr>
+            <a:lvl9pPr marL="3657600" indent="0">
+              <a:buNone/>
+              <a:defRPr sz="1600" b="1"/>
+            </a:lvl9pPr>
+          </a:lstStyle>
+          <a:p>
+            <a:pPr lvl="0"/>
+            <a:r>
+              <a:rPr lang="en-US" smtClean="0"/>
+              <a:t>Edit Master text styles</a:t>
+            </a:r>
+          </a:p>
+        </p:txBody>
+      </p:sp>
+      <p:sp>
+        <p:nvSpPr>
+          <p:cNvPr id="30" name="Picture Placeholder 2"/>
+          <p:cNvSpPr>
+            <a:spLocks noGrp="1" noChangeAspect="1"/>
+          </p:cNvSpPr>
+          <p:nvPr>
+            <p:ph type="pic" idx="21"/>
+          </p:nvPr>
+        </p:nvSpPr>
+        <p:spPr>
+          <a:xfrm>
+            <a:off x="3889374" y="2209800"/>
+            <a:ext cx="2930525" cy="1524000"/>
+          </a:xfrm>
+          <a:prstGeom prst="roundRect">
+            <a:avLst>
+              <a:gd name="adj" fmla="val 1858"/>
+            </a:avLst>
+          </a:prstGeom>
+          <a:effectLst>
+            <a:outerShdw blurRad="50800" dist="50800" dir="5400000" algn="tl" rotWithShape="0">
+              <a:srgbClr val="000000">
+                <a:alpha val="43000"/>
+              </a:srgbClr>
+            </a:outerShdw>
+          </a:effectLst>
+        </p:spPr>
+        <p:txBody>
+          <a:bodyPr anchor="t">
+            <a:normAutofit/>
+          </a:bodyPr>
+          <a:lstStyle>
+            <a:lvl1pPr marL="0" indent="0" algn="ctr">
+              <a:buNone/>
+              <a:defRPr sz="1600"/>
+            </a:lvl1pPr>
+            <a:lvl2pPr marL="457200" indent="0">
+              <a:buNone/>
+              <a:defRPr sz="1600"/>
+            </a:lvl2pPr>
+            <a:lvl3pPr marL="914400" indent="0">
+              <a:buNone/>
+              <a:defRPr sz="1600"/>
+            </a:lvl3pPr>
+            <a:lvl4pPr marL="1371600" indent="0">
+              <a:buNone/>
+              <a:defRPr sz="1600"/>
+            </a:lvl4pPr>
+            <a:lvl5pPr marL="1828800" indent="0">
+              <a:buNone/>
+              <a:defRPr sz="1600"/>
+            </a:lvl5pPr>
+            <a:lvl6pPr marL="2286000" indent="0">
+              <a:buNone/>
+              <a:defRPr sz="1600"/>
+            </a:lvl6pPr>
+            <a:lvl7pPr marL="2743200" indent="0">
+              <a:buNone/>
+              <a:defRPr sz="1600"/>
+            </a:lvl7pPr>
+            <a:lvl8pPr marL="3200400" indent="0">
+              <a:buNone/>
+              <a:defRPr sz="1600"/>
+            </a:lvl8pPr>
+            <a:lvl9pPr marL="3657600" indent="0">
+              <a:buNone/>
+              <a:defRPr sz="1600"/>
+            </a:lvl9pPr>
+          </a:lstStyle>
+          <a:p>
+            <a:r>
+              <a:rPr lang="en-US" smtClean="0"/>
+              <a:t>Click icon to add picture</a:t>
+            </a:r>
+            <a:endParaRPr lang="en-US" dirty="0"/>
+          </a:p>
+        </p:txBody>
+      </p:sp>
+      <p:sp>
+        <p:nvSpPr>
+          <p:cNvPr id="23" name="Text Placeholder 3"/>
+          <p:cNvSpPr>
+            <a:spLocks noGrp="1"/>
+          </p:cNvSpPr>
+          <p:nvPr>
+            <p:ph type="body" sz="half" idx="19"/>
+          </p:nvPr>
+        </p:nvSpPr>
+        <p:spPr>
+          <a:xfrm>
+            <a:off x="3888022" y="4827210"/>
+            <a:ext cx="2934406" cy="659189"/>
+          </a:xfrm>
+        </p:spPr>
+        <p:txBody>
+          <a:bodyPr anchor="t">
+            <a:normAutofit/>
+          </a:bodyPr>
+          <a:lstStyle>
+            <a:lvl1pPr marL="0" indent="0">
+              <a:buNone/>
+              <a:defRPr sz="1400"/>
+            </a:lvl1pPr>
+            <a:lvl2pPr marL="457200" indent="0">
+              <a:buNone/>
+              <a:defRPr sz="1200"/>
+            </a:lvl2pPr>
+            <a:lvl3pPr marL="914400" indent="0">
+              <a:buNone/>
+              <a:defRPr sz="1000"/>
+            </a:lvl3pPr>
+            <a:lvl4pPr marL="1371600" indent="0">
+              <a:buNone/>
+              <a:defRPr sz="900"/>
+            </a:lvl4pPr>
+            <a:lvl5pPr marL="1828800" indent="0">
+              <a:buNone/>
+              <a:defRPr sz="900"/>
+            </a:lvl5pPr>
+            <a:lvl6pPr marL="2286000" indent="0">
+              <a:buNone/>
+              <a:defRPr sz="900"/>
+            </a:lvl6pPr>
+            <a:lvl7pPr marL="2743200" indent="0">
+              <a:buNone/>
+              <a:defRPr sz="900"/>
+            </a:lvl7pPr>
+            <a:lvl8pPr marL="3200400" indent="0">
+              <a:buNone/>
+              <a:defRPr sz="900"/>
+            </a:lvl8pPr>
+            <a:lvl9pPr marL="3657600" indent="0">
+              <a:buNone/>
+              <a:defRPr sz="900"/>
+            </a:lvl9pPr>
+          </a:lstStyle>
+          <a:p>
+            <a:pPr lvl="0"/>
+            <a:r>
+              <a:rPr lang="en-US" smtClean="0"/>
+              <a:t>Edit Master text styles</a:t>
+            </a:r>
+          </a:p>
+        </p:txBody>
+      </p:sp>
+      <p:sp>
+        <p:nvSpPr>
+          <p:cNvPr id="14" name="Text Placeholder 4"/>
+          <p:cNvSpPr>
+            <a:spLocks noGrp="1"/>
+          </p:cNvSpPr>
+          <p:nvPr>
+            <p:ph type="body" sz="quarter" idx="13"/>
+          </p:nvPr>
+        </p:nvSpPr>
+        <p:spPr>
+          <a:xfrm>
+            <a:off x="7124700" y="4250949"/>
+            <a:ext cx="2932113" cy="576262"/>
+          </a:xfrm>
+        </p:spPr>
+        <p:txBody>
+          <a:bodyPr anchor="b">
+            <a:noAutofit/>
+          </a:bodyPr>
+          <a:lstStyle>
+            <a:lvl1pPr marL="0" indent="0">
+              <a:buNone/>
+              <a:defRPr sz="2400" b="0">
+                <a:solidFill>
+                  <a:schemeClr val="bg2">
+                    <a:lumMod val="40000"/>
+                    <a:lumOff val="60000"/>
+                  </a:schemeClr>
+                </a:solidFill>
+              </a:defRPr>
+            </a:lvl1pPr>
+            <a:lvl2pPr marL="457200" indent="0">
+              <a:buNone/>
+              <a:defRPr sz="2000" b="1"/>
+            </a:lvl2pPr>
+            <a:lvl3pPr marL="914400" indent="0">
+              <a:buNone/>
+              <a:defRPr sz="1800" b="1"/>
+            </a:lvl3pPr>
+            <a:lvl4pPr marL="1371600" indent="0">
+              <a:buNone/>
+              <a:defRPr sz="1600" b="1"/>
+            </a:lvl4pPr>
+            <a:lvl5pPr marL="1828800" indent="0">
+              <a:buNone/>
+              <a:defRPr sz="1600" b="1"/>
+            </a:lvl5pPr>
+            <a:lvl6pPr marL="2286000" indent="0">
+              <a:buNone/>
+              <a:defRPr sz="1600" b="1"/>
+            </a:lvl6pPr>
+            <a:lvl7pPr marL="2743200" indent="0">
+              <a:buNone/>
+              <a:defRPr sz="1600" b="1"/>
+            </a:lvl7pPr>
+            <a:lvl8pPr marL="3200400" indent="0">
+              <a:buNone/>
+              <a:defRPr sz="1600" b="1"/>
+            </a:lvl8pPr>
+            <a:lvl9pPr marL="3657600" indent="0">
+              <a:buNone/>
+              <a:defRPr sz="1600" b="1"/>
+            </a:lvl9pPr>
+          </a:lstStyle>
+          <a:p>
+            <a:pPr lvl="0"/>
+            <a:r>
+              <a:rPr lang="en-US" smtClean="0"/>
+              <a:t>Edit Master text styles</a:t>
+            </a:r>
+          </a:p>
+        </p:txBody>
+      </p:sp>
+      <p:sp>
+        <p:nvSpPr>
+          <p:cNvPr id="31" name="Picture Placeholder 2"/>
+          <p:cNvSpPr>
+            <a:spLocks noGrp="1" noChangeAspect="1"/>
+          </p:cNvSpPr>
+          <p:nvPr>
+            <p:ph type="pic" idx="22"/>
+          </p:nvPr>
+        </p:nvSpPr>
+        <p:spPr>
+          <a:xfrm>
+            <a:off x="7124699" y="2209800"/>
+            <a:ext cx="2932113" cy="1524000"/>
+          </a:xfrm>
+          <a:prstGeom prst="roundRect">
+            <a:avLst>
+              <a:gd name="adj" fmla="val 1858"/>
+            </a:avLst>
+          </a:prstGeom>
+          <a:effectLst>
+            <a:outerShdw blurRad="50800" dist="50800" dir="5400000" algn="tl" rotWithShape="0">
+              <a:srgbClr val="000000">
+                <a:alpha val="43000"/>
+              </a:srgbClr>
+            </a:outerShdw>
+          </a:effectLst>
+        </p:spPr>
+        <p:txBody>
+          <a:bodyPr anchor="t">
+            <a:normAutofit/>
+          </a:bodyPr>
+          <a:lstStyle>
+            <a:lvl1pPr marL="0" indent="0" algn="ctr">
+              <a:buNone/>
+              <a:defRPr sz="1600"/>
+            </a:lvl1pPr>
+            <a:lvl2pPr marL="457200" indent="0">
+              <a:buNone/>
+              <a:defRPr sz="1600"/>
+            </a:lvl2pPr>
+            <a:lvl3pPr marL="914400" indent="0">
+              <a:buNone/>
+              <a:defRPr sz="1600"/>
+            </a:lvl3pPr>
+            <a:lvl4pPr marL="1371600" indent="0">
+              <a:buNone/>
+              <a:defRPr sz="1600"/>
+            </a:lvl4pPr>
+            <a:lvl5pPr marL="1828800" indent="0">
+              <a:buNone/>
+              <a:defRPr sz="1600"/>
+            </a:lvl5pPr>
+            <a:lvl6pPr marL="2286000" indent="0">
+              <a:buNone/>
+              <a:defRPr sz="1600"/>
+            </a:lvl6pPr>
+            <a:lvl7pPr marL="2743200" indent="0">
+              <a:buNone/>
+              <a:defRPr sz="1600"/>
+            </a:lvl7pPr>
+            <a:lvl8pPr marL="3200400" indent="0">
+              <a:buNone/>
+              <a:defRPr sz="1600"/>
+            </a:lvl8pPr>
+            <a:lvl9pPr marL="3657600" indent="0">
+              <a:buNone/>
+              <a:defRPr sz="1600"/>
+            </a:lvl9pPr>
+          </a:lstStyle>
+          <a:p>
+            <a:r>
+              <a:rPr lang="en-US" smtClean="0"/>
+              <a:t>Click icon to add picture</a:t>
+            </a:r>
+            <a:endParaRPr lang="en-US" dirty="0"/>
+          </a:p>
+        </p:txBody>
+      </p:sp>
+      <p:sp>
+        <p:nvSpPr>
+          <p:cNvPr id="24" name="Text Placeholder 3"/>
+          <p:cNvSpPr>
+            <a:spLocks noGrp="1"/>
+          </p:cNvSpPr>
+          <p:nvPr>
+            <p:ph type="body" sz="half" idx="20"/>
+          </p:nvPr>
+        </p:nvSpPr>
+        <p:spPr>
+          <a:xfrm>
+            <a:off x="7124575" y="4827208"/>
+            <a:ext cx="2935997" cy="659189"/>
+          </a:xfrm>
+        </p:spPr>
+        <p:txBody>
+          <a:bodyPr anchor="t">
+            <a:normAutofit/>
+          </a:bodyPr>
+          <a:lstStyle>
+            <a:lvl1pPr marL="0" indent="0">
+              <a:buNone/>
+              <a:defRPr sz="1400"/>
+            </a:lvl1pPr>
+            <a:lvl2pPr marL="457200" indent="0">
+              <a:buNone/>
+              <a:defRPr sz="1200"/>
+            </a:lvl2pPr>
+            <a:lvl3pPr marL="914400" indent="0">
+              <a:buNone/>
+              <a:defRPr sz="1000"/>
+            </a:lvl3pPr>
+            <a:lvl4pPr marL="1371600" indent="0">
+              <a:buNone/>
+              <a:defRPr sz="900"/>
+            </a:lvl4pPr>
+            <a:lvl5pPr marL="1828800" indent="0">
+              <a:buNone/>
+              <a:defRPr sz="900"/>
+            </a:lvl5pPr>
+            <a:lvl6pPr marL="2286000" indent="0">
+              <a:buNone/>
+              <a:defRPr sz="900"/>
+            </a:lvl6pPr>
+            <a:lvl7pPr marL="2743200" indent="0">
+              <a:buNone/>
+              <a:defRPr sz="900"/>
+            </a:lvl7pPr>
+            <a:lvl8pPr marL="3200400" indent="0">
+              <a:buNone/>
+              <a:defRPr sz="900"/>
+            </a:lvl8pPr>
+            <a:lvl9pPr marL="3657600" indent="0">
+              <a:buNone/>
+              <a:defRPr sz="900"/>
+            </a:lvl9pPr>
+          </a:lstStyle>
+          <a:p>
+            <a:pPr lvl="0"/>
+            <a:r>
+              <a:rPr lang="en-US" smtClean="0"/>
+              <a:t>Edit Master text styles</a:t>
+            </a:r>
+          </a:p>
+        </p:txBody>
+      </p:sp>
+      <p:cxnSp>
+        <p:nvCxnSpPr>
+          <p:cNvPr id="19" name="Straight Connector 18"/>
+          <p:cNvCxnSpPr/>
+          <p:nvPr/>
+        </p:nvCxnSpPr>
+        <p:spPr>
+          <a:xfrm>
+            <a:off x="3726142" y="2133600"/>
+            <a:ext cx="0" cy="3962400"/>
+          </a:xfrm>
+          <a:prstGeom prst="line">
+            <a:avLst/>
+          </a:prstGeom>
+          <a:ln w="12700" cmpd="sng">
+            <a:solidFill>
+              <a:schemeClr val="bg2">
+                <a:lumMod val="40000"/>
+                <a:lumOff val="60000"/>
+                <a:alpha val="40000"/>
+              </a:schemeClr>
+            </a:solidFill>
+          </a:ln>
+        </p:spPr>
+        <p:style>
+          <a:lnRef idx="2">
+            <a:schemeClr val="accent1"/>
+          </a:lnRef>
+          <a:fillRef idx="0">
+            <a:schemeClr val="accent1"/>
+          </a:fillRef>
+          <a:effectRef idx="1">
+            <a:schemeClr val="accent1"/>
+          </a:effectRef>
+          <a:fontRef idx="minor">
+            <a:schemeClr val="tx1"/>
+          </a:fontRef>
+        </p:style>
+      </p:cxnSp>
+      <p:cxnSp>
+        <p:nvCxnSpPr>
+          <p:cNvPr id="20" name="Straight Connector 19"/>
+          <p:cNvCxnSpPr/>
+          <p:nvPr/>
+        </p:nvCxnSpPr>
+        <p:spPr>
+          <a:xfrm>
+            <a:off x="6962227" y="2133600"/>
+            <a:ext cx="0" cy="3966882"/>
+          </a:xfrm>
+          <a:prstGeom prst="line">
+            <a:avLst/>
+          </a:prstGeom>
+          <a:ln w="12700" cmpd="sng">
+            <a:solidFill>
+              <a:schemeClr val="bg2">
+                <a:lumMod val="40000"/>
+                <a:lumOff val="60000"/>
+                <a:alpha val="40000"/>
+              </a:schemeClr>
+            </a:solidFill>
+          </a:ln>
+        </p:spPr>
+        <p:style>
+          <a:lnRef idx="2">
+            <a:schemeClr val="accent1"/>
+          </a:lnRef>
+          <a:fillRef idx="0">
+            <a:schemeClr val="accent1"/>
+          </a:fillRef>
+          <a:effectRef idx="1">
+            <a:schemeClr val="accent1"/>
+          </a:effectRef>
+          <a:fontRef idx="minor">
+            <a:schemeClr val="tx1"/>
+          </a:fontRef>
+        </p:style>
+      </p:cxnSp>
+      <p:sp>
+        <p:nvSpPr>
+          <p:cNvPr id="7" name="Date Placeholder 3"/>
+          <p:cNvSpPr>
+            <a:spLocks noGrp="1"/>
+          </p:cNvSpPr>
+          <p:nvPr>
+            <p:ph type="dt" sz="half" idx="10"/>
+          </p:nvPr>
+        </p:nvSpPr>
+        <p:spPr/>
+        <p:txBody>
+          <a:bodyPr/>
+          <a:lstStyle/>
+          <a:p>
+            <a:fld id="{48A87A34-81AB-432B-8DAE-1953F412C126}" type="datetimeFigureOut">
+              <a:rPr lang="en-US" smtClean="0"/>
+              <a:pPr/>
+              <a:t>6/13/2019</a:t>
+            </a:fld>
+            <a:endParaRPr lang="en-US" dirty="0"/>
+          </a:p>
+        </p:txBody>
+      </p:sp>
+      <p:sp>
+        <p:nvSpPr>
+          <p:cNvPr id="4" name="Footer Placeholder 4"/>
+          <p:cNvSpPr>
+            <a:spLocks noGrp="1"/>
+          </p:cNvSpPr>
+          <p:nvPr>
+            <p:ph type="ftr" sz="quarter" idx="11"/>
+          </p:nvPr>
+        </p:nvSpPr>
+        <p:spPr/>
+        <p:txBody>
+          <a:bodyPr/>
+          <a:lstStyle/>
+          <a:p>
+            <a:endParaRPr lang="en-US" dirty="0"/>
+          </a:p>
+        </p:txBody>
+      </p:sp>
+      <p:sp>
+        <p:nvSpPr>
+          <p:cNvPr id="6" name="Slide Number Placeholder 5"/>
+          <p:cNvSpPr>
+            <a:spLocks noGrp="1"/>
+          </p:cNvSpPr>
+          <p:nvPr>
+            <p:ph type="sldNum" sz="quarter" idx="12"/>
+          </p:nvPr>
+        </p:nvSpPr>
+        <p:spPr/>
+        <p:txBody>
+          <a:bodyPr/>
+          <a:lstStyle/>
+          <a:p>
+            <a:fld id="{6D22F896-40B5-4ADD-8801-0D06FADFA095}" type="slidenum">
+              <a:rPr lang="en-US" smtClean="0"/>
+              <a:pPr/>
+              <a:t>‹#›</a:t>
+            </a:fld>
+            <a:endParaRPr lang="en-US" dirty="0"/>
+          </a:p>
+        </p:txBody>
+      </p:sp>
+    </p:spTree>
+    <p:extLst>
+      <p:ext uri="{BB962C8B-B14F-4D97-AF65-F5344CB8AC3E}">
+        <p14:creationId xmlns:p14="http://schemas.microsoft.com/office/powerpoint/2010/main" val="1297669886"/>
+      </p:ext>
+    </p:extLst>
+  </p:cSld>
+  <p:clrMapOvr>
+    <a:masterClrMapping/>
+  </p:clrMapOvr>
+</p:sldLayout>
+</file>
+
+<file path=ppt/slideLayouts/slideLayout16.xml><?xml version="1.0" encoding="utf-8"?>
 <p:sldLayout xmlns:a="http://schemas.openxmlformats.org/drawingml/2006/main" xmlns:r="http://schemas.openxmlformats.org/officeDocument/2006/relationships" xmlns:p="http://schemas.openxmlformats.org/presentationml/2006/main" type="vertTx" preserve="1">
   <p:cSld name="Title and Vertical Text">
     <p:spTree>
@@ -360,7 +2993,7 @@
               <a:rPr lang="en-US" smtClean="0"/>
               <a:t>Click to edit Master title style</a:t>
             </a:r>
-            <a:endParaRPr lang="en-US"/>
+            <a:endParaRPr lang="en-US" dirty="0"/>
           </a:p>
         </p:txBody>
       </p:sp>
@@ -376,7 +3009,7 @@
         </p:nvSpPr>
         <p:spPr/>
         <p:txBody>
-          <a:bodyPr vert="eaVert"/>
+          <a:bodyPr vert="eaVert" anchor="t" anchorCtr="0"/>
           <a:lstStyle/>
           <a:p>
             <a:pPr lvl="0"/>
@@ -412,7 +3045,7 @@
               <a:rPr lang="en-US" smtClean="0"/>
               <a:t>Fifth level</a:t>
             </a:r>
-            <a:endParaRPr lang="en-US"/>
+            <a:endParaRPr lang="en-US" dirty="0"/>
           </a:p>
         </p:txBody>
       </p:sp>
@@ -484,7 +3117,7 @@
     </p:spTree>
     <p:extLst>
       <p:ext uri="{BB962C8B-B14F-4D97-AF65-F5344CB8AC3E}">
-        <p14:creationId xmlns:p14="http://schemas.microsoft.com/office/powerpoint/2010/main" val="1099960280"/>
+        <p14:creationId xmlns:p14="http://schemas.microsoft.com/office/powerpoint/2010/main" val="2310690880"/>
       </p:ext>
     </p:extLst>
   </p:cSld>
@@ -494,7 +3127,7 @@
 </p:sldLayout>
 </file>
 
-<file path=ppt/slideLayouts/slideLayout11.xml><?xml version="1.0" encoding="utf-8"?>
+<file path=ppt/slideLayouts/slideLayout17.xml><?xml version="1.0" encoding="utf-8"?>
 <p:sldLayout xmlns:a="http://schemas.openxmlformats.org/drawingml/2006/main" xmlns:r="http://schemas.openxmlformats.org/officeDocument/2006/relationships" xmlns:p="http://schemas.openxmlformats.org/presentationml/2006/main" type="vertTitleAndTx" preserve="1">
   <p:cSld name="Vertical Title and Text">
     <p:spTree>
@@ -523,19 +3156,19 @@
         </p:nvSpPr>
         <p:spPr>
           <a:xfrm>
-            <a:off x="8724900" y="365125"/>
-            <a:ext cx="2628900" cy="5811838"/>
+            <a:off x="8304212" y="430213"/>
+            <a:ext cx="1752601" cy="5826125"/>
           </a:xfrm>
         </p:spPr>
         <p:txBody>
-          <a:bodyPr vert="eaVert"/>
+          <a:bodyPr vert="eaVert" anchor="b" anchorCtr="0"/>
           <a:lstStyle/>
           <a:p>
             <a:r>
               <a:rPr lang="en-US" smtClean="0"/>
               <a:t>Click to edit Master title style</a:t>
             </a:r>
-            <a:endParaRPr lang="en-US"/>
+            <a:endParaRPr lang="en-US" dirty="0"/>
           </a:p>
         </p:txBody>
       </p:sp>
@@ -551,8 +3184,8 @@
         </p:nvSpPr>
         <p:spPr>
           <a:xfrm>
-            <a:off x="838200" y="365125"/>
-            <a:ext cx="7734300" cy="5811838"/>
+            <a:off x="652463" y="887414"/>
+            <a:ext cx="7423149" cy="5368924"/>
           </a:xfrm>
         </p:spPr>
         <p:txBody>
@@ -592,7 +3225,7 @@
               <a:rPr lang="en-US" smtClean="0"/>
               <a:t>Fifth level</a:t>
             </a:r>
-            <a:endParaRPr lang="en-US"/>
+            <a:endParaRPr lang="en-US" dirty="0"/>
           </a:p>
         </p:txBody>
       </p:sp>
@@ -664,7 +3297,7 @@
     </p:spTree>
     <p:extLst>
       <p:ext uri="{BB962C8B-B14F-4D97-AF65-F5344CB8AC3E}">
-        <p14:creationId xmlns:p14="http://schemas.microsoft.com/office/powerpoint/2010/main" val="1698608283"/>
+        <p14:creationId xmlns:p14="http://schemas.microsoft.com/office/powerpoint/2010/main" val="186596799"/>
       </p:ext>
     </p:extLst>
   </p:cSld>
@@ -710,7 +3343,7 @@
               <a:rPr lang="en-US" smtClean="0"/>
               <a:t>Click to edit Master title style</a:t>
             </a:r>
-            <a:endParaRPr lang="en-US"/>
+            <a:endParaRPr lang="en-US" dirty="0"/>
           </a:p>
         </p:txBody>
       </p:sp>
@@ -762,13 +3395,13 @@
               <a:rPr lang="en-US" smtClean="0"/>
               <a:t>Fifth level</a:t>
             </a:r>
-            <a:endParaRPr lang="en-US"/>
-          </a:p>
-        </p:txBody>
-      </p:sp>
-      <p:sp>
-        <p:nvSpPr>
-          <p:cNvPr id="4" name="Date Placeholder 3"/>
+            <a:endParaRPr lang="en-US" dirty="0"/>
+          </a:p>
+        </p:txBody>
+      </p:sp>
+      <p:sp>
+        <p:nvSpPr>
+          <p:cNvPr id="7" name="Date Placeholder 3"/>
           <p:cNvSpPr>
             <a:spLocks noGrp="1"/>
           </p:cNvSpPr>
@@ -834,7 +3467,7 @@
     </p:spTree>
     <p:extLst>
       <p:ext uri="{BB962C8B-B14F-4D97-AF65-F5344CB8AC3E}">
-        <p14:creationId xmlns:p14="http://schemas.microsoft.com/office/powerpoint/2010/main" val="4109486003"/>
+        <p14:creationId xmlns:p14="http://schemas.microsoft.com/office/powerpoint/2010/main" val="2574321728"/>
       </p:ext>
     </p:extLst>
   </p:cSld>
@@ -873,15 +3506,15 @@
         </p:nvSpPr>
         <p:spPr>
           <a:xfrm>
-            <a:off x="831850" y="1709738"/>
-            <a:ext cx="10515600" cy="2852737"/>
+            <a:off x="1154956" y="2861733"/>
+            <a:ext cx="8825657" cy="1915647"/>
           </a:xfrm>
         </p:spPr>
         <p:txBody>
           <a:bodyPr anchor="b"/>
           <a:lstStyle>
-            <a:lvl1pPr>
-              <a:defRPr sz="6000"/>
+            <a:lvl1pPr algn="l">
+              <a:defRPr sz="4000" b="0" cap="none"/>
             </a:lvl1pPr>
           </a:lstStyle>
           <a:p>
@@ -889,7 +3522,7 @@
               <a:rPr lang="en-US" smtClean="0"/>
               <a:t>Click to edit Master title style</a:t>
             </a:r>
-            <a:endParaRPr lang="en-US"/>
+            <a:endParaRPr lang="en-US" dirty="0"/>
           </a:p>
         </p:txBody>
       </p:sp>
@@ -905,26 +3538,27 @@
         </p:nvSpPr>
         <p:spPr>
           <a:xfrm>
-            <a:off x="831850" y="4589463"/>
-            <a:ext cx="10515600" cy="1500187"/>
+            <a:off x="1154955" y="4777381"/>
+            <a:ext cx="8825658" cy="860400"/>
           </a:xfrm>
         </p:spPr>
         <p:txBody>
-          <a:bodyPr/>
+          <a:bodyPr anchor="t"/>
           <a:lstStyle>
-            <a:lvl1pPr marL="0" indent="0">
-              <a:buNone/>
-              <a:defRPr sz="2400">
+            <a:lvl1pPr marL="0" indent="0" algn="l">
+              <a:buNone/>
+              <a:defRPr sz="2000" cap="all">
                 <a:solidFill>
-                  <a:schemeClr val="tx1">
-                    <a:tint val="75000"/>
+                  <a:schemeClr val="bg2">
+                    <a:lumMod val="40000"/>
+                    <a:lumOff val="60000"/>
                   </a:schemeClr>
                 </a:solidFill>
               </a:defRPr>
             </a:lvl1pPr>
             <a:lvl2pPr marL="457200" indent="0">
               <a:buNone/>
-              <a:defRPr sz="2000">
+              <a:defRPr sz="1800">
                 <a:solidFill>
                   <a:schemeClr val="tx1">
                     <a:tint val="75000"/>
@@ -934,7 +3568,7 @@
             </a:lvl2pPr>
             <a:lvl3pPr marL="914400" indent="0">
               <a:buNone/>
-              <a:defRPr sz="1800">
+              <a:defRPr sz="1600">
                 <a:solidFill>
                   <a:schemeClr val="tx1">
                     <a:tint val="75000"/>
@@ -944,7 +3578,7 @@
             </a:lvl3pPr>
             <a:lvl4pPr marL="1371600" indent="0">
               <a:buNone/>
-              <a:defRPr sz="1600">
+              <a:defRPr sz="1400">
                 <a:solidFill>
                   <a:schemeClr val="tx1">
                     <a:tint val="75000"/>
@@ -954,7 +3588,7 @@
             </a:lvl4pPr>
             <a:lvl5pPr marL="1828800" indent="0">
               <a:buNone/>
-              <a:defRPr sz="1600">
+              <a:defRPr sz="1400">
                 <a:solidFill>
                   <a:schemeClr val="tx1">
                     <a:tint val="75000"/>
@@ -964,7 +3598,7 @@
             </a:lvl5pPr>
             <a:lvl6pPr marL="2286000" indent="0">
               <a:buNone/>
-              <a:defRPr sz="1600">
+              <a:defRPr sz="1400">
                 <a:solidFill>
                   <a:schemeClr val="tx1">
                     <a:tint val="75000"/>
@@ -974,7 +3608,7 @@
             </a:lvl6pPr>
             <a:lvl7pPr marL="2743200" indent="0">
               <a:buNone/>
-              <a:defRPr sz="1600">
+              <a:defRPr sz="1400">
                 <a:solidFill>
                   <a:schemeClr val="tx1">
                     <a:tint val="75000"/>
@@ -984,7 +3618,7 @@
             </a:lvl7pPr>
             <a:lvl8pPr marL="3200400" indent="0">
               <a:buNone/>
-              <a:defRPr sz="1600">
+              <a:defRPr sz="1400">
                 <a:solidFill>
                   <a:schemeClr val="tx1">
                     <a:tint val="75000"/>
@@ -994,7 +3628,7 @@
             </a:lvl8pPr>
             <a:lvl9pPr marL="3657600" indent="0">
               <a:buNone/>
-              <a:defRPr sz="1600">
+              <a:defRPr sz="1400">
                 <a:solidFill>
                   <a:schemeClr val="tx1">
                     <a:tint val="75000"/>
@@ -1080,7 +3714,7 @@
     </p:spTree>
     <p:extLst>
       <p:ext uri="{BB962C8B-B14F-4D97-AF65-F5344CB8AC3E}">
-        <p14:creationId xmlns:p14="http://schemas.microsoft.com/office/powerpoint/2010/main" val="2569150801"/>
+        <p14:creationId xmlns:p14="http://schemas.microsoft.com/office/powerpoint/2010/main" val="4057158645"/>
       </p:ext>
     </p:extLst>
   </p:cSld>
@@ -1126,7 +3760,7 @@
               <a:rPr lang="en-US" smtClean="0"/>
               <a:t>Click to edit Master title style</a:t>
             </a:r>
-            <a:endParaRPr lang="en-US"/>
+            <a:endParaRPr lang="en-US" dirty="0"/>
           </a:p>
         </p:txBody>
       </p:sp>
@@ -1142,13 +3776,43 @@
         </p:nvSpPr>
         <p:spPr>
           <a:xfrm>
-            <a:off x="838200" y="1825625"/>
-            <a:ext cx="5181600" cy="4351338"/>
+            <a:off x="1103312" y="2060575"/>
+            <a:ext cx="4396339" cy="4195763"/>
           </a:xfrm>
         </p:spPr>
         <p:txBody>
-          <a:bodyPr/>
-          <a:lstStyle/>
+          <a:bodyPr>
+            <a:normAutofit/>
+          </a:bodyPr>
+          <a:lstStyle>
+            <a:lvl1pPr>
+              <a:defRPr sz="1800"/>
+            </a:lvl1pPr>
+            <a:lvl2pPr>
+              <a:defRPr sz="1600"/>
+            </a:lvl2pPr>
+            <a:lvl3pPr>
+              <a:defRPr sz="1400"/>
+            </a:lvl3pPr>
+            <a:lvl4pPr>
+              <a:defRPr sz="1200"/>
+            </a:lvl4pPr>
+            <a:lvl5pPr>
+              <a:defRPr sz="1200"/>
+            </a:lvl5pPr>
+            <a:lvl6pPr>
+              <a:defRPr sz="1200"/>
+            </a:lvl6pPr>
+            <a:lvl7pPr>
+              <a:defRPr sz="1200"/>
+            </a:lvl7pPr>
+            <a:lvl8pPr>
+              <a:defRPr sz="1200"/>
+            </a:lvl8pPr>
+            <a:lvl9pPr>
+              <a:defRPr sz="1200"/>
+            </a:lvl9pPr>
+          </a:lstStyle>
           <a:p>
             <a:pPr lvl="0"/>
             <a:r>
@@ -1183,7 +3847,7 @@
               <a:rPr lang="en-US" smtClean="0"/>
               <a:t>Fifth level</a:t>
             </a:r>
-            <a:endParaRPr lang="en-US"/>
+            <a:endParaRPr lang="en-US" dirty="0"/>
           </a:p>
         </p:txBody>
       </p:sp>
@@ -1199,13 +3863,43 @@
         </p:nvSpPr>
         <p:spPr>
           <a:xfrm>
-            <a:off x="6172200" y="1825625"/>
-            <a:ext cx="5181600" cy="4351338"/>
+            <a:off x="5654493" y="2056092"/>
+            <a:ext cx="4396341" cy="4200245"/>
           </a:xfrm>
         </p:spPr>
         <p:txBody>
-          <a:bodyPr/>
-          <a:lstStyle/>
+          <a:bodyPr>
+            <a:normAutofit/>
+          </a:bodyPr>
+          <a:lstStyle>
+            <a:lvl1pPr>
+              <a:defRPr sz="1800"/>
+            </a:lvl1pPr>
+            <a:lvl2pPr>
+              <a:defRPr sz="1600"/>
+            </a:lvl2pPr>
+            <a:lvl3pPr>
+              <a:defRPr sz="1400"/>
+            </a:lvl3pPr>
+            <a:lvl4pPr>
+              <a:defRPr sz="1200"/>
+            </a:lvl4pPr>
+            <a:lvl5pPr>
+              <a:defRPr sz="1200"/>
+            </a:lvl5pPr>
+            <a:lvl6pPr>
+              <a:defRPr sz="1200"/>
+            </a:lvl6pPr>
+            <a:lvl7pPr>
+              <a:defRPr sz="1200"/>
+            </a:lvl7pPr>
+            <a:lvl8pPr>
+              <a:defRPr sz="1200"/>
+            </a:lvl8pPr>
+            <a:lvl9pPr>
+              <a:defRPr sz="1200"/>
+            </a:lvl9pPr>
+          </a:lstStyle>
           <a:p>
             <a:pPr lvl="0"/>
             <a:r>
@@ -1240,7 +3934,7 @@
               <a:rPr lang="en-US" smtClean="0"/>
               <a:t>Fifth level</a:t>
             </a:r>
-            <a:endParaRPr lang="en-US"/>
+            <a:endParaRPr lang="en-US" dirty="0"/>
           </a:p>
         </p:txBody>
       </p:sp>
@@ -1312,7 +4006,7 @@
     </p:spTree>
     <p:extLst>
       <p:ext uri="{BB962C8B-B14F-4D97-AF65-F5344CB8AC3E}">
-        <p14:creationId xmlns:p14="http://schemas.microsoft.com/office/powerpoint/2010/main" val="1877949865"/>
+        <p14:creationId xmlns:p14="http://schemas.microsoft.com/office/powerpoint/2010/main" val="4020176919"/>
       </p:ext>
     </p:extLst>
   </p:cSld>
@@ -1349,21 +4043,20 @@
             <p:ph type="title"/>
           </p:nvPr>
         </p:nvSpPr>
-        <p:spPr>
-          <a:xfrm>
-            <a:off x="839788" y="365125"/>
-            <a:ext cx="10515600" cy="1325563"/>
-          </a:xfrm>
-        </p:spPr>
+        <p:spPr/>
         <p:txBody>
           <a:bodyPr/>
-          <a:lstStyle/>
+          <a:lstStyle>
+            <a:lvl1pPr>
+              <a:defRPr/>
+            </a:lvl1pPr>
+          </a:lstStyle>
           <a:p>
             <a:r>
               <a:rPr lang="en-US" smtClean="0"/>
               <a:t>Click to edit Master title style</a:t>
             </a:r>
-            <a:endParaRPr lang="en-US"/>
+            <a:endParaRPr lang="en-US" dirty="0"/>
           </a:p>
         </p:txBody>
       </p:sp>
@@ -1379,16 +4072,25 @@
         </p:nvSpPr>
         <p:spPr>
           <a:xfrm>
-            <a:off x="839788" y="1681163"/>
-            <a:ext cx="5157787" cy="823912"/>
+            <a:off x="1103313" y="1905000"/>
+            <a:ext cx="4396338" cy="576262"/>
           </a:xfrm>
         </p:spPr>
         <p:txBody>
-          <a:bodyPr anchor="b"/>
+          <a:bodyPr anchor="b">
+            <a:noAutofit/>
+          </a:bodyPr>
           <a:lstStyle>
             <a:lvl1pPr marL="0" indent="0">
               <a:buNone/>
-              <a:defRPr sz="2400" b="1"/>
+              <a:defRPr sz="2400" b="0">
+                <a:solidFill>
+                  <a:schemeClr val="bg2">
+                    <a:lumMod val="40000"/>
+                    <a:lumOff val="60000"/>
+                  </a:schemeClr>
+                </a:solidFill>
+              </a:defRPr>
             </a:lvl1pPr>
             <a:lvl2pPr marL="457200" indent="0">
               <a:buNone/>
@@ -1444,13 +4146,43 @@
         </p:nvSpPr>
         <p:spPr>
           <a:xfrm>
-            <a:off x="839788" y="2505075"/>
-            <a:ext cx="5157787" cy="3684588"/>
+            <a:off x="1103312" y="2514600"/>
+            <a:ext cx="4396339" cy="3741738"/>
           </a:xfrm>
         </p:spPr>
         <p:txBody>
-          <a:bodyPr/>
-          <a:lstStyle/>
+          <a:bodyPr>
+            <a:normAutofit/>
+          </a:bodyPr>
+          <a:lstStyle>
+            <a:lvl1pPr>
+              <a:defRPr sz="1800"/>
+            </a:lvl1pPr>
+            <a:lvl2pPr>
+              <a:defRPr sz="1600"/>
+            </a:lvl2pPr>
+            <a:lvl3pPr>
+              <a:defRPr sz="1400"/>
+            </a:lvl3pPr>
+            <a:lvl4pPr>
+              <a:defRPr sz="1200"/>
+            </a:lvl4pPr>
+            <a:lvl5pPr>
+              <a:defRPr sz="1200"/>
+            </a:lvl5pPr>
+            <a:lvl6pPr>
+              <a:defRPr sz="1200"/>
+            </a:lvl6pPr>
+            <a:lvl7pPr>
+              <a:defRPr sz="1200"/>
+            </a:lvl7pPr>
+            <a:lvl8pPr>
+              <a:defRPr sz="1200"/>
+            </a:lvl8pPr>
+            <a:lvl9pPr>
+              <a:defRPr sz="1200"/>
+            </a:lvl9pPr>
+          </a:lstStyle>
           <a:p>
             <a:pPr lvl="0"/>
             <a:r>
@@ -1485,7 +4217,7 @@
               <a:rPr lang="en-US" smtClean="0"/>
               <a:t>Fifth level</a:t>
             </a:r>
-            <a:endParaRPr lang="en-US"/>
+            <a:endParaRPr lang="en-US" dirty="0"/>
           </a:p>
         </p:txBody>
       </p:sp>
@@ -1501,16 +4233,25 @@
         </p:nvSpPr>
         <p:spPr>
           <a:xfrm>
-            <a:off x="6172200" y="1681163"/>
-            <a:ext cx="5183188" cy="823912"/>
+            <a:off x="5654495" y="1905000"/>
+            <a:ext cx="4396339" cy="576262"/>
           </a:xfrm>
         </p:spPr>
         <p:txBody>
-          <a:bodyPr anchor="b"/>
+          <a:bodyPr anchor="b">
+            <a:noAutofit/>
+          </a:bodyPr>
           <a:lstStyle>
             <a:lvl1pPr marL="0" indent="0">
               <a:buNone/>
-              <a:defRPr sz="2400" b="1"/>
+              <a:defRPr sz="2400" b="0">
+                <a:solidFill>
+                  <a:schemeClr val="bg2">
+                    <a:lumMod val="40000"/>
+                    <a:lumOff val="60000"/>
+                  </a:schemeClr>
+                </a:solidFill>
+              </a:defRPr>
             </a:lvl1pPr>
             <a:lvl2pPr marL="457200" indent="0">
               <a:buNone/>
@@ -1566,13 +4307,43 @@
         </p:nvSpPr>
         <p:spPr>
           <a:xfrm>
-            <a:off x="6172200" y="2505075"/>
-            <a:ext cx="5183188" cy="3684588"/>
+            <a:off x="5654495" y="2514600"/>
+            <a:ext cx="4396339" cy="3741738"/>
           </a:xfrm>
         </p:spPr>
         <p:txBody>
-          <a:bodyPr/>
-          <a:lstStyle/>
+          <a:bodyPr>
+            <a:normAutofit/>
+          </a:bodyPr>
+          <a:lstStyle>
+            <a:lvl1pPr>
+              <a:defRPr sz="1800"/>
+            </a:lvl1pPr>
+            <a:lvl2pPr>
+              <a:defRPr sz="1600"/>
+            </a:lvl2pPr>
+            <a:lvl3pPr>
+              <a:defRPr sz="1400"/>
+            </a:lvl3pPr>
+            <a:lvl4pPr>
+              <a:defRPr sz="1200"/>
+            </a:lvl4pPr>
+            <a:lvl5pPr>
+              <a:defRPr sz="1200"/>
+            </a:lvl5pPr>
+            <a:lvl6pPr>
+              <a:defRPr sz="1200"/>
+            </a:lvl6pPr>
+            <a:lvl7pPr>
+              <a:defRPr sz="1200"/>
+            </a:lvl7pPr>
+            <a:lvl8pPr>
+              <a:defRPr sz="1200"/>
+            </a:lvl8pPr>
+            <a:lvl9pPr>
+              <a:defRPr sz="1200"/>
+            </a:lvl9pPr>
+          </a:lstStyle>
           <a:p>
             <a:pPr lvl="0"/>
             <a:r>
@@ -1607,7 +4378,7 @@
               <a:rPr lang="en-US" smtClean="0"/>
               <a:t>Fifth level</a:t>
             </a:r>
-            <a:endParaRPr lang="en-US"/>
+            <a:endParaRPr lang="en-US" dirty="0"/>
           </a:p>
         </p:txBody>
       </p:sp>
@@ -1679,7 +4450,7 @@
     </p:spTree>
     <p:extLst>
       <p:ext uri="{BB962C8B-B14F-4D97-AF65-F5344CB8AC3E}">
-        <p14:creationId xmlns:p14="http://schemas.microsoft.com/office/powerpoint/2010/main" val="1000283907"/>
+        <p14:creationId xmlns:p14="http://schemas.microsoft.com/office/powerpoint/2010/main" val="3625422138"/>
       </p:ext>
     </p:extLst>
   </p:cSld>
@@ -1725,13 +4496,13 @@
               <a:rPr lang="en-US" smtClean="0"/>
               <a:t>Click to edit Master title style</a:t>
             </a:r>
-            <a:endParaRPr lang="en-US"/>
-          </a:p>
-        </p:txBody>
-      </p:sp>
-      <p:sp>
-        <p:nvSpPr>
-          <p:cNvPr id="3" name="Date Placeholder 2"/>
+            <a:endParaRPr lang="en-US" dirty="0"/>
+          </a:p>
+        </p:txBody>
+      </p:sp>
+      <p:sp>
+        <p:nvSpPr>
+          <p:cNvPr id="7" name="Date Placeholder 2"/>
           <p:cNvSpPr>
             <a:spLocks noGrp="1"/>
           </p:cNvSpPr>
@@ -1754,7 +4525,7 @@
       </p:sp>
       <p:sp>
         <p:nvSpPr>
-          <p:cNvPr id="4" name="Footer Placeholder 3"/>
+          <p:cNvPr id="5" name="Footer Placeholder 3"/>
           <p:cNvSpPr>
             <a:spLocks noGrp="1"/>
           </p:cNvSpPr>
@@ -1773,7 +4544,7 @@
       </p:sp>
       <p:sp>
         <p:nvSpPr>
-          <p:cNvPr id="5" name="Slide Number Placeholder 4"/>
+          <p:cNvPr id="6" name="Slide Number Placeholder 4"/>
           <p:cNvSpPr>
             <a:spLocks noGrp="1"/>
           </p:cNvSpPr>
@@ -1797,7 +4568,7 @@
     </p:spTree>
     <p:extLst>
       <p:ext uri="{BB962C8B-B14F-4D97-AF65-F5344CB8AC3E}">
-        <p14:creationId xmlns:p14="http://schemas.microsoft.com/office/powerpoint/2010/main" val="1490761155"/>
+        <p14:creationId xmlns:p14="http://schemas.microsoft.com/office/powerpoint/2010/main" val="2053335349"/>
       </p:ext>
     </p:extLst>
   </p:cSld>
@@ -1826,7 +4597,7 @@
       </p:grpSpPr>
       <p:sp>
         <p:nvSpPr>
-          <p:cNvPr id="2" name="Date Placeholder 1"/>
+          <p:cNvPr id="7" name="Date Placeholder 1"/>
           <p:cNvSpPr>
             <a:spLocks noGrp="1"/>
           </p:cNvSpPr>
@@ -1849,7 +4620,7 @@
       </p:sp>
       <p:sp>
         <p:nvSpPr>
-          <p:cNvPr id="3" name="Footer Placeholder 2"/>
+          <p:cNvPr id="5" name="Footer Placeholder 2"/>
           <p:cNvSpPr>
             <a:spLocks noGrp="1"/>
           </p:cNvSpPr>
@@ -1868,7 +4639,7 @@
       </p:sp>
       <p:sp>
         <p:nvSpPr>
-          <p:cNvPr id="4" name="Slide Number Placeholder 3"/>
+          <p:cNvPr id="6" name="Slide Number Placeholder 3"/>
           <p:cNvSpPr>
             <a:spLocks noGrp="1"/>
           </p:cNvSpPr>
@@ -1892,7 +4663,7 @@
     </p:spTree>
     <p:extLst>
       <p:ext uri="{BB962C8B-B14F-4D97-AF65-F5344CB8AC3E}">
-        <p14:creationId xmlns:p14="http://schemas.microsoft.com/office/powerpoint/2010/main" val="1442791353"/>
+        <p14:creationId xmlns:p14="http://schemas.microsoft.com/office/powerpoint/2010/main" val="2519740185"/>
       </p:ext>
     </p:extLst>
   </p:cSld>
@@ -1931,15 +4702,15 @@
         </p:nvSpPr>
         <p:spPr>
           <a:xfrm>
-            <a:off x="839788" y="457200"/>
-            <a:ext cx="3932237" cy="1600200"/>
+            <a:off x="1154953" y="1447800"/>
+            <a:ext cx="3401064" cy="1447800"/>
           </a:xfrm>
         </p:spPr>
         <p:txBody>
           <a:bodyPr anchor="b"/>
           <a:lstStyle>
-            <a:lvl1pPr>
-              <a:defRPr sz="3200"/>
+            <a:lvl1pPr algn="l">
+              <a:defRPr sz="2400" b="0"/>
             </a:lvl1pPr>
           </a:lstStyle>
           <a:p>
@@ -1947,7 +4718,7 @@
               <a:rPr lang="en-US" smtClean="0"/>
               <a:t>Click to edit Master title style</a:t>
             </a:r>
-            <a:endParaRPr lang="en-US"/>
+            <a:endParaRPr lang="en-US" dirty="0"/>
           </a:p>
         </p:txBody>
       </p:sp>
@@ -1963,39 +4734,41 @@
         </p:nvSpPr>
         <p:spPr>
           <a:xfrm>
-            <a:off x="5183188" y="987425"/>
-            <a:ext cx="6172200" cy="4873625"/>
+            <a:off x="4784616" y="1447800"/>
+            <a:ext cx="5195997" cy="4572000"/>
           </a:xfrm>
         </p:spPr>
         <p:txBody>
-          <a:bodyPr/>
+          <a:bodyPr anchor="ctr">
+            <a:normAutofit/>
+          </a:bodyPr>
           <a:lstStyle>
             <a:lvl1pPr>
-              <a:defRPr sz="3200"/>
+              <a:defRPr sz="2000"/>
             </a:lvl1pPr>
             <a:lvl2pPr>
-              <a:defRPr sz="2800"/>
+              <a:defRPr sz="1800"/>
             </a:lvl2pPr>
             <a:lvl3pPr>
-              <a:defRPr sz="2400"/>
+              <a:defRPr sz="1600"/>
             </a:lvl3pPr>
             <a:lvl4pPr>
-              <a:defRPr sz="2000"/>
+              <a:defRPr sz="1400"/>
             </a:lvl4pPr>
             <a:lvl5pPr>
-              <a:defRPr sz="2000"/>
+              <a:defRPr sz="1400"/>
             </a:lvl5pPr>
             <a:lvl6pPr>
-              <a:defRPr sz="2000"/>
+              <a:defRPr sz="1400"/>
             </a:lvl6pPr>
             <a:lvl7pPr>
-              <a:defRPr sz="2000"/>
+              <a:defRPr sz="1400"/>
             </a:lvl7pPr>
             <a:lvl8pPr>
-              <a:defRPr sz="2000"/>
+              <a:defRPr sz="1400"/>
             </a:lvl8pPr>
             <a:lvl9pPr>
-              <a:defRPr sz="2000"/>
+              <a:defRPr sz="1400"/>
             </a:lvl9pPr>
           </a:lstStyle>
           <a:p>
@@ -2032,7 +4805,7 @@
               <a:rPr lang="en-US" smtClean="0"/>
               <a:t>Fifth level</a:t>
             </a:r>
-            <a:endParaRPr lang="en-US"/>
+            <a:endParaRPr lang="en-US" dirty="0"/>
           </a:p>
         </p:txBody>
       </p:sp>
@@ -2048,8 +4821,8 @@
         </p:nvSpPr>
         <p:spPr>
           <a:xfrm>
-            <a:off x="839788" y="2057400"/>
-            <a:ext cx="3932237" cy="3811588"/>
+            <a:off x="1154953" y="3129280"/>
+            <a:ext cx="3401063" cy="2895599"/>
           </a:xfrm>
         </p:spPr>
         <p:txBody>
@@ -2057,39 +4830,39 @@
           <a:lstStyle>
             <a:lvl1pPr marL="0" indent="0">
               <a:buNone/>
-              <a:defRPr sz="1600"/>
+              <a:defRPr sz="1400"/>
             </a:lvl1pPr>
             <a:lvl2pPr marL="457200" indent="0">
               <a:buNone/>
-              <a:defRPr sz="1400"/>
+              <a:defRPr sz="1200"/>
             </a:lvl2pPr>
             <a:lvl3pPr marL="914400" indent="0">
               <a:buNone/>
-              <a:defRPr sz="1200"/>
+              <a:defRPr sz="1000"/>
             </a:lvl3pPr>
             <a:lvl4pPr marL="1371600" indent="0">
               <a:buNone/>
-              <a:defRPr sz="1000"/>
+              <a:defRPr sz="900"/>
             </a:lvl4pPr>
             <a:lvl5pPr marL="1828800" indent="0">
               <a:buNone/>
-              <a:defRPr sz="1000"/>
+              <a:defRPr sz="900"/>
             </a:lvl5pPr>
             <a:lvl6pPr marL="2286000" indent="0">
               <a:buNone/>
-              <a:defRPr sz="1000"/>
+              <a:defRPr sz="900"/>
             </a:lvl6pPr>
             <a:lvl7pPr marL="2743200" indent="0">
               <a:buNone/>
-              <a:defRPr sz="1000"/>
+              <a:defRPr sz="900"/>
             </a:lvl7pPr>
             <a:lvl8pPr marL="3200400" indent="0">
               <a:buNone/>
-              <a:defRPr sz="1000"/>
+              <a:defRPr sz="900"/>
             </a:lvl8pPr>
             <a:lvl9pPr marL="3657600" indent="0">
               <a:buNone/>
-              <a:defRPr sz="1000"/>
+              <a:defRPr sz="900"/>
             </a:lvl9pPr>
           </a:lstStyle>
           <a:p>
@@ -2103,7 +4876,7 @@
       </p:sp>
       <p:sp>
         <p:nvSpPr>
-          <p:cNvPr id="5" name="Date Placeholder 4"/>
+          <p:cNvPr id="7" name="Date Placeholder 4"/>
           <p:cNvSpPr>
             <a:spLocks noGrp="1"/>
           </p:cNvSpPr>
@@ -2126,7 +4899,7 @@
       </p:sp>
       <p:sp>
         <p:nvSpPr>
-          <p:cNvPr id="6" name="Footer Placeholder 5"/>
+          <p:cNvPr id="5" name="Footer Placeholder 5"/>
           <p:cNvSpPr>
             <a:spLocks noGrp="1"/>
           </p:cNvSpPr>
@@ -2145,7 +4918,7 @@
       </p:sp>
       <p:sp>
         <p:nvSpPr>
-          <p:cNvPr id="7" name="Slide Number Placeholder 6"/>
+          <p:cNvPr id="6" name="Slide Number Placeholder 6"/>
           <p:cNvSpPr>
             <a:spLocks noGrp="1"/>
           </p:cNvSpPr>
@@ -2169,7 +4942,7 @@
     </p:spTree>
     <p:extLst>
       <p:ext uri="{BB962C8B-B14F-4D97-AF65-F5344CB8AC3E}">
-        <p14:creationId xmlns:p14="http://schemas.microsoft.com/office/powerpoint/2010/main" val="2014395040"/>
+        <p14:creationId xmlns:p14="http://schemas.microsoft.com/office/powerpoint/2010/main" val="3043421512"/>
       </p:ext>
     </p:extLst>
   </p:cSld>
@@ -2208,15 +4981,17 @@
         </p:nvSpPr>
         <p:spPr>
           <a:xfrm>
-            <a:off x="839788" y="457200"/>
-            <a:ext cx="3932237" cy="1600200"/>
+            <a:off x="1153907" y="1854192"/>
+            <a:ext cx="5092906" cy="1574808"/>
           </a:xfrm>
         </p:spPr>
         <p:txBody>
-          <a:bodyPr anchor="b"/>
+          <a:bodyPr anchor="b">
+            <a:normAutofit/>
+          </a:bodyPr>
           <a:lstStyle>
-            <a:lvl1pPr>
-              <a:defRPr sz="3200"/>
+            <a:lvl1pPr algn="l">
+              <a:defRPr sz="3600" b="0"/>
             </a:lvl1pPr>
           </a:lstStyle>
           <a:p>
@@ -2224,7 +4999,7 @@
               <a:rPr lang="en-US" smtClean="0"/>
               <a:t>Click to edit Master title style</a:t>
             </a:r>
-            <a:endParaRPr lang="en-US"/>
+            <a:endParaRPr lang="en-US" dirty="0"/>
           </a:p>
         </p:txBody>
       </p:sp>
@@ -2232,7 +5007,7 @@
         <p:nvSpPr>
           <p:cNvPr id="3" name="Picture Placeholder 2"/>
           <p:cNvSpPr>
-            <a:spLocks noGrp="1"/>
+            <a:spLocks noGrp="1" noChangeAspect="1"/>
           </p:cNvSpPr>
           <p:nvPr>
             <p:ph type="pic" idx="1"/>
@@ -2240,52 +5015,70 @@
         </p:nvSpPr>
         <p:spPr>
           <a:xfrm>
-            <a:off x="5183188" y="987425"/>
-            <a:ext cx="6172200" cy="4873625"/>
+            <a:off x="6949546" y="1143000"/>
+            <a:ext cx="3200400" cy="4572000"/>
           </a:xfrm>
+          <a:prstGeom prst="roundRect">
+            <a:avLst>
+              <a:gd name="adj" fmla="val 1858"/>
+            </a:avLst>
+          </a:prstGeom>
+          <a:effectLst>
+            <a:outerShdw blurRad="50800" dist="50800" dir="5400000" algn="tl" rotWithShape="0">
+              <a:srgbClr val="000000">
+                <a:alpha val="43000"/>
+              </a:srgbClr>
+            </a:outerShdw>
+          </a:effectLst>
         </p:spPr>
         <p:txBody>
-          <a:bodyPr/>
+          <a:bodyPr anchor="t">
+            <a:normAutofit/>
+          </a:bodyPr>
           <a:lstStyle>
-            <a:lvl1pPr marL="0" indent="0">
-              <a:buNone/>
-              <a:defRPr sz="3200"/>
+            <a:lvl1pPr marL="0" indent="0" algn="ctr">
+              <a:buNone/>
+              <a:defRPr sz="1600"/>
             </a:lvl1pPr>
             <a:lvl2pPr marL="457200" indent="0">
               <a:buNone/>
-              <a:defRPr sz="2800"/>
+              <a:defRPr sz="1600"/>
             </a:lvl2pPr>
             <a:lvl3pPr marL="914400" indent="0">
               <a:buNone/>
-              <a:defRPr sz="2400"/>
+              <a:defRPr sz="1600"/>
             </a:lvl3pPr>
             <a:lvl4pPr marL="1371600" indent="0">
               <a:buNone/>
-              <a:defRPr sz="2000"/>
+              <a:defRPr sz="1600"/>
             </a:lvl4pPr>
             <a:lvl5pPr marL="1828800" indent="0">
               <a:buNone/>
-              <a:defRPr sz="2000"/>
+              <a:defRPr sz="1600"/>
             </a:lvl5pPr>
             <a:lvl6pPr marL="2286000" indent="0">
               <a:buNone/>
-              <a:defRPr sz="2000"/>
+              <a:defRPr sz="1600"/>
             </a:lvl6pPr>
             <a:lvl7pPr marL="2743200" indent="0">
               <a:buNone/>
-              <a:defRPr sz="2000"/>
+              <a:defRPr sz="1600"/>
             </a:lvl7pPr>
             <a:lvl8pPr marL="3200400" indent="0">
               <a:buNone/>
-              <a:defRPr sz="2000"/>
+              <a:defRPr sz="1600"/>
             </a:lvl8pPr>
             <a:lvl9pPr marL="3657600" indent="0">
               <a:buNone/>
-              <a:defRPr sz="2000"/>
+              <a:defRPr sz="1600"/>
             </a:lvl9pPr>
           </a:lstStyle>
           <a:p>
-            <a:endParaRPr lang="en-US"/>
+            <a:r>
+              <a:rPr lang="en-US" smtClean="0"/>
+              <a:t>Click icon to add picture</a:t>
+            </a:r>
+            <a:endParaRPr lang="en-US" dirty="0"/>
           </a:p>
         </p:txBody>
       </p:sp>
@@ -2301,48 +5094,50 @@
         </p:nvSpPr>
         <p:spPr>
           <a:xfrm>
-            <a:off x="839788" y="2057400"/>
-            <a:ext cx="3932237" cy="3811588"/>
+            <a:off x="1154954" y="3657600"/>
+            <a:ext cx="5084979" cy="1371600"/>
           </a:xfrm>
         </p:spPr>
         <p:txBody>
-          <a:bodyPr/>
+          <a:bodyPr>
+            <a:normAutofit/>
+          </a:bodyPr>
           <a:lstStyle>
             <a:lvl1pPr marL="0" indent="0">
               <a:buNone/>
-              <a:defRPr sz="1600"/>
+              <a:defRPr sz="1400"/>
             </a:lvl1pPr>
             <a:lvl2pPr marL="457200" indent="0">
               <a:buNone/>
-              <a:defRPr sz="1400"/>
+              <a:defRPr sz="1200"/>
             </a:lvl2pPr>
             <a:lvl3pPr marL="914400" indent="0">
               <a:buNone/>
-              <a:defRPr sz="1200"/>
+              <a:defRPr sz="1000"/>
             </a:lvl3pPr>
             <a:lvl4pPr marL="1371600" indent="0">
               <a:buNone/>
-              <a:defRPr sz="1000"/>
+              <a:defRPr sz="900"/>
             </a:lvl4pPr>
             <a:lvl5pPr marL="1828800" indent="0">
               <a:buNone/>
-              <a:defRPr sz="1000"/>
+              <a:defRPr sz="900"/>
             </a:lvl5pPr>
             <a:lvl6pPr marL="2286000" indent="0">
               <a:buNone/>
-              <a:defRPr sz="1000"/>
+              <a:defRPr sz="900"/>
             </a:lvl6pPr>
             <a:lvl7pPr marL="2743200" indent="0">
               <a:buNone/>
-              <a:defRPr sz="1000"/>
+              <a:defRPr sz="900"/>
             </a:lvl7pPr>
             <a:lvl8pPr marL="3200400" indent="0">
               <a:buNone/>
-              <a:defRPr sz="1000"/>
+              <a:defRPr sz="900"/>
             </a:lvl8pPr>
             <a:lvl9pPr marL="3657600" indent="0">
               <a:buNone/>
-              <a:defRPr sz="1000"/>
+              <a:defRPr sz="900"/>
             </a:lvl9pPr>
           </a:lstStyle>
           <a:p>
@@ -2422,7 +5217,7 @@
     </p:spTree>
     <p:extLst>
       <p:ext uri="{BB962C8B-B14F-4D97-AF65-F5344CB8AC3E}">
-        <p14:creationId xmlns:p14="http://schemas.microsoft.com/office/powerpoint/2010/main" val="1551569399"/>
+        <p14:creationId xmlns:p14="http://schemas.microsoft.com/office/powerpoint/2010/main" val="2234127232"/>
       </p:ext>
     </p:extLst>
   </p:cSld>
@@ -2436,8 +5231,8 @@
 <p:sldMaster xmlns:a="http://schemas.openxmlformats.org/drawingml/2006/main" xmlns:r="http://schemas.openxmlformats.org/officeDocument/2006/relationships" xmlns:p="http://schemas.openxmlformats.org/presentationml/2006/main">
   <p:cSld>
     <p:bg>
-      <p:bgRef idx="1001">
-        <a:schemeClr val="bg1"/>
+      <p:bgRef idx="1003">
+        <a:schemeClr val="bg2"/>
       </p:bgRef>
     </p:bg>
     <p:spTree>
@@ -2454,6 +5249,221 @@
           <a:chExt cx="0" cy="0"/>
         </a:xfrm>
       </p:grpSpPr>
+      <p:pic>
+        <p:nvPicPr>
+          <p:cNvPr id="8" name="Picture 7"/>
+          <p:cNvPicPr>
+            <a:picLocks noChangeAspect="1"/>
+          </p:cNvPicPr>
+          <p:nvPr/>
+        </p:nvPicPr>
+        <p:blipFill rotWithShape="1">
+          <a:blip r:embed="rId19">
+            <a:extLst>
+              <a:ext uri="{28A0092B-C50C-407E-A947-70E740481C1C}">
+                <a14:useLocalDpi xmlns:a14="http://schemas.microsoft.com/office/drawing/2010/main" val="0"/>
+              </a:ext>
+            </a:extLst>
+          </a:blip>
+          <a:srcRect l="3613"/>
+          <a:stretch/>
+        </p:blipFill>
+        <p:spPr>
+          <a:xfrm>
+            <a:off x="0" y="2669685"/>
+            <a:ext cx="4037012" cy="4188315"/>
+          </a:xfrm>
+          <a:prstGeom prst="rect">
+            <a:avLst/>
+          </a:prstGeom>
+        </p:spPr>
+      </p:pic>
+      <p:pic>
+        <p:nvPicPr>
+          <p:cNvPr id="7" name="Picture 6"/>
+          <p:cNvPicPr>
+            <a:picLocks noChangeAspect="1"/>
+          </p:cNvPicPr>
+          <p:nvPr/>
+        </p:nvPicPr>
+        <p:blipFill rotWithShape="1">
+          <a:blip r:embed="rId20">
+            <a:extLst>
+              <a:ext uri="{28A0092B-C50C-407E-A947-70E740481C1C}">
+                <a14:useLocalDpi xmlns:a14="http://schemas.microsoft.com/office/drawing/2010/main" val="0"/>
+              </a:ext>
+            </a:extLst>
+          </a:blip>
+          <a:srcRect l="35640"/>
+          <a:stretch/>
+        </p:blipFill>
+        <p:spPr>
+          <a:xfrm>
+            <a:off x="0" y="2892347"/>
+            <a:ext cx="1522412" cy="2365453"/>
+          </a:xfrm>
+          <a:prstGeom prst="rect">
+            <a:avLst/>
+          </a:prstGeom>
+        </p:spPr>
+      </p:pic>
+      <p:sp>
+        <p:nvSpPr>
+          <p:cNvPr id="16" name="Oval 15"/>
+          <p:cNvSpPr/>
+          <p:nvPr/>
+        </p:nvSpPr>
+        <p:spPr>
+          <a:xfrm>
+            <a:off x="8609012" y="1676400"/>
+            <a:ext cx="2819400" cy="2819400"/>
+          </a:xfrm>
+          <a:prstGeom prst="ellipse">
+            <a:avLst/>
+          </a:prstGeom>
+          <a:gradFill flip="none" rotWithShape="1">
+            <a:gsLst>
+              <a:gs pos="0">
+                <a:schemeClr val="bg2">
+                  <a:lumMod val="60000"/>
+                  <a:lumOff val="40000"/>
+                  <a:alpha val="7000"/>
+                </a:schemeClr>
+              </a:gs>
+              <a:gs pos="69000">
+                <a:schemeClr val="bg2">
+                  <a:lumMod val="60000"/>
+                  <a:lumOff val="40000"/>
+                  <a:alpha val="0"/>
+                </a:schemeClr>
+              </a:gs>
+              <a:gs pos="36000">
+                <a:schemeClr val="bg2">
+                  <a:lumMod val="60000"/>
+                  <a:lumOff val="40000"/>
+                  <a:alpha val="6000"/>
+                </a:schemeClr>
+              </a:gs>
+            </a:gsLst>
+            <a:path path="circle">
+              <a:fillToRect l="50000" t="50000" r="50000" b="50000"/>
+            </a:path>
+            <a:tileRect/>
+          </a:gradFill>
+          <a:ln>
+            <a:noFill/>
+          </a:ln>
+          <a:effectLst/>
+        </p:spPr>
+        <p:style>
+          <a:lnRef idx="1">
+            <a:schemeClr val="accent1"/>
+          </a:lnRef>
+          <a:fillRef idx="3">
+            <a:schemeClr val="accent1"/>
+          </a:fillRef>
+          <a:effectRef idx="2">
+            <a:schemeClr val="accent1"/>
+          </a:effectRef>
+          <a:fontRef idx="minor">
+            <a:schemeClr val="lt1"/>
+          </a:fontRef>
+        </p:style>
+      </p:sp>
+      <p:pic>
+        <p:nvPicPr>
+          <p:cNvPr id="9" name="Picture 8"/>
+          <p:cNvPicPr>
+            <a:picLocks noChangeAspect="1"/>
+          </p:cNvPicPr>
+          <p:nvPr/>
+        </p:nvPicPr>
+        <p:blipFill rotWithShape="1">
+          <a:blip r:embed="rId21">
+            <a:extLst>
+              <a:ext uri="{28A0092B-C50C-407E-A947-70E740481C1C}">
+                <a14:useLocalDpi xmlns:a14="http://schemas.microsoft.com/office/drawing/2010/main" val="0"/>
+              </a:ext>
+            </a:extLst>
+          </a:blip>
+          <a:srcRect t="28813"/>
+          <a:stretch/>
+        </p:blipFill>
+        <p:spPr>
+          <a:xfrm>
+            <a:off x="7999412" y="0"/>
+            <a:ext cx="1603387" cy="1141407"/>
+          </a:xfrm>
+          <a:prstGeom prst="rect">
+            <a:avLst/>
+          </a:prstGeom>
+        </p:spPr>
+      </p:pic>
+      <p:pic>
+        <p:nvPicPr>
+          <p:cNvPr id="10" name="Picture 9"/>
+          <p:cNvPicPr>
+            <a:picLocks noChangeAspect="1"/>
+          </p:cNvPicPr>
+          <p:nvPr/>
+        </p:nvPicPr>
+        <p:blipFill rotWithShape="1">
+          <a:blip r:embed="rId22">
+            <a:extLst>
+              <a:ext uri="{28A0092B-C50C-407E-A947-70E740481C1C}">
+                <a14:useLocalDpi xmlns:a14="http://schemas.microsoft.com/office/drawing/2010/main" val="0"/>
+              </a:ext>
+            </a:extLst>
+          </a:blip>
+          <a:srcRect b="23320"/>
+          <a:stretch/>
+        </p:blipFill>
+        <p:spPr>
+          <a:xfrm>
+            <a:off x="8605878" y="6096000"/>
+            <a:ext cx="993734" cy="762000"/>
+          </a:xfrm>
+          <a:prstGeom prst="rect">
+            <a:avLst/>
+          </a:prstGeom>
+        </p:spPr>
+      </p:pic>
+      <p:sp>
+        <p:nvSpPr>
+          <p:cNvPr id="14" name="Rectangle 13"/>
+          <p:cNvSpPr/>
+          <p:nvPr/>
+        </p:nvSpPr>
+        <p:spPr>
+          <a:xfrm>
+            <a:off x="10437812" y="0"/>
+            <a:ext cx="685800" cy="1143000"/>
+          </a:xfrm>
+          <a:prstGeom prst="rect">
+            <a:avLst/>
+          </a:prstGeom>
+          <a:solidFill>
+            <a:schemeClr val="accent1"/>
+          </a:solidFill>
+          <a:ln>
+            <a:noFill/>
+          </a:ln>
+        </p:spPr>
+        <p:style>
+          <a:lnRef idx="1">
+            <a:schemeClr val="accent1"/>
+          </a:lnRef>
+          <a:fillRef idx="3">
+            <a:schemeClr val="accent1"/>
+          </a:fillRef>
+          <a:effectRef idx="2">
+            <a:schemeClr val="accent1"/>
+          </a:effectRef>
+          <a:fontRef idx="minor">
+            <a:schemeClr val="lt1"/>
+          </a:fontRef>
+        </p:style>
+      </p:sp>
       <p:sp>
         <p:nvSpPr>
           <p:cNvPr id="2" name="Title Placeholder 1"/>
@@ -2466,16 +5476,16 @@
         </p:nvSpPr>
         <p:spPr>
           <a:xfrm>
-            <a:off x="838200" y="365125"/>
-            <a:ext cx="10515600" cy="1325563"/>
+            <a:off x="646111" y="452718"/>
+            <a:ext cx="9404723" cy="1400530"/>
           </a:xfrm>
           <a:prstGeom prst="rect">
             <a:avLst/>
           </a:prstGeom>
         </p:spPr>
         <p:txBody>
-          <a:bodyPr vert="horz" lIns="91440" tIns="45720" rIns="91440" bIns="45720" rtlCol="0" anchor="ctr">
-            <a:normAutofit/>
+          <a:bodyPr vert="horz" lIns="91440" tIns="45720" rIns="91440" bIns="45720" rtlCol="0" anchor="t">
+            <a:noAutofit/>
           </a:bodyPr>
           <a:lstStyle/>
           <a:p>
@@ -2483,7 +5493,7 @@
               <a:rPr lang="en-US" smtClean="0"/>
               <a:t>Click to edit Master title style</a:t>
             </a:r>
-            <a:endParaRPr lang="en-US"/>
+            <a:endParaRPr lang="en-US" dirty="0"/>
           </a:p>
         </p:txBody>
       </p:sp>
@@ -2499,8 +5509,8 @@
         </p:nvSpPr>
         <p:spPr>
           <a:xfrm>
-            <a:off x="838200" y="1825625"/>
-            <a:ext cx="10515600" cy="4351338"/>
+            <a:off x="1103312" y="2052918"/>
+            <a:ext cx="8946541" cy="4195481"/>
           </a:xfrm>
           <a:prstGeom prst="rect">
             <a:avLst/>
@@ -2545,7 +5555,7 @@
               <a:rPr lang="en-US" smtClean="0"/>
               <a:t>Fifth level</a:t>
             </a:r>
-            <a:endParaRPr lang="en-US"/>
+            <a:endParaRPr lang="en-US" dirty="0"/>
           </a:p>
         </p:txBody>
       </p:sp>
@@ -2560,19 +5570,100 @@
           </p:nvPr>
         </p:nvSpPr>
         <p:spPr>
-          <a:xfrm>
-            <a:off x="838200" y="6356350"/>
-            <a:ext cx="2743200" cy="365125"/>
+          <a:xfrm rot="5400000">
+            <a:off x="10155639" y="1790701"/>
+            <a:ext cx="990599" cy="304799"/>
           </a:xfrm>
           <a:prstGeom prst="rect">
             <a:avLst/>
           </a:prstGeom>
         </p:spPr>
         <p:txBody>
-          <a:bodyPr vert="horz" lIns="91440" tIns="45720" rIns="91440" bIns="45720" rtlCol="0" anchor="ctr"/>
+          <a:bodyPr vert="horz" lIns="91440" tIns="45720" rIns="91440" bIns="45720" rtlCol="0" anchor="t"/>
           <a:lstStyle>
             <a:lvl1pPr algn="l">
-              <a:defRPr sz="1200">
+              <a:defRPr sz="1100" b="0" i="0">
+                <a:solidFill>
+                  <a:schemeClr val="tx1">
+                    <a:tint val="75000"/>
+                    <a:alpha val="60000"/>
+                  </a:schemeClr>
+                </a:solidFill>
+              </a:defRPr>
+            </a:lvl1pPr>
+          </a:lstStyle>
+          <a:p>
+            <a:fld id="{48A87A34-81AB-432B-8DAE-1953F412C126}" type="datetimeFigureOut">
+              <a:rPr lang="en-US" smtClean="0"/>
+              <a:pPr/>
+              <a:t>6/13/2019</a:t>
+            </a:fld>
+            <a:endParaRPr lang="en-US" dirty="0"/>
+          </a:p>
+        </p:txBody>
+      </p:sp>
+      <p:sp>
+        <p:nvSpPr>
+          <p:cNvPr id="5" name="Footer Placeholder 4"/>
+          <p:cNvSpPr>
+            <a:spLocks noGrp="1"/>
+          </p:cNvSpPr>
+          <p:nvPr>
+            <p:ph type="ftr" sz="quarter" idx="3"/>
+          </p:nvPr>
+        </p:nvSpPr>
+        <p:spPr>
+          <a:xfrm rot="5400000">
+            <a:off x="8951573" y="3225297"/>
+            <a:ext cx="3859795" cy="304801"/>
+          </a:xfrm>
+          <a:prstGeom prst="rect">
+            <a:avLst/>
+          </a:prstGeom>
+        </p:spPr>
+        <p:txBody>
+          <a:bodyPr vert="horz" lIns="91440" tIns="45720" rIns="91440" bIns="45720" rtlCol="0" anchor="b"/>
+          <a:lstStyle>
+            <a:lvl1pPr algn="l">
+              <a:defRPr sz="1100" b="0" i="0">
+                <a:solidFill>
+                  <a:schemeClr val="tx1">
+                    <a:tint val="75000"/>
+                    <a:alpha val="60000"/>
+                  </a:schemeClr>
+                </a:solidFill>
+              </a:defRPr>
+            </a:lvl1pPr>
+          </a:lstStyle>
+          <a:p>
+            <a:endParaRPr lang="en-US" dirty="0"/>
+          </a:p>
+        </p:txBody>
+      </p:sp>
+      <p:sp>
+        <p:nvSpPr>
+          <p:cNvPr id="6" name="Slide Number Placeholder 5"/>
+          <p:cNvSpPr>
+            <a:spLocks noGrp="1"/>
+          </p:cNvSpPr>
+          <p:nvPr>
+            <p:ph type="sldNum" sz="quarter" idx="4"/>
+          </p:nvPr>
+        </p:nvSpPr>
+        <p:spPr bwMode="gray">
+          <a:xfrm>
+            <a:off x="10352540" y="295729"/>
+            <a:ext cx="838199" cy="767687"/>
+          </a:xfrm>
+          <a:prstGeom prst="rect">
+            <a:avLst/>
+          </a:prstGeom>
+        </p:spPr>
+        <p:txBody>
+          <a:bodyPr vert="horz" lIns="91440" tIns="45720" rIns="91440" bIns="45720" rtlCol="0" anchor="b"/>
+          <a:lstStyle>
+            <a:lvl1pPr algn="ctr">
+              <a:defRPr sz="2800" b="0" i="0">
                 <a:solidFill>
                   <a:schemeClr val="tx1">
                     <a:tint val="75000"/>
@@ -2582,85 +5673,6 @@
             </a:lvl1pPr>
           </a:lstStyle>
           <a:p>
-            <a:fld id="{48A87A34-81AB-432B-8DAE-1953F412C126}" type="datetimeFigureOut">
-              <a:rPr lang="en-US" smtClean="0"/>
-              <a:pPr/>
-              <a:t>6/13/2019</a:t>
-            </a:fld>
-            <a:endParaRPr lang="en-US" dirty="0"/>
-          </a:p>
-        </p:txBody>
-      </p:sp>
-      <p:sp>
-        <p:nvSpPr>
-          <p:cNvPr id="5" name="Footer Placeholder 4"/>
-          <p:cNvSpPr>
-            <a:spLocks noGrp="1"/>
-          </p:cNvSpPr>
-          <p:nvPr>
-            <p:ph type="ftr" sz="quarter" idx="3"/>
-          </p:nvPr>
-        </p:nvSpPr>
-        <p:spPr>
-          <a:xfrm>
-            <a:off x="4038600" y="6356350"/>
-            <a:ext cx="4114800" cy="365125"/>
-          </a:xfrm>
-          <a:prstGeom prst="rect">
-            <a:avLst/>
-          </a:prstGeom>
-        </p:spPr>
-        <p:txBody>
-          <a:bodyPr vert="horz" lIns="91440" tIns="45720" rIns="91440" bIns="45720" rtlCol="0" anchor="ctr"/>
-          <a:lstStyle>
-            <a:lvl1pPr algn="ctr">
-              <a:defRPr sz="1200">
-                <a:solidFill>
-                  <a:schemeClr val="tx1">
-                    <a:tint val="75000"/>
-                  </a:schemeClr>
-                </a:solidFill>
-              </a:defRPr>
-            </a:lvl1pPr>
-          </a:lstStyle>
-          <a:p>
-            <a:endParaRPr lang="en-US" dirty="0"/>
-          </a:p>
-        </p:txBody>
-      </p:sp>
-      <p:sp>
-        <p:nvSpPr>
-          <p:cNvPr id="6" name="Slide Number Placeholder 5"/>
-          <p:cNvSpPr>
-            <a:spLocks noGrp="1"/>
-          </p:cNvSpPr>
-          <p:nvPr>
-            <p:ph type="sldNum" sz="quarter" idx="4"/>
-          </p:nvPr>
-        </p:nvSpPr>
-        <p:spPr>
-          <a:xfrm>
-            <a:off x="8610600" y="6356350"/>
-            <a:ext cx="2743200" cy="365125"/>
-          </a:xfrm>
-          <a:prstGeom prst="rect">
-            <a:avLst/>
-          </a:prstGeom>
-        </p:spPr>
-        <p:txBody>
-          <a:bodyPr vert="horz" lIns="91440" tIns="45720" rIns="91440" bIns="45720" rtlCol="0" anchor="ctr"/>
-          <a:lstStyle>
-            <a:lvl1pPr algn="r">
-              <a:defRPr sz="1200">
-                <a:solidFill>
-                  <a:schemeClr val="tx1">
-                    <a:tint val="75000"/>
-                  </a:schemeClr>
-                </a:solidFill>
-              </a:defRPr>
-            </a:lvl1pPr>
-          </a:lstStyle>
-          <a:p>
             <a:fld id="{6D22F896-40B5-4ADD-8801-0D06FADFA095}" type="slidenum">
               <a:rPr lang="en-US" smtClean="0"/>
               <a:pPr/>
@@ -2673,35 +5685,121 @@
     </p:spTree>
     <p:extLst>
       <p:ext uri="{BB962C8B-B14F-4D97-AF65-F5344CB8AC3E}">
-        <p14:creationId xmlns:p14="http://schemas.microsoft.com/office/powerpoint/2010/main" val="2772814344"/>
+        <p14:creationId xmlns:p14="http://schemas.microsoft.com/office/powerpoint/2010/main" val="3463990218"/>
       </p:ext>
     </p:extLst>
   </p:cSld>
-  <p:clrMap bg1="lt1" tx1="dk1" bg2="lt2" tx2="dk2" accent1="accent1" accent2="accent2" accent3="accent3" accent4="accent4" accent5="accent5" accent6="accent6" hlink="hlink" folHlink="folHlink"/>
+  <p:clrMap bg1="dk1" tx1="lt1" bg2="dk2" tx2="lt2" accent1="accent1" accent2="accent2" accent3="accent3" accent4="accent4" accent5="accent5" accent6="accent6" hlink="hlink" folHlink="folHlink"/>
   <p:sldLayoutIdLst>
-    <p:sldLayoutId id="2147483843" r:id="rId1"/>
-    <p:sldLayoutId id="2147483844" r:id="rId2"/>
-    <p:sldLayoutId id="2147483845" r:id="rId3"/>
-    <p:sldLayoutId id="2147483846" r:id="rId4"/>
-    <p:sldLayoutId id="2147483847" r:id="rId5"/>
-    <p:sldLayoutId id="2147483848" r:id="rId6"/>
-    <p:sldLayoutId id="2147483849" r:id="rId7"/>
-    <p:sldLayoutId id="2147483850" r:id="rId8"/>
-    <p:sldLayoutId id="2147483851" r:id="rId9"/>
-    <p:sldLayoutId id="2147483852" r:id="rId10"/>
-    <p:sldLayoutId id="2147483853" r:id="rId11"/>
+    <p:sldLayoutId id="2147483891" r:id="rId1"/>
+    <p:sldLayoutId id="2147483892" r:id="rId2"/>
+    <p:sldLayoutId id="2147483893" r:id="rId3"/>
+    <p:sldLayoutId id="2147483894" r:id="rId4"/>
+    <p:sldLayoutId id="2147483895" r:id="rId5"/>
+    <p:sldLayoutId id="2147483896" r:id="rId6"/>
+    <p:sldLayoutId id="2147483897" r:id="rId7"/>
+    <p:sldLayoutId id="2147483898" r:id="rId8"/>
+    <p:sldLayoutId id="2147483899" r:id="rId9"/>
+    <p:sldLayoutId id="2147483900" r:id="rId10"/>
+    <p:sldLayoutId id="2147483901" r:id="rId11"/>
+    <p:sldLayoutId id="2147483902" r:id="rId12"/>
+    <p:sldLayoutId id="2147483903" r:id="rId13"/>
+    <p:sldLayoutId id="2147483904" r:id="rId14"/>
+    <p:sldLayoutId id="2147483905" r:id="rId15"/>
+    <p:sldLayoutId id="2147483906" r:id="rId16"/>
+    <p:sldLayoutId id="2147483907" r:id="rId17"/>
   </p:sldLayoutIdLst>
   <p:txStyles>
     <p:titleStyle>
-      <a:lvl1pPr algn="l" defTabSz="914400" rtl="0" eaLnBrk="1" latinLnBrk="0" hangingPunct="1">
-        <a:lnSpc>
-          <a:spcPct val="90000"/>
-        </a:lnSpc>
+      <a:lvl1pPr algn="l" defTabSz="457200" rtl="0" eaLnBrk="1" latinLnBrk="0" hangingPunct="1">
         <a:spcBef>
           <a:spcPct val="0"/>
         </a:spcBef>
         <a:buNone/>
-        <a:defRPr sz="4400" kern="1200">
+        <a:defRPr sz="4200" b="0" i="0" kern="1200">
+          <a:solidFill>
+            <a:schemeClr val="tx2"/>
+          </a:solidFill>
+          <a:latin typeface="+mj-lt"/>
+          <a:ea typeface="+mj-ea"/>
+          <a:cs typeface="+mj-cs"/>
+        </a:defRPr>
+      </a:lvl1pPr>
+      <a:lvl2pPr eaLnBrk="1" hangingPunct="1">
+        <a:defRPr>
+          <a:solidFill>
+            <a:schemeClr val="tx2"/>
+          </a:solidFill>
+        </a:defRPr>
+      </a:lvl2pPr>
+      <a:lvl3pPr eaLnBrk="1" hangingPunct="1">
+        <a:defRPr>
+          <a:solidFill>
+            <a:schemeClr val="tx2"/>
+          </a:solidFill>
+        </a:defRPr>
+      </a:lvl3pPr>
+      <a:lvl4pPr eaLnBrk="1" hangingPunct="1">
+        <a:defRPr>
+          <a:solidFill>
+            <a:schemeClr val="tx2"/>
+          </a:solidFill>
+        </a:defRPr>
+      </a:lvl4pPr>
+      <a:lvl5pPr eaLnBrk="1" hangingPunct="1">
+        <a:defRPr>
+          <a:solidFill>
+            <a:schemeClr val="tx2"/>
+          </a:solidFill>
+        </a:defRPr>
+      </a:lvl5pPr>
+      <a:lvl6pPr eaLnBrk="1" hangingPunct="1">
+        <a:defRPr>
+          <a:solidFill>
+            <a:schemeClr val="tx2"/>
+          </a:solidFill>
+        </a:defRPr>
+      </a:lvl6pPr>
+      <a:lvl7pPr eaLnBrk="1" hangingPunct="1">
+        <a:defRPr>
+          <a:solidFill>
+            <a:schemeClr val="tx2"/>
+          </a:solidFill>
+        </a:defRPr>
+      </a:lvl7pPr>
+      <a:lvl8pPr eaLnBrk="1" hangingPunct="1">
+        <a:defRPr>
+          <a:solidFill>
+            <a:schemeClr val="tx2"/>
+          </a:solidFill>
+        </a:defRPr>
+      </a:lvl8pPr>
+      <a:lvl9pPr eaLnBrk="1" hangingPunct="1">
+        <a:defRPr>
+          <a:solidFill>
+            <a:schemeClr val="tx2"/>
+          </a:solidFill>
+        </a:defRPr>
+      </a:lvl9pPr>
+    </p:titleStyle>
+    <p:bodyStyle>
+      <a:lvl1pPr marL="342900" indent="-342900" algn="l" defTabSz="457200" rtl="0" eaLnBrk="1" latinLnBrk="0" hangingPunct="1">
+        <a:spcBef>
+          <a:spcPts val="1000"/>
+        </a:spcBef>
+        <a:spcAft>
+          <a:spcPts val="0"/>
+        </a:spcAft>
+        <a:buClr>
+          <a:schemeClr val="bg2">
+            <a:lumMod val="40000"/>
+            <a:lumOff val="60000"/>
+          </a:schemeClr>
+        </a:buClr>
+        <a:buSzPct val="80000"/>
+        <a:buFont typeface="Wingdings 3" charset="2"/>
+        <a:buChar char=""/>
+        <a:defRPr sz="2000" b="0" i="0" kern="1200">
           <a:solidFill>
             <a:schemeClr val="tx1"/>
           </a:solidFill>
@@ -2710,18 +5808,213 @@
           <a:cs typeface="+mj-cs"/>
         </a:defRPr>
       </a:lvl1pPr>
-    </p:titleStyle>
-    <p:bodyStyle>
-      <a:lvl1pPr marL="228600" indent="-228600" algn="l" defTabSz="914400" rtl="0" eaLnBrk="1" latinLnBrk="0" hangingPunct="1">
-        <a:lnSpc>
-          <a:spcPct val="90000"/>
-        </a:lnSpc>
+      <a:lvl2pPr marL="742950" indent="-285750" algn="l" defTabSz="457200" rtl="0" eaLnBrk="1" latinLnBrk="0" hangingPunct="1">
         <a:spcBef>
           <a:spcPts val="1000"/>
         </a:spcBef>
-        <a:buFont typeface="Arial" panose="020B0604020202020204" pitchFamily="34" charset="0"/>
-        <a:buChar char="•"/>
-        <a:defRPr sz="2800" kern="1200">
+        <a:spcAft>
+          <a:spcPts val="0"/>
+        </a:spcAft>
+        <a:buClr>
+          <a:schemeClr val="bg2">
+            <a:lumMod val="40000"/>
+            <a:lumOff val="60000"/>
+          </a:schemeClr>
+        </a:buClr>
+        <a:buSzPct val="80000"/>
+        <a:buFont typeface="Wingdings 3" charset="2"/>
+        <a:buChar char=""/>
+        <a:defRPr sz="1800" b="0" i="0" kern="1200">
+          <a:solidFill>
+            <a:schemeClr val="tx1"/>
+          </a:solidFill>
+          <a:latin typeface="+mj-lt"/>
+          <a:ea typeface="+mj-ea"/>
+          <a:cs typeface="+mj-cs"/>
+        </a:defRPr>
+      </a:lvl2pPr>
+      <a:lvl3pPr marL="1143000" indent="-228600" algn="l" defTabSz="457200" rtl="0" eaLnBrk="1" latinLnBrk="0" hangingPunct="1">
+        <a:spcBef>
+          <a:spcPts val="1000"/>
+        </a:spcBef>
+        <a:spcAft>
+          <a:spcPts val="0"/>
+        </a:spcAft>
+        <a:buClr>
+          <a:schemeClr val="bg2">
+            <a:lumMod val="40000"/>
+            <a:lumOff val="60000"/>
+          </a:schemeClr>
+        </a:buClr>
+        <a:buSzPct val="80000"/>
+        <a:buFont typeface="Wingdings 3" charset="2"/>
+        <a:buChar char=""/>
+        <a:defRPr sz="1600" b="0" i="0" kern="1200">
+          <a:solidFill>
+            <a:schemeClr val="tx1"/>
+          </a:solidFill>
+          <a:latin typeface="+mj-lt"/>
+          <a:ea typeface="+mj-ea"/>
+          <a:cs typeface="+mj-cs"/>
+        </a:defRPr>
+      </a:lvl3pPr>
+      <a:lvl4pPr marL="1600200" indent="-228600" algn="l" defTabSz="457200" rtl="0" eaLnBrk="1" latinLnBrk="0" hangingPunct="1">
+        <a:spcBef>
+          <a:spcPts val="1000"/>
+        </a:spcBef>
+        <a:spcAft>
+          <a:spcPts val="0"/>
+        </a:spcAft>
+        <a:buClr>
+          <a:schemeClr val="bg2">
+            <a:lumMod val="40000"/>
+            <a:lumOff val="60000"/>
+          </a:schemeClr>
+        </a:buClr>
+        <a:buSzPct val="80000"/>
+        <a:buFont typeface="Wingdings 3" charset="2"/>
+        <a:buChar char=""/>
+        <a:defRPr sz="1400" b="0" i="0" kern="1200">
+          <a:solidFill>
+            <a:schemeClr val="tx1"/>
+          </a:solidFill>
+          <a:latin typeface="+mj-lt"/>
+          <a:ea typeface="+mj-ea"/>
+          <a:cs typeface="+mj-cs"/>
+        </a:defRPr>
+      </a:lvl4pPr>
+      <a:lvl5pPr marL="2057400" indent="-228600" algn="l" defTabSz="457200" rtl="0" eaLnBrk="1" latinLnBrk="0" hangingPunct="1">
+        <a:spcBef>
+          <a:spcPts val="1000"/>
+        </a:spcBef>
+        <a:spcAft>
+          <a:spcPts val="0"/>
+        </a:spcAft>
+        <a:buClr>
+          <a:schemeClr val="bg2">
+            <a:lumMod val="40000"/>
+            <a:lumOff val="60000"/>
+          </a:schemeClr>
+        </a:buClr>
+        <a:buSzPct val="80000"/>
+        <a:buFont typeface="Wingdings 3" charset="2"/>
+        <a:buChar char=""/>
+        <a:defRPr sz="1400" b="0" i="0" kern="1200">
+          <a:solidFill>
+            <a:schemeClr val="tx1"/>
+          </a:solidFill>
+          <a:latin typeface="+mj-lt"/>
+          <a:ea typeface="+mj-ea"/>
+          <a:cs typeface="+mj-cs"/>
+        </a:defRPr>
+      </a:lvl5pPr>
+      <a:lvl6pPr marL="2506000" indent="-228600" algn="l" defTabSz="457200" rtl="0" eaLnBrk="1" latinLnBrk="0" hangingPunct="1">
+        <a:spcBef>
+          <a:spcPts val="1000"/>
+        </a:spcBef>
+        <a:spcAft>
+          <a:spcPts val="0"/>
+        </a:spcAft>
+        <a:buClr>
+          <a:schemeClr val="bg2">
+            <a:lumMod val="40000"/>
+            <a:lumOff val="60000"/>
+          </a:schemeClr>
+        </a:buClr>
+        <a:buSzPct val="80000"/>
+        <a:buFont typeface="Wingdings 3" charset="2"/>
+        <a:buChar char=""/>
+        <a:defRPr sz="1400" b="0" i="0" kern="1200">
+          <a:solidFill>
+            <a:schemeClr val="tx1"/>
+          </a:solidFill>
+          <a:latin typeface="+mj-lt"/>
+          <a:ea typeface="+mj-ea"/>
+          <a:cs typeface="+mj-cs"/>
+        </a:defRPr>
+      </a:lvl6pPr>
+      <a:lvl7pPr marL="2971800" indent="-228600" algn="l" defTabSz="457200" rtl="0" eaLnBrk="1" latinLnBrk="0" hangingPunct="1">
+        <a:spcBef>
+          <a:spcPts val="1000"/>
+        </a:spcBef>
+        <a:spcAft>
+          <a:spcPts val="0"/>
+        </a:spcAft>
+        <a:buClr>
+          <a:schemeClr val="bg2">
+            <a:lumMod val="40000"/>
+            <a:lumOff val="60000"/>
+          </a:schemeClr>
+        </a:buClr>
+        <a:buSzPct val="80000"/>
+        <a:buFont typeface="Wingdings 3" charset="2"/>
+        <a:buChar char=""/>
+        <a:defRPr sz="1400" b="0" i="0" kern="1200">
+          <a:solidFill>
+            <a:schemeClr val="tx1"/>
+          </a:solidFill>
+          <a:latin typeface="+mj-lt"/>
+          <a:ea typeface="+mj-ea"/>
+          <a:cs typeface="+mj-cs"/>
+        </a:defRPr>
+      </a:lvl7pPr>
+      <a:lvl8pPr marL="3429000" indent="-228600" algn="l" defTabSz="457200" rtl="0" eaLnBrk="1" latinLnBrk="0" hangingPunct="1">
+        <a:spcBef>
+          <a:spcPts val="1000"/>
+        </a:spcBef>
+        <a:spcAft>
+          <a:spcPts val="0"/>
+        </a:spcAft>
+        <a:buClr>
+          <a:schemeClr val="bg2">
+            <a:lumMod val="40000"/>
+            <a:lumOff val="60000"/>
+          </a:schemeClr>
+        </a:buClr>
+        <a:buSzPct val="80000"/>
+        <a:buFont typeface="Wingdings 3" charset="2"/>
+        <a:buChar char=""/>
+        <a:defRPr sz="1400" b="0" i="0" kern="1200">
+          <a:solidFill>
+            <a:schemeClr val="tx1"/>
+          </a:solidFill>
+          <a:latin typeface="+mj-lt"/>
+          <a:ea typeface="+mj-ea"/>
+          <a:cs typeface="+mj-cs"/>
+        </a:defRPr>
+      </a:lvl8pPr>
+      <a:lvl9pPr marL="3886200" indent="-228600" algn="l" defTabSz="457200" rtl="0" eaLnBrk="1" latinLnBrk="0" hangingPunct="1">
+        <a:spcBef>
+          <a:spcPts val="1000"/>
+        </a:spcBef>
+        <a:spcAft>
+          <a:spcPts val="0"/>
+        </a:spcAft>
+        <a:buClr>
+          <a:schemeClr val="bg2">
+            <a:lumMod val="40000"/>
+            <a:lumOff val="60000"/>
+          </a:schemeClr>
+        </a:buClr>
+        <a:buSzPct val="80000"/>
+        <a:buFont typeface="Wingdings 3" charset="2"/>
+        <a:buChar char=""/>
+        <a:defRPr sz="1400" b="0" i="0" kern="1200">
+          <a:solidFill>
+            <a:schemeClr val="tx1"/>
+          </a:solidFill>
+          <a:latin typeface="+mj-lt"/>
+          <a:ea typeface="+mj-ea"/>
+          <a:cs typeface="+mj-cs"/>
+        </a:defRPr>
+      </a:lvl9pPr>
+    </p:bodyStyle>
+    <p:otherStyle>
+      <a:defPPr>
+        <a:defRPr lang="en-US"/>
+      </a:defPPr>
+      <a:lvl1pPr marL="0" algn="l" defTabSz="457200" rtl="0" eaLnBrk="1" latinLnBrk="0" hangingPunct="1">
+        <a:defRPr sz="1800" kern="1200">
           <a:solidFill>
             <a:schemeClr val="tx1"/>
           </a:solidFill>
@@ -2730,16 +6023,8 @@
           <a:cs typeface="+mn-cs"/>
         </a:defRPr>
       </a:lvl1pPr>
-      <a:lvl2pPr marL="685800" indent="-228600" algn="l" defTabSz="914400" rtl="0" eaLnBrk="1" latinLnBrk="0" hangingPunct="1">
-        <a:lnSpc>
-          <a:spcPct val="90000"/>
-        </a:lnSpc>
-        <a:spcBef>
-          <a:spcPts val="500"/>
-        </a:spcBef>
-        <a:buFont typeface="Arial" panose="020B0604020202020204" pitchFamily="34" charset="0"/>
-        <a:buChar char="•"/>
-        <a:defRPr sz="2400" kern="1200">
+      <a:lvl2pPr marL="457200" algn="l" defTabSz="457200" rtl="0" eaLnBrk="1" latinLnBrk="0" hangingPunct="1">
+        <a:defRPr sz="1800" kern="1200">
           <a:solidFill>
             <a:schemeClr val="tx1"/>
           </a:solidFill>
@@ -2748,16 +6033,8 @@
           <a:cs typeface="+mn-cs"/>
         </a:defRPr>
       </a:lvl2pPr>
-      <a:lvl3pPr marL="1143000" indent="-228600" algn="l" defTabSz="914400" rtl="0" eaLnBrk="1" latinLnBrk="0" hangingPunct="1">
-        <a:lnSpc>
-          <a:spcPct val="90000"/>
-        </a:lnSpc>
-        <a:spcBef>
-          <a:spcPts val="500"/>
-        </a:spcBef>
-        <a:buFont typeface="Arial" panose="020B0604020202020204" pitchFamily="34" charset="0"/>
-        <a:buChar char="•"/>
-        <a:defRPr sz="2000" kern="1200">
+      <a:lvl3pPr marL="914400" algn="l" defTabSz="457200" rtl="0" eaLnBrk="1" latinLnBrk="0" hangingPunct="1">
+        <a:defRPr sz="1800" kern="1200">
           <a:solidFill>
             <a:schemeClr val="tx1"/>
           </a:solidFill>
@@ -2766,15 +6043,7 @@
           <a:cs typeface="+mn-cs"/>
         </a:defRPr>
       </a:lvl3pPr>
-      <a:lvl4pPr marL="1600200" indent="-228600" algn="l" defTabSz="914400" rtl="0" eaLnBrk="1" latinLnBrk="0" hangingPunct="1">
-        <a:lnSpc>
-          <a:spcPct val="90000"/>
-        </a:lnSpc>
-        <a:spcBef>
-          <a:spcPts val="500"/>
-        </a:spcBef>
-        <a:buFont typeface="Arial" panose="020B0604020202020204" pitchFamily="34" charset="0"/>
-        <a:buChar char="•"/>
+      <a:lvl4pPr marL="1371600" algn="l" defTabSz="457200" rtl="0" eaLnBrk="1" latinLnBrk="0" hangingPunct="1">
         <a:defRPr sz="1800" kern="1200">
           <a:solidFill>
             <a:schemeClr val="tx1"/>
@@ -2784,15 +6053,7 @@
           <a:cs typeface="+mn-cs"/>
         </a:defRPr>
       </a:lvl4pPr>
-      <a:lvl5pPr marL="2057400" indent="-228600" algn="l" defTabSz="914400" rtl="0" eaLnBrk="1" latinLnBrk="0" hangingPunct="1">
-        <a:lnSpc>
-          <a:spcPct val="90000"/>
-        </a:lnSpc>
-        <a:spcBef>
-          <a:spcPts val="500"/>
-        </a:spcBef>
-        <a:buFont typeface="Arial" panose="020B0604020202020204" pitchFamily="34" charset="0"/>
-        <a:buChar char="•"/>
+      <a:lvl5pPr marL="1828800" algn="l" defTabSz="457200" rtl="0" eaLnBrk="1" latinLnBrk="0" hangingPunct="1">
         <a:defRPr sz="1800" kern="1200">
           <a:solidFill>
             <a:schemeClr val="tx1"/>
@@ -2802,15 +6063,7 @@
           <a:cs typeface="+mn-cs"/>
         </a:defRPr>
       </a:lvl5pPr>
-      <a:lvl6pPr marL="2514600" indent="-228600" algn="l" defTabSz="914400" rtl="0" eaLnBrk="1" latinLnBrk="0" hangingPunct="1">
-        <a:lnSpc>
-          <a:spcPct val="90000"/>
-        </a:lnSpc>
-        <a:spcBef>
-          <a:spcPts val="500"/>
-        </a:spcBef>
-        <a:buFont typeface="Arial" panose="020B0604020202020204" pitchFamily="34" charset="0"/>
-        <a:buChar char="•"/>
+      <a:lvl6pPr marL="2286000" algn="l" defTabSz="457200" rtl="0" eaLnBrk="1" latinLnBrk="0" hangingPunct="1">
         <a:defRPr sz="1800" kern="1200">
           <a:solidFill>
             <a:schemeClr val="tx1"/>
@@ -2820,15 +6073,7 @@
           <a:cs typeface="+mn-cs"/>
         </a:defRPr>
       </a:lvl6pPr>
-      <a:lvl7pPr marL="2971800" indent="-228600" algn="l" defTabSz="914400" rtl="0" eaLnBrk="1" latinLnBrk="0" hangingPunct="1">
-        <a:lnSpc>
-          <a:spcPct val="90000"/>
-        </a:lnSpc>
-        <a:spcBef>
-          <a:spcPts val="500"/>
-        </a:spcBef>
-        <a:buFont typeface="Arial" panose="020B0604020202020204" pitchFamily="34" charset="0"/>
-        <a:buChar char="•"/>
+      <a:lvl7pPr marL="2743200" algn="l" defTabSz="457200" rtl="0" eaLnBrk="1" latinLnBrk="0" hangingPunct="1">
         <a:defRPr sz="1800" kern="1200">
           <a:solidFill>
             <a:schemeClr val="tx1"/>
@@ -2838,15 +6083,7 @@
           <a:cs typeface="+mn-cs"/>
         </a:defRPr>
       </a:lvl7pPr>
-      <a:lvl8pPr marL="3429000" indent="-228600" algn="l" defTabSz="914400" rtl="0" eaLnBrk="1" latinLnBrk="0" hangingPunct="1">
-        <a:lnSpc>
-          <a:spcPct val="90000"/>
-        </a:lnSpc>
-        <a:spcBef>
-          <a:spcPts val="500"/>
-        </a:spcBef>
-        <a:buFont typeface="Arial" panose="020B0604020202020204" pitchFamily="34" charset="0"/>
-        <a:buChar char="•"/>
+      <a:lvl8pPr marL="3200400" algn="l" defTabSz="457200" rtl="0" eaLnBrk="1" latinLnBrk="0" hangingPunct="1">
         <a:defRPr sz="1800" kern="1200">
           <a:solidFill>
             <a:schemeClr val="tx1"/>
@@ -2856,110 +6093,7 @@
           <a:cs typeface="+mn-cs"/>
         </a:defRPr>
       </a:lvl8pPr>
-      <a:lvl9pPr marL="3886200" indent="-228600" algn="l" defTabSz="914400" rtl="0" eaLnBrk="1" latinLnBrk="0" hangingPunct="1">
-        <a:lnSpc>
-          <a:spcPct val="90000"/>
-        </a:lnSpc>
-        <a:spcBef>
-          <a:spcPts val="500"/>
-        </a:spcBef>
-        <a:buFont typeface="Arial" panose="020B0604020202020204" pitchFamily="34" charset="0"/>
-        <a:buChar char="•"/>
-        <a:defRPr sz="1800" kern="1200">
-          <a:solidFill>
-            <a:schemeClr val="tx1"/>
-          </a:solidFill>
-          <a:latin typeface="+mn-lt"/>
-          <a:ea typeface="+mn-ea"/>
-          <a:cs typeface="+mn-cs"/>
-        </a:defRPr>
-      </a:lvl9pPr>
-    </p:bodyStyle>
-    <p:otherStyle>
-      <a:defPPr>
-        <a:defRPr lang="en-US"/>
-      </a:defPPr>
-      <a:lvl1pPr marL="0" algn="l" defTabSz="914400" rtl="0" eaLnBrk="1" latinLnBrk="0" hangingPunct="1">
-        <a:defRPr sz="1800" kern="1200">
-          <a:solidFill>
-            <a:schemeClr val="tx1"/>
-          </a:solidFill>
-          <a:latin typeface="+mn-lt"/>
-          <a:ea typeface="+mn-ea"/>
-          <a:cs typeface="+mn-cs"/>
-        </a:defRPr>
-      </a:lvl1pPr>
-      <a:lvl2pPr marL="457200" algn="l" defTabSz="914400" rtl="0" eaLnBrk="1" latinLnBrk="0" hangingPunct="1">
-        <a:defRPr sz="1800" kern="1200">
-          <a:solidFill>
-            <a:schemeClr val="tx1"/>
-          </a:solidFill>
-          <a:latin typeface="+mn-lt"/>
-          <a:ea typeface="+mn-ea"/>
-          <a:cs typeface="+mn-cs"/>
-        </a:defRPr>
-      </a:lvl2pPr>
-      <a:lvl3pPr marL="914400" algn="l" defTabSz="914400" rtl="0" eaLnBrk="1" latinLnBrk="0" hangingPunct="1">
-        <a:defRPr sz="1800" kern="1200">
-          <a:solidFill>
-            <a:schemeClr val="tx1"/>
-          </a:solidFill>
-          <a:latin typeface="+mn-lt"/>
-          <a:ea typeface="+mn-ea"/>
-          <a:cs typeface="+mn-cs"/>
-        </a:defRPr>
-      </a:lvl3pPr>
-      <a:lvl4pPr marL="1371600" algn="l" defTabSz="914400" rtl="0" eaLnBrk="1" latinLnBrk="0" hangingPunct="1">
-        <a:defRPr sz="1800" kern="1200">
-          <a:solidFill>
-            <a:schemeClr val="tx1"/>
-          </a:solidFill>
-          <a:latin typeface="+mn-lt"/>
-          <a:ea typeface="+mn-ea"/>
-          <a:cs typeface="+mn-cs"/>
-        </a:defRPr>
-      </a:lvl4pPr>
-      <a:lvl5pPr marL="1828800" algn="l" defTabSz="914400" rtl="0" eaLnBrk="1" latinLnBrk="0" hangingPunct="1">
-        <a:defRPr sz="1800" kern="1200">
-          <a:solidFill>
-            <a:schemeClr val="tx1"/>
-          </a:solidFill>
-          <a:latin typeface="+mn-lt"/>
-          <a:ea typeface="+mn-ea"/>
-          <a:cs typeface="+mn-cs"/>
-        </a:defRPr>
-      </a:lvl5pPr>
-      <a:lvl6pPr marL="2286000" algn="l" defTabSz="914400" rtl="0" eaLnBrk="1" latinLnBrk="0" hangingPunct="1">
-        <a:defRPr sz="1800" kern="1200">
-          <a:solidFill>
-            <a:schemeClr val="tx1"/>
-          </a:solidFill>
-          <a:latin typeface="+mn-lt"/>
-          <a:ea typeface="+mn-ea"/>
-          <a:cs typeface="+mn-cs"/>
-        </a:defRPr>
-      </a:lvl6pPr>
-      <a:lvl7pPr marL="2743200" algn="l" defTabSz="914400" rtl="0" eaLnBrk="1" latinLnBrk="0" hangingPunct="1">
-        <a:defRPr sz="1800" kern="1200">
-          <a:solidFill>
-            <a:schemeClr val="tx1"/>
-          </a:solidFill>
-          <a:latin typeface="+mn-lt"/>
-          <a:ea typeface="+mn-ea"/>
-          <a:cs typeface="+mn-cs"/>
-        </a:defRPr>
-      </a:lvl7pPr>
-      <a:lvl8pPr marL="3200400" algn="l" defTabSz="914400" rtl="0" eaLnBrk="1" latinLnBrk="0" hangingPunct="1">
-        <a:defRPr sz="1800" kern="1200">
-          <a:solidFill>
-            <a:schemeClr val="tx1"/>
-          </a:solidFill>
-          <a:latin typeface="+mn-lt"/>
-          <a:ea typeface="+mn-ea"/>
-          <a:cs typeface="+mn-cs"/>
-        </a:defRPr>
-      </a:lvl8pPr>
-      <a:lvl9pPr marL="3657600" algn="l" defTabSz="914400" rtl="0" eaLnBrk="1" latinLnBrk="0" hangingPunct="1">
+      <a:lvl9pPr marL="3657600" algn="l" defTabSz="457200" rtl="0" eaLnBrk="1" latinLnBrk="0" hangingPunct="1">
         <a:defRPr sz="1800" kern="1200">
           <a:solidFill>
             <a:schemeClr val="tx1"/>
@@ -3094,6 +6228,61 @@
           </a:p>
         </p:txBody>
       </p:sp>
+      <p:sp>
+        <p:nvSpPr>
+          <p:cNvPr id="2" name="Rectangle 1"/>
+          <p:cNvSpPr/>
+          <p:nvPr/>
+        </p:nvSpPr>
+        <p:spPr>
+          <a:xfrm>
+            <a:off x="6669741" y="5247087"/>
+            <a:ext cx="6096000" cy="1246495"/>
+          </a:xfrm>
+          <a:prstGeom prst="rect">
+            <a:avLst/>
+          </a:prstGeom>
+        </p:spPr>
+        <p:txBody>
+          <a:bodyPr>
+            <a:spAutoFit/>
+          </a:bodyPr>
+          <a:lstStyle/>
+          <a:p>
+            <a:r>
+              <a:rPr lang="vi-VN" sz="2500" dirty="0">
+                <a:solidFill>
+                  <a:schemeClr val="bg1"/>
+                </a:solidFill>
+                <a:cs typeface="Arial" panose="020B0604020202020204" pitchFamily="34" charset="0"/>
+              </a:rPr>
+              <a:t>Người thực hiện: Nguyễn Quốc Tuấn</a:t>
+            </a:r>
+          </a:p>
+          <a:p>
+            <a:r>
+              <a:rPr lang="vi-VN" sz="2500" dirty="0">
+                <a:solidFill>
+                  <a:schemeClr val="bg1"/>
+                </a:solidFill>
+                <a:cs typeface="Arial" panose="020B0604020202020204" pitchFamily="34" charset="0"/>
+              </a:rPr>
+              <a:t>Lớp: AT15G – L10</a:t>
+            </a:r>
+          </a:p>
+          <a:p>
+            <a:r>
+              <a:rPr lang="vi-VN" sz="2500" dirty="0">
+                <a:solidFill>
+                  <a:schemeClr val="bg1"/>
+                </a:solidFill>
+                <a:cs typeface="Arial" panose="020B0604020202020204" pitchFamily="34" charset="0"/>
+              </a:rPr>
+              <a:t>MSV: AT150659</a:t>
+            </a:r>
+          </a:p>
+        </p:txBody>
+      </p:sp>
     </p:spTree>
     <p:extLst>
       <p:ext uri="{BB962C8B-B14F-4D97-AF65-F5344CB8AC3E}">
@@ -3162,14 +6351,7 @@
                 <a:latin typeface="Arial" panose="020B0604020202020204" pitchFamily="34" charset="0"/>
                 <a:cs typeface="Arial" panose="020B0604020202020204" pitchFamily="34" charset="0"/>
               </a:rPr>
-              <a:t>Làm </a:t>
-            </a:r>
-            <a:r>
-              <a:rPr lang="vi-VN" sz="4200" b="1" dirty="0" smtClean="0">
-                <a:latin typeface="Arial" panose="020B0604020202020204" pitchFamily="34" charset="0"/>
-                <a:cs typeface="Arial" panose="020B0604020202020204" pitchFamily="34" charset="0"/>
-              </a:rPr>
-              <a:t>thế nào để viết code sạch</a:t>
+              <a:t>Làm thế nào để viết code sạch</a:t>
             </a:r>
             <a:endParaRPr lang="en-US" sz="4200" b="1" dirty="0">
               <a:latin typeface="Arial" panose="020B0604020202020204" pitchFamily="34" charset="0"/>
@@ -3642,14 +6824,7 @@
                 <a:latin typeface="Arial" panose="020B0604020202020204" pitchFamily="34" charset="0"/>
                 <a:cs typeface="Arial" panose="020B0604020202020204" pitchFamily="34" charset="0"/>
               </a:rPr>
-              <a:t> </a:t>
-            </a:r>
-            <a:r>
-              <a:rPr lang="vi-VN" sz="4200" b="1" dirty="0" smtClean="0">
-                <a:latin typeface="Arial" panose="020B0604020202020204" pitchFamily="34" charset="0"/>
-                <a:cs typeface="Arial" panose="020B0604020202020204" pitchFamily="34" charset="0"/>
-              </a:rPr>
-              <a:t>Làm thế nào để viết code sạch</a:t>
+              <a:t> Làm thế nào để viết code sạch</a:t>
             </a:r>
             <a:endParaRPr lang="en-US" sz="4200" b="1" dirty="0">
               <a:latin typeface="Arial" panose="020B0604020202020204" pitchFamily="34" charset="0"/>
@@ -4069,14 +7244,7 @@
                 <a:latin typeface="Arial" panose="020B0604020202020204" pitchFamily="34" charset="0"/>
                 <a:cs typeface="Arial" panose="020B0604020202020204" pitchFamily="34" charset="0"/>
               </a:rPr>
-              <a:t>Làm </a:t>
-            </a:r>
-            <a:r>
-              <a:rPr lang="vi-VN" sz="4200" b="1" dirty="0" smtClean="0">
-                <a:latin typeface="Arial" panose="020B0604020202020204" pitchFamily="34" charset="0"/>
-                <a:cs typeface="Arial" panose="020B0604020202020204" pitchFamily="34" charset="0"/>
-              </a:rPr>
-              <a:t>thế nào để viết code sạch</a:t>
+              <a:t>Làm thế nào để viết code sạch</a:t>
             </a:r>
             <a:endParaRPr lang="en-US" sz="4200" b="1" dirty="0">
               <a:latin typeface="Arial" panose="020B0604020202020204" pitchFamily="34" charset="0"/>
@@ -4498,14 +7666,7 @@
                 <a:latin typeface="Arial" panose="020B0604020202020204" pitchFamily="34" charset="0"/>
                 <a:cs typeface="Arial" panose="020B0604020202020204" pitchFamily="34" charset="0"/>
               </a:rPr>
-              <a:t> </a:t>
-            </a:r>
-            <a:r>
-              <a:rPr lang="vi-VN" sz="4200" b="1" dirty="0" smtClean="0">
-                <a:latin typeface="Arial" panose="020B0604020202020204" pitchFamily="34" charset="0"/>
-                <a:cs typeface="Arial" panose="020B0604020202020204" pitchFamily="34" charset="0"/>
-              </a:rPr>
-              <a:t>Làm thế nào để viết code sạch</a:t>
+              <a:t> Làm thế nào để viết code sạch</a:t>
             </a:r>
             <a:endParaRPr lang="en-US" sz="4200" b="1" dirty="0">
               <a:latin typeface="Arial" panose="020B0604020202020204" pitchFamily="34" charset="0"/>
@@ -4915,14 +8076,7 @@
                 <a:latin typeface="Arial" panose="020B0604020202020204" pitchFamily="34" charset="0"/>
                 <a:cs typeface="Arial" panose="020B0604020202020204" pitchFamily="34" charset="0"/>
               </a:rPr>
-              <a:t> </a:t>
-            </a:r>
-            <a:r>
-              <a:rPr lang="vi-VN" sz="4200" b="1" dirty="0" smtClean="0">
-                <a:latin typeface="Arial" panose="020B0604020202020204" pitchFamily="34" charset="0"/>
-                <a:cs typeface="Arial" panose="020B0604020202020204" pitchFamily="34" charset="0"/>
-              </a:rPr>
-              <a:t>Làm thế nào để viết code sạch</a:t>
+              <a:t> Làm thế nào để viết code sạch</a:t>
             </a:r>
             <a:endParaRPr lang="en-US" sz="4200" b="1" dirty="0">
               <a:latin typeface="Arial" panose="020B0604020202020204" pitchFamily="34" charset="0"/>
@@ -4939,7 +8093,7 @@
         </p:nvSpPr>
         <p:spPr>
           <a:xfrm>
-            <a:off x="975360" y="1323703"/>
+            <a:off x="941493" y="1298303"/>
             <a:ext cx="10659291" cy="553998"/>
           </a:xfrm>
           <a:prstGeom prst="rect">
@@ -4987,7 +8141,7 @@
         </p:blipFill>
         <p:spPr>
           <a:xfrm>
-            <a:off x="975360" y="1767840"/>
+            <a:off x="453220" y="1767839"/>
             <a:ext cx="5993336" cy="4104459"/>
           </a:xfrm>
           <a:prstGeom prst="rect">
@@ -5011,8 +8165,8 @@
         </p:blipFill>
         <p:spPr>
           <a:xfrm>
-            <a:off x="6758362" y="1767840"/>
-            <a:ext cx="5398429" cy="4091820"/>
+            <a:off x="6446556" y="1767838"/>
+            <a:ext cx="5398429" cy="4104459"/>
           </a:xfrm>
           <a:prstGeom prst="rect">
             <a:avLst/>
@@ -5405,14 +8559,7 @@
                 <a:latin typeface="Arial" panose="020B0604020202020204" pitchFamily="34" charset="0"/>
                 <a:cs typeface="Arial" panose="020B0604020202020204" pitchFamily="34" charset="0"/>
               </a:rPr>
-              <a:t> </a:t>
-            </a:r>
-            <a:r>
-              <a:rPr lang="vi-VN" sz="4200" b="1" dirty="0" smtClean="0">
-                <a:latin typeface="Arial" panose="020B0604020202020204" pitchFamily="34" charset="0"/>
-                <a:cs typeface="Arial" panose="020B0604020202020204" pitchFamily="34" charset="0"/>
-              </a:rPr>
-              <a:t>Làm thế nào để viết code sạch</a:t>
+              <a:t> Làm thế nào để viết code sạch</a:t>
             </a:r>
             <a:endParaRPr lang="en-US" sz="4200" b="1" dirty="0">
               <a:latin typeface="Arial" panose="020B0604020202020204" pitchFamily="34" charset="0"/>
@@ -6541,12 +9688,18 @@
           <a:p>
             <a:r>
               <a:rPr lang="vi-VN" sz="2700" dirty="0">
+                <a:solidFill>
+                  <a:schemeClr val="bg1"/>
+                </a:solidFill>
                 <a:cs typeface="Arial" panose="020B0604020202020204" pitchFamily="34" charset="0"/>
               </a:rPr>
               <a:t>Code cho máy đọc thì ai cũng viết được, code cho người đọc thì chỉ có developer giỏi mới viết được</a:t>
             </a:r>
             <a:r>
               <a:rPr lang="vi-VN" sz="2700" dirty="0" smtClean="0">
+                <a:solidFill>
+                  <a:schemeClr val="bg1"/>
+                </a:solidFill>
                 <a:cs typeface="Arial" panose="020B0604020202020204" pitchFamily="34" charset="0"/>
               </a:rPr>
               <a:t>.</a:t>
@@ -6554,6 +9707,9 @@
           </a:p>
           <a:p>
             <a:endParaRPr lang="vi-VN" sz="2700" dirty="0">
+              <a:solidFill>
+                <a:schemeClr val="bg1"/>
+              </a:solidFill>
               <a:latin typeface="Arial" panose="020B0604020202020204" pitchFamily="34" charset="0"/>
               <a:cs typeface="Arial" panose="020B0604020202020204" pitchFamily="34" charset="0"/>
             </a:endParaRPr>
@@ -6561,12 +9717,18 @@
           <a:p>
             <a:r>
               <a:rPr lang="vi-VN" sz="2700" dirty="0" smtClean="0">
+                <a:solidFill>
+                  <a:schemeClr val="bg1"/>
+                </a:solidFill>
                 <a:cs typeface="Arial" panose="020B0604020202020204" pitchFamily="34" charset="0"/>
               </a:rPr>
               <a:t>Hãy đứng </a:t>
             </a:r>
             <a:r>
               <a:rPr lang="vi-VN" sz="2700" dirty="0">
+                <a:solidFill>
+                  <a:schemeClr val="bg1"/>
+                </a:solidFill>
                 <a:cs typeface="Arial" panose="020B0604020202020204" pitchFamily="34" charset="0"/>
               </a:rPr>
               <a:t>ở góc nhìn của một developer bảo trì code sau này, cứ tưởng tượng sau khi họ đọc những dòng code bạn viết ….</a:t>
@@ -6575,23 +9737,35 @@
           <a:p>
             <a:r>
               <a:rPr lang="vi-VN" sz="2700" dirty="0">
+                <a:solidFill>
+                  <a:schemeClr val="bg1"/>
+                </a:solidFill>
                 <a:cs typeface="Arial" panose="020B0604020202020204" pitchFamily="34" charset="0"/>
               </a:rPr>
               <a:t>Họ sẽ làm gì bạn. </a:t>
             </a:r>
             <a:r>
               <a:rPr lang="vi-VN" sz="2700" dirty="0" smtClean="0">
+                <a:solidFill>
+                  <a:schemeClr val="bg1"/>
+                </a:solidFill>
                 <a:cs typeface="Arial" panose="020B0604020202020204" pitchFamily="34" charset="0"/>
               </a:rPr>
               <a:t>Đừng code </a:t>
             </a:r>
             <a:r>
               <a:rPr lang="vi-VN" sz="2700" dirty="0">
+                <a:solidFill>
+                  <a:schemeClr val="bg1"/>
+                </a:solidFill>
                 <a:cs typeface="Arial" panose="020B0604020202020204" pitchFamily="34" charset="0"/>
               </a:rPr>
               <a:t>cho xong function rồi để đó.</a:t>
             </a:r>
             <a:endParaRPr lang="en-US" sz="2700" dirty="0">
+              <a:solidFill>
+                <a:schemeClr val="bg1"/>
+              </a:solidFill>
               <a:latin typeface="Arial" panose="020B0604020202020204" pitchFamily="34" charset="0"/>
               <a:cs typeface="Arial" panose="020B0604020202020204" pitchFamily="34" charset="0"/>
             </a:endParaRPr>
@@ -6907,12 +10081,14 @@
             <a:pPr algn="ctr"/>
             <a:r>
               <a:rPr lang="vi-VN" sz="7000" b="1" dirty="0" smtClean="0">
-                <a:cs typeface="Times New Roman" panose="02020603050405020304" pitchFamily="18" charset="0"/>
+                <a:latin typeface="Arial" panose="020B0604020202020204" pitchFamily="34" charset="0"/>
+                <a:cs typeface="Arial" panose="020B0604020202020204" pitchFamily="34" charset="0"/>
               </a:rPr>
               <a:t>Cảm ơn tất cả mọi người đã theo dõi</a:t>
             </a:r>
             <a:endParaRPr lang="en-US" sz="7000" b="1" dirty="0">
-              <a:cs typeface="Times New Roman" panose="02020603050405020304" pitchFamily="18" charset="0"/>
+              <a:latin typeface="Arial" panose="020B0604020202020204" pitchFamily="34" charset="0"/>
+              <a:cs typeface="Arial" panose="020B0604020202020204" pitchFamily="34" charset="0"/>
             </a:endParaRPr>
           </a:p>
         </p:txBody>
@@ -6925,8 +10101,8 @@
         </p:nvSpPr>
         <p:spPr>
           <a:xfrm>
-            <a:off x="4797179" y="5755848"/>
-            <a:ext cx="7246776" cy="954107"/>
+            <a:off x="3699934" y="5755847"/>
+            <a:ext cx="8801221" cy="954107"/>
           </a:xfrm>
           <a:prstGeom prst="rect">
             <a:avLst/>
@@ -6941,7 +10117,18 @@
           <a:p>
             <a:r>
               <a:rPr lang="vi-VN" dirty="0"/>
-              <a:t>Mọi chi tiết góp ý liên hệ: Nguyễn Quốc Tuấn</a:t>
+              <a:t>Mọi chi tiết góp ý liên hệ: </a:t>
+            </a:r>
+            <a:r>
+              <a:rPr lang="vi-VN" dirty="0">
+                <a:solidFill>
+                  <a:schemeClr val="tx2">
+                    <a:lumMod val="60000"/>
+                    <a:lumOff val="40000"/>
+                  </a:schemeClr>
+                </a:solidFill>
+              </a:rPr>
+              <a:t>Nguyễn Quốc Tuấn</a:t>
             </a:r>
           </a:p>
           <a:p>
@@ -8099,11 +11286,7 @@
             </a:pPr>
             <a:r>
               <a:rPr lang="vi-VN" sz="4000" b="1" dirty="0" smtClean="0"/>
-              <a:t>Tầm </a:t>
-            </a:r>
-            <a:r>
-              <a:rPr lang="vi-VN" sz="4000" b="1" dirty="0" smtClean="0"/>
-              <a:t>quan trọng của việc viết code sạch.</a:t>
+              <a:t>Tầm quan trọng của việc viết code sạch.</a:t>
             </a:r>
             <a:endParaRPr lang="en-US" sz="4000" b="1" dirty="0"/>
           </a:p>
@@ -8842,14 +12025,7 @@
                 <a:latin typeface="Arial" panose="020B0604020202020204" pitchFamily="34" charset="0"/>
                 <a:cs typeface="Arial" panose="020B0604020202020204" pitchFamily="34" charset="0"/>
               </a:rPr>
-              <a:t>Làm </a:t>
-            </a:r>
-            <a:r>
-              <a:rPr lang="vi-VN" sz="4200" b="1" dirty="0" smtClean="0">
-                <a:latin typeface="Arial" panose="020B0604020202020204" pitchFamily="34" charset="0"/>
-                <a:cs typeface="Arial" panose="020B0604020202020204" pitchFamily="34" charset="0"/>
-              </a:rPr>
-              <a:t>thế nào để viết code sạch</a:t>
+              <a:t>Làm thế nào để viết code sạch</a:t>
             </a:r>
             <a:endParaRPr lang="en-US" sz="4200" b="1" dirty="0">
               <a:latin typeface="Arial" panose="020B0604020202020204" pitchFamily="34" charset="0"/>
@@ -9377,14 +12553,7 @@
                 <a:latin typeface="Arial" panose="020B0604020202020204" pitchFamily="34" charset="0"/>
                 <a:cs typeface="Arial" panose="020B0604020202020204" pitchFamily="34" charset="0"/>
               </a:rPr>
-              <a:t>Làm </a:t>
-            </a:r>
-            <a:r>
-              <a:rPr lang="vi-VN" sz="4200" b="1" dirty="0" smtClean="0">
-                <a:latin typeface="Arial" panose="020B0604020202020204" pitchFamily="34" charset="0"/>
-                <a:cs typeface="Arial" panose="020B0604020202020204" pitchFamily="34" charset="0"/>
-              </a:rPr>
-              <a:t>thế nào để viết code sạch</a:t>
+              <a:t>Làm thế nào để viết code sạch</a:t>
             </a:r>
             <a:endParaRPr lang="en-US" sz="4200" b="1" dirty="0">
               <a:latin typeface="Arial" panose="020B0604020202020204" pitchFamily="34" charset="0"/>
@@ -9863,14 +13032,7 @@
                 <a:latin typeface="Arial" panose="020B0604020202020204" pitchFamily="34" charset="0"/>
                 <a:cs typeface="Arial" panose="020B0604020202020204" pitchFamily="34" charset="0"/>
               </a:rPr>
-              <a:t> </a:t>
-            </a:r>
-            <a:r>
-              <a:rPr lang="vi-VN" sz="4200" b="1" dirty="0" smtClean="0">
-                <a:latin typeface="Arial" panose="020B0604020202020204" pitchFamily="34" charset="0"/>
-                <a:cs typeface="Arial" panose="020B0604020202020204" pitchFamily="34" charset="0"/>
-              </a:rPr>
-              <a:t>Làm thế nào để viết code sạch</a:t>
+              <a:t> Làm thế nào để viết code sạch</a:t>
             </a:r>
             <a:endParaRPr lang="en-US" sz="4200" b="1" dirty="0">
               <a:latin typeface="Arial" panose="020B0604020202020204" pitchFamily="34" charset="0"/>
@@ -9895,7 +13057,7 @@
         </p:blipFill>
         <p:spPr>
           <a:xfrm>
-            <a:off x="886777" y="1367246"/>
+            <a:off x="539643" y="1434979"/>
             <a:ext cx="11305223" cy="4799920"/>
           </a:xfrm>
           <a:prstGeom prst="rect">
@@ -9927,9 +13089,9 @@
 </file>
 
 <file path=ppt/theme/theme1.xml><?xml version="1.0" encoding="utf-8"?>
-<a:theme xmlns:a="http://schemas.openxmlformats.org/drawingml/2006/main" name="Office Theme">
+<a:theme xmlns:a="http://schemas.openxmlformats.org/drawingml/2006/main" name="Ion">
   <a:themeElements>
-    <a:clrScheme name="Office">
+    <a:clrScheme name="Ion">
       <a:dk1>
         <a:sysClr val="windowText" lastClr="000000"/>
       </a:dk1>
@@ -9937,44 +13099,44 @@
         <a:sysClr val="window" lastClr="FFFFFF"/>
       </a:lt1>
       <a:dk2>
-        <a:srgbClr val="44546A"/>
+        <a:srgbClr val="1E5155"/>
       </a:dk2>
       <a:lt2>
-        <a:srgbClr val="E7E6E6"/>
+        <a:srgbClr val="EBEBEB"/>
       </a:lt2>
       <a:accent1>
-        <a:srgbClr val="5B9BD5"/>
+        <a:srgbClr val="B01513"/>
       </a:accent1>
       <a:accent2>
-        <a:srgbClr val="ED7D31"/>
+        <a:srgbClr val="EA6312"/>
       </a:accent2>
       <a:accent3>
-        <a:srgbClr val="A5A5A5"/>
+        <a:srgbClr val="E6B729"/>
       </a:accent3>
       <a:accent4>
-        <a:srgbClr val="FFC000"/>
+        <a:srgbClr val="6AAC90"/>
       </a:accent4>
       <a:accent5>
-        <a:srgbClr val="4472C4"/>
+        <a:srgbClr val="54849A"/>
       </a:accent5>
       <a:accent6>
-        <a:srgbClr val="70AD47"/>
+        <a:srgbClr val="9E5E9B"/>
       </a:accent6>
       <a:hlink>
-        <a:srgbClr val="0563C1"/>
+        <a:srgbClr val="58C1BA"/>
       </a:hlink>
       <a:folHlink>
-        <a:srgbClr val="954F72"/>
+        <a:srgbClr val="9DFFCB"/>
       </a:folHlink>
     </a:clrScheme>
-    <a:fontScheme name="Office">
+    <a:fontScheme name="Ion">
       <a:majorFont>
-        <a:latin typeface="Calibri Light" panose="020F0302020204030204"/>
+        <a:latin typeface="Century Gothic" panose="020B0502020202020204"/>
         <a:ea typeface=""/>
         <a:cs typeface=""/>
-        <a:font script="Jpan" typeface="游ゴシック Light"/>
+        <a:font script="Jpan" typeface="メイリオ"/>
         <a:font script="Hang" typeface="맑은 고딕"/>
-        <a:font script="Hans" typeface="等线 Light"/>
+        <a:font script="Hans" typeface="宋体"/>
         <a:font script="Hant" typeface="新細明體"/>
         <a:font script="Arab" typeface="Times New Roman"/>
         <a:font script="Hebr" typeface="Times New Roman"/>
@@ -10004,12 +13166,12 @@
         <a:font script="Geor" typeface="Sylfaen"/>
       </a:majorFont>
       <a:minorFont>
-        <a:latin typeface="Calibri" panose="020F0502020204030204"/>
+        <a:latin typeface="Century Gothic" panose="020B0502020202020204"/>
         <a:ea typeface=""/>
         <a:cs typeface=""/>
-        <a:font script="Jpan" typeface="游ゴシック"/>
+        <a:font script="Jpan" typeface="メイリオ"/>
         <a:font script="Hang" typeface="맑은 고딕"/>
-        <a:font script="Hans" typeface="等线"/>
+        <a:font script="Hans" typeface="宋体"/>
         <a:font script="Hant" typeface="新細明體"/>
         <a:font script="Arab" typeface="Arial"/>
         <a:font script="Hebr" typeface="Arial"/>
@@ -10039,7 +13201,7 @@
         <a:font script="Geor" typeface="Sylfaen"/>
       </a:minorFont>
     </a:fontScheme>
-    <a:fmtScheme name="Office">
+    <a:fmtScheme name="Ion">
       <a:fillStyleLst>
         <a:solidFill>
           <a:schemeClr val="phClr"/>
@@ -10048,23 +13210,15 @@
           <a:gsLst>
             <a:gs pos="0">
               <a:schemeClr val="phClr">
-                <a:lumMod val="110000"/>
-                <a:satMod val="105000"/>
-                <a:tint val="67000"/>
-              </a:schemeClr>
-            </a:gs>
-            <a:gs pos="50000">
-              <a:schemeClr val="phClr">
-                <a:lumMod val="105000"/>
-                <a:satMod val="103000"/>
-                <a:tint val="73000"/>
+                <a:tint val="64000"/>
+                <a:lumMod val="118000"/>
               </a:schemeClr>
             </a:gs>
             <a:gs pos="100000">
               <a:schemeClr val="phClr">
-                <a:lumMod val="105000"/>
-                <a:satMod val="109000"/>
-                <a:tint val="81000"/>
+                <a:tint val="92000"/>
+                <a:alpha val="100000"/>
+                <a:lumMod val="110000"/>
               </a:schemeClr>
             </a:gs>
           </a:gsLst>
@@ -10074,23 +13228,14 @@
           <a:gsLst>
             <a:gs pos="0">
               <a:schemeClr val="phClr">
-                <a:satMod val="103000"/>
-                <a:lumMod val="102000"/>
-                <a:tint val="94000"/>
-              </a:schemeClr>
-            </a:gs>
-            <a:gs pos="50000">
-              <a:schemeClr val="phClr">
-                <a:satMod val="110000"/>
-                <a:lumMod val="100000"/>
-                <a:shade val="100000"/>
+                <a:tint val="98000"/>
+                <a:lumMod val="114000"/>
               </a:schemeClr>
             </a:gs>
             <a:gs pos="100000">
               <a:schemeClr val="phClr">
-                <a:lumMod val="99000"/>
-                <a:satMod val="120000"/>
-                <a:shade val="78000"/>
+                <a:shade val="90000"/>
+                <a:lumMod val="84000"/>
               </a:schemeClr>
             </a:gs>
           </a:gsLst>
@@ -10098,26 +13243,23 @@
         </a:gradFill>
       </a:fillStyleLst>
       <a:lnStyleLst>
-        <a:ln w="6350" cap="flat" cmpd="sng" algn="ctr">
+        <a:ln w="9525" cap="rnd" cmpd="sng" algn="ctr">
           <a:solidFill>
             <a:schemeClr val="phClr"/>
           </a:solidFill>
           <a:prstDash val="solid"/>
-          <a:miter lim="800000"/>
         </a:ln>
-        <a:ln w="12700" cap="flat" cmpd="sng" algn="ctr">
+        <a:ln w="19050" cap="rnd" cmpd="sng" algn="ctr">
           <a:solidFill>
             <a:schemeClr val="phClr"/>
           </a:solidFill>
           <a:prstDash val="solid"/>
-          <a:miter lim="800000"/>
         </a:ln>
-        <a:ln w="19050" cap="flat" cmpd="sng" algn="ctr">
+        <a:ln w="28575" cap="rnd" cmpd="sng" algn="ctr">
           <a:solidFill>
             <a:schemeClr val="phClr"/>
           </a:solidFill>
           <a:prstDash val="solid"/>
-          <a:miter lim="800000"/>
         </a:ln>
       </a:lnStyleLst>
       <a:effectStyleLst>
@@ -10125,55 +13267,80 @@
           <a:effectLst/>
         </a:effectStyle>
         <a:effectStyle>
-          <a:effectLst/>
+          <a:effectLst>
+            <a:outerShdw blurRad="38100" dist="25400" dir="5400000" rotWithShape="0">
+              <a:srgbClr val="000000">
+                <a:alpha val="45000"/>
+              </a:srgbClr>
+            </a:outerShdw>
+          </a:effectLst>
         </a:effectStyle>
         <a:effectStyle>
           <a:effectLst>
-            <a:outerShdw blurRad="57150" dist="19050" dir="5400000" algn="ctr" rotWithShape="0">
+            <a:outerShdw blurRad="63500" dist="38100" dir="5400000" rotWithShape="0">
               <a:srgbClr val="000000">
-                <a:alpha val="63000"/>
+                <a:alpha val="60000"/>
               </a:srgbClr>
             </a:outerShdw>
           </a:effectLst>
+          <a:scene3d>
+            <a:camera prst="orthographicFront">
+              <a:rot lat="0" lon="0" rev="0"/>
+            </a:camera>
+            <a:lightRig rig="threePt" dir="tl"/>
+          </a:scene3d>
+          <a:sp3d prstMaterial="plastic">
+            <a:bevelT w="0" h="0"/>
+          </a:sp3d>
         </a:effectStyle>
       </a:effectStyleLst>
       <a:bgFillStyleLst>
         <a:solidFill>
           <a:schemeClr val="phClr"/>
         </a:solidFill>
-        <a:solidFill>
-          <a:schemeClr val="phClr">
-            <a:tint val="95000"/>
-            <a:satMod val="170000"/>
-          </a:schemeClr>
-        </a:solidFill>
         <a:gradFill rotWithShape="1">
           <a:gsLst>
             <a:gs pos="0">
               <a:schemeClr val="phClr">
-                <a:tint val="93000"/>
-                <a:satMod val="150000"/>
-                <a:shade val="98000"/>
-                <a:lumMod val="102000"/>
-              </a:schemeClr>
-            </a:gs>
-            <a:gs pos="50000">
-              <a:schemeClr val="phClr">
-                <a:tint val="98000"/>
+                <a:tint val="97000"/>
+                <a:hueMod val="88000"/>
                 <a:satMod val="130000"/>
-                <a:shade val="90000"/>
-                <a:lumMod val="103000"/>
+                <a:lumMod val="124000"/>
               </a:schemeClr>
             </a:gs>
             <a:gs pos="100000">
               <a:schemeClr val="phClr">
-                <a:shade val="63000"/>
-                <a:satMod val="120000"/>
+                <a:tint val="96000"/>
+                <a:shade val="88000"/>
+                <a:hueMod val="108000"/>
+                <a:satMod val="164000"/>
+                <a:lumMod val="76000"/>
               </a:schemeClr>
             </a:gs>
           </a:gsLst>
-          <a:lin ang="5400000" scaled="0"/>
+          <a:path path="circle">
+            <a:fillToRect l="45000" t="65000" r="125000" b="100000"/>
+          </a:path>
         </a:gradFill>
+        <a:blipFill rotWithShape="1">
+          <a:blip xmlns:r="http://schemas.openxmlformats.org/officeDocument/2006/relationships" r:embed="rId1">
+            <a:duotone>
+              <a:schemeClr val="phClr">
+                <a:shade val="69000"/>
+                <a:hueMod val="108000"/>
+                <a:satMod val="164000"/>
+                <a:lumMod val="74000"/>
+              </a:schemeClr>
+              <a:schemeClr val="phClr">
+                <a:tint val="96000"/>
+                <a:hueMod val="88000"/>
+                <a:satMod val="140000"/>
+                <a:lumMod val="132000"/>
+              </a:schemeClr>
+            </a:duotone>
+          </a:blip>
+          <a:stretch/>
+        </a:blipFill>
       </a:bgFillStyleLst>
     </a:fmtScheme>
   </a:themeElements>
@@ -10181,7 +13348,7 @@
   <a:extraClrSchemeLst/>
   <a:extLst>
     <a:ext uri="{05A4C25C-085E-4340-85A3-A5531E510DB2}">
-      <thm15:themeFamily xmlns:thm15="http://schemas.microsoft.com/office/thememl/2012/main" name="Office Theme" id="{62F939B6-93AF-4DB8-9C6B-D6C7DFDC589F}" vid="{4A3C46E8-61CC-4603-A589-7422A47A8E4A}"/>
+      <thm15:themeFamily xmlns:thm15="http://schemas.microsoft.com/office/thememl/2012/main" name="Ion" id="{B8441ADB-2E43-4AF7-B97A-BD870242C6A8}" vid="{292E63A9-BB86-4E3D-B92A-7223C6510D2E}"/>
     </a:ext>
   </a:extLst>
 </a:theme>
